--- a/Drafts at different points/Presentation slides_Sep10.pptx
+++ b/Drafts at different points/Presentation slides_Sep10.pptx
@@ -5,7 +5,7 @@
     <p:sldMasterId id="2147483653" r:id="rId1"/>
   </p:sldMasterIdLst>
   <p:notesMasterIdLst>
-    <p:notesMasterId r:id="rId22"/>
+    <p:notesMasterId r:id="rId23"/>
   </p:notesMasterIdLst>
   <p:sldIdLst>
     <p:sldId id="261" r:id="rId2"/>
@@ -25,9 +25,10 @@
     <p:sldId id="284" r:id="rId16"/>
     <p:sldId id="285" r:id="rId17"/>
     <p:sldId id="291" r:id="rId18"/>
-    <p:sldId id="277" r:id="rId19"/>
-    <p:sldId id="263" r:id="rId20"/>
-    <p:sldId id="274" r:id="rId21"/>
+    <p:sldId id="292" r:id="rId19"/>
+    <p:sldId id="277" r:id="rId20"/>
+    <p:sldId id="263" r:id="rId21"/>
+    <p:sldId id="274" r:id="rId22"/>
   </p:sldIdLst>
   <p:sldSz cx="9144000" cy="6858000" type="screen4x3"/>
   <p:notesSz cx="6858000" cy="9144000"/>
@@ -148,6 +149,7 @@
             <p14:sldId id="284"/>
             <p14:sldId id="285"/>
             <p14:sldId id="291"/>
+            <p14:sldId id="292"/>
             <p14:sldId id="277"/>
             <p14:sldId id="263"/>
             <p14:sldId id="274"/>
@@ -258,7 +260,7 @@
           <a:p>
             <a:fld id="{D24A982C-8357-4A11-962B-225B16FC7B2F}" type="datetimeFigureOut">
               <a:rPr lang="en-US" smtClean="0"/>
-              <a:t>9/10/2018</a:t>
+              <a:t>9/11/2018</a:t>
             </a:fld>
             <a:endParaRPr lang="en-US"/>
           </a:p>
@@ -776,7 +778,7 @@
           <a:p>
             <a:fld id="{4B18FA1D-62CC-431E-8781-DCDB56443A0A}" type="slidenum">
               <a:rPr lang="en-US" smtClean="0"/>
-              <a:t>19</a:t>
+              <a:t>20</a:t>
             </a:fld>
             <a:endParaRPr lang="en-US"/>
           </a:p>
@@ -12524,8 +12526,8 @@
         </p:nvSpPr>
         <p:spPr>
           <a:xfrm rot="10800000" flipV="1">
-            <a:off x="5274906" y="2382123"/>
-            <a:ext cx="3688702" cy="2308324"/>
+            <a:off x="4980991" y="2167116"/>
+            <a:ext cx="3688702" cy="2523768"/>
           </a:xfrm>
           <a:prstGeom prst="rect">
             <a:avLst/>
@@ -12542,16 +12544,22 @@
           </a:p>
           <a:p>
             <a:r>
-              <a:rPr lang="en-US" dirty="0"/>
+              <a:rPr lang="en-US" sz="2000" dirty="0">
+                <a:latin typeface="Georgia" panose="02040502050405020303" pitchFamily="18" charset="0"/>
+              </a:rPr>
               <a:t>The estimated propensity scores are the fitted probabilities of being treated given four covariates. </a:t>
             </a:r>
           </a:p>
           <a:p>
-            <a:endParaRPr lang="en-US" dirty="0"/>
-          </a:p>
-          <a:p>
-            <a:r>
-              <a:rPr lang="en-US" dirty="0"/>
+            <a:endParaRPr lang="en-US" sz="2000" dirty="0">
+              <a:latin typeface="Georgia" panose="02040502050405020303" pitchFamily="18" charset="0"/>
+            </a:endParaRPr>
+          </a:p>
+          <a:p>
+            <a:r>
+              <a:rPr lang="en-US" sz="2000" dirty="0">
+                <a:latin typeface="Georgia" panose="02040502050405020303" pitchFamily="18" charset="0"/>
+              </a:rPr>
               <a:t>The difference between two distributions are substantial.</a:t>
             </a:r>
           </a:p>
@@ -12663,28 +12671,69 @@
           </a:p>
         </p:txBody>
       </p:sp>
-      <p:sp>
-        <p:nvSpPr>
-          <p:cNvPr id="3" name="Content Placeholder 2">
+      <p:pic>
+        <p:nvPicPr>
+          <p:cNvPr id="5" name="Content Placeholder 4">
             <a:extLst>
               <a:ext uri="{FF2B5EF4-FFF2-40B4-BE49-F238E27FC236}">
-                <a16:creationId xmlns:a16="http://schemas.microsoft.com/office/drawing/2014/main" id="{4D24A7ED-8338-4D26-B55F-F914388A2C09}"/>
+                <a16:creationId xmlns:a16="http://schemas.microsoft.com/office/drawing/2014/main" id="{EA585AB4-56FC-4AD5-9138-C078217A95A1}"/>
               </a:ext>
             </a:extLst>
           </p:cNvPr>
-          <p:cNvSpPr>
-            <a:spLocks noGrp="1"/>
-          </p:cNvSpPr>
+          <p:cNvPicPr>
+            <a:picLocks noGrp="1" noChangeAspect="1"/>
+          </p:cNvPicPr>
           <p:nvPr>
             <p:ph idx="1"/>
           </p:nvPr>
+        </p:nvPicPr>
+        <p:blipFill>
+          <a:blip r:embed="rId2"/>
+          <a:stretch>
+            <a:fillRect/>
+          </a:stretch>
+        </p:blipFill>
+        <p:spPr>
+          <a:xfrm>
+            <a:off x="419100" y="1530419"/>
+            <a:ext cx="8305800" cy="3797161"/>
+          </a:xfrm>
+        </p:spPr>
+      </p:pic>
+      <p:sp>
+        <p:nvSpPr>
+          <p:cNvPr id="6" name="TextBox 5">
+            <a:extLst>
+              <a:ext uri="{FF2B5EF4-FFF2-40B4-BE49-F238E27FC236}">
+                <a16:creationId xmlns:a16="http://schemas.microsoft.com/office/drawing/2014/main" id="{BED8A4CA-7050-453B-B24E-E77B08D97243}"/>
+              </a:ext>
+            </a:extLst>
+          </p:cNvPr>
+          <p:cNvSpPr txBox="1"/>
+          <p:nvPr/>
         </p:nvSpPr>
-        <p:spPr/>
+        <p:spPr>
+          <a:xfrm>
+            <a:off x="311169" y="5440361"/>
+            <a:ext cx="8890575" cy="400110"/>
+          </a:xfrm>
+          <a:prstGeom prst="rect">
+            <a:avLst/>
+          </a:prstGeom>
+          <a:noFill/>
+        </p:spPr>
         <p:txBody>
-          <a:bodyPr/>
+          <a:bodyPr wrap="none" rtlCol="0">
+            <a:spAutoFit/>
+          </a:bodyPr>
           <a:lstStyle/>
           <a:p>
-            <a:endParaRPr lang="en-US"/>
+            <a:r>
+              <a:rPr lang="en-US" sz="2000" dirty="0">
+                <a:latin typeface="Georgia" panose="02040502050405020303" pitchFamily="18" charset="0"/>
+              </a:rPr>
+              <a:t>After matching, leaders in the treatment and control groups are comparable. </a:t>
+            </a:r>
           </a:p>
         </p:txBody>
       </p:sp>
@@ -12720,7 +12769,13 @@
       </p:grpSpPr>
       <p:sp>
         <p:nvSpPr>
-          <p:cNvPr id="2" name="Title 1"/>
+          <p:cNvPr id="2" name="Title 1">
+            <a:extLst>
+              <a:ext uri="{FF2B5EF4-FFF2-40B4-BE49-F238E27FC236}">
+                <a16:creationId xmlns:a16="http://schemas.microsoft.com/office/drawing/2014/main" id="{ADDC1439-AD3E-482B-8610-EC5CDB1319A0}"/>
+              </a:ext>
+            </a:extLst>
+          </p:cNvPr>
           <p:cNvSpPr>
             <a:spLocks noGrp="1"/>
           </p:cNvSpPr>
@@ -12730,7 +12785,7 @@
         </p:nvSpPr>
         <p:spPr/>
         <p:txBody>
-          <a:bodyPr anchor="t"/>
+          <a:bodyPr/>
           <a:lstStyle/>
           <a:p>
             <a:r>
@@ -12747,16 +12802,16 @@
             <a:br>
               <a:rPr lang="en-US" sz="3600" b="1" dirty="0"/>
             </a:br>
-            <a:endParaRPr lang="en-US" sz="3600" b="1" dirty="0"/>
+            <a:endParaRPr lang="en-US" sz="3600" dirty="0"/>
           </a:p>
         </p:txBody>
       </p:sp>
       <p:sp>
         <p:nvSpPr>
-          <p:cNvPr id="10" name="TextBox 9">
+          <p:cNvPr id="6" name="TextBox 5">
             <a:extLst>
               <a:ext uri="{FF2B5EF4-FFF2-40B4-BE49-F238E27FC236}">
-                <a16:creationId xmlns:a16="http://schemas.microsoft.com/office/drawing/2014/main" id="{A24B6B10-7EA4-4D1C-8867-DE250B8C67F8}"/>
+                <a16:creationId xmlns:a16="http://schemas.microsoft.com/office/drawing/2014/main" id="{BED8A4CA-7050-453B-B24E-E77B08D97243}"/>
               </a:ext>
             </a:extLst>
           </p:cNvPr>
@@ -12764,9 +12819,9 @@
           <p:nvPr/>
         </p:nvSpPr>
         <p:spPr>
-          <a:xfrm rot="10800000" flipV="1">
-            <a:off x="5274906" y="2243619"/>
-            <a:ext cx="3688702" cy="2585323"/>
+          <a:xfrm>
+            <a:off x="311169" y="5440361"/>
+            <a:ext cx="247184" cy="400110"/>
           </a:xfrm>
           <a:prstGeom prst="rect">
             <a:avLst/>
@@ -12774,27 +12829,26 @@
           <a:noFill/>
         </p:spPr>
         <p:txBody>
-          <a:bodyPr wrap="square" rtlCol="0">
+          <a:bodyPr wrap="none" rtlCol="0">
             <a:spAutoFit/>
           </a:bodyPr>
           <a:lstStyle/>
           <a:p>
-            <a:endParaRPr lang="en-US" dirty="0"/>
-          </a:p>
-          <a:p>
-            <a:r>
-              <a:rPr lang="en-US" dirty="0"/>
-              <a:t>Holding leaders’ mean tenure constant, when there is no economic recession, those leaders who have experienced insecure shocks on average have 15% higher probability to negotiate a PTA than those without such “treatment”. </a:t>
+            <a:r>
+              <a:rPr lang="en-US" sz="2000" dirty="0">
+                <a:latin typeface="Georgia" panose="02040502050405020303" pitchFamily="18" charset="0"/>
+              </a:rPr>
+              <a:t> </a:t>
             </a:r>
           </a:p>
         </p:txBody>
       </p:sp>
       <p:pic>
         <p:nvPicPr>
-          <p:cNvPr id="7" name="Content Placeholder 6">
+          <p:cNvPr id="8" name="Content Placeholder 7">
             <a:extLst>
               <a:ext uri="{FF2B5EF4-FFF2-40B4-BE49-F238E27FC236}">
-                <a16:creationId xmlns:a16="http://schemas.microsoft.com/office/drawing/2014/main" id="{7CADE6ED-7B56-458C-86A4-180B7249B68C}"/>
+                <a16:creationId xmlns:a16="http://schemas.microsoft.com/office/drawing/2014/main" id="{2A96BE6A-9652-4D23-99DD-BEF7EB57853E}"/>
               </a:ext>
             </a:extLst>
           </p:cNvPr>
@@ -12813,15 +12867,15 @@
         </p:blipFill>
         <p:spPr>
           <a:xfrm>
-            <a:off x="549443" y="1417638"/>
-            <a:ext cx="4308696" cy="5047567"/>
+            <a:off x="434788" y="1506088"/>
+            <a:ext cx="8252012" cy="4480585"/>
           </a:xfrm>
         </p:spPr>
       </p:pic>
     </p:spTree>
     <p:extLst>
       <p:ext uri="{BB962C8B-B14F-4D97-AF65-F5344CB8AC3E}">
-        <p14:creationId xmlns:p14="http://schemas.microsoft.com/office/powerpoint/2010/main" val="3725436725"/>
+        <p14:creationId xmlns:p14="http://schemas.microsoft.com/office/powerpoint/2010/main" val="3829995359"/>
       </p:ext>
     </p:extLst>
   </p:cSld>
@@ -12858,129 +12912,116 @@
             <p:ph type="title"/>
           </p:nvPr>
         </p:nvSpPr>
-        <p:spPr>
-          <a:xfrm>
-            <a:off x="648477" y="281798"/>
-            <a:ext cx="6529873" cy="1143000"/>
-          </a:xfrm>
-        </p:spPr>
+        <p:spPr/>
         <p:txBody>
-          <a:bodyPr/>
+          <a:bodyPr anchor="t"/>
           <a:lstStyle/>
           <a:p>
             <a:r>
-              <a:rPr lang="en-US" b="1" dirty="0"/>
-              <a:t>Preliminary Conclusions</a:t>
+              <a:rPr lang="en-US" sz="3600" b="1" dirty="0"/>
+              <a:t>Empirical Findings:</a:t>
             </a:r>
             <a:br>
-              <a:rPr lang="en-US" b="1" dirty="0"/>
+              <a:rPr lang="en-US" sz="3600" b="1" dirty="0"/>
             </a:br>
-            <a:endParaRPr lang="en-US" b="1" dirty="0"/>
+            <a:r>
+              <a:rPr lang="en-US" sz="3600" b="1" dirty="0"/>
+              <a:t>Treatment Effect After Matching</a:t>
+            </a:r>
+            <a:br>
+              <a:rPr lang="en-US" sz="3600" b="1" dirty="0"/>
+            </a:br>
+            <a:endParaRPr lang="en-US" sz="3600" b="1" dirty="0"/>
           </a:p>
         </p:txBody>
       </p:sp>
       <p:sp>
         <p:nvSpPr>
-          <p:cNvPr id="3" name="Content Placeholder 2"/>
-          <p:cNvSpPr>
-            <a:spLocks noGrp="1"/>
-          </p:cNvSpPr>
+          <p:cNvPr id="10" name="TextBox 9">
+            <a:extLst>
+              <a:ext uri="{FF2B5EF4-FFF2-40B4-BE49-F238E27FC236}">
+                <a16:creationId xmlns:a16="http://schemas.microsoft.com/office/drawing/2014/main" id="{A24B6B10-7EA4-4D1C-8867-DE250B8C67F8}"/>
+              </a:ext>
+            </a:extLst>
+          </p:cNvPr>
+          <p:cNvSpPr txBox="1"/>
+          <p:nvPr/>
+        </p:nvSpPr>
+        <p:spPr>
+          <a:xfrm rot="10800000" flipV="1">
+            <a:off x="5274906" y="1951232"/>
+            <a:ext cx="3688702" cy="3170099"/>
+          </a:xfrm>
+          <a:prstGeom prst="rect">
+            <a:avLst/>
+          </a:prstGeom>
+          <a:noFill/>
+        </p:spPr>
+        <p:txBody>
+          <a:bodyPr wrap="square" rtlCol="0">
+            <a:spAutoFit/>
+          </a:bodyPr>
+          <a:lstStyle/>
+          <a:p>
+            <a:endParaRPr lang="en-US" sz="2000" dirty="0">
+              <a:latin typeface="Georgia" panose="02040502050405020303" pitchFamily="18" charset="0"/>
+            </a:endParaRPr>
+          </a:p>
+          <a:p>
+            <a:r>
+              <a:rPr lang="en-US" sz="2000" dirty="0">
+                <a:latin typeface="Georgia" panose="02040502050405020303" pitchFamily="18" charset="0"/>
+              </a:rPr>
+              <a:t>Holding leaders’ mean tenure constant, when there is no economic recession, those leaders who have experienced insecure shocks on average have around </a:t>
+            </a:r>
+            <a:r>
+              <a:rPr lang="en-US" sz="2000" b="1" dirty="0">
+                <a:latin typeface="Georgia" panose="02040502050405020303" pitchFamily="18" charset="0"/>
+              </a:rPr>
+              <a:t>15% </a:t>
+            </a:r>
+            <a:r>
+              <a:rPr lang="en-US" sz="2000" dirty="0">
+                <a:latin typeface="Georgia" panose="02040502050405020303" pitchFamily="18" charset="0"/>
+              </a:rPr>
+              <a:t>higher probability to negotiate a PTA than those without such “treatment”. </a:t>
+            </a:r>
+          </a:p>
+        </p:txBody>
+      </p:sp>
+      <p:pic>
+        <p:nvPicPr>
+          <p:cNvPr id="7" name="Content Placeholder 6">
+            <a:extLst>
+              <a:ext uri="{FF2B5EF4-FFF2-40B4-BE49-F238E27FC236}">
+                <a16:creationId xmlns:a16="http://schemas.microsoft.com/office/drawing/2014/main" id="{7CADE6ED-7B56-458C-86A4-180B7249B68C}"/>
+              </a:ext>
+            </a:extLst>
+          </p:cNvPr>
+          <p:cNvPicPr>
+            <a:picLocks noGrp="1" noChangeAspect="1"/>
+          </p:cNvPicPr>
           <p:nvPr>
             <p:ph idx="1"/>
           </p:nvPr>
-        </p:nvSpPr>
+        </p:nvPicPr>
+        <p:blipFill>
+          <a:blip r:embed="rId2"/>
+          <a:stretch>
+            <a:fillRect/>
+          </a:stretch>
+        </p:blipFill>
         <p:spPr>
           <a:xfrm>
-            <a:off x="381000" y="1600200"/>
-            <a:ext cx="6971522" cy="4525963"/>
+            <a:off x="549443" y="1417638"/>
+            <a:ext cx="4308696" cy="5047567"/>
           </a:xfrm>
         </p:spPr>
-        <p:txBody>
-          <a:bodyPr/>
-          <a:lstStyle/>
-          <a:p>
-            <a:pPr marL="0" indent="0">
-              <a:spcBef>
-                <a:spcPct val="50000"/>
-              </a:spcBef>
-              <a:spcAft>
-                <a:spcPts val="1200"/>
-              </a:spcAft>
-              <a:buNone/>
-            </a:pPr>
-            <a:r>
-              <a:rPr lang="en-US" sz="2400" u="sng" dirty="0">
-                <a:solidFill>
-                  <a:srgbClr val="131F33"/>
-                </a:solidFill>
-              </a:rPr>
-              <a:t>My hypothesis is empirically supported:</a:t>
-            </a:r>
-          </a:p>
-          <a:p>
-            <a:pPr marL="400050" lvl="1" indent="0">
-              <a:spcBef>
-                <a:spcPct val="50000"/>
-              </a:spcBef>
-              <a:spcAft>
-                <a:spcPts val="1200"/>
-              </a:spcAft>
-              <a:buNone/>
-            </a:pPr>
-            <a:r>
-              <a:rPr lang="en-US" sz="2000" dirty="0">
-                <a:solidFill>
-                  <a:srgbClr val="131F33"/>
-                </a:solidFill>
-              </a:rPr>
-              <a:t>When leaders experience political crisis, they are more likely to negotiate a South-North preferential trade agreement with the provision of economic reforms.</a:t>
-            </a:r>
-            <a:endParaRPr lang="en-US" sz="2000" u="sng" dirty="0">
-              <a:solidFill>
-                <a:srgbClr val="131F33"/>
-              </a:solidFill>
-            </a:endParaRPr>
-          </a:p>
-          <a:p>
-            <a:pPr marL="0" indent="0">
-              <a:spcBef>
-                <a:spcPct val="50000"/>
-              </a:spcBef>
-              <a:spcAft>
-                <a:spcPts val="1200"/>
-              </a:spcAft>
-              <a:buNone/>
-            </a:pPr>
-            <a:r>
-              <a:rPr lang="en-US" sz="2400" u="sng" dirty="0">
-                <a:solidFill>
-                  <a:srgbClr val="131F33"/>
-                </a:solidFill>
-              </a:rPr>
-              <a:t>Moving forward:</a:t>
-            </a:r>
-          </a:p>
-          <a:p>
-            <a:pPr marL="400050" lvl="1" indent="0">
-              <a:spcBef>
-                <a:spcPct val="50000"/>
-              </a:spcBef>
-              <a:spcAft>
-                <a:spcPts val="1200"/>
-              </a:spcAft>
-              <a:buNone/>
-            </a:pPr>
-            <a:r>
-              <a:rPr lang="en-US" sz="2000" dirty="0"/>
-              <a:t>Explore whether PTA negotiation helps leaders to conduct economic reforms.</a:t>
-            </a:r>
-          </a:p>
-        </p:txBody>
-      </p:sp>
+      </p:pic>
     </p:spTree>
     <p:extLst>
       <p:ext uri="{BB962C8B-B14F-4D97-AF65-F5344CB8AC3E}">
-        <p14:creationId xmlns:p14="http://schemas.microsoft.com/office/powerpoint/2010/main" val="3863931624"/>
+        <p14:creationId xmlns:p14="http://schemas.microsoft.com/office/powerpoint/2010/main" val="3725436725"/>
       </p:ext>
     </p:extLst>
   </p:cSld>
@@ -13155,6 +13196,168 @@
       </p:grpSpPr>
       <p:sp>
         <p:nvSpPr>
+          <p:cNvPr id="2" name="Title 1"/>
+          <p:cNvSpPr>
+            <a:spLocks noGrp="1"/>
+          </p:cNvSpPr>
+          <p:nvPr>
+            <p:ph type="title"/>
+          </p:nvPr>
+        </p:nvSpPr>
+        <p:spPr>
+          <a:xfrm>
+            <a:off x="648477" y="281798"/>
+            <a:ext cx="6529873" cy="1143000"/>
+          </a:xfrm>
+        </p:spPr>
+        <p:txBody>
+          <a:bodyPr/>
+          <a:lstStyle/>
+          <a:p>
+            <a:r>
+              <a:rPr lang="en-US" b="1" dirty="0"/>
+              <a:t>Conclusion</a:t>
+            </a:r>
+            <a:br>
+              <a:rPr lang="en-US" b="1" dirty="0"/>
+            </a:br>
+            <a:endParaRPr lang="en-US" b="1" dirty="0"/>
+          </a:p>
+        </p:txBody>
+      </p:sp>
+      <p:sp>
+        <p:nvSpPr>
+          <p:cNvPr id="3" name="Content Placeholder 2"/>
+          <p:cNvSpPr>
+            <a:spLocks noGrp="1"/>
+          </p:cNvSpPr>
+          <p:nvPr>
+            <p:ph idx="1"/>
+          </p:nvPr>
+        </p:nvSpPr>
+        <p:spPr>
+          <a:xfrm>
+            <a:off x="311075" y="1126864"/>
+            <a:ext cx="7117079" cy="4994237"/>
+          </a:xfrm>
+        </p:spPr>
+        <p:txBody>
+          <a:bodyPr/>
+          <a:lstStyle/>
+          <a:p>
+            <a:pPr marL="0" indent="0">
+              <a:spcBef>
+                <a:spcPct val="50000"/>
+              </a:spcBef>
+              <a:spcAft>
+                <a:spcPts val="1200"/>
+              </a:spcAft>
+              <a:buNone/>
+            </a:pPr>
+            <a:r>
+              <a:rPr lang="en-US" sz="2400" u="sng" dirty="0">
+                <a:solidFill>
+                  <a:srgbClr val="131F33"/>
+                </a:solidFill>
+                <a:latin typeface="Georgia" panose="02040502050405020303" pitchFamily="18" charset="0"/>
+              </a:rPr>
+              <a:t>My hypothesis is empirically supported:</a:t>
+            </a:r>
+          </a:p>
+          <a:p>
+            <a:pPr marL="400050" lvl="1" indent="0">
+              <a:spcBef>
+                <a:spcPct val="50000"/>
+              </a:spcBef>
+              <a:spcAft>
+                <a:spcPts val="1200"/>
+              </a:spcAft>
+              <a:buNone/>
+            </a:pPr>
+            <a:r>
+              <a:rPr lang="en-US" sz="2000" dirty="0">
+                <a:solidFill>
+                  <a:srgbClr val="131F33"/>
+                </a:solidFill>
+                <a:latin typeface="Georgia" panose="02040502050405020303" pitchFamily="18" charset="0"/>
+              </a:rPr>
+              <a:t>When leaders experience political crisis, they are more likely to negotiate a South-North preferential trade agreement with the provision of economic reforms.</a:t>
+            </a:r>
+          </a:p>
+          <a:p>
+            <a:pPr marL="0" indent="0">
+              <a:spcBef>
+                <a:spcPct val="50000"/>
+              </a:spcBef>
+              <a:spcAft>
+                <a:spcPts val="1200"/>
+              </a:spcAft>
+              <a:buNone/>
+            </a:pPr>
+            <a:r>
+              <a:rPr lang="en-US" sz="2400" u="sng" dirty="0">
+                <a:solidFill>
+                  <a:srgbClr val="131F33"/>
+                </a:solidFill>
+                <a:latin typeface="Georgia" panose="02040502050405020303" pitchFamily="18" charset="0"/>
+              </a:rPr>
+              <a:t>Recap: </a:t>
+            </a:r>
+          </a:p>
+          <a:p>
+            <a:pPr marL="400050" lvl="1" indent="0">
+              <a:spcBef>
+                <a:spcPct val="50000"/>
+              </a:spcBef>
+              <a:spcAft>
+                <a:spcPts val="1200"/>
+              </a:spcAft>
+              <a:buNone/>
+            </a:pPr>
+            <a:r>
+              <a:rPr lang="en-US" sz="2000" dirty="0">
+                <a:solidFill>
+                  <a:srgbClr val="131F33"/>
+                </a:solidFill>
+                <a:latin typeface="Georgia" panose="02040502050405020303" pitchFamily="18" charset="0"/>
+              </a:rPr>
+              <a:t>Why and when will leaders in developing country negotiate South-North Preferential Trade Agreements? The answer is simple and intuitive: when leaders in developing country experience a shock that creates political instability, they are more likely to negotiate a preferential trade agreement with the provision of economic reform with the expectation to cut off the power sources of the disloyal opposition.</a:t>
+            </a:r>
+          </a:p>
+        </p:txBody>
+      </p:sp>
+    </p:spTree>
+    <p:extLst>
+      <p:ext uri="{BB962C8B-B14F-4D97-AF65-F5344CB8AC3E}">
+        <p14:creationId xmlns:p14="http://schemas.microsoft.com/office/powerpoint/2010/main" val="3863931624"/>
+      </p:ext>
+    </p:extLst>
+  </p:cSld>
+  <p:clrMapOvr>
+    <a:masterClrMapping/>
+  </p:clrMapOvr>
+</p:sld>
+</file>
+
+<file path=ppt/slides/slide21.xml><?xml version="1.0" encoding="utf-8"?>
+<p:sld xmlns:a="http://schemas.openxmlformats.org/drawingml/2006/main" xmlns:r="http://schemas.openxmlformats.org/officeDocument/2006/relationships" xmlns:p="http://schemas.openxmlformats.org/presentationml/2006/main">
+  <p:cSld>
+    <p:spTree>
+      <p:nvGrpSpPr>
+        <p:cNvPr id="1" name=""/>
+        <p:cNvGrpSpPr/>
+        <p:nvPr/>
+      </p:nvGrpSpPr>
+      <p:grpSpPr>
+        <a:xfrm>
+          <a:off x="0" y="0"/>
+          <a:ext cx="0" cy="0"/>
+          <a:chOff x="0" y="0"/>
+          <a:chExt cx="0" cy="0"/>
+        </a:xfrm>
+      </p:grpSpPr>
+      <p:sp>
+        <p:nvSpPr>
           <p:cNvPr id="2" name="Title 1">
             <a:extLst>
               <a:ext uri="{FF2B5EF4-FFF2-40B4-BE49-F238E27FC236}">
@@ -13211,32 +13414,78 @@
           <a:lstStyle/>
           <a:p>
             <a:pPr marL="0" indent="0">
+              <a:spcBef>
+                <a:spcPct val="50000"/>
+              </a:spcBef>
+              <a:spcAft>
+                <a:spcPts val="1200"/>
+              </a:spcAft>
               <a:buNone/>
             </a:pPr>
-            <a:endParaRPr lang="en-US" b="1"/>
-          </a:p>
-          <a:p>
-            <a:pPr marL="0" indent="0">
+            <a:r>
+              <a:rPr lang="en-US" sz="2400" u="sng" dirty="0">
+                <a:solidFill>
+                  <a:srgbClr val="131F33"/>
+                </a:solidFill>
+                <a:latin typeface="Georgia" panose="02040502050405020303" pitchFamily="18" charset="0"/>
+              </a:rPr>
+              <a:t>Moving forward:</a:t>
+            </a:r>
+          </a:p>
+          <a:p>
+            <a:pPr lvl="1" indent="-342900">
+              <a:spcBef>
+                <a:spcPct val="50000"/>
+              </a:spcBef>
+              <a:spcAft>
+                <a:spcPts val="1200"/>
+              </a:spcAft>
+            </a:pPr>
+            <a:r>
+              <a:rPr lang="en-US" sz="2000" dirty="0">
+                <a:latin typeface="Georgia" panose="02040502050405020303" pitchFamily="18" charset="0"/>
+              </a:rPr>
+              <a:t>Explore whether PTA negotiation helps leaders to conduct economic reforms.</a:t>
+            </a:r>
+          </a:p>
+          <a:p>
+            <a:pPr marL="400050" lvl="1" indent="0">
+              <a:spcBef>
+                <a:spcPct val="50000"/>
+              </a:spcBef>
+              <a:spcAft>
+                <a:spcPts val="1200"/>
+              </a:spcAft>
               <a:buNone/>
             </a:pPr>
-            <a:endParaRPr lang="en-US" b="1"/>
-          </a:p>
-          <a:p>
-            <a:pPr marL="0" indent="0">
+            <a:endParaRPr lang="en-US" sz="2000" b="1" dirty="0">
+              <a:latin typeface="Georgia" panose="02040502050405020303" pitchFamily="18" charset="0"/>
+            </a:endParaRPr>
+          </a:p>
+          <a:p>
+            <a:pPr marL="400050" lvl="1" indent="0">
+              <a:spcBef>
+                <a:spcPct val="50000"/>
+              </a:spcBef>
+              <a:spcAft>
+                <a:spcPts val="1200"/>
+              </a:spcAft>
               <a:buNone/>
             </a:pPr>
             <a:r>
-              <a:rPr lang="en-US" b="1"/>
+              <a:rPr lang="en-US" b="1" dirty="0">
+                <a:latin typeface="Georgia" panose="02040502050405020303" pitchFamily="18" charset="0"/>
+              </a:rPr>
               <a:t>Questions and Comments are Greatly Appreciated!</a:t>
             </a:r>
             <a:br>
-              <a:rPr lang="en-US" b="1"/>
+              <a:rPr lang="en-US" b="1" dirty="0">
+                <a:latin typeface="Georgia" panose="02040502050405020303" pitchFamily="18" charset="0"/>
+              </a:rPr>
             </a:br>
-            <a:r>
-              <a:rPr lang="en-US" b="1"/>
-              <a:t>Thank you very much.</a:t>
-            </a:r>
-            <a:endParaRPr lang="en-US"/>
+            <a:endParaRPr lang="en-US" dirty="0">
+              <a:latin typeface="Georgia" panose="02040502050405020303" pitchFamily="18" charset="0"/>
+            </a:endParaRPr>
           </a:p>
         </p:txBody>
       </p:sp>
@@ -13342,7 +13591,7 @@
                 <a:latin typeface="Georgia" panose="02040502050405020303" pitchFamily="18" charset="0"/>
                 <a:cs typeface="Georgia" charset="0"/>
               </a:rPr>
-              <a:t>Case of South Africa in 1994: PTA with EU helped with the economic transition in South Africa</a:t>
+              <a:t>Case of South Africa in 1994: PTA with the EU helped with the economic transition in South Africa</a:t>
             </a:r>
           </a:p>
           <a:p>
@@ -13354,54 +13603,47 @@
                 <a:spcPts val="1200"/>
               </a:spcAft>
             </a:pPr>
-            <a:endParaRPr lang="en-US" sz="2000" dirty="0">
-              <a:latin typeface="Georgia" panose="02040502050405020303" pitchFamily="18" charset="0"/>
-              <a:cs typeface="Georgia" charset="0"/>
-            </a:endParaRPr>
-          </a:p>
-          <a:p>
-            <a:pPr>
+            <a:r>
+              <a:rPr lang="en-US" sz="2000" dirty="0">
+                <a:latin typeface="Georgia" panose="02040502050405020303" pitchFamily="18" charset="0"/>
+              </a:rPr>
+              <a:t>South Africa’s experience is a successful case:</a:t>
+            </a:r>
+          </a:p>
+          <a:p>
+            <a:pPr lvl="1">
               <a:spcBef>
                 <a:spcPts val="1200"/>
               </a:spcBef>
               <a:spcAft>
                 <a:spcPts val="1200"/>
               </a:spcAft>
+              <a:buFont typeface="Wingdings" panose="05000000000000000000" pitchFamily="2" charset="2"/>
+              <a:buChar char="Ø"/>
             </a:pPr>
             <a:r>
-              <a:rPr lang="en-US" sz="2000" dirty="0">
+              <a:rPr lang="en-US" sz="1800" dirty="0">
                 <a:latin typeface="Georgia" panose="02040502050405020303" pitchFamily="18" charset="0"/>
-                <a:cs typeface="Georgia" charset="0"/>
-              </a:rPr>
-              <a:t>Preferential trade agreements (</a:t>
-            </a:r>
-            <a:r>
-              <a:rPr lang="en-US" sz="2000" b="1" dirty="0">
+              </a:rPr>
+              <a:t>Economic reforms usually provoke controversy and organized opposition domestically, so often the ability of leaders to implement such liberal economic reforms is limited.</a:t>
+            </a:r>
+          </a:p>
+          <a:p>
+            <a:pPr lvl="1">
+              <a:spcBef>
+                <a:spcPts val="1200"/>
+              </a:spcBef>
+              <a:spcAft>
+                <a:spcPts val="1200"/>
+              </a:spcAft>
+              <a:buFont typeface="Wingdings" panose="05000000000000000000" pitchFamily="2" charset="2"/>
+              <a:buChar char="Ø"/>
+            </a:pPr>
+            <a:r>
+              <a:rPr lang="en-US" sz="1800" dirty="0">
                 <a:latin typeface="Georgia" panose="02040502050405020303" pitchFamily="18" charset="0"/>
-                <a:cs typeface="Georgia" charset="0"/>
-              </a:rPr>
-              <a:t>PTAs</a:t>
-            </a:r>
-            <a:r>
-              <a:rPr lang="en-US" sz="2000" dirty="0">
-                <a:latin typeface="Georgia" panose="02040502050405020303" pitchFamily="18" charset="0"/>
-                <a:cs typeface="Georgia" charset="0"/>
-              </a:rPr>
-              <a:t>) are </a:t>
-            </a:r>
-            <a:r>
-              <a:rPr lang="en-US" sz="2000" b="1" dirty="0">
-                <a:latin typeface="Georgia" panose="02040502050405020303" pitchFamily="18" charset="0"/>
-                <a:cs typeface="Georgia" charset="0"/>
-              </a:rPr>
-              <a:t>binding international treaties </a:t>
-            </a:r>
-            <a:r>
-              <a:rPr lang="en-US" sz="2000" dirty="0">
-                <a:latin typeface="Georgia" panose="02040502050405020303" pitchFamily="18" charset="0"/>
-                <a:cs typeface="Georgia" charset="0"/>
-              </a:rPr>
-              <a:t>that help states to foster trade and economic integration among member-states. </a:t>
+              </a:rPr>
+              <a:t>PTAs provide member governments with a mandate to make policy changes, while they supply material benefits and mechanisms to reward and punish members’ behaviours.   </a:t>
             </a:r>
           </a:p>
           <a:p>
@@ -13414,9 +13656,8 @@
               </a:spcAft>
               <a:buNone/>
             </a:pPr>
-            <a:endParaRPr lang="en-US" sz="2400" dirty="0">
-              <a:latin typeface="Georgia" charset="0"/>
-              <a:cs typeface="Georgia" charset="0"/>
+            <a:endParaRPr lang="en-US" sz="2000" dirty="0">
+              <a:latin typeface="Georgia" panose="02040502050405020303" pitchFamily="18" charset="0"/>
             </a:endParaRPr>
           </a:p>
           <a:p>
@@ -13536,16 +13777,27 @@
               <a:buNone/>
             </a:pPr>
             <a:r>
+              <a:rPr lang="en-US" sz="2000" dirty="0">
+                <a:latin typeface="Georgia" panose="02040502050405020303" pitchFamily="18" charset="0"/>
+              </a:rPr>
+              <a:t>Recognizing the preferential trade agreement with provisions of economic reforms is a binding commitment that imposes policy reforms and entails political costs, some leaders in the developing countries chose to negotiate it with the major liberal trade powers, while some did not.</a:t>
+            </a:r>
+          </a:p>
+          <a:p>
+            <a:pPr marL="0" indent="0">
+              <a:buNone/>
+            </a:pPr>
+            <a:r>
               <a:rPr lang="en-US" sz="2000" b="1" dirty="0">
                 <a:latin typeface="Georgia" panose="02040502050405020303" pitchFamily="18" charset="0"/>
               </a:rPr>
-              <a:t>Under what conditions </a:t>
+              <a:t>Why and when </a:t>
             </a:r>
             <a:r>
               <a:rPr lang="en-US" sz="2000" dirty="0">
                 <a:latin typeface="Georgia" panose="02040502050405020303" pitchFamily="18" charset="0"/>
               </a:rPr>
-              <a:t>will leaders in the developing countries negotiate the South-North Preferential Trade Agreements with required structural economic reforms?</a:t>
+              <a:t>will leaders in the developing countries negotiate South-North preferential trade agreements with provisions of economic reforms?</a:t>
             </a:r>
           </a:p>
           <a:p>
@@ -13643,29 +13895,45 @@
           <a:bodyPr/>
           <a:lstStyle/>
           <a:p>
+            <a:pPr marL="0" indent="0">
+              <a:buNone/>
+            </a:pPr>
             <a:r>
               <a:rPr lang="en-US" sz="2000" dirty="0">
                 <a:latin typeface="Georgia" panose="02040502050405020303" pitchFamily="18" charset="0"/>
               </a:rPr>
-              <a:t>Why South-North PTAs?</a:t>
-            </a:r>
-          </a:p>
-          <a:p>
-            <a:pPr lvl="1"/>
-            <a:r>
-              <a:rPr lang="en-US" sz="2000" dirty="0">
+              <a:t>Why focusing on South-North PTAs, in particular?</a:t>
+            </a:r>
+          </a:p>
+          <a:p>
+            <a:pPr lvl="1">
+              <a:buFont typeface="Wingdings" panose="05000000000000000000" pitchFamily="2" charset="2"/>
+              <a:buChar char="Ø"/>
+            </a:pPr>
+            <a:r>
+              <a:rPr lang="en-US" sz="1800" dirty="0">
                 <a:latin typeface="Georgia" panose="02040502050405020303" pitchFamily="18" charset="0"/>
               </a:rPr>
-              <a:t>Power imbalances between two contracting parties</a:t>
-            </a:r>
-          </a:p>
-          <a:p>
-            <a:pPr lvl="1"/>
-            <a:r>
-              <a:rPr lang="en-US" sz="2000" dirty="0">
+              <a:t>Rapidly growing international institution </a:t>
+            </a:r>
+            <a:r>
+              <a:rPr lang="en-US" sz="1800" dirty="0">
                 <a:latin typeface="Georgia" panose="02040502050405020303" pitchFamily="18" charset="0"/>
-              </a:rPr>
-              <a:t>Deliberate choice of leaders: South-North PTAs with the provision of economic reforms are the deepest agreements by design</a:t>
+                <a:cs typeface="Georgia" charset="0"/>
+              </a:rPr>
+              <a:t>that help states to foster trade and economic integration among member-states. </a:t>
+            </a:r>
+          </a:p>
+          <a:p>
+            <a:pPr lvl="1">
+              <a:buFont typeface="Wingdings" panose="05000000000000000000" pitchFamily="2" charset="2"/>
+              <a:buChar char="Ø"/>
+            </a:pPr>
+            <a:r>
+              <a:rPr lang="en-US" sz="1800" dirty="0">
+                <a:latin typeface="Georgia" panose="02040502050405020303" pitchFamily="18" charset="0"/>
+              </a:rPr>
+              <a:t>South-North PTAs with the provision of economic reforms are one of the most costly and deepest agreements by design.</a:t>
             </a:r>
           </a:p>
           <a:p>
@@ -13677,26 +13945,39 @@
             </a:endParaRPr>
           </a:p>
           <a:p>
+            <a:pPr marL="0" indent="0">
+              <a:buNone/>
+            </a:pPr>
             <a:r>
               <a:rPr lang="en-US" sz="2000" dirty="0">
                 <a:latin typeface="Georgia" panose="02040502050405020303" pitchFamily="18" charset="0"/>
               </a:rPr>
-              <a:t>The </a:t>
-            </a:r>
-            <a:r>
-              <a:rPr lang="en-US" sz="2000" b="1" dirty="0">
+              <a:t>Why does it matter?</a:t>
+            </a:r>
+          </a:p>
+          <a:p>
+            <a:pPr lvl="1">
+              <a:buFont typeface="Wingdings" panose="05000000000000000000" pitchFamily="2" charset="2"/>
+              <a:buChar char="Ø"/>
+            </a:pPr>
+            <a:r>
+              <a:rPr lang="en-US" sz="1800" dirty="0">
                 <a:latin typeface="Georgia" panose="02040502050405020303" pitchFamily="18" charset="0"/>
               </a:rPr>
-              <a:t>puzzles</a:t>
-            </a:r>
-            <a:r>
-              <a:rPr lang="en-US" sz="2000" dirty="0">
+              <a:t>PTA negotiation reflects deliberate choices of leaders.</a:t>
+            </a:r>
+          </a:p>
+          <a:p>
+            <a:pPr lvl="1">
+              <a:buFont typeface="Wingdings" panose="05000000000000000000" pitchFamily="2" charset="2"/>
+              <a:buChar char="Ø"/>
+            </a:pPr>
+            <a:r>
+              <a:rPr lang="en-US" sz="1800" dirty="0">
                 <a:latin typeface="Georgia" panose="02040502050405020303" pitchFamily="18" charset="0"/>
               </a:rPr>
-              <a:t> are: What motivates leaders to participate in this costly game? </a:t>
-            </a:r>
-          </a:p>
-          <a:p>
+              <a:t>Explain what motivates a leader to negotiate this particular deep and demanding international treaty and conduct economic reforms.</a:t>
+            </a:r>
             <a:endParaRPr lang="en-US" dirty="0"/>
           </a:p>
         </p:txBody>
@@ -13804,21 +14085,73 @@
                 <a:latin typeface="Georgia" panose="02040502050405020303" pitchFamily="18" charset="0"/>
                 <a:cs typeface="Georgia" charset="0"/>
               </a:rPr>
-              <a:t>Current literature on the preferential trade agreement mainly focuses on the </a:t>
-            </a:r>
-            <a:r>
-              <a:rPr lang="en-US" sz="2000" b="1" dirty="0">
+              <a:t>Effects versus causes:</a:t>
+            </a:r>
+          </a:p>
+          <a:p>
+            <a:pPr lvl="1">
+              <a:spcBef>
+                <a:spcPts val="1200"/>
+              </a:spcBef>
+              <a:spcAft>
+                <a:spcPts val="1200"/>
+              </a:spcAft>
+              <a:buFont typeface="Wingdings" panose="05000000000000000000" pitchFamily="2" charset="2"/>
+              <a:buChar char="Ø"/>
+            </a:pPr>
+            <a:r>
+              <a:rPr lang="en-US" sz="1800" dirty="0">
                 <a:latin typeface="Georgia" panose="02040502050405020303" pitchFamily="18" charset="0"/>
                 <a:cs typeface="Georgia" charset="0"/>
               </a:rPr>
-              <a:t>effects </a:t>
-            </a:r>
-            <a:r>
-              <a:rPr lang="en-US" sz="2000" dirty="0">
+              <a:t>Current literature on the preferential trade agreement mainly focuses on the </a:t>
+            </a:r>
+            <a:r>
+              <a:rPr lang="en-US" sz="1800" b="1" dirty="0">
                 <a:latin typeface="Georgia" panose="02040502050405020303" pitchFamily="18" charset="0"/>
                 <a:cs typeface="Georgia" charset="0"/>
               </a:rPr>
-              <a:t>of this institution. </a:t>
+              <a:t>effects </a:t>
+            </a:r>
+            <a:r>
+              <a:rPr lang="en-US" sz="1800" dirty="0">
+                <a:latin typeface="Georgia" panose="02040502050405020303" pitchFamily="18" charset="0"/>
+                <a:cs typeface="Georgia" charset="0"/>
+              </a:rPr>
+              <a:t>of this institution: whether they have achieved their economic purposes.</a:t>
+            </a:r>
+          </a:p>
+          <a:p>
+            <a:pPr lvl="1">
+              <a:spcBef>
+                <a:spcPts val="1200"/>
+              </a:spcBef>
+              <a:spcAft>
+                <a:spcPts val="1200"/>
+              </a:spcAft>
+              <a:buFont typeface="Wingdings" panose="05000000000000000000" pitchFamily="2" charset="2"/>
+              <a:buChar char="Ø"/>
+            </a:pPr>
+            <a:r>
+              <a:rPr lang="en-US" sz="1800" dirty="0">
+                <a:latin typeface="Georgia" panose="02040502050405020303" pitchFamily="18" charset="0"/>
+                <a:cs typeface="Georgia" charset="0"/>
+              </a:rPr>
+              <a:t>In contrast, this paper contributes to the </a:t>
+            </a:r>
+            <a:r>
+              <a:rPr lang="en-US" sz="1800" b="1" dirty="0">
+                <a:latin typeface="Georgia" panose="02040502050405020303" pitchFamily="18" charset="0"/>
+                <a:cs typeface="Georgia" charset="0"/>
+              </a:rPr>
+              <a:t>causes </a:t>
+            </a:r>
+            <a:r>
+              <a:rPr lang="en-US" sz="1800" dirty="0">
+                <a:latin typeface="Georgia" panose="02040502050405020303" pitchFamily="18" charset="0"/>
+                <a:cs typeface="Georgia" charset="0"/>
+              </a:rPr>
+              <a:t>of states’ formation of the PTAs.</a:t>
             </a:r>
           </a:p>
           <a:p>
@@ -13836,8 +14169,84 @@
                 <a:latin typeface="Georgia" panose="02040502050405020303" pitchFamily="18" charset="0"/>
                 <a:cs typeface="Georgia" charset="0"/>
               </a:rPr>
-              <a:t>In contrast, explain why states form the PTAs:</a:t>
-            </a:r>
+              <a:t>What are the gaps in the literature?</a:t>
+            </a:r>
+          </a:p>
+          <a:p>
+            <a:pPr lvl="1">
+              <a:spcBef>
+                <a:spcPts val="1200"/>
+              </a:spcBef>
+              <a:spcAft>
+                <a:spcPts val="1200"/>
+              </a:spcAft>
+              <a:buFont typeface="Wingdings" panose="05000000000000000000" pitchFamily="2" charset="2"/>
+              <a:buChar char="Ø"/>
+            </a:pPr>
+            <a:r>
+              <a:rPr lang="en-US" sz="1800" dirty="0">
+                <a:latin typeface="Georgia" panose="02040502050405020303" pitchFamily="18" charset="0"/>
+              </a:rPr>
+              <a:t>Overlook the design differences of the PTAs: the provision of economic reform comes in.</a:t>
+            </a:r>
+          </a:p>
+          <a:p>
+            <a:pPr lvl="1">
+              <a:spcBef>
+                <a:spcPts val="1200"/>
+              </a:spcBef>
+              <a:spcAft>
+                <a:spcPts val="1200"/>
+              </a:spcAft>
+              <a:buFont typeface="Wingdings" panose="05000000000000000000" pitchFamily="2" charset="2"/>
+              <a:buChar char="Ø"/>
+            </a:pPr>
+            <a:r>
+              <a:rPr lang="en-US" sz="1800" dirty="0">
+                <a:latin typeface="Georgia" panose="02040502050405020303" pitchFamily="18" charset="0"/>
+              </a:rPr>
+              <a:t>Overlook a key actor: How about opposition? </a:t>
+            </a:r>
+          </a:p>
+          <a:p>
+            <a:pPr marL="457200" lvl="1" indent="0">
+              <a:spcBef>
+                <a:spcPts val="1200"/>
+              </a:spcBef>
+              <a:spcAft>
+                <a:spcPts val="1200"/>
+              </a:spcAft>
+              <a:buNone/>
+            </a:pPr>
+            <a:endParaRPr lang="en-US" sz="1800" dirty="0">
+              <a:latin typeface="Georgia" panose="02040502050405020303" pitchFamily="18" charset="0"/>
+            </a:endParaRPr>
+          </a:p>
+          <a:p>
+            <a:pPr lvl="1">
+              <a:spcBef>
+                <a:spcPts val="1200"/>
+              </a:spcBef>
+              <a:spcAft>
+                <a:spcPts val="1200"/>
+              </a:spcAft>
+            </a:pPr>
+            <a:endParaRPr lang="en-US" sz="2000" dirty="0">
+              <a:latin typeface="Georgia" panose="02040502050405020303" pitchFamily="18" charset="0"/>
+            </a:endParaRPr>
+          </a:p>
+          <a:p>
+            <a:pPr lvl="1">
+              <a:spcBef>
+                <a:spcPts val="1200"/>
+              </a:spcBef>
+              <a:spcAft>
+                <a:spcPts val="1200"/>
+              </a:spcAft>
+            </a:pPr>
+            <a:endParaRPr lang="en-US" sz="2000" dirty="0">
+              <a:latin typeface="Georgia" panose="02040502050405020303" pitchFamily="18" charset="0"/>
+            </a:endParaRPr>
           </a:p>
           <a:p>
             <a:pPr marL="0" indent="0">
@@ -13863,88 +14272,9 @@
               </a:spcAft>
               <a:buNone/>
             </a:pPr>
-            <a:r>
-              <a:rPr lang="en-US" sz="2000" dirty="0">
-                <a:latin typeface="Georgia" panose="02040502050405020303" pitchFamily="18" charset="0"/>
-              </a:rPr>
-              <a:t>The </a:t>
-            </a:r>
-            <a:r>
-              <a:rPr lang="en-US" sz="2000" b="1" dirty="0">
-                <a:latin typeface="Georgia" panose="02040502050405020303" pitchFamily="18" charset="0"/>
-              </a:rPr>
-              <a:t>political purposes </a:t>
-            </a:r>
-            <a:r>
-              <a:rPr lang="en-US" sz="2000" dirty="0">
-                <a:latin typeface="Georgia" panose="02040502050405020303" pitchFamily="18" charset="0"/>
-              </a:rPr>
-              <a:t>of the leaders in the developing countries to negotiate trade treaties are currently understudied.</a:t>
-            </a:r>
-          </a:p>
-          <a:p>
-            <a:pPr>
-              <a:spcBef>
-                <a:spcPts val="1200"/>
-              </a:spcBef>
-              <a:spcAft>
-                <a:spcPts val="1200"/>
-              </a:spcAft>
-            </a:pPr>
             <a:endParaRPr lang="en-US" sz="2400" dirty="0">
               <a:latin typeface="Georgia" charset="0"/>
               <a:cs typeface="Georgia" charset="0"/>
-            </a:endParaRPr>
-          </a:p>
-        </p:txBody>
-      </p:sp>
-      <p:sp>
-        <p:nvSpPr>
-          <p:cNvPr id="4" name="Arrow: Down 3">
-            <a:extLst>
-              <a:ext uri="{FF2B5EF4-FFF2-40B4-BE49-F238E27FC236}">
-                <a16:creationId xmlns:a16="http://schemas.microsoft.com/office/drawing/2014/main" id="{53FDAA1C-E7F3-49E7-99A6-D205F8EE8366}"/>
-              </a:ext>
-            </a:extLst>
-          </p:cNvPr>
-          <p:cNvSpPr/>
-          <p:nvPr/>
-        </p:nvSpPr>
-        <p:spPr>
-          <a:xfrm>
-            <a:off x="3211384" y="2778813"/>
-            <a:ext cx="702906" cy="833648"/>
-          </a:xfrm>
-          <a:prstGeom prst="downArrow">
-            <a:avLst/>
-          </a:prstGeom>
-          <a:solidFill>
-            <a:schemeClr val="accent6"/>
-          </a:solidFill>
-        </p:spPr>
-        <p:style>
-          <a:lnRef idx="1">
-            <a:schemeClr val="accent1"/>
-          </a:lnRef>
-          <a:fillRef idx="3">
-            <a:schemeClr val="accent1"/>
-          </a:fillRef>
-          <a:effectRef idx="2">
-            <a:schemeClr val="accent1"/>
-          </a:effectRef>
-          <a:fontRef idx="minor">
-            <a:schemeClr val="lt1"/>
-          </a:fontRef>
-        </p:style>
-        <p:txBody>
-          <a:bodyPr rtlCol="0" anchor="ctr"/>
-          <a:lstStyle/>
-          <a:p>
-            <a:pPr algn="ctr"/>
-            <a:endParaRPr lang="en-US" dirty="0">
-              <a:solidFill>
-                <a:schemeClr val="accent2"/>
-              </a:solidFill>
             </a:endParaRPr>
           </a:p>
         </p:txBody>
@@ -14031,92 +14361,143 @@
         </p:nvSpPr>
         <p:spPr>
           <a:xfrm>
-            <a:off x="380999" y="1600200"/>
-            <a:ext cx="6772275" cy="4525963"/>
+            <a:off x="564776" y="1280160"/>
+            <a:ext cx="6588498" cy="4846004"/>
           </a:xfrm>
         </p:spPr>
         <p:txBody>
           <a:bodyPr/>
           <a:lstStyle/>
           <a:p>
+            <a:pPr marL="0" indent="0">
+              <a:buNone/>
+            </a:pPr>
             <a:r>
               <a:rPr lang="en-US" sz="2000" dirty="0">
                 <a:latin typeface="Georgia" panose="02040502050405020303" pitchFamily="18" charset="0"/>
               </a:rPr>
-              <a:t>Mansfield and Milner (2012): “Government sign PTAs for domestic political reasons” (p. 23). </a:t>
-            </a:r>
-          </a:p>
-          <a:p>
+              <a:t>Recent studies zoom into the domestic factors within the states to explain this trend. </a:t>
+            </a:r>
+          </a:p>
+          <a:p>
+            <a:pPr lvl="1">
+              <a:buFont typeface="Wingdings" panose="05000000000000000000" pitchFamily="2" charset="2"/>
+              <a:buChar char="Ø"/>
+            </a:pPr>
+            <a:r>
+              <a:rPr lang="en-US" sz="1800" dirty="0">
+                <a:latin typeface="Georgia" panose="02040502050405020303" pitchFamily="18" charset="0"/>
+              </a:rPr>
+              <a:t>Regime types matter: Democratic countries are more likely to join a PTA than nondemocratic countries (Mansfield &amp; Milner, 2012; Mansfield, Milner, &amp; </a:t>
+            </a:r>
+            <a:r>
+              <a:rPr lang="en-US" sz="1800" dirty="0" err="1">
+                <a:latin typeface="Georgia" panose="02040502050405020303" pitchFamily="18" charset="0"/>
+              </a:rPr>
+              <a:t>Rosendorff</a:t>
+            </a:r>
+            <a:r>
+              <a:rPr lang="en-US" sz="1800" dirty="0">
+                <a:latin typeface="Georgia" panose="02040502050405020303" pitchFamily="18" charset="0"/>
+              </a:rPr>
+              <a:t>, 2002). </a:t>
+            </a:r>
+          </a:p>
+          <a:p>
+            <a:pPr lvl="1">
+              <a:buFont typeface="Wingdings" panose="05000000000000000000" pitchFamily="2" charset="2"/>
+              <a:buChar char="Ø"/>
+            </a:pPr>
+            <a:r>
+              <a:rPr lang="en-US" sz="1800" dirty="0">
+                <a:latin typeface="Georgia" panose="02040502050405020303" pitchFamily="18" charset="0"/>
+              </a:rPr>
+              <a:t>Interest groups matter: Grossman and </a:t>
+            </a:r>
+            <a:r>
+              <a:rPr lang="en-US" sz="1800" dirty="0" err="1">
+                <a:latin typeface="Georgia" panose="02040502050405020303" pitchFamily="18" charset="0"/>
+              </a:rPr>
+              <a:t>Helpman</a:t>
+            </a:r>
+            <a:r>
+              <a:rPr lang="en-US" sz="1800" dirty="0">
+                <a:latin typeface="Georgia" panose="02040502050405020303" pitchFamily="18" charset="0"/>
+              </a:rPr>
+              <a:t> (1995)</a:t>
+            </a:r>
+          </a:p>
+          <a:p>
+            <a:pPr lvl="1">
+              <a:buFont typeface="Wingdings" panose="05000000000000000000" pitchFamily="2" charset="2"/>
+              <a:buChar char="Ø"/>
+            </a:pPr>
+            <a:r>
+              <a:rPr lang="en-US" sz="1800" dirty="0">
+                <a:latin typeface="Georgia" panose="02040502050405020303" pitchFamily="18" charset="0"/>
+              </a:rPr>
+              <a:t>Private sectors matter: (</a:t>
+            </a:r>
+            <a:r>
+              <a:rPr lang="en-US" sz="1800" dirty="0" err="1">
+                <a:latin typeface="Georgia" panose="02040502050405020303" pitchFamily="18" charset="0"/>
+              </a:rPr>
+              <a:t>Staiger</a:t>
+            </a:r>
+            <a:r>
+              <a:rPr lang="en-US" sz="1800" dirty="0">
+                <a:latin typeface="Georgia" panose="02040502050405020303" pitchFamily="18" charset="0"/>
+              </a:rPr>
+              <a:t> &amp; </a:t>
+            </a:r>
+            <a:r>
+              <a:rPr lang="en-US" sz="1800" dirty="0" err="1">
+                <a:latin typeface="Georgia" panose="02040502050405020303" pitchFamily="18" charset="0"/>
+              </a:rPr>
+              <a:t>Tabellini</a:t>
+            </a:r>
+            <a:r>
+              <a:rPr lang="en-US" sz="1800" dirty="0">
+                <a:latin typeface="Georgia" panose="02040502050405020303" pitchFamily="18" charset="0"/>
+              </a:rPr>
+              <a:t>, 1999). </a:t>
+            </a:r>
+          </a:p>
+          <a:p>
+            <a:pPr marL="0" indent="0">
+              <a:buNone/>
+            </a:pPr>
+            <a:endParaRPr lang="en-US" sz="2000" dirty="0">
+              <a:latin typeface="Georgia" panose="02040502050405020303" pitchFamily="18" charset="0"/>
+            </a:endParaRPr>
+          </a:p>
+          <a:p>
+            <a:pPr marL="0" indent="0">
+              <a:buNone/>
+            </a:pPr>
             <a:r>
               <a:rPr lang="en-US" sz="2000" dirty="0">
                 <a:latin typeface="Georgia" panose="02040502050405020303" pitchFamily="18" charset="0"/>
               </a:rPr>
-              <a:t>Voters matter: Democratic countries are more likely to join a PTA than nondemocratic countries (Mansfield &amp; Milner, 2012; Mansfield, Milner, &amp; </a:t>
-            </a:r>
-            <a:r>
-              <a:rPr lang="en-US" sz="2000" dirty="0" err="1">
+              <a:t>Opposition matters: </a:t>
+            </a:r>
+          </a:p>
+          <a:p>
+            <a:pPr lvl="1">
+              <a:buFont typeface="Wingdings" panose="05000000000000000000" pitchFamily="2" charset="2"/>
+              <a:buChar char="Ø"/>
+            </a:pPr>
+            <a:r>
+              <a:rPr lang="en-US" sz="1800" dirty="0">
                 <a:latin typeface="Georgia" panose="02040502050405020303" pitchFamily="18" charset="0"/>
               </a:rPr>
-              <a:t>Rosendorff</a:t>
-            </a:r>
-            <a:r>
-              <a:rPr lang="en-US" sz="2000" dirty="0">
-                <a:latin typeface="Georgia" panose="02040502050405020303" pitchFamily="18" charset="0"/>
-              </a:rPr>
-              <a:t>, 2002). </a:t>
-            </a:r>
-          </a:p>
-          <a:p>
-            <a:r>
-              <a:rPr lang="en-US" sz="2000" dirty="0">
-                <a:latin typeface="Georgia" panose="02040502050405020303" pitchFamily="18" charset="0"/>
-              </a:rPr>
-              <a:t>Interest groups matter: Grossman and </a:t>
-            </a:r>
-            <a:r>
-              <a:rPr lang="en-US" sz="2000" dirty="0" err="1">
-                <a:latin typeface="Georgia" panose="02040502050405020303" pitchFamily="18" charset="0"/>
-              </a:rPr>
-              <a:t>Helpman</a:t>
-            </a:r>
-            <a:r>
-              <a:rPr lang="en-US" sz="2000" dirty="0">
-                <a:latin typeface="Georgia" panose="02040502050405020303" pitchFamily="18" charset="0"/>
-              </a:rPr>
-              <a:t> (1995)</a:t>
-            </a:r>
-          </a:p>
-          <a:p>
-            <a:r>
-              <a:rPr lang="en-US" sz="2000" dirty="0">
-                <a:latin typeface="Georgia" panose="02040502050405020303" pitchFamily="18" charset="0"/>
-              </a:rPr>
-              <a:t>Private sectors matter: (</a:t>
-            </a:r>
-            <a:r>
-              <a:rPr lang="en-US" sz="2000" dirty="0" err="1">
-                <a:latin typeface="Georgia" panose="02040502050405020303" pitchFamily="18" charset="0"/>
-              </a:rPr>
-              <a:t>Staiger</a:t>
-            </a:r>
-            <a:r>
-              <a:rPr lang="en-US" sz="2000" dirty="0">
-                <a:latin typeface="Georgia" panose="02040502050405020303" pitchFamily="18" charset="0"/>
-              </a:rPr>
-              <a:t> &amp; </a:t>
-            </a:r>
-            <a:r>
-              <a:rPr lang="en-US" sz="2000" dirty="0" err="1">
-                <a:latin typeface="Georgia" panose="02040502050405020303" pitchFamily="18" charset="0"/>
-              </a:rPr>
-              <a:t>Tabellini</a:t>
-            </a:r>
-            <a:r>
-              <a:rPr lang="en-US" sz="2000" dirty="0">
-                <a:latin typeface="Georgia" panose="02040502050405020303" pitchFamily="18" charset="0"/>
-              </a:rPr>
-              <a:t>, 1999). </a:t>
-            </a:r>
+              <a:t>A leader negotiates a PTA with the provision of economic reform to punish the opponents’ past transgression. </a:t>
+            </a:r>
+          </a:p>
+          <a:p>
+            <a:endParaRPr lang="en-US" sz="2000" dirty="0">
+              <a:latin typeface="Georgia" panose="02040502050405020303" pitchFamily="18" charset="0"/>
+            </a:endParaRPr>
           </a:p>
           <a:p>
             <a:endParaRPr lang="en-US" sz="2000" dirty="0">
@@ -14214,67 +14595,63 @@
           <a:bodyPr/>
           <a:lstStyle/>
           <a:p>
+            <a:pPr marL="0" indent="0">
+              <a:buNone/>
+            </a:pPr>
             <a:r>
               <a:rPr lang="en-US" sz="2000" dirty="0">
                 <a:latin typeface="Georgia" panose="02040502050405020303" pitchFamily="18" charset="0"/>
               </a:rPr>
-              <a:t>How about opposition, those elites from the ruling coalition? </a:t>
-            </a:r>
-          </a:p>
-          <a:p>
-            <a:pPr>
-              <a:spcBef>
-                <a:spcPts val="1200"/>
-              </a:spcBef>
-              <a:spcAft>
-                <a:spcPts val="1200"/>
-              </a:spcAft>
+              <a:t>Highlights:</a:t>
+            </a:r>
+          </a:p>
+          <a:p>
+            <a:pPr marL="0" indent="0">
+              <a:buNone/>
             </a:pPr>
             <a:endParaRPr lang="en-US" sz="2000" dirty="0">
               <a:latin typeface="Georgia" panose="02040502050405020303" pitchFamily="18" charset="0"/>
-              <a:cs typeface="Georgia" charset="0"/>
             </a:endParaRPr>
           </a:p>
           <a:p>
-            <a:pPr>
-              <a:spcBef>
-                <a:spcPts val="1200"/>
-              </a:spcBef>
-              <a:spcAft>
-                <a:spcPts val="1200"/>
-              </a:spcAft>
+            <a:pPr lvl="1">
+              <a:buFont typeface="Wingdings" panose="05000000000000000000" pitchFamily="2" charset="2"/>
+              <a:buChar char="Ø"/>
             </a:pPr>
             <a:r>
-              <a:rPr lang="en-US" sz="2000" dirty="0">
+              <a:rPr lang="en-US" sz="1800" dirty="0">
                 <a:latin typeface="Georgia" panose="02040502050405020303" pitchFamily="18" charset="0"/>
               </a:rPr>
-              <a:t>This paper focuses on the </a:t>
-            </a:r>
-            <a:r>
-              <a:rPr lang="en-US" sz="2000" b="1" dirty="0">
+              <a:t>leaders negotiate PTAs for </a:t>
+            </a:r>
+            <a:r>
+              <a:rPr lang="en-US" sz="1800" b="1" dirty="0">
                 <a:latin typeface="Georgia" panose="02040502050405020303" pitchFamily="18" charset="0"/>
               </a:rPr>
-              <a:t>strategic behaviors</a:t>
-            </a:r>
-            <a:r>
-              <a:rPr lang="en-US" sz="2000" dirty="0">
+              <a:t>political reason</a:t>
+            </a:r>
+            <a:r>
+              <a:rPr lang="en-US" sz="1800" dirty="0">
                 <a:latin typeface="Georgia" panose="02040502050405020303" pitchFamily="18" charset="0"/>
               </a:rPr>
-              <a:t> of leaders to form PTAs to consolidate their power vis-à-vis the opposition.</a:t>
-            </a:r>
-          </a:p>
-          <a:p>
-            <a:pPr>
-              <a:spcBef>
-                <a:spcPts val="1200"/>
-              </a:spcBef>
-              <a:spcAft>
-                <a:spcPts val="1200"/>
-              </a:spcAft>
+              <a:t>.</a:t>
+            </a:r>
+          </a:p>
+          <a:p>
+            <a:pPr lvl="1">
+              <a:buFont typeface="Wingdings" panose="05000000000000000000" pitchFamily="2" charset="2"/>
+              <a:buChar char="Ø"/>
             </a:pPr>
-            <a:endParaRPr lang="en-US" sz="2400" dirty="0">
-              <a:latin typeface="Georgia" charset="0"/>
-              <a:cs typeface="Georgia" charset="0"/>
+            <a:r>
+              <a:rPr lang="en-US" sz="1800" dirty="0">
+                <a:latin typeface="Georgia" panose="02040502050405020303" pitchFamily="18" charset="0"/>
+              </a:rPr>
+              <a:t>PTA negotiation is a deliberate choice that a leader makes to commit to the binding and stringent policy reforms to rearrange the domestic power structures.</a:t>
+            </a:r>
+          </a:p>
+          <a:p>
+            <a:endParaRPr lang="en-US" sz="2000" dirty="0">
+              <a:latin typeface="Georgia" panose="02040502050405020303" pitchFamily="18" charset="0"/>
             </a:endParaRPr>
           </a:p>
         </p:txBody>
@@ -14367,62 +14744,6 @@
         <p:txBody>
           <a:bodyPr/>
           <a:lstStyle/>
-          <a:p>
-            <a:r>
-              <a:rPr lang="en-US" sz="2000" dirty="0">
-                <a:latin typeface="Georgia" panose="02040502050405020303" pitchFamily="18" charset="0"/>
-              </a:rPr>
-              <a:t>Leaders of developing countries: they anticipate a forthcoming structural economic transformation </a:t>
-            </a:r>
-            <a:r>
-              <a:rPr lang="en-US" sz="2000" i="1" dirty="0">
-                <a:latin typeface="Georgia" panose="02040502050405020303" pitchFamily="18" charset="0"/>
-              </a:rPr>
-              <a:t>before</a:t>
-            </a:r>
-            <a:r>
-              <a:rPr lang="en-US" sz="2000" dirty="0">
-                <a:latin typeface="Georgia" panose="02040502050405020303" pitchFamily="18" charset="0"/>
-              </a:rPr>
-              <a:t> the negotiation.</a:t>
-            </a:r>
-          </a:p>
-          <a:p>
-            <a:r>
-              <a:rPr lang="en-US" sz="2000" dirty="0">
-                <a:latin typeface="Georgia" panose="02040502050405020303" pitchFamily="18" charset="0"/>
-              </a:rPr>
-              <a:t>Domestic economic reforms usually provoke controversy and organized opposition.</a:t>
-            </a:r>
-          </a:p>
-          <a:p>
-            <a:r>
-              <a:rPr lang="en-US" sz="2000" dirty="0">
-                <a:latin typeface="Georgia" panose="02040502050405020303" pitchFamily="18" charset="0"/>
-              </a:rPr>
-              <a:t>PTA is an effective instrument for promoting such economic reform. </a:t>
-            </a:r>
-          </a:p>
-          <a:p>
-            <a:r>
-              <a:rPr lang="en-US" sz="2000" dirty="0">
-                <a:latin typeface="Georgia" panose="02040502050405020303" pitchFamily="18" charset="0"/>
-              </a:rPr>
-              <a:t>Argument: The leaders in the developing countries choose to negotiate the PTAs to lock in the economic reforms for the </a:t>
-            </a:r>
-            <a:r>
-              <a:rPr lang="en-US" sz="2000" b="1" dirty="0">
-                <a:latin typeface="Georgia" panose="02040502050405020303" pitchFamily="18" charset="0"/>
-              </a:rPr>
-              <a:t>primary goal of political survival</a:t>
-            </a:r>
-            <a:r>
-              <a:rPr lang="en-US" sz="2000" dirty="0">
-                <a:latin typeface="Georgia" panose="02040502050405020303" pitchFamily="18" charset="0"/>
-              </a:rPr>
-              <a:t>.</a:t>
-            </a:r>
-          </a:p>
           <a:p>
             <a:endParaRPr lang="en-US" sz="2400" dirty="0">
               <a:latin typeface="Georgia" charset="0"/>

--- a/Drafts at different points/Presentation slides_Sep10.pptx
+++ b/Drafts at different points/Presentation slides_Sep10.pptx
@@ -5,30 +5,27 @@
     <p:sldMasterId id="2147483653" r:id="rId1"/>
   </p:sldMasterIdLst>
   <p:notesMasterIdLst>
-    <p:notesMasterId r:id="rId23"/>
+    <p:notesMasterId r:id="rId20"/>
   </p:notesMasterIdLst>
   <p:sldIdLst>
     <p:sldId id="261" r:id="rId2"/>
-    <p:sldId id="264" r:id="rId3"/>
-    <p:sldId id="265" r:id="rId4"/>
-    <p:sldId id="276" r:id="rId5"/>
-    <p:sldId id="288" r:id="rId6"/>
-    <p:sldId id="266" r:id="rId7"/>
-    <p:sldId id="287" r:id="rId8"/>
-    <p:sldId id="267" r:id="rId9"/>
-    <p:sldId id="268" r:id="rId10"/>
-    <p:sldId id="290" r:id="rId11"/>
-    <p:sldId id="270" r:id="rId12"/>
-    <p:sldId id="289" r:id="rId13"/>
-    <p:sldId id="275" r:id="rId14"/>
-    <p:sldId id="278" r:id="rId15"/>
-    <p:sldId id="284" r:id="rId16"/>
-    <p:sldId id="285" r:id="rId17"/>
-    <p:sldId id="291" r:id="rId18"/>
-    <p:sldId id="292" r:id="rId19"/>
-    <p:sldId id="277" r:id="rId20"/>
-    <p:sldId id="263" r:id="rId21"/>
-    <p:sldId id="274" r:id="rId22"/>
+    <p:sldId id="265" r:id="rId3"/>
+    <p:sldId id="266" r:id="rId4"/>
+    <p:sldId id="267" r:id="rId5"/>
+    <p:sldId id="294" r:id="rId6"/>
+    <p:sldId id="290" r:id="rId7"/>
+    <p:sldId id="270" r:id="rId8"/>
+    <p:sldId id="293" r:id="rId9"/>
+    <p:sldId id="289" r:id="rId10"/>
+    <p:sldId id="275" r:id="rId11"/>
+    <p:sldId id="284" r:id="rId12"/>
+    <p:sldId id="285" r:id="rId13"/>
+    <p:sldId id="291" r:id="rId14"/>
+    <p:sldId id="292" r:id="rId15"/>
+    <p:sldId id="277" r:id="rId16"/>
+    <p:sldId id="263" r:id="rId17"/>
+    <p:sldId id="296" r:id="rId18"/>
+    <p:sldId id="295" r:id="rId19"/>
   </p:sldIdLst>
   <p:sldSz cx="9144000" cy="6858000" type="screen4x3"/>
   <p:notesSz cx="6858000" cy="9144000"/>
@@ -133,26 +130,23 @@
         <p14:section name="Default Section" id="{D9ACA30A-74E7-4788-980B-C5713E257473}">
           <p14:sldIdLst>
             <p14:sldId id="261"/>
-            <p14:sldId id="264"/>
             <p14:sldId id="265"/>
-            <p14:sldId id="276"/>
-            <p14:sldId id="288"/>
             <p14:sldId id="266"/>
-            <p14:sldId id="287"/>
             <p14:sldId id="267"/>
-            <p14:sldId id="268"/>
+            <p14:sldId id="294"/>
             <p14:sldId id="290"/>
             <p14:sldId id="270"/>
+            <p14:sldId id="293"/>
             <p14:sldId id="289"/>
             <p14:sldId id="275"/>
-            <p14:sldId id="278"/>
             <p14:sldId id="284"/>
             <p14:sldId id="285"/>
             <p14:sldId id="291"/>
             <p14:sldId id="292"/>
             <p14:sldId id="277"/>
             <p14:sldId id="263"/>
-            <p14:sldId id="274"/>
+            <p14:sldId id="296"/>
+            <p14:sldId id="295"/>
           </p14:sldIdLst>
         </p14:section>
       </p14:sectionLst>
@@ -260,7 +254,7 @@
           <a:p>
             <a:fld id="{D24A982C-8357-4A11-962B-225B16FC7B2F}" type="datetimeFigureOut">
               <a:rPr lang="en-US" smtClean="0"/>
-              <a:t>9/11/2018</a:t>
+              <a:t>9/18/2018</a:t>
             </a:fld>
             <a:endParaRPr lang="en-US"/>
           </a:p>
@@ -664,7 +658,10 @@
           <a:bodyPr/>
           <a:lstStyle/>
           <a:p>
-            <a:endParaRPr lang="en-US"/>
+            <a:r>
+              <a:rPr lang="en-US"/>
+              <a:t>hello</a:t>
+            </a:r>
           </a:p>
           <a:p>
             <a:endParaRPr lang="en-US"/>
@@ -688,7 +685,7 @@
           <a:p>
             <a:fld id="{4B18FA1D-62CC-431E-8781-DCDB56443A0A}" type="slidenum">
               <a:rPr lang="en-US" smtClean="0"/>
-              <a:t>2</a:t>
+              <a:t>16</a:t>
             </a:fld>
             <a:endParaRPr lang="en-US"/>
           </a:p>
@@ -697,7 +694,7 @@
     </p:spTree>
     <p:extLst>
       <p:ext uri="{BB962C8B-B14F-4D97-AF65-F5344CB8AC3E}">
-        <p14:creationId xmlns:p14="http://schemas.microsoft.com/office/powerpoint/2010/main" val="159692910"/>
+        <p14:creationId xmlns:p14="http://schemas.microsoft.com/office/powerpoint/2010/main" val="1961162347"/>
       </p:ext>
     </p:extLst>
   </p:cSld>
@@ -778,7 +775,7 @@
           <a:p>
             <a:fld id="{4B18FA1D-62CC-431E-8781-DCDB56443A0A}" type="slidenum">
               <a:rPr lang="en-US" smtClean="0"/>
-              <a:t>20</a:t>
+              <a:t>17</a:t>
             </a:fld>
             <a:endParaRPr lang="en-US"/>
           </a:p>
@@ -787,7 +784,7 @@
     </p:spTree>
     <p:extLst>
       <p:ext uri="{BB962C8B-B14F-4D97-AF65-F5344CB8AC3E}">
-        <p14:creationId xmlns:p14="http://schemas.microsoft.com/office/powerpoint/2010/main" val="1961162347"/>
+        <p14:creationId xmlns:p14="http://schemas.microsoft.com/office/powerpoint/2010/main" val="3442542542"/>
       </p:ext>
     </p:extLst>
   </p:cSld>
@@ -4724,104 +4721,99 @@
             <p:ph type="title"/>
           </p:nvPr>
         </p:nvSpPr>
-        <p:spPr>
-          <a:xfrm>
-            <a:off x="628650" y="365125"/>
-            <a:ext cx="8515350" cy="1607675"/>
-          </a:xfrm>
-        </p:spPr>
+        <p:spPr/>
         <p:txBody>
           <a:bodyPr/>
           <a:lstStyle/>
           <a:p>
-            <a:r>
-              <a:rPr lang="en-US" b="1"/>
-              <a:t>When will Leaders of Developing Countries Negotiate South-North Preferential Trade Agreements?</a:t>
-            </a:r>
             <a:br>
-              <a:rPr lang="en-US" b="1"/>
+              <a:rPr lang="en-US" b="1" dirty="0"/>
             </a:br>
-            <a:endParaRPr lang="en-US" b="1"/>
+            <a:endParaRPr lang="en-US" b="1" dirty="0"/>
           </a:p>
         </p:txBody>
       </p:sp>
       <p:sp>
         <p:nvSpPr>
-          <p:cNvPr id="4" name="Content Placeholder 3">
+          <p:cNvPr id="2" name="Rectangle 1">
             <a:extLst>
               <a:ext uri="{FF2B5EF4-FFF2-40B4-BE49-F238E27FC236}">
-                <a16:creationId xmlns:a16="http://schemas.microsoft.com/office/drawing/2014/main" id="{9E0048B7-254D-4AC5-B82E-E445C7ACA2D6}"/>
+                <a16:creationId xmlns:a16="http://schemas.microsoft.com/office/drawing/2014/main" id="{D3761942-CDE1-46F7-9683-96CEA34409A3}"/>
               </a:ext>
             </a:extLst>
           </p:cNvPr>
-          <p:cNvSpPr>
-            <a:spLocks noGrp="1"/>
-          </p:cNvSpPr>
-          <p:nvPr>
-            <p:ph sz="quarter" idx="10"/>
-          </p:nvPr>
+          <p:cNvSpPr/>
+          <p:nvPr/>
         </p:nvSpPr>
         <p:spPr>
           <a:xfrm>
-            <a:off x="4970297" y="4329385"/>
-            <a:ext cx="4274679" cy="1374775"/>
+            <a:off x="774550" y="1295321"/>
+            <a:ext cx="6481481" cy="2308324"/>
           </a:xfrm>
+          <a:prstGeom prst="rect">
+            <a:avLst/>
+          </a:prstGeom>
         </p:spPr>
         <p:txBody>
-          <a:bodyPr/>
+          <a:bodyPr wrap="square">
+            <a:spAutoFit/>
+          </a:bodyPr>
           <a:lstStyle/>
           <a:p>
             <a:r>
-              <a:rPr lang="en-US" sz="2400">
-                <a:solidFill>
-                  <a:schemeClr val="bg1"/>
-                </a:solidFill>
+              <a:rPr lang="en-US" sz="3600" b="1" dirty="0">
                 <a:latin typeface="+mj-lt"/>
-                <a:cs typeface="Georgia" charset="0"/>
+              </a:rPr>
+              <a:t>Why and When will Leaders of Developing County Negotiate South-North Preferential Trade Agreements?</a:t>
+            </a:r>
+            <a:endParaRPr lang="en-US" sz="3600" dirty="0">
+              <a:latin typeface="+mj-lt"/>
+            </a:endParaRPr>
+          </a:p>
+        </p:txBody>
+      </p:sp>
+      <p:sp>
+        <p:nvSpPr>
+          <p:cNvPr id="6" name="TextBox 5">
+            <a:extLst>
+              <a:ext uri="{FF2B5EF4-FFF2-40B4-BE49-F238E27FC236}">
+                <a16:creationId xmlns:a16="http://schemas.microsoft.com/office/drawing/2014/main" id="{7240B93B-9425-4B1E-B5A4-8F393B8133C2}"/>
+              </a:ext>
+            </a:extLst>
+          </p:cNvPr>
+          <p:cNvSpPr txBox="1"/>
+          <p:nvPr/>
+        </p:nvSpPr>
+        <p:spPr>
+          <a:xfrm>
+            <a:off x="3945366" y="4480560"/>
+            <a:ext cx="3379451" cy="707886"/>
+          </a:xfrm>
+          <a:prstGeom prst="rect">
+            <a:avLst/>
+          </a:prstGeom>
+          <a:noFill/>
+        </p:spPr>
+        <p:txBody>
+          <a:bodyPr wrap="none" rtlCol="0">
+            <a:spAutoFit/>
+          </a:bodyPr>
+          <a:lstStyle/>
+          <a:p>
+            <a:r>
+              <a:rPr lang="en-US" sz="2000" dirty="0">
+                <a:latin typeface="+mj-lt"/>
               </a:rPr>
               <a:t>Lucie Lu</a:t>
             </a:r>
-            <a:br>
-              <a:rPr lang="en-US" sz="2400">
-                <a:solidFill>
-                  <a:schemeClr val="bg1"/>
-                </a:solidFill>
+          </a:p>
+          <a:p>
+            <a:r>
+              <a:rPr lang="en-US" sz="2000" dirty="0">
                 <a:latin typeface="+mj-lt"/>
-                <a:cs typeface="Georgia" charset="0"/>
-              </a:rPr>
-            </a:br>
-            <a:r>
-              <a:rPr lang="en-US" sz="1600">
-                <a:solidFill>
-                  <a:schemeClr val="bg1"/>
-                </a:solidFill>
-                <a:latin typeface="+mj-lt"/>
-                <a:cs typeface="Georgia" charset="0"/>
               </a:rPr>
               <a:t>Department of Political Science</a:t>
             </a:r>
-          </a:p>
-          <a:p>
-            <a:r>
-              <a:rPr lang="en-US" sz="1600">
-                <a:solidFill>
-                  <a:schemeClr val="bg1"/>
-                </a:solidFill>
-                <a:latin typeface="+mj-lt"/>
-                <a:cs typeface="Georgia" charset="0"/>
-              </a:rPr>
-              <a:t>University of Illinois at Urbana-Champaign</a:t>
-            </a:r>
-            <a:endParaRPr lang="en-US" sz="2400">
-              <a:solidFill>
-                <a:schemeClr val="bg1"/>
-              </a:solidFill>
-              <a:latin typeface="+mj-lt"/>
-              <a:cs typeface="Georgia" charset="0"/>
-            </a:endParaRPr>
-          </a:p>
-          <a:p>
-            <a:endParaRPr lang="en-US"/>
           </a:p>
         </p:txBody>
       </p:sp>
@@ -4860,7 +4852,251 @@
           <p:cNvPr id="2" name="Title 1">
             <a:extLst>
               <a:ext uri="{FF2B5EF4-FFF2-40B4-BE49-F238E27FC236}">
-                <a16:creationId xmlns:a16="http://schemas.microsoft.com/office/drawing/2014/main" id="{021A205D-912B-4D1A-AF06-6BEC0D5DB37A}"/>
+                <a16:creationId xmlns:a16="http://schemas.microsoft.com/office/drawing/2014/main" id="{6269473E-FA7E-43FC-9290-03A2A773DDA7}"/>
+              </a:ext>
+            </a:extLst>
+          </p:cNvPr>
+          <p:cNvSpPr>
+            <a:spLocks noGrp="1"/>
+          </p:cNvSpPr>
+          <p:nvPr>
+            <p:ph type="title"/>
+          </p:nvPr>
+        </p:nvSpPr>
+        <p:spPr/>
+        <p:txBody>
+          <a:bodyPr/>
+          <a:lstStyle/>
+          <a:p>
+            <a:r>
+              <a:rPr lang="en-US" sz="4000" b="1" dirty="0"/>
+              <a:t>Research Design</a:t>
+            </a:r>
+            <a:br>
+              <a:rPr lang="en-US" sz="4000" b="1" dirty="0"/>
+            </a:br>
+            <a:br>
+              <a:rPr lang="en-US" sz="4000" b="1" dirty="0"/>
+            </a:br>
+            <a:endParaRPr lang="en-US" sz="4000" dirty="0"/>
+          </a:p>
+        </p:txBody>
+      </p:sp>
+      <p:sp>
+        <p:nvSpPr>
+          <p:cNvPr id="3" name="Content Placeholder 2">
+            <a:extLst>
+              <a:ext uri="{FF2B5EF4-FFF2-40B4-BE49-F238E27FC236}">
+                <a16:creationId xmlns:a16="http://schemas.microsoft.com/office/drawing/2014/main" id="{85A49457-CF33-4C50-B587-9B075291C5CC}"/>
+              </a:ext>
+            </a:extLst>
+          </p:cNvPr>
+          <p:cNvSpPr>
+            <a:spLocks noGrp="1"/>
+          </p:cNvSpPr>
+          <p:nvPr>
+            <p:ph idx="1"/>
+          </p:nvPr>
+        </p:nvSpPr>
+        <p:spPr>
+          <a:xfrm>
+            <a:off x="419100" y="1052512"/>
+            <a:ext cx="8343900" cy="4885709"/>
+          </a:xfrm>
+        </p:spPr>
+        <p:txBody>
+          <a:bodyPr/>
+          <a:lstStyle/>
+          <a:p>
+            <a:r>
+              <a:rPr lang="en-US" sz="2000" b="1" dirty="0">
+                <a:latin typeface="Georgia" panose="02040502050405020303" pitchFamily="18" charset="0"/>
+              </a:rPr>
+              <a:t>Unit of analysis is leader. </a:t>
+            </a:r>
+          </a:p>
+          <a:p>
+            <a:pPr lvl="1">
+              <a:buFont typeface="Wingdings" panose="05000000000000000000" pitchFamily="2" charset="2"/>
+              <a:buChar char="Ø"/>
+            </a:pPr>
+            <a:r>
+              <a:rPr lang="en-US" sz="1800" dirty="0">
+                <a:latin typeface="Georgia" panose="02040502050405020303" pitchFamily="18" charset="0"/>
+              </a:rPr>
+              <a:t>The dataset covers 286 leaders in 62 developing countries in the period 1995 to 2015.</a:t>
+            </a:r>
+          </a:p>
+          <a:p>
+            <a:r>
+              <a:rPr lang="en-US" sz="2000" b="1" dirty="0">
+                <a:latin typeface="Georgia" panose="02040502050405020303" pitchFamily="18" charset="0"/>
+              </a:rPr>
+              <a:t>Dependent Variable</a:t>
+            </a:r>
+            <a:r>
+              <a:rPr lang="en-US" sz="2000" dirty="0">
+                <a:latin typeface="Georgia" panose="02040502050405020303" pitchFamily="18" charset="0"/>
+              </a:rPr>
+              <a:t>: South-North PTA negotiation</a:t>
+            </a:r>
+          </a:p>
+          <a:p>
+            <a:pPr marL="0"/>
+            <a:r>
+              <a:rPr lang="en-US" sz="2000" b="1" dirty="0">
+                <a:latin typeface="Georgia" panose="02040502050405020303" pitchFamily="18" charset="0"/>
+              </a:rPr>
+              <a:t>Independent Variable</a:t>
+            </a:r>
+            <a:r>
+              <a:rPr lang="en-US" sz="2000" dirty="0">
+                <a:latin typeface="Georgia" panose="02040502050405020303" pitchFamily="18" charset="0"/>
+              </a:rPr>
+              <a:t>: Shocks to Security</a:t>
+            </a:r>
+          </a:p>
+          <a:p>
+            <a:pPr marL="0"/>
+            <a:r>
+              <a:rPr lang="en-US" sz="2000" b="1" dirty="0">
+                <a:latin typeface="Georgia" panose="02040502050405020303" pitchFamily="18" charset="0"/>
+              </a:rPr>
+              <a:t>Matching on the Covariates</a:t>
+            </a:r>
+            <a:r>
+              <a:rPr lang="en-US" sz="2000" dirty="0">
+                <a:latin typeface="Georgia" panose="02040502050405020303" pitchFamily="18" charset="0"/>
+              </a:rPr>
+              <a:t>: </a:t>
+            </a:r>
+          </a:p>
+          <a:p>
+            <a:pPr marL="800100" lvl="2">
+              <a:buFont typeface="Wingdings" panose="05000000000000000000" pitchFamily="2" charset="2"/>
+              <a:buChar char="Ø"/>
+            </a:pPr>
+            <a:r>
+              <a:rPr lang="en-US" sz="1800" dirty="0">
+                <a:latin typeface="Georgia" panose="02040502050405020303" pitchFamily="18" charset="0"/>
+              </a:rPr>
+              <a:t>Regime Type (V-Dem’s)</a:t>
+            </a:r>
+          </a:p>
+          <a:p>
+            <a:pPr marL="800100" lvl="2">
+              <a:buFont typeface="Wingdings" panose="05000000000000000000" pitchFamily="2" charset="2"/>
+              <a:buChar char="Ø"/>
+            </a:pPr>
+            <a:r>
+              <a:rPr lang="en-US" sz="1800" dirty="0">
+                <a:latin typeface="Georgia" panose="02040502050405020303" pitchFamily="18" charset="0"/>
+              </a:rPr>
+              <a:t>Human Rights Conditions (PTS score)</a:t>
+            </a:r>
+          </a:p>
+          <a:p>
+            <a:pPr marL="800100" lvl="2">
+              <a:buFont typeface="Wingdings" panose="05000000000000000000" pitchFamily="2" charset="2"/>
+              <a:buChar char="Ø"/>
+            </a:pPr>
+            <a:r>
+              <a:rPr lang="en-US" sz="1800" dirty="0">
+                <a:latin typeface="Georgia" panose="02040502050405020303" pitchFamily="18" charset="0"/>
+              </a:rPr>
+              <a:t>Regime Duration </a:t>
+            </a:r>
+          </a:p>
+          <a:p>
+            <a:pPr marL="800100" lvl="2">
+              <a:buFont typeface="Wingdings" panose="05000000000000000000" pitchFamily="2" charset="2"/>
+              <a:buChar char="Ø"/>
+            </a:pPr>
+            <a:r>
+              <a:rPr lang="en-US" sz="1800" dirty="0">
+                <a:latin typeface="Georgia" panose="02040502050405020303" pitchFamily="18" charset="0"/>
+              </a:rPr>
+              <a:t>GDP per capita</a:t>
+            </a:r>
+          </a:p>
+          <a:p>
+            <a:r>
+              <a:rPr lang="en-US" sz="2000" b="1" dirty="0">
+                <a:latin typeface="Georgia" panose="02040502050405020303" pitchFamily="18" charset="0"/>
+              </a:rPr>
+              <a:t>Confounding Variables in the OLS Model:</a:t>
+            </a:r>
+          </a:p>
+          <a:p>
+            <a:pPr marL="800100" lvl="2">
+              <a:buFont typeface="Wingdings" panose="05000000000000000000" pitchFamily="2" charset="2"/>
+              <a:buChar char="Ø"/>
+            </a:pPr>
+            <a:r>
+              <a:rPr lang="en-US" sz="1800" dirty="0">
+                <a:latin typeface="Georgia" panose="02040502050405020303" pitchFamily="18" charset="0"/>
+              </a:rPr>
+              <a:t>Leaders’ tenure</a:t>
+            </a:r>
+          </a:p>
+          <a:p>
+            <a:pPr marL="800100" lvl="2">
+              <a:buFont typeface="Wingdings" panose="05000000000000000000" pitchFamily="2" charset="2"/>
+              <a:buChar char="Ø"/>
+            </a:pPr>
+            <a:r>
+              <a:rPr lang="en-US" sz="1800" dirty="0">
+                <a:latin typeface="Georgia" panose="02040502050405020303" pitchFamily="18" charset="0"/>
+              </a:rPr>
+              <a:t>Economic Recession (Negative Economic Growth) </a:t>
+            </a:r>
+          </a:p>
+          <a:p>
+            <a:pPr marL="457200" lvl="1" indent="0">
+              <a:buNone/>
+            </a:pPr>
+            <a:endParaRPr lang="en-US" sz="2000" dirty="0">
+              <a:latin typeface="Georgia" panose="02040502050405020303" pitchFamily="18" charset="0"/>
+            </a:endParaRPr>
+          </a:p>
+        </p:txBody>
+      </p:sp>
+    </p:spTree>
+    <p:extLst>
+      <p:ext uri="{BB962C8B-B14F-4D97-AF65-F5344CB8AC3E}">
+        <p14:creationId xmlns:p14="http://schemas.microsoft.com/office/powerpoint/2010/main" val="4244507822"/>
+      </p:ext>
+    </p:extLst>
+  </p:cSld>
+  <p:clrMapOvr>
+    <a:masterClrMapping/>
+  </p:clrMapOvr>
+</p:sld>
+</file>
+
+<file path=ppt/slides/slide11.xml><?xml version="1.0" encoding="utf-8"?>
+<p:sld xmlns:a="http://schemas.openxmlformats.org/drawingml/2006/main" xmlns:r="http://schemas.openxmlformats.org/officeDocument/2006/relationships" xmlns:p="http://schemas.openxmlformats.org/presentationml/2006/main">
+  <p:cSld>
+    <p:spTree>
+      <p:nvGrpSpPr>
+        <p:cNvPr id="1" name=""/>
+        <p:cNvGrpSpPr/>
+        <p:nvPr/>
+      </p:nvGrpSpPr>
+      <p:grpSpPr>
+        <a:xfrm>
+          <a:off x="0" y="0"/>
+          <a:ext cx="0" cy="0"/>
+          <a:chOff x="0" y="0"/>
+          <a:chExt cx="0" cy="0"/>
+        </a:xfrm>
+      </p:grpSpPr>
+      <p:sp>
+        <p:nvSpPr>
+          <p:cNvPr id="2" name="Title 1">
+            <a:extLst>
+              <a:ext uri="{FF2B5EF4-FFF2-40B4-BE49-F238E27FC236}">
+                <a16:creationId xmlns:a16="http://schemas.microsoft.com/office/drawing/2014/main" id="{0F45DF75-3D84-4208-8879-81AECB4C093C}"/>
               </a:ext>
             </a:extLst>
           </p:cNvPr>
@@ -4873,8 +5109,8 @@
         </p:nvSpPr>
         <p:spPr>
           <a:xfrm>
-            <a:off x="1031838" y="376836"/>
-            <a:ext cx="5867400" cy="1143000"/>
+            <a:off x="380999" y="602747"/>
+            <a:ext cx="8650045" cy="1143000"/>
           </a:xfrm>
         </p:spPr>
         <p:txBody>
@@ -4882,13 +5118,2518 @@
           <a:lstStyle/>
           <a:p>
             <a:r>
-              <a:rPr lang="en-US" b="1" dirty="0"/>
+              <a:rPr lang="en-US" sz="3600" b="1" dirty="0"/>
+              <a:t>Empirical Findings: Data Description</a:t>
+            </a:r>
+            <a:endParaRPr lang="en-US" sz="3600" dirty="0"/>
+          </a:p>
+        </p:txBody>
+      </p:sp>
+      <p:sp>
+        <p:nvSpPr>
+          <p:cNvPr id="6" name="Content Placeholder 5">
+            <a:extLst>
+              <a:ext uri="{FF2B5EF4-FFF2-40B4-BE49-F238E27FC236}">
+                <a16:creationId xmlns:a16="http://schemas.microsoft.com/office/drawing/2014/main" id="{DF77DDB2-C667-4349-8AC1-E7997E0999DC}"/>
+              </a:ext>
+            </a:extLst>
+          </p:cNvPr>
+          <p:cNvSpPr>
+            <a:spLocks noGrp="1"/>
+          </p:cNvSpPr>
+          <p:nvPr>
+            <p:ph idx="1"/>
+          </p:nvPr>
+        </p:nvSpPr>
+        <p:spPr/>
+        <p:txBody>
+          <a:bodyPr/>
+          <a:lstStyle/>
+          <a:p>
+            <a:endParaRPr lang="en-US"/>
+          </a:p>
+        </p:txBody>
+      </p:sp>
+      <p:pic>
+        <p:nvPicPr>
+          <p:cNvPr id="7" name="Picture 6">
+            <a:extLst>
+              <a:ext uri="{FF2B5EF4-FFF2-40B4-BE49-F238E27FC236}">
+                <a16:creationId xmlns:a16="http://schemas.microsoft.com/office/drawing/2014/main" id="{5E8F54CF-CDA4-4B12-A657-8AED1231566F}"/>
+              </a:ext>
+            </a:extLst>
+          </p:cNvPr>
+          <p:cNvPicPr>
+            <a:picLocks noChangeAspect="1"/>
+          </p:cNvPicPr>
+          <p:nvPr/>
+        </p:nvPicPr>
+        <p:blipFill>
+          <a:blip r:embed="rId2"/>
+          <a:stretch>
+            <a:fillRect/>
+          </a:stretch>
+        </p:blipFill>
+        <p:spPr>
+          <a:xfrm>
+            <a:off x="181423" y="1552110"/>
+            <a:ext cx="8781153" cy="1990395"/>
+          </a:xfrm>
+          <a:prstGeom prst="rect">
+            <a:avLst/>
+          </a:prstGeom>
+        </p:spPr>
+      </p:pic>
+    </p:spTree>
+    <p:extLst>
+      <p:ext uri="{BB962C8B-B14F-4D97-AF65-F5344CB8AC3E}">
+        <p14:creationId xmlns:p14="http://schemas.microsoft.com/office/powerpoint/2010/main" val="3153279886"/>
+      </p:ext>
+    </p:extLst>
+  </p:cSld>
+  <p:clrMapOvr>
+    <a:masterClrMapping/>
+  </p:clrMapOvr>
+</p:sld>
+</file>
+
+<file path=ppt/slides/slide12.xml><?xml version="1.0" encoding="utf-8"?>
+<p:sld xmlns:a="http://schemas.openxmlformats.org/drawingml/2006/main" xmlns:r="http://schemas.openxmlformats.org/officeDocument/2006/relationships" xmlns:p="http://schemas.openxmlformats.org/presentationml/2006/main">
+  <p:cSld>
+    <p:spTree>
+      <p:nvGrpSpPr>
+        <p:cNvPr id="1" name=""/>
+        <p:cNvGrpSpPr/>
+        <p:nvPr/>
+      </p:nvGrpSpPr>
+      <p:grpSpPr>
+        <a:xfrm>
+          <a:off x="0" y="0"/>
+          <a:ext cx="0" cy="0"/>
+          <a:chOff x="0" y="0"/>
+          <a:chExt cx="0" cy="0"/>
+        </a:xfrm>
+      </p:grpSpPr>
+      <p:sp>
+        <p:nvSpPr>
+          <p:cNvPr id="2" name="Title 1"/>
+          <p:cNvSpPr>
+            <a:spLocks noGrp="1"/>
+          </p:cNvSpPr>
+          <p:nvPr>
+            <p:ph type="title"/>
+          </p:nvPr>
+        </p:nvSpPr>
+        <p:spPr/>
+        <p:txBody>
+          <a:bodyPr anchor="t"/>
+          <a:lstStyle/>
+          <a:p>
+            <a:r>
+              <a:rPr lang="en-US" sz="3600" b="1" dirty="0"/>
+              <a:t>Empirical Findings:</a:t>
+            </a:r>
+            <a:br>
+              <a:rPr lang="en-US" sz="3600" b="1" dirty="0"/>
+            </a:br>
+            <a:r>
+              <a:rPr lang="en-US" sz="3600" b="1" dirty="0"/>
+              <a:t>Propensity Score Before Matching</a:t>
+            </a:r>
+            <a:br>
+              <a:rPr lang="en-US" sz="3600" b="1" dirty="0"/>
+            </a:br>
+            <a:endParaRPr lang="en-US" sz="3600" b="1" dirty="0"/>
+          </a:p>
+        </p:txBody>
+      </p:sp>
+      <p:pic>
+        <p:nvPicPr>
+          <p:cNvPr id="6" name="Content Placeholder 5">
+            <a:extLst>
+              <a:ext uri="{FF2B5EF4-FFF2-40B4-BE49-F238E27FC236}">
+                <a16:creationId xmlns:a16="http://schemas.microsoft.com/office/drawing/2014/main" id="{2028B7AE-1DFE-462A-9B62-5B1AA44F221F}"/>
+              </a:ext>
+            </a:extLst>
+          </p:cNvPr>
+          <p:cNvPicPr>
+            <a:picLocks noGrp="1" noChangeAspect="1"/>
+          </p:cNvPicPr>
+          <p:nvPr>
+            <p:ph idx="1"/>
+          </p:nvPr>
+        </p:nvPicPr>
+        <p:blipFill>
+          <a:blip r:embed="rId2"/>
+          <a:stretch>
+            <a:fillRect/>
+          </a:stretch>
+        </p:blipFill>
+        <p:spPr>
+          <a:xfrm>
+            <a:off x="2168818" y="1418624"/>
+            <a:ext cx="4408715" cy="5164738"/>
+          </a:xfrm>
+        </p:spPr>
+      </p:pic>
+    </p:spTree>
+    <p:extLst>
+      <p:ext uri="{BB962C8B-B14F-4D97-AF65-F5344CB8AC3E}">
+        <p14:creationId xmlns:p14="http://schemas.microsoft.com/office/powerpoint/2010/main" val="629059076"/>
+      </p:ext>
+    </p:extLst>
+  </p:cSld>
+  <p:clrMapOvr>
+    <a:masterClrMapping/>
+  </p:clrMapOvr>
+</p:sld>
+</file>
+
+<file path=ppt/slides/slide13.xml><?xml version="1.0" encoding="utf-8"?>
+<p:sld xmlns:a="http://schemas.openxmlformats.org/drawingml/2006/main" xmlns:r="http://schemas.openxmlformats.org/officeDocument/2006/relationships" xmlns:p="http://schemas.openxmlformats.org/presentationml/2006/main">
+  <p:cSld>
+    <p:spTree>
+      <p:nvGrpSpPr>
+        <p:cNvPr id="1" name=""/>
+        <p:cNvGrpSpPr/>
+        <p:nvPr/>
+      </p:nvGrpSpPr>
+      <p:grpSpPr>
+        <a:xfrm>
+          <a:off x="0" y="0"/>
+          <a:ext cx="0" cy="0"/>
+          <a:chOff x="0" y="0"/>
+          <a:chExt cx="0" cy="0"/>
+        </a:xfrm>
+      </p:grpSpPr>
+      <p:sp>
+        <p:nvSpPr>
+          <p:cNvPr id="2" name="Title 1">
+            <a:extLst>
+              <a:ext uri="{FF2B5EF4-FFF2-40B4-BE49-F238E27FC236}">
+                <a16:creationId xmlns:a16="http://schemas.microsoft.com/office/drawing/2014/main" id="{ADDC1439-AD3E-482B-8610-EC5CDB1319A0}"/>
+              </a:ext>
+            </a:extLst>
+          </p:cNvPr>
+          <p:cNvSpPr>
+            <a:spLocks noGrp="1"/>
+          </p:cNvSpPr>
+          <p:nvPr>
+            <p:ph type="title"/>
+          </p:nvPr>
+        </p:nvSpPr>
+        <p:spPr/>
+        <p:txBody>
+          <a:bodyPr/>
+          <a:lstStyle/>
+          <a:p>
+            <a:r>
+              <a:rPr lang="en-US" sz="3600" b="1" dirty="0"/>
+              <a:t>Empirical Findings:</a:t>
+            </a:r>
+            <a:br>
+              <a:rPr lang="en-US" sz="3600" b="1" dirty="0"/>
+            </a:br>
+            <a:r>
+              <a:rPr lang="en-US" sz="3600" b="1" dirty="0"/>
+              <a:t>Propensity Score A</a:t>
+            </a:r>
+            <a:r>
+              <a:rPr lang="en-US" altLang="zh-CN" sz="3600" b="1" dirty="0"/>
+              <a:t>fter</a:t>
+            </a:r>
+            <a:r>
+              <a:rPr lang="en-US" sz="3600" b="1" dirty="0"/>
+              <a:t> Matching</a:t>
+            </a:r>
+            <a:br>
+              <a:rPr lang="en-US" sz="3600" b="1" dirty="0"/>
+            </a:br>
+            <a:endParaRPr lang="en-US" sz="3600" dirty="0"/>
+          </a:p>
+        </p:txBody>
+      </p:sp>
+      <p:pic>
+        <p:nvPicPr>
+          <p:cNvPr id="5" name="Content Placeholder 4">
+            <a:extLst>
+              <a:ext uri="{FF2B5EF4-FFF2-40B4-BE49-F238E27FC236}">
+                <a16:creationId xmlns:a16="http://schemas.microsoft.com/office/drawing/2014/main" id="{EA585AB4-56FC-4AD5-9138-C078217A95A1}"/>
+              </a:ext>
+            </a:extLst>
+          </p:cNvPr>
+          <p:cNvPicPr>
+            <a:picLocks noGrp="1" noChangeAspect="1"/>
+          </p:cNvPicPr>
+          <p:nvPr>
+            <p:ph idx="1"/>
+          </p:nvPr>
+        </p:nvPicPr>
+        <p:blipFill>
+          <a:blip r:embed="rId2"/>
+          <a:stretch>
+            <a:fillRect/>
+          </a:stretch>
+        </p:blipFill>
+        <p:spPr>
+          <a:xfrm>
+            <a:off x="311169" y="1561275"/>
+            <a:ext cx="8485000" cy="3879086"/>
+          </a:xfrm>
+        </p:spPr>
+      </p:pic>
+    </p:spTree>
+    <p:extLst>
+      <p:ext uri="{BB962C8B-B14F-4D97-AF65-F5344CB8AC3E}">
+        <p14:creationId xmlns:p14="http://schemas.microsoft.com/office/powerpoint/2010/main" val="931099098"/>
+      </p:ext>
+    </p:extLst>
+  </p:cSld>
+  <p:clrMapOvr>
+    <a:masterClrMapping/>
+  </p:clrMapOvr>
+</p:sld>
+</file>
+
+<file path=ppt/slides/slide14.xml><?xml version="1.0" encoding="utf-8"?>
+<p:sld xmlns:a="http://schemas.openxmlformats.org/drawingml/2006/main" xmlns:r="http://schemas.openxmlformats.org/officeDocument/2006/relationships" xmlns:p="http://schemas.openxmlformats.org/presentationml/2006/main">
+  <p:cSld>
+    <p:spTree>
+      <p:nvGrpSpPr>
+        <p:cNvPr id="1" name=""/>
+        <p:cNvGrpSpPr/>
+        <p:nvPr/>
+      </p:nvGrpSpPr>
+      <p:grpSpPr>
+        <a:xfrm>
+          <a:off x="0" y="0"/>
+          <a:ext cx="0" cy="0"/>
+          <a:chOff x="0" y="0"/>
+          <a:chExt cx="0" cy="0"/>
+        </a:xfrm>
+      </p:grpSpPr>
+      <p:sp>
+        <p:nvSpPr>
+          <p:cNvPr id="2" name="Title 1">
+            <a:extLst>
+              <a:ext uri="{FF2B5EF4-FFF2-40B4-BE49-F238E27FC236}">
+                <a16:creationId xmlns:a16="http://schemas.microsoft.com/office/drawing/2014/main" id="{ADDC1439-AD3E-482B-8610-EC5CDB1319A0}"/>
+              </a:ext>
+            </a:extLst>
+          </p:cNvPr>
+          <p:cNvSpPr>
+            <a:spLocks noGrp="1"/>
+          </p:cNvSpPr>
+          <p:nvPr>
+            <p:ph type="title"/>
+          </p:nvPr>
+        </p:nvSpPr>
+        <p:spPr/>
+        <p:txBody>
+          <a:bodyPr/>
+          <a:lstStyle/>
+          <a:p>
+            <a:r>
+              <a:rPr lang="en-US" sz="3600" b="1" dirty="0"/>
+              <a:t>Empirical Findings:</a:t>
+            </a:r>
+            <a:br>
+              <a:rPr lang="en-US" sz="3600" b="1" dirty="0"/>
+            </a:br>
+            <a:r>
+              <a:rPr lang="en-US" sz="3600" b="1" dirty="0"/>
+              <a:t>Treatment Effect After Matching</a:t>
+            </a:r>
+            <a:br>
+              <a:rPr lang="en-US" sz="3600" b="1" dirty="0"/>
+            </a:br>
+            <a:endParaRPr lang="en-US" sz="3600" dirty="0"/>
+          </a:p>
+        </p:txBody>
+      </p:sp>
+      <p:sp>
+        <p:nvSpPr>
+          <p:cNvPr id="6" name="TextBox 5">
+            <a:extLst>
+              <a:ext uri="{FF2B5EF4-FFF2-40B4-BE49-F238E27FC236}">
+                <a16:creationId xmlns:a16="http://schemas.microsoft.com/office/drawing/2014/main" id="{BED8A4CA-7050-453B-B24E-E77B08D97243}"/>
+              </a:ext>
+            </a:extLst>
+          </p:cNvPr>
+          <p:cNvSpPr txBox="1"/>
+          <p:nvPr/>
+        </p:nvSpPr>
+        <p:spPr>
+          <a:xfrm>
+            <a:off x="311169" y="5440361"/>
+            <a:ext cx="247184" cy="400110"/>
+          </a:xfrm>
+          <a:prstGeom prst="rect">
+            <a:avLst/>
+          </a:prstGeom>
+          <a:noFill/>
+        </p:spPr>
+        <p:txBody>
+          <a:bodyPr wrap="none" rtlCol="0">
+            <a:spAutoFit/>
+          </a:bodyPr>
+          <a:lstStyle/>
+          <a:p>
+            <a:r>
+              <a:rPr lang="en-US" sz="2000" dirty="0">
+                <a:latin typeface="Georgia" panose="02040502050405020303" pitchFamily="18" charset="0"/>
+              </a:rPr>
+              <a:t> </a:t>
+            </a:r>
+          </a:p>
+        </p:txBody>
+      </p:sp>
+      <p:pic>
+        <p:nvPicPr>
+          <p:cNvPr id="8" name="Content Placeholder 7">
+            <a:extLst>
+              <a:ext uri="{FF2B5EF4-FFF2-40B4-BE49-F238E27FC236}">
+                <a16:creationId xmlns:a16="http://schemas.microsoft.com/office/drawing/2014/main" id="{2A96BE6A-9652-4D23-99DD-BEF7EB57853E}"/>
+              </a:ext>
+            </a:extLst>
+          </p:cNvPr>
+          <p:cNvPicPr>
+            <a:picLocks noGrp="1" noChangeAspect="1"/>
+          </p:cNvPicPr>
+          <p:nvPr>
+            <p:ph idx="1"/>
+          </p:nvPr>
+        </p:nvPicPr>
+        <p:blipFill>
+          <a:blip r:embed="rId2"/>
+          <a:stretch>
+            <a:fillRect/>
+          </a:stretch>
+        </p:blipFill>
+        <p:spPr>
+          <a:xfrm>
+            <a:off x="434788" y="1506088"/>
+            <a:ext cx="8252012" cy="4480585"/>
+          </a:xfrm>
+        </p:spPr>
+      </p:pic>
+    </p:spTree>
+    <p:extLst>
+      <p:ext uri="{BB962C8B-B14F-4D97-AF65-F5344CB8AC3E}">
+        <p14:creationId xmlns:p14="http://schemas.microsoft.com/office/powerpoint/2010/main" val="3829995359"/>
+      </p:ext>
+    </p:extLst>
+  </p:cSld>
+  <p:clrMapOvr>
+    <a:masterClrMapping/>
+  </p:clrMapOvr>
+</p:sld>
+</file>
+
+<file path=ppt/slides/slide15.xml><?xml version="1.0" encoding="utf-8"?>
+<p:sld xmlns:a="http://schemas.openxmlformats.org/drawingml/2006/main" xmlns:r="http://schemas.openxmlformats.org/officeDocument/2006/relationships" xmlns:p="http://schemas.openxmlformats.org/presentationml/2006/main">
+  <p:cSld>
+    <p:spTree>
+      <p:nvGrpSpPr>
+        <p:cNvPr id="1" name=""/>
+        <p:cNvGrpSpPr/>
+        <p:nvPr/>
+      </p:nvGrpSpPr>
+      <p:grpSpPr>
+        <a:xfrm>
+          <a:off x="0" y="0"/>
+          <a:ext cx="0" cy="0"/>
+          <a:chOff x="0" y="0"/>
+          <a:chExt cx="0" cy="0"/>
+        </a:xfrm>
+      </p:grpSpPr>
+      <p:sp>
+        <p:nvSpPr>
+          <p:cNvPr id="2" name="Title 1"/>
+          <p:cNvSpPr>
+            <a:spLocks noGrp="1"/>
+          </p:cNvSpPr>
+          <p:nvPr>
+            <p:ph type="title"/>
+          </p:nvPr>
+        </p:nvSpPr>
+        <p:spPr/>
+        <p:txBody>
+          <a:bodyPr anchor="t"/>
+          <a:lstStyle/>
+          <a:p>
+            <a:r>
+              <a:rPr lang="en-US" sz="3600" b="1" dirty="0"/>
+              <a:t>Empirical Findings:</a:t>
+            </a:r>
+            <a:br>
+              <a:rPr lang="en-US" sz="3600" b="1" dirty="0"/>
+            </a:br>
+            <a:r>
+              <a:rPr lang="en-US" sz="3600" b="1" dirty="0"/>
+              <a:t>Treatment Effect After Matching</a:t>
+            </a:r>
+            <a:br>
+              <a:rPr lang="en-US" sz="3600" b="1" dirty="0"/>
+            </a:br>
+            <a:endParaRPr lang="en-US" sz="3600" b="1" dirty="0"/>
+          </a:p>
+        </p:txBody>
+      </p:sp>
+      <p:pic>
+        <p:nvPicPr>
+          <p:cNvPr id="5" name="Content Placeholder 4">
+            <a:extLst>
+              <a:ext uri="{FF2B5EF4-FFF2-40B4-BE49-F238E27FC236}">
+                <a16:creationId xmlns:a16="http://schemas.microsoft.com/office/drawing/2014/main" id="{12DE4065-FC7D-43B7-8598-947EBF15A774}"/>
+              </a:ext>
+            </a:extLst>
+          </p:cNvPr>
+          <p:cNvPicPr>
+            <a:picLocks noGrp="1" noChangeAspect="1"/>
+          </p:cNvPicPr>
+          <p:nvPr>
+            <p:ph idx="1"/>
+          </p:nvPr>
+        </p:nvPicPr>
+        <p:blipFill>
+          <a:blip r:embed="rId2"/>
+          <a:stretch>
+            <a:fillRect/>
+          </a:stretch>
+        </p:blipFill>
+        <p:spPr>
+          <a:xfrm>
+            <a:off x="577891" y="1465729"/>
+            <a:ext cx="7912018" cy="4525963"/>
+          </a:xfrm>
+          <a:prstGeom prst="rect">
+            <a:avLst/>
+          </a:prstGeom>
+        </p:spPr>
+      </p:pic>
+    </p:spTree>
+    <p:extLst>
+      <p:ext uri="{BB962C8B-B14F-4D97-AF65-F5344CB8AC3E}">
+        <p14:creationId xmlns:p14="http://schemas.microsoft.com/office/powerpoint/2010/main" val="3725436725"/>
+      </p:ext>
+    </p:extLst>
+  </p:cSld>
+  <p:clrMapOvr>
+    <a:masterClrMapping/>
+  </p:clrMapOvr>
+</p:sld>
+</file>
+
+<file path=ppt/slides/slide16.xml><?xml version="1.0" encoding="utf-8"?>
+<p:sld xmlns:a="http://schemas.openxmlformats.org/drawingml/2006/main" xmlns:r="http://schemas.openxmlformats.org/officeDocument/2006/relationships" xmlns:p="http://schemas.openxmlformats.org/presentationml/2006/main">
+  <p:cSld>
+    <p:spTree>
+      <p:nvGrpSpPr>
+        <p:cNvPr id="1" name=""/>
+        <p:cNvGrpSpPr/>
+        <p:nvPr/>
+      </p:nvGrpSpPr>
+      <p:grpSpPr>
+        <a:xfrm>
+          <a:off x="0" y="0"/>
+          <a:ext cx="0" cy="0"/>
+          <a:chOff x="0" y="0"/>
+          <a:chExt cx="0" cy="0"/>
+        </a:xfrm>
+      </p:grpSpPr>
+      <p:sp>
+        <p:nvSpPr>
+          <p:cNvPr id="2" name="Title 1"/>
+          <p:cNvSpPr>
+            <a:spLocks noGrp="1"/>
+          </p:cNvSpPr>
+          <p:nvPr>
+            <p:ph type="title"/>
+          </p:nvPr>
+        </p:nvSpPr>
+        <p:spPr>
+          <a:xfrm>
+            <a:off x="628883" y="464678"/>
+            <a:ext cx="6529873" cy="1143000"/>
+          </a:xfrm>
+        </p:spPr>
+        <p:txBody>
+          <a:bodyPr/>
+          <a:lstStyle/>
+          <a:p>
+            <a:r>
+              <a:rPr lang="en-US" sz="3600" b="1" dirty="0"/>
+              <a:t>Conclusion</a:t>
+            </a:r>
+            <a:br>
+              <a:rPr lang="en-US" sz="3600" b="1" dirty="0"/>
+            </a:br>
+            <a:endParaRPr lang="en-US" sz="3600" b="1" dirty="0"/>
+          </a:p>
+        </p:txBody>
+      </p:sp>
+      <p:sp>
+        <p:nvSpPr>
+          <p:cNvPr id="3" name="Content Placeholder 2"/>
+          <p:cNvSpPr>
+            <a:spLocks noGrp="1"/>
+          </p:cNvSpPr>
+          <p:nvPr>
+            <p:ph idx="1"/>
+          </p:nvPr>
+        </p:nvSpPr>
+        <p:spPr>
+          <a:xfrm>
+            <a:off x="548640" y="1126864"/>
+            <a:ext cx="6804212" cy="4849009"/>
+          </a:xfrm>
+        </p:spPr>
+        <p:txBody>
+          <a:bodyPr/>
+          <a:lstStyle/>
+          <a:p>
+            <a:pPr marL="0" indent="0">
+              <a:spcBef>
+                <a:spcPct val="50000"/>
+              </a:spcBef>
+              <a:spcAft>
+                <a:spcPts val="1200"/>
+              </a:spcAft>
+              <a:buNone/>
+            </a:pPr>
+            <a:r>
+              <a:rPr lang="en-US" sz="2400" u="sng" dirty="0">
+                <a:solidFill>
+                  <a:srgbClr val="131F33"/>
+                </a:solidFill>
+                <a:latin typeface="Georgia" panose="02040502050405020303" pitchFamily="18" charset="0"/>
+              </a:rPr>
+              <a:t>My hypothesis is empirically supported:</a:t>
+            </a:r>
+          </a:p>
+          <a:p>
+            <a:pPr marL="400050" lvl="1" indent="0">
+              <a:spcBef>
+                <a:spcPct val="50000"/>
+              </a:spcBef>
+              <a:spcAft>
+                <a:spcPts val="1200"/>
+              </a:spcAft>
+              <a:buNone/>
+            </a:pPr>
+            <a:r>
+              <a:rPr lang="en-US" sz="2000" dirty="0">
+                <a:solidFill>
+                  <a:srgbClr val="131F33"/>
+                </a:solidFill>
+                <a:latin typeface="Georgia" panose="02040502050405020303" pitchFamily="18" charset="0"/>
+              </a:rPr>
+              <a:t>When leaders experience political crisis, they are more likely to negotiate a South-North preferential trade agreement with the provision of economic reforms.</a:t>
+            </a:r>
+          </a:p>
+          <a:p>
+            <a:pPr marL="0" indent="0">
+              <a:spcBef>
+                <a:spcPct val="50000"/>
+              </a:spcBef>
+              <a:spcAft>
+                <a:spcPts val="1200"/>
+              </a:spcAft>
+              <a:buNone/>
+            </a:pPr>
+            <a:r>
+              <a:rPr lang="en-US" sz="2400" u="sng" dirty="0">
+                <a:solidFill>
+                  <a:srgbClr val="131F33"/>
+                </a:solidFill>
+                <a:latin typeface="Georgia" panose="02040502050405020303" pitchFamily="18" charset="0"/>
+              </a:rPr>
+              <a:t>Moving forward:</a:t>
+            </a:r>
+          </a:p>
+          <a:p>
+            <a:pPr marL="400050" lvl="1" indent="0">
+              <a:spcBef>
+                <a:spcPct val="50000"/>
+              </a:spcBef>
+              <a:spcAft>
+                <a:spcPts val="1200"/>
+              </a:spcAft>
+              <a:buNone/>
+            </a:pPr>
+            <a:r>
+              <a:rPr lang="en-US" sz="2000" dirty="0">
+                <a:latin typeface="Georgia" panose="02040502050405020303" pitchFamily="18" charset="0"/>
+              </a:rPr>
+              <a:t>Explore whether PTA negotiation helps leaders to conduct economic reforms.</a:t>
+            </a:r>
+          </a:p>
+          <a:p>
+            <a:pPr marL="0" indent="0">
+              <a:spcBef>
+                <a:spcPct val="50000"/>
+              </a:spcBef>
+              <a:spcAft>
+                <a:spcPts val="1200"/>
+              </a:spcAft>
+              <a:buNone/>
+            </a:pPr>
+            <a:endParaRPr lang="en-US" sz="2400" dirty="0">
+              <a:solidFill>
+                <a:srgbClr val="131F33"/>
+              </a:solidFill>
+              <a:latin typeface="Georgia" panose="02040502050405020303" pitchFamily="18" charset="0"/>
+            </a:endParaRPr>
+          </a:p>
+        </p:txBody>
+      </p:sp>
+    </p:spTree>
+    <p:extLst>
+      <p:ext uri="{BB962C8B-B14F-4D97-AF65-F5344CB8AC3E}">
+        <p14:creationId xmlns:p14="http://schemas.microsoft.com/office/powerpoint/2010/main" val="3863931624"/>
+      </p:ext>
+    </p:extLst>
+  </p:cSld>
+  <p:clrMapOvr>
+    <a:masterClrMapping/>
+  </p:clrMapOvr>
+</p:sld>
+</file>
+
+<file path=ppt/slides/slide17.xml><?xml version="1.0" encoding="utf-8"?>
+<p:sld xmlns:a="http://schemas.openxmlformats.org/drawingml/2006/main" xmlns:r="http://schemas.openxmlformats.org/officeDocument/2006/relationships" xmlns:p="http://schemas.openxmlformats.org/presentationml/2006/main">
+  <p:cSld>
+    <p:spTree>
+      <p:nvGrpSpPr>
+        <p:cNvPr id="1" name=""/>
+        <p:cNvGrpSpPr/>
+        <p:nvPr/>
+      </p:nvGrpSpPr>
+      <p:grpSpPr>
+        <a:xfrm>
+          <a:off x="0" y="0"/>
+          <a:ext cx="0" cy="0"/>
+          <a:chOff x="0" y="0"/>
+          <a:chExt cx="0" cy="0"/>
+        </a:xfrm>
+      </p:grpSpPr>
+      <p:sp>
+        <p:nvSpPr>
+          <p:cNvPr id="2" name="Title 1"/>
+          <p:cNvSpPr>
+            <a:spLocks noGrp="1"/>
+          </p:cNvSpPr>
+          <p:nvPr>
+            <p:ph type="title"/>
+          </p:nvPr>
+        </p:nvSpPr>
+        <p:spPr>
+          <a:xfrm>
+            <a:off x="648477" y="281798"/>
+            <a:ext cx="6529873" cy="1143000"/>
+          </a:xfrm>
+        </p:spPr>
+        <p:txBody>
+          <a:bodyPr/>
+          <a:lstStyle/>
+          <a:p>
+            <a:r>
+              <a:rPr lang="en-US" sz="3600" b="1" dirty="0"/>
+              <a:t>Appendix</a:t>
+            </a:r>
+            <a:br>
+              <a:rPr lang="en-US" sz="3600" b="1" dirty="0"/>
+            </a:br>
+            <a:endParaRPr lang="en-US" sz="3600" b="1" dirty="0"/>
+          </a:p>
+        </p:txBody>
+      </p:sp>
+      <p:pic>
+        <p:nvPicPr>
+          <p:cNvPr id="8" name="Content Placeholder 7">
+            <a:extLst>
+              <a:ext uri="{FF2B5EF4-FFF2-40B4-BE49-F238E27FC236}">
+                <a16:creationId xmlns:a16="http://schemas.microsoft.com/office/drawing/2014/main" id="{651F1C12-D50E-45CB-81AE-D15ED6F24C3B}"/>
+              </a:ext>
+            </a:extLst>
+          </p:cNvPr>
+          <p:cNvPicPr>
+            <a:picLocks noGrp="1" noChangeAspect="1"/>
+          </p:cNvPicPr>
+          <p:nvPr>
+            <p:ph idx="1"/>
+          </p:nvPr>
+        </p:nvPicPr>
+        <p:blipFill>
+          <a:blip r:embed="rId3"/>
+          <a:stretch>
+            <a:fillRect/>
+          </a:stretch>
+        </p:blipFill>
+        <p:spPr>
+          <a:xfrm>
+            <a:off x="1160930" y="1379182"/>
+            <a:ext cx="5867400" cy="4099636"/>
+          </a:xfrm>
+          <a:prstGeom prst="rect">
+            <a:avLst/>
+          </a:prstGeom>
+        </p:spPr>
+      </p:pic>
+    </p:spTree>
+    <p:extLst>
+      <p:ext uri="{BB962C8B-B14F-4D97-AF65-F5344CB8AC3E}">
+        <p14:creationId xmlns:p14="http://schemas.microsoft.com/office/powerpoint/2010/main" val="3146588171"/>
+      </p:ext>
+    </p:extLst>
+  </p:cSld>
+  <p:clrMapOvr>
+    <a:masterClrMapping/>
+  </p:clrMapOvr>
+</p:sld>
+</file>
+
+<file path=ppt/slides/slide18.xml><?xml version="1.0" encoding="utf-8"?>
+<p:sld xmlns:a="http://schemas.openxmlformats.org/drawingml/2006/main" xmlns:r="http://schemas.openxmlformats.org/officeDocument/2006/relationships" xmlns:p="http://schemas.openxmlformats.org/presentationml/2006/main">
+  <p:cSld>
+    <p:spTree>
+      <p:nvGrpSpPr>
+        <p:cNvPr id="1" name=""/>
+        <p:cNvGrpSpPr/>
+        <p:nvPr/>
+      </p:nvGrpSpPr>
+      <p:grpSpPr>
+        <a:xfrm>
+          <a:off x="0" y="0"/>
+          <a:ext cx="0" cy="0"/>
+          <a:chOff x="0" y="0"/>
+          <a:chExt cx="0" cy="0"/>
+        </a:xfrm>
+      </p:grpSpPr>
+      <p:sp>
+        <p:nvSpPr>
+          <p:cNvPr id="2" name="Title 1">
+            <a:extLst>
+              <a:ext uri="{FF2B5EF4-FFF2-40B4-BE49-F238E27FC236}">
+                <a16:creationId xmlns:a16="http://schemas.microsoft.com/office/drawing/2014/main" id="{02BE588B-6349-488A-9A99-144925E2168B}"/>
+              </a:ext>
+            </a:extLst>
+          </p:cNvPr>
+          <p:cNvSpPr>
+            <a:spLocks noGrp="1"/>
+          </p:cNvSpPr>
+          <p:nvPr>
+            <p:ph type="title"/>
+          </p:nvPr>
+        </p:nvSpPr>
+        <p:spPr/>
+        <p:txBody>
+          <a:bodyPr/>
+          <a:lstStyle/>
+          <a:p>
+            <a:endParaRPr lang="en-US"/>
+          </a:p>
+        </p:txBody>
+      </p:sp>
+      <p:sp>
+        <p:nvSpPr>
+          <p:cNvPr id="3" name="Content Placeholder 2">
+            <a:extLst>
+              <a:ext uri="{FF2B5EF4-FFF2-40B4-BE49-F238E27FC236}">
+                <a16:creationId xmlns:a16="http://schemas.microsoft.com/office/drawing/2014/main" id="{02CCEF90-4A32-4887-9AFA-1B4C0076CADC}"/>
+              </a:ext>
+            </a:extLst>
+          </p:cNvPr>
+          <p:cNvSpPr>
+            <a:spLocks noGrp="1"/>
+          </p:cNvSpPr>
+          <p:nvPr>
+            <p:ph idx="1"/>
+          </p:nvPr>
+        </p:nvSpPr>
+        <p:spPr>
+          <a:xfrm>
+            <a:off x="478714" y="296154"/>
+            <a:ext cx="6852621" cy="5556008"/>
+          </a:xfrm>
+        </p:spPr>
+        <p:txBody>
+          <a:bodyPr/>
+          <a:lstStyle/>
+          <a:p>
+            <a:pPr marL="0" indent="0" algn="ctr">
+              <a:buNone/>
+            </a:pPr>
+            <a:r>
+              <a:rPr lang="en-US" b="1" dirty="0">
+                <a:latin typeface="Georgia" panose="02040502050405020303" pitchFamily="18" charset="0"/>
+              </a:rPr>
+              <a:t>References</a:t>
+            </a:r>
+          </a:p>
+          <a:p>
+            <a:pPr marL="0" indent="0">
+              <a:buNone/>
+            </a:pPr>
+            <a:r>
+              <a:rPr lang="en-US" sz="1050" dirty="0">
+                <a:latin typeface="Georgia" panose="02040502050405020303" pitchFamily="18" charset="0"/>
+              </a:rPr>
+              <a:t>Baccini, L., &amp; </a:t>
+            </a:r>
+            <a:r>
+              <a:rPr lang="en-US" sz="1050" dirty="0" err="1">
+                <a:latin typeface="Georgia" panose="02040502050405020303" pitchFamily="18" charset="0"/>
+              </a:rPr>
+              <a:t>Urpelainen</a:t>
+            </a:r>
+            <a:r>
+              <a:rPr lang="en-US" sz="1050" dirty="0">
+                <a:latin typeface="Georgia" panose="02040502050405020303" pitchFamily="18" charset="0"/>
+              </a:rPr>
+              <a:t>, J. (2014). International Institutions and Domestic Politics: Can Preferential Trading Agreements Help Leaders Promote Economic Reform? </a:t>
+            </a:r>
+            <a:r>
+              <a:rPr lang="en-US" sz="1050" i="1" dirty="0">
+                <a:latin typeface="Georgia" panose="02040502050405020303" pitchFamily="18" charset="0"/>
+              </a:rPr>
+              <a:t>The Journal of Politics</a:t>
+            </a:r>
+            <a:r>
+              <a:rPr lang="en-US" sz="1050" dirty="0">
+                <a:latin typeface="Georgia" panose="02040502050405020303" pitchFamily="18" charset="0"/>
+              </a:rPr>
+              <a:t>, </a:t>
+            </a:r>
+            <a:r>
+              <a:rPr lang="en-US" sz="1050" i="1" dirty="0">
+                <a:latin typeface="Georgia" panose="02040502050405020303" pitchFamily="18" charset="0"/>
+              </a:rPr>
+              <a:t>76</a:t>
+            </a:r>
+            <a:r>
+              <a:rPr lang="en-US" sz="1050" dirty="0">
+                <a:latin typeface="Georgia" panose="02040502050405020303" pitchFamily="18" charset="0"/>
+              </a:rPr>
+              <a:t>(1), 195–214. https://doi.org/10.1017/S0022381613001278</a:t>
+            </a:r>
+          </a:p>
+          <a:p>
+            <a:pPr marL="0" indent="0">
+              <a:buNone/>
+            </a:pPr>
+            <a:r>
+              <a:rPr lang="en-US" sz="1050" dirty="0">
+                <a:latin typeface="Georgia" panose="02040502050405020303" pitchFamily="18" charset="0"/>
+              </a:rPr>
+              <a:t>Bagwell, K., &amp; </a:t>
+            </a:r>
+            <a:r>
+              <a:rPr lang="en-US" sz="1050" dirty="0" err="1">
+                <a:latin typeface="Georgia" panose="02040502050405020303" pitchFamily="18" charset="0"/>
+              </a:rPr>
+              <a:t>Staiger</a:t>
+            </a:r>
+            <a:r>
+              <a:rPr lang="en-US" sz="1050" dirty="0">
+                <a:latin typeface="Georgia" panose="02040502050405020303" pitchFamily="18" charset="0"/>
+              </a:rPr>
+              <a:t>, R. W. (1998). Will Preferential Agreements Undermine the Multilateral Trading System? </a:t>
+            </a:r>
+            <a:r>
+              <a:rPr lang="en-US" sz="1050" i="1" dirty="0">
+                <a:latin typeface="Georgia" panose="02040502050405020303" pitchFamily="18" charset="0"/>
+              </a:rPr>
+              <a:t>The Economic Journal</a:t>
+            </a:r>
+            <a:r>
+              <a:rPr lang="en-US" sz="1050" dirty="0">
+                <a:latin typeface="Georgia" panose="02040502050405020303" pitchFamily="18" charset="0"/>
+              </a:rPr>
+              <a:t>, </a:t>
+            </a:r>
+            <a:r>
+              <a:rPr lang="en-US" sz="1050" i="1" dirty="0">
+                <a:latin typeface="Georgia" panose="02040502050405020303" pitchFamily="18" charset="0"/>
+              </a:rPr>
+              <a:t>108</a:t>
+            </a:r>
+            <a:r>
+              <a:rPr lang="en-US" sz="1050" dirty="0">
+                <a:latin typeface="Georgia" panose="02040502050405020303" pitchFamily="18" charset="0"/>
+              </a:rPr>
+              <a:t>(449), 1162–1182. https://doi.org/10.1111/1468-0297.00336</a:t>
+            </a:r>
+          </a:p>
+          <a:p>
+            <a:pPr marL="0" indent="0">
+              <a:buNone/>
+            </a:pPr>
+            <a:r>
+              <a:rPr lang="en-US" sz="1050" dirty="0">
+                <a:latin typeface="Georgia" panose="02040502050405020303" pitchFamily="18" charset="0"/>
+              </a:rPr>
+              <a:t>Baldwin, R. E. (2012). A Domino Theory of Regionalism. In G. </a:t>
+            </a:r>
+            <a:r>
+              <a:rPr lang="en-US" sz="1050" dirty="0" err="1">
+                <a:latin typeface="Georgia" panose="02040502050405020303" pitchFamily="18" charset="0"/>
+              </a:rPr>
+              <a:t>Hufbauer</a:t>
+            </a:r>
+            <a:r>
+              <a:rPr lang="en-US" sz="1050" dirty="0">
+                <a:latin typeface="Georgia" panose="02040502050405020303" pitchFamily="18" charset="0"/>
+              </a:rPr>
+              <a:t> &amp; K. </a:t>
+            </a:r>
+            <a:r>
+              <a:rPr lang="en-US" sz="1050" dirty="0" err="1">
+                <a:latin typeface="Georgia" panose="02040502050405020303" pitchFamily="18" charset="0"/>
+              </a:rPr>
+              <a:t>Suominen</a:t>
+            </a:r>
+            <a:r>
+              <a:rPr lang="en-US" sz="1050" dirty="0">
+                <a:latin typeface="Georgia" panose="02040502050405020303" pitchFamily="18" charset="0"/>
+              </a:rPr>
+              <a:t> (Eds.), </a:t>
+            </a:r>
+            <a:r>
+              <a:rPr lang="en-US" sz="1050" i="1" dirty="0">
+                <a:latin typeface="Georgia" panose="02040502050405020303" pitchFamily="18" charset="0"/>
+              </a:rPr>
+              <a:t>The Economics of Free Trade. Volume 2.</a:t>
+            </a:r>
+            <a:r>
+              <a:rPr lang="en-US" sz="1050" dirty="0">
+                <a:latin typeface="Georgia" panose="02040502050405020303" pitchFamily="18" charset="0"/>
+              </a:rPr>
+              <a:t> (pp. 416–439). Elgar Research Collection. The International Library of Critical Writings in Economics, vol. 262. Cheltenham, U.K. and Northampton, Mass.: Elgar.</a:t>
+            </a:r>
+          </a:p>
+          <a:p>
+            <a:pPr marL="0" indent="0">
+              <a:buNone/>
+            </a:pPr>
+            <a:r>
+              <a:rPr lang="en-US" sz="1050" dirty="0">
+                <a:latin typeface="Georgia" panose="02040502050405020303" pitchFamily="18" charset="0"/>
+              </a:rPr>
+              <a:t>Bilal, S., &amp; </a:t>
+            </a:r>
+            <a:r>
+              <a:rPr lang="en-US" sz="1050" dirty="0" err="1">
+                <a:latin typeface="Georgia" panose="02040502050405020303" pitchFamily="18" charset="0"/>
+              </a:rPr>
+              <a:t>Laporte</a:t>
+            </a:r>
+            <a:r>
+              <a:rPr lang="en-US" sz="1050" dirty="0">
+                <a:latin typeface="Georgia" panose="02040502050405020303" pitchFamily="18" charset="0"/>
+              </a:rPr>
+              <a:t>, G. (2004). </a:t>
+            </a:r>
+            <a:r>
+              <a:rPr lang="en-US" sz="1050" i="1" dirty="0">
+                <a:latin typeface="Georgia" panose="02040502050405020303" pitchFamily="18" charset="0"/>
+              </a:rPr>
+              <a:t>How David Prepared to Talk to Goliath? South Africa’s experience of negotiating trade with the EU</a:t>
+            </a:r>
+            <a:r>
+              <a:rPr lang="en-US" sz="1050" dirty="0">
+                <a:latin typeface="Georgia" panose="02040502050405020303" pitchFamily="18" charset="0"/>
+              </a:rPr>
+              <a:t>.</a:t>
+            </a:r>
+          </a:p>
+          <a:p>
+            <a:pPr marL="0" indent="0">
+              <a:buNone/>
+            </a:pPr>
+            <a:r>
+              <a:rPr lang="en-US" sz="1050" dirty="0" err="1">
+                <a:latin typeface="Georgia" panose="02040502050405020303" pitchFamily="18" charset="0"/>
+              </a:rPr>
+              <a:t>Dür</a:t>
+            </a:r>
+            <a:r>
+              <a:rPr lang="en-US" sz="1050" dirty="0">
+                <a:latin typeface="Georgia" panose="02040502050405020303" pitchFamily="18" charset="0"/>
+              </a:rPr>
+              <a:t>, A., Baccini, L., &amp; </a:t>
+            </a:r>
+            <a:r>
+              <a:rPr lang="en-US" sz="1050" dirty="0" err="1">
+                <a:latin typeface="Georgia" panose="02040502050405020303" pitchFamily="18" charset="0"/>
+              </a:rPr>
+              <a:t>Elsig</a:t>
+            </a:r>
+            <a:r>
+              <a:rPr lang="en-US" sz="1050" dirty="0">
+                <a:latin typeface="Georgia" panose="02040502050405020303" pitchFamily="18" charset="0"/>
+              </a:rPr>
+              <a:t>, M. (2014). The Design of International Trade Agreements: Introducing a New Dataset. </a:t>
+            </a:r>
+            <a:r>
+              <a:rPr lang="en-US" sz="1050" i="1" dirty="0">
+                <a:latin typeface="Georgia" panose="02040502050405020303" pitchFamily="18" charset="0"/>
+              </a:rPr>
+              <a:t>The Review of International Organizations</a:t>
+            </a:r>
+            <a:r>
+              <a:rPr lang="en-US" sz="1050" dirty="0">
+                <a:latin typeface="Georgia" panose="02040502050405020303" pitchFamily="18" charset="0"/>
+              </a:rPr>
+              <a:t>, </a:t>
+            </a:r>
+            <a:r>
+              <a:rPr lang="en-US" sz="1050" i="1" dirty="0">
+                <a:latin typeface="Georgia" panose="02040502050405020303" pitchFamily="18" charset="0"/>
+              </a:rPr>
+              <a:t>9</a:t>
+            </a:r>
+            <a:r>
+              <a:rPr lang="en-US" sz="1050" dirty="0">
+                <a:latin typeface="Georgia" panose="02040502050405020303" pitchFamily="18" charset="0"/>
+              </a:rPr>
+              <a:t>(3), 353–375. https://doi.org/10.1007/s11558-013-9179-8</a:t>
+            </a:r>
+          </a:p>
+          <a:p>
+            <a:pPr marL="0" indent="0">
+              <a:buNone/>
+            </a:pPr>
+            <a:r>
+              <a:rPr lang="en-US" sz="1050" dirty="0">
+                <a:latin typeface="Georgia" panose="02040502050405020303" pitchFamily="18" charset="0"/>
+              </a:rPr>
+              <a:t>Grossman, G. M., &amp; </a:t>
+            </a:r>
+            <a:r>
+              <a:rPr lang="en-US" sz="1050" dirty="0" err="1">
+                <a:latin typeface="Georgia" panose="02040502050405020303" pitchFamily="18" charset="0"/>
+              </a:rPr>
+              <a:t>Helpman</a:t>
+            </a:r>
+            <a:r>
+              <a:rPr lang="en-US" sz="1050" dirty="0">
+                <a:latin typeface="Georgia" panose="02040502050405020303" pitchFamily="18" charset="0"/>
+              </a:rPr>
+              <a:t>, E. (1995). The Politics of Free-Trade Agreements. </a:t>
+            </a:r>
+            <a:r>
+              <a:rPr lang="en-US" sz="1050" i="1" dirty="0">
+                <a:latin typeface="Georgia" panose="02040502050405020303" pitchFamily="18" charset="0"/>
+              </a:rPr>
+              <a:t>The American Economic Review</a:t>
+            </a:r>
+            <a:r>
+              <a:rPr lang="en-US" sz="1050" dirty="0">
+                <a:latin typeface="Georgia" panose="02040502050405020303" pitchFamily="18" charset="0"/>
+              </a:rPr>
+              <a:t>, </a:t>
+            </a:r>
+            <a:r>
+              <a:rPr lang="en-US" sz="1050" i="1" dirty="0">
+                <a:latin typeface="Georgia" panose="02040502050405020303" pitchFamily="18" charset="0"/>
+              </a:rPr>
+              <a:t>85</a:t>
+            </a:r>
+            <a:r>
+              <a:rPr lang="en-US" sz="1050" dirty="0">
+                <a:latin typeface="Georgia" panose="02040502050405020303" pitchFamily="18" charset="0"/>
+              </a:rPr>
+              <a:t>(4), 667–690.</a:t>
+            </a:r>
+          </a:p>
+          <a:p>
+            <a:pPr marL="0" indent="0">
+              <a:buNone/>
+            </a:pPr>
+            <a:r>
+              <a:rPr lang="en-US" sz="1050" dirty="0" err="1">
+                <a:latin typeface="Georgia" panose="02040502050405020303" pitchFamily="18" charset="0"/>
+              </a:rPr>
+              <a:t>Kuran</a:t>
+            </a:r>
+            <a:r>
+              <a:rPr lang="en-US" sz="1050" dirty="0">
+                <a:latin typeface="Georgia" panose="02040502050405020303" pitchFamily="18" charset="0"/>
+              </a:rPr>
+              <a:t>, T. (1991). Now out of Never: The Element of Surprise in the East European Revolution of 1989. </a:t>
+            </a:r>
+            <a:r>
+              <a:rPr lang="en-US" sz="1050" i="1" dirty="0">
+                <a:latin typeface="Georgia" panose="02040502050405020303" pitchFamily="18" charset="0"/>
+              </a:rPr>
+              <a:t>World Politics</a:t>
+            </a:r>
+            <a:r>
+              <a:rPr lang="en-US" sz="1050" dirty="0">
+                <a:latin typeface="Georgia" panose="02040502050405020303" pitchFamily="18" charset="0"/>
+              </a:rPr>
+              <a:t>, </a:t>
+            </a:r>
+            <a:r>
+              <a:rPr lang="en-US" sz="1050" i="1" dirty="0">
+                <a:latin typeface="Georgia" panose="02040502050405020303" pitchFamily="18" charset="0"/>
+              </a:rPr>
+              <a:t>44</a:t>
+            </a:r>
+            <a:r>
+              <a:rPr lang="en-US" sz="1050" dirty="0">
+                <a:latin typeface="Georgia" panose="02040502050405020303" pitchFamily="18" charset="0"/>
+              </a:rPr>
+              <a:t>(01), 7–48. https://doi.org/10.2307/2010422</a:t>
+            </a:r>
+          </a:p>
+          <a:p>
+            <a:pPr marL="0" indent="0">
+              <a:buNone/>
+            </a:pPr>
+            <a:r>
+              <a:rPr lang="en-US" sz="1050" dirty="0">
+                <a:latin typeface="Georgia" panose="02040502050405020303" pitchFamily="18" charset="0"/>
+              </a:rPr>
+              <a:t>Mansfield, E. D., &amp; Milner, H. V. (2012). </a:t>
+            </a:r>
+            <a:r>
+              <a:rPr lang="en-US" sz="1050" i="1" dirty="0">
+                <a:latin typeface="Georgia" panose="02040502050405020303" pitchFamily="18" charset="0"/>
+              </a:rPr>
+              <a:t>Votes, Vetoes, and the Political Economy of International Trade Agreements</a:t>
+            </a:r>
+            <a:r>
+              <a:rPr lang="en-US" sz="1050" dirty="0">
+                <a:latin typeface="Georgia" panose="02040502050405020303" pitchFamily="18" charset="0"/>
+              </a:rPr>
+              <a:t>. Princeton University Press. Retrieved from https://muse-jhu-edu.proxy2.library.illinois.edu/book/30505</a:t>
+            </a:r>
+          </a:p>
+          <a:p>
+            <a:pPr marL="0" indent="0">
+              <a:buNone/>
+            </a:pPr>
+            <a:r>
+              <a:rPr lang="en-US" sz="1050" dirty="0">
+                <a:latin typeface="Georgia" panose="02040502050405020303" pitchFamily="18" charset="0"/>
+              </a:rPr>
+              <a:t>Mansfield, E. D., Milner, H. V., &amp; </a:t>
+            </a:r>
+            <a:r>
+              <a:rPr lang="en-US" sz="1050" dirty="0" err="1">
+                <a:latin typeface="Georgia" panose="02040502050405020303" pitchFamily="18" charset="0"/>
+              </a:rPr>
+              <a:t>Rosendorff</a:t>
+            </a:r>
+            <a:r>
+              <a:rPr lang="en-US" sz="1050" dirty="0">
+                <a:latin typeface="Georgia" panose="02040502050405020303" pitchFamily="18" charset="0"/>
+              </a:rPr>
+              <a:t>, B. P. (2002). Why Democracies Cooperate More: Electoral Control and International Trade Agreements. </a:t>
+            </a:r>
+            <a:r>
+              <a:rPr lang="en-US" sz="1050" i="1" dirty="0">
+                <a:latin typeface="Georgia" panose="02040502050405020303" pitchFamily="18" charset="0"/>
+              </a:rPr>
+              <a:t>International Organization</a:t>
+            </a:r>
+            <a:r>
+              <a:rPr lang="en-US" sz="1050" dirty="0">
+                <a:latin typeface="Georgia" panose="02040502050405020303" pitchFamily="18" charset="0"/>
+              </a:rPr>
+              <a:t>, </a:t>
+            </a:r>
+            <a:r>
+              <a:rPr lang="en-US" sz="1050" i="1" dirty="0">
+                <a:latin typeface="Georgia" panose="02040502050405020303" pitchFamily="18" charset="0"/>
+              </a:rPr>
+              <a:t>56</a:t>
+            </a:r>
+            <a:r>
+              <a:rPr lang="en-US" sz="1050" dirty="0">
+                <a:latin typeface="Georgia" panose="02040502050405020303" pitchFamily="18" charset="0"/>
+              </a:rPr>
+              <a:t>(3), 477–513.</a:t>
+            </a:r>
+          </a:p>
+          <a:p>
+            <a:pPr marL="0" indent="0">
+              <a:buNone/>
+            </a:pPr>
+            <a:r>
+              <a:rPr lang="en-US" sz="1050" dirty="0">
+                <a:latin typeface="Georgia" panose="02040502050405020303" pitchFamily="18" charset="0"/>
+              </a:rPr>
+              <a:t>Mansfield, E. D., &amp; Reinhardt, E. (2003). Multilateral Determinants of Regionalism: The Effects of GATT/WTO on the Formation of Preferential Trading Arrangements. </a:t>
+            </a:r>
+            <a:r>
+              <a:rPr lang="en-US" sz="1050" i="1" dirty="0">
+                <a:latin typeface="Georgia" panose="02040502050405020303" pitchFamily="18" charset="0"/>
+              </a:rPr>
+              <a:t>International Organization</a:t>
+            </a:r>
+            <a:r>
+              <a:rPr lang="en-US" sz="1050" dirty="0">
+                <a:latin typeface="Georgia" panose="02040502050405020303" pitchFamily="18" charset="0"/>
+              </a:rPr>
+              <a:t>, </a:t>
+            </a:r>
+            <a:r>
+              <a:rPr lang="en-US" sz="1050" i="1" dirty="0">
+                <a:latin typeface="Georgia" panose="02040502050405020303" pitchFamily="18" charset="0"/>
+              </a:rPr>
+              <a:t>57</a:t>
+            </a:r>
+            <a:r>
+              <a:rPr lang="en-US" sz="1050" dirty="0">
+                <a:latin typeface="Georgia" panose="02040502050405020303" pitchFamily="18" charset="0"/>
+              </a:rPr>
+              <a:t>(4), 829–862.</a:t>
+            </a:r>
+          </a:p>
+          <a:p>
+            <a:pPr marL="0" indent="0">
+              <a:buNone/>
+            </a:pPr>
+            <a:r>
+              <a:rPr lang="en-US" sz="1050" dirty="0">
+                <a:latin typeface="Georgia" panose="02040502050405020303" pitchFamily="18" charset="0"/>
+              </a:rPr>
+              <a:t>Regan, P. M., &amp; Henderson, E. A. (2002). Democracy, threats and political repression in developing countries: Are democracies internally less violent? </a:t>
+            </a:r>
+            <a:r>
+              <a:rPr lang="en-US" sz="1050" i="1" dirty="0">
+                <a:latin typeface="Georgia" panose="02040502050405020303" pitchFamily="18" charset="0"/>
+              </a:rPr>
+              <a:t>Third World Quarterly</a:t>
+            </a:r>
+            <a:r>
+              <a:rPr lang="en-US" sz="1050" dirty="0">
+                <a:latin typeface="Georgia" panose="02040502050405020303" pitchFamily="18" charset="0"/>
+              </a:rPr>
+              <a:t>, </a:t>
+            </a:r>
+            <a:r>
+              <a:rPr lang="en-US" sz="1050" i="1" dirty="0">
+                <a:latin typeface="Georgia" panose="02040502050405020303" pitchFamily="18" charset="0"/>
+              </a:rPr>
+              <a:t>23</a:t>
+            </a:r>
+            <a:r>
+              <a:rPr lang="en-US" sz="1050" dirty="0">
+                <a:latin typeface="Georgia" panose="02040502050405020303" pitchFamily="18" charset="0"/>
+              </a:rPr>
+              <a:t>(1), 119–136. https://doi.org/10.1080/01436590220108207</a:t>
+            </a:r>
+          </a:p>
+          <a:p>
+            <a:pPr marL="0" indent="0">
+              <a:buNone/>
+            </a:pPr>
+            <a:r>
+              <a:rPr lang="en-US" sz="1050" dirty="0">
+                <a:latin typeface="Georgia" panose="02040502050405020303" pitchFamily="18" charset="0"/>
+              </a:rPr>
+              <a:t>Rodrik, D. (1992). </a:t>
+            </a:r>
+            <a:r>
+              <a:rPr lang="en-US" sz="1050" i="1" dirty="0">
+                <a:latin typeface="Georgia" panose="02040502050405020303" pitchFamily="18" charset="0"/>
+              </a:rPr>
+              <a:t>The Rush to Free Trade in the Developing World: Why So Late? Why Now? Will it Last?</a:t>
+            </a:r>
+            <a:r>
+              <a:rPr lang="en-US" sz="1050" dirty="0">
+                <a:latin typeface="Georgia" panose="02040502050405020303" pitchFamily="18" charset="0"/>
+              </a:rPr>
+              <a:t> (No. w3947). Cambridge, MA: National Bureau of Economic Research. https://doi.org/10.3386/w3947</a:t>
+            </a:r>
+          </a:p>
+          <a:p>
+            <a:pPr marL="0" indent="0">
+              <a:buNone/>
+            </a:pPr>
+            <a:r>
+              <a:rPr lang="en-US" sz="1050" dirty="0" err="1">
+                <a:latin typeface="Georgia" panose="02040502050405020303" pitchFamily="18" charset="0"/>
+              </a:rPr>
+              <a:t>Schamis</a:t>
+            </a:r>
+            <a:r>
+              <a:rPr lang="en-US" sz="1050" dirty="0">
+                <a:latin typeface="Georgia" panose="02040502050405020303" pitchFamily="18" charset="0"/>
+              </a:rPr>
+              <a:t>, H. E. (1999). Distributional Coalitions and the Politics of Economic Reform in Latin America. </a:t>
+            </a:r>
+            <a:r>
+              <a:rPr lang="en-US" sz="1050" i="1" dirty="0">
+                <a:latin typeface="Georgia" panose="02040502050405020303" pitchFamily="18" charset="0"/>
+              </a:rPr>
+              <a:t>World Politics</a:t>
+            </a:r>
+            <a:r>
+              <a:rPr lang="en-US" sz="1050" dirty="0">
+                <a:latin typeface="Georgia" panose="02040502050405020303" pitchFamily="18" charset="0"/>
+              </a:rPr>
+              <a:t>, </a:t>
+            </a:r>
+            <a:r>
+              <a:rPr lang="en-US" sz="1050" i="1" dirty="0">
+                <a:latin typeface="Georgia" panose="02040502050405020303" pitchFamily="18" charset="0"/>
+              </a:rPr>
+              <a:t>51</a:t>
+            </a:r>
+            <a:r>
+              <a:rPr lang="en-US" sz="1050" dirty="0">
+                <a:latin typeface="Georgia" panose="02040502050405020303" pitchFamily="18" charset="0"/>
+              </a:rPr>
+              <a:t>(2), 236–268. https://doi.org/10.1017/S0043887100008182</a:t>
+            </a:r>
+          </a:p>
+          <a:p>
+            <a:pPr marL="0" indent="0">
+              <a:buNone/>
+            </a:pPr>
+            <a:r>
+              <a:rPr lang="en-US" sz="1050" dirty="0" err="1">
+                <a:latin typeface="Georgia" panose="02040502050405020303" pitchFamily="18" charset="0"/>
+              </a:rPr>
+              <a:t>Staiger</a:t>
+            </a:r>
+            <a:r>
+              <a:rPr lang="en-US" sz="1050" dirty="0">
+                <a:latin typeface="Georgia" panose="02040502050405020303" pitchFamily="18" charset="0"/>
+              </a:rPr>
+              <a:t>, R. W., &amp; </a:t>
+            </a:r>
+            <a:r>
+              <a:rPr lang="en-US" sz="1050" dirty="0" err="1">
+                <a:latin typeface="Georgia" panose="02040502050405020303" pitchFamily="18" charset="0"/>
+              </a:rPr>
+              <a:t>Tabellini</a:t>
+            </a:r>
+            <a:r>
+              <a:rPr lang="en-US" sz="1050" dirty="0">
+                <a:latin typeface="Georgia" panose="02040502050405020303" pitchFamily="18" charset="0"/>
+              </a:rPr>
+              <a:t>, G. (1999). Do </a:t>
+            </a:r>
+            <a:r>
+              <a:rPr lang="en-US" sz="1050" dirty="0" err="1">
+                <a:latin typeface="Georgia" panose="02040502050405020303" pitchFamily="18" charset="0"/>
+              </a:rPr>
+              <a:t>Gatt</a:t>
+            </a:r>
+            <a:r>
+              <a:rPr lang="en-US" sz="1050" dirty="0">
+                <a:latin typeface="Georgia" panose="02040502050405020303" pitchFamily="18" charset="0"/>
+              </a:rPr>
+              <a:t> Rules Help Governments Make Domestic Commitments? </a:t>
+            </a:r>
+            <a:r>
+              <a:rPr lang="en-US" sz="1050" i="1" dirty="0">
+                <a:latin typeface="Georgia" panose="02040502050405020303" pitchFamily="18" charset="0"/>
+              </a:rPr>
+              <a:t>Economics &amp; Politics</a:t>
+            </a:r>
+            <a:r>
+              <a:rPr lang="en-US" sz="1050" dirty="0">
+                <a:latin typeface="Georgia" panose="02040502050405020303" pitchFamily="18" charset="0"/>
+              </a:rPr>
+              <a:t>, </a:t>
+            </a:r>
+            <a:r>
+              <a:rPr lang="en-US" sz="1050" i="1" dirty="0">
+                <a:latin typeface="Georgia" panose="02040502050405020303" pitchFamily="18" charset="0"/>
+              </a:rPr>
+              <a:t>11</a:t>
+            </a:r>
+            <a:r>
+              <a:rPr lang="en-US" sz="1050" dirty="0">
+                <a:latin typeface="Georgia" panose="02040502050405020303" pitchFamily="18" charset="0"/>
+              </a:rPr>
+              <a:t>(2), 109–144. https://doi.org/10.1111/1468-0343.00055</a:t>
+            </a:r>
+          </a:p>
+          <a:p>
+            <a:pPr marL="0" indent="0">
+              <a:buNone/>
+            </a:pPr>
+            <a:r>
+              <a:rPr lang="en-US" sz="1050" dirty="0" err="1">
+                <a:latin typeface="Georgia" panose="02040502050405020303" pitchFamily="18" charset="0"/>
+              </a:rPr>
+              <a:t>Wintrobe</a:t>
+            </a:r>
+            <a:r>
+              <a:rPr lang="en-US" sz="1050" dirty="0">
+                <a:latin typeface="Georgia" panose="02040502050405020303" pitchFamily="18" charset="0"/>
+              </a:rPr>
+              <a:t>, R. (1998). </a:t>
+            </a:r>
+            <a:r>
+              <a:rPr lang="en-US" sz="1050" i="1" dirty="0">
+                <a:latin typeface="Georgia" panose="02040502050405020303" pitchFamily="18" charset="0"/>
+              </a:rPr>
+              <a:t>The political economy of dictatorship /</a:t>
+            </a:r>
+            <a:r>
+              <a:rPr lang="en-US" sz="1050" dirty="0">
+                <a:latin typeface="Georgia" panose="02040502050405020303" pitchFamily="18" charset="0"/>
+              </a:rPr>
+              <a:t>. Cambridge, UK ; Cambridge University Press,.</a:t>
+            </a:r>
+          </a:p>
+          <a:p>
+            <a:endParaRPr lang="en-US" dirty="0"/>
+          </a:p>
+        </p:txBody>
+      </p:sp>
+    </p:spTree>
+    <p:extLst>
+      <p:ext uri="{BB962C8B-B14F-4D97-AF65-F5344CB8AC3E}">
+        <p14:creationId xmlns:p14="http://schemas.microsoft.com/office/powerpoint/2010/main" val="2042250697"/>
+      </p:ext>
+    </p:extLst>
+  </p:cSld>
+  <p:clrMapOvr>
+    <a:masterClrMapping/>
+  </p:clrMapOvr>
+</p:sld>
+</file>
+
+<file path=ppt/slides/slide2.xml><?xml version="1.0" encoding="utf-8"?>
+<p:sld xmlns:a="http://schemas.openxmlformats.org/drawingml/2006/main" xmlns:r="http://schemas.openxmlformats.org/officeDocument/2006/relationships" xmlns:p="http://schemas.openxmlformats.org/presentationml/2006/main">
+  <p:cSld>
+    <p:spTree>
+      <p:nvGrpSpPr>
+        <p:cNvPr id="1" name=""/>
+        <p:cNvGrpSpPr/>
+        <p:nvPr/>
+      </p:nvGrpSpPr>
+      <p:grpSpPr>
+        <a:xfrm>
+          <a:off x="0" y="0"/>
+          <a:ext cx="0" cy="0"/>
+          <a:chOff x="0" y="0"/>
+          <a:chExt cx="0" cy="0"/>
+        </a:xfrm>
+      </p:grpSpPr>
+      <p:sp>
+        <p:nvSpPr>
+          <p:cNvPr id="2" name="Title 1">
+            <a:extLst>
+              <a:ext uri="{FF2B5EF4-FFF2-40B4-BE49-F238E27FC236}">
+                <a16:creationId xmlns:a16="http://schemas.microsoft.com/office/drawing/2014/main" id="{51039411-4E46-468A-90D2-4EEC51DE7DCA}"/>
+              </a:ext>
+            </a:extLst>
+          </p:cNvPr>
+          <p:cNvSpPr>
+            <a:spLocks noGrp="1"/>
+          </p:cNvSpPr>
+          <p:nvPr>
+            <p:ph type="title"/>
+          </p:nvPr>
+        </p:nvSpPr>
+        <p:spPr/>
+        <p:txBody>
+          <a:bodyPr anchor="ctr"/>
+          <a:lstStyle/>
+          <a:p>
+            <a:r>
+              <a:rPr lang="en-US" sz="3600" b="1" dirty="0"/>
+              <a:t>Research Question</a:t>
+            </a:r>
+          </a:p>
+        </p:txBody>
+      </p:sp>
+      <p:sp>
+        <p:nvSpPr>
+          <p:cNvPr id="3" name="Content Placeholder 2">
+            <a:extLst>
+              <a:ext uri="{FF2B5EF4-FFF2-40B4-BE49-F238E27FC236}">
+                <a16:creationId xmlns:a16="http://schemas.microsoft.com/office/drawing/2014/main" id="{0F9D510D-AEF4-40C4-B95B-917B6115D08D}"/>
+              </a:ext>
+            </a:extLst>
+          </p:cNvPr>
+          <p:cNvSpPr>
+            <a:spLocks noGrp="1"/>
+          </p:cNvSpPr>
+          <p:nvPr>
+            <p:ph idx="1"/>
+          </p:nvPr>
+        </p:nvSpPr>
+        <p:spPr/>
+        <p:txBody>
+          <a:bodyPr/>
+          <a:lstStyle/>
+          <a:p>
+            <a:pPr>
+              <a:spcBef>
+                <a:spcPts val="1200"/>
+              </a:spcBef>
+              <a:spcAft>
+                <a:spcPts val="1200"/>
+              </a:spcAft>
+            </a:pPr>
+            <a:r>
+              <a:rPr lang="en-US" sz="2000" dirty="0">
+                <a:latin typeface="Georgia" panose="02040502050405020303" pitchFamily="18" charset="0"/>
+                <a:cs typeface="Georgia" charset="0"/>
+              </a:rPr>
+              <a:t>Empirical Puzzle: PTA negotiation between South Africa and the EU in 1994</a:t>
+            </a:r>
+          </a:p>
+          <a:p>
+            <a:pPr>
+              <a:spcBef>
+                <a:spcPts val="1200"/>
+              </a:spcBef>
+              <a:spcAft>
+                <a:spcPts val="1200"/>
+              </a:spcAft>
+            </a:pPr>
+            <a:r>
+              <a:rPr lang="en-US" sz="2000" dirty="0">
+                <a:latin typeface="Georgia" panose="02040502050405020303" pitchFamily="18" charset="0"/>
+              </a:rPr>
+              <a:t>Research Question: </a:t>
+            </a:r>
+            <a:r>
+              <a:rPr lang="en-US" sz="2000" b="1" dirty="0">
+                <a:latin typeface="Georgia" panose="02040502050405020303" pitchFamily="18" charset="0"/>
+              </a:rPr>
+              <a:t>Why and when </a:t>
+            </a:r>
+            <a:r>
+              <a:rPr lang="en-US" sz="2000" dirty="0">
+                <a:latin typeface="Georgia" panose="02040502050405020303" pitchFamily="18" charset="0"/>
+              </a:rPr>
+              <a:t>will leaders in the developing country negotiate South-North preferential trade agreements with provisions of economic reforms?</a:t>
+            </a:r>
+          </a:p>
+          <a:p>
+            <a:pPr>
+              <a:spcBef>
+                <a:spcPts val="1200"/>
+              </a:spcBef>
+              <a:spcAft>
+                <a:spcPts val="1200"/>
+              </a:spcAft>
+            </a:pPr>
+            <a:r>
+              <a:rPr lang="en-US" sz="2000" dirty="0">
+                <a:latin typeface="Georgia" panose="02040502050405020303" pitchFamily="18" charset="0"/>
+              </a:rPr>
+              <a:t>Why important?</a:t>
+            </a:r>
+          </a:p>
+          <a:p>
+            <a:pPr lvl="1">
+              <a:spcBef>
+                <a:spcPts val="0"/>
+              </a:spcBef>
+              <a:spcAft>
+                <a:spcPts val="600"/>
+              </a:spcAft>
+              <a:buFont typeface="Wingdings" panose="05000000000000000000" pitchFamily="2" charset="2"/>
+              <a:buChar char="Ø"/>
+            </a:pPr>
+            <a:r>
+              <a:rPr lang="en-US" sz="1800" dirty="0">
+                <a:latin typeface="Georgia" panose="02040502050405020303" pitchFamily="18" charset="0"/>
+              </a:rPr>
+              <a:t>PTA is a rapidly growing international institution</a:t>
+            </a:r>
+          </a:p>
+          <a:p>
+            <a:pPr lvl="1">
+              <a:spcBef>
+                <a:spcPts val="0"/>
+              </a:spcBef>
+              <a:spcAft>
+                <a:spcPts val="600"/>
+              </a:spcAft>
+              <a:buFont typeface="Wingdings" panose="05000000000000000000" pitchFamily="2" charset="2"/>
+              <a:buChar char="Ø"/>
+            </a:pPr>
+            <a:r>
+              <a:rPr lang="en-US" sz="1800" dirty="0">
+                <a:latin typeface="Georgia" panose="02040502050405020303" pitchFamily="18" charset="0"/>
+              </a:rPr>
+              <a:t>How international institution shapes domestic politics</a:t>
+            </a:r>
+          </a:p>
+          <a:p>
+            <a:pPr marL="0" indent="0">
+              <a:spcBef>
+                <a:spcPts val="1200"/>
+              </a:spcBef>
+              <a:spcAft>
+                <a:spcPts val="1200"/>
+              </a:spcAft>
+              <a:buNone/>
+            </a:pPr>
+            <a:endParaRPr lang="en-US" sz="2000" dirty="0">
+              <a:latin typeface="Georgia" panose="02040502050405020303" pitchFamily="18" charset="0"/>
+            </a:endParaRPr>
+          </a:p>
+          <a:p>
+            <a:pPr marL="0" indent="0">
+              <a:spcBef>
+                <a:spcPts val="1200"/>
+              </a:spcBef>
+              <a:spcAft>
+                <a:spcPts val="1200"/>
+              </a:spcAft>
+              <a:buNone/>
+            </a:pPr>
+            <a:endParaRPr lang="en-US" sz="2000" dirty="0">
+              <a:latin typeface="Georgia" panose="02040502050405020303" pitchFamily="18" charset="0"/>
+            </a:endParaRPr>
+          </a:p>
+          <a:p>
+            <a:pPr>
+              <a:spcBef>
+                <a:spcPts val="1200"/>
+              </a:spcBef>
+              <a:spcAft>
+                <a:spcPts val="1200"/>
+              </a:spcAft>
+            </a:pPr>
+            <a:endParaRPr lang="en-US" sz="2400" dirty="0">
+              <a:latin typeface="Georgia" charset="0"/>
+              <a:cs typeface="Georgia" charset="0"/>
+            </a:endParaRPr>
+          </a:p>
+        </p:txBody>
+      </p:sp>
+    </p:spTree>
+    <p:extLst>
+      <p:ext uri="{BB962C8B-B14F-4D97-AF65-F5344CB8AC3E}">
+        <p14:creationId xmlns:p14="http://schemas.microsoft.com/office/powerpoint/2010/main" val="450006115"/>
+      </p:ext>
+    </p:extLst>
+  </p:cSld>
+  <p:clrMapOvr>
+    <a:masterClrMapping/>
+  </p:clrMapOvr>
+</p:sld>
+</file>
+
+<file path=ppt/slides/slide3.xml><?xml version="1.0" encoding="utf-8"?>
+<p:sld xmlns:a="http://schemas.openxmlformats.org/drawingml/2006/main" xmlns:r="http://schemas.openxmlformats.org/officeDocument/2006/relationships" xmlns:p="http://schemas.openxmlformats.org/presentationml/2006/main">
+  <p:cSld>
+    <p:spTree>
+      <p:nvGrpSpPr>
+        <p:cNvPr id="1" name=""/>
+        <p:cNvGrpSpPr/>
+        <p:nvPr/>
+      </p:nvGrpSpPr>
+      <p:grpSpPr>
+        <a:xfrm>
+          <a:off x="0" y="0"/>
+          <a:ext cx="0" cy="0"/>
+          <a:chOff x="0" y="0"/>
+          <a:chExt cx="0" cy="0"/>
+        </a:xfrm>
+      </p:grpSpPr>
+      <p:sp>
+        <p:nvSpPr>
+          <p:cNvPr id="2" name="Title 1">
+            <a:extLst>
+              <a:ext uri="{FF2B5EF4-FFF2-40B4-BE49-F238E27FC236}">
+                <a16:creationId xmlns:a16="http://schemas.microsoft.com/office/drawing/2014/main" id="{51039411-4E46-468A-90D2-4EEC51DE7DCA}"/>
+              </a:ext>
+            </a:extLst>
+          </p:cNvPr>
+          <p:cNvSpPr>
+            <a:spLocks noGrp="1"/>
+          </p:cNvSpPr>
+          <p:nvPr>
+            <p:ph type="title"/>
+          </p:nvPr>
+        </p:nvSpPr>
+        <p:spPr/>
+        <p:txBody>
+          <a:bodyPr anchor="ctr"/>
+          <a:lstStyle/>
+          <a:p>
+            <a:r>
+              <a:rPr lang="en-US" sz="3600" b="1" dirty="0"/>
+              <a:t>Context and Rationale</a:t>
+            </a:r>
+          </a:p>
+        </p:txBody>
+      </p:sp>
+      <p:sp>
+        <p:nvSpPr>
+          <p:cNvPr id="3" name="Content Placeholder 2">
+            <a:extLst>
+              <a:ext uri="{FF2B5EF4-FFF2-40B4-BE49-F238E27FC236}">
+                <a16:creationId xmlns:a16="http://schemas.microsoft.com/office/drawing/2014/main" id="{0F9D510D-AEF4-40C4-B95B-917B6115D08D}"/>
+              </a:ext>
+            </a:extLst>
+          </p:cNvPr>
+          <p:cNvSpPr>
+            <a:spLocks noGrp="1"/>
+          </p:cNvSpPr>
+          <p:nvPr>
+            <p:ph idx="1"/>
+          </p:nvPr>
+        </p:nvSpPr>
+        <p:spPr>
+          <a:xfrm>
+            <a:off x="957431" y="1600200"/>
+            <a:ext cx="7594898" cy="3918473"/>
+          </a:xfrm>
+        </p:spPr>
+        <p:txBody>
+          <a:bodyPr/>
+          <a:lstStyle/>
+          <a:p>
+            <a:pPr>
+              <a:spcBef>
+                <a:spcPts val="0"/>
+              </a:spcBef>
+              <a:spcAft>
+                <a:spcPts val="600"/>
+              </a:spcAft>
+            </a:pPr>
+            <a:r>
+              <a:rPr lang="en-US" sz="2000" dirty="0">
+                <a:latin typeface="Georgia" panose="02040502050405020303" pitchFamily="18" charset="0"/>
+                <a:cs typeface="Georgia" charset="0"/>
+              </a:rPr>
+              <a:t>Two themes in the literatures: </a:t>
+            </a:r>
+          </a:p>
+          <a:p>
+            <a:pPr lvl="1">
+              <a:spcBef>
+                <a:spcPts val="0"/>
+              </a:spcBef>
+              <a:spcAft>
+                <a:spcPts val="600"/>
+              </a:spcAft>
+              <a:buFont typeface="Wingdings" panose="05000000000000000000" pitchFamily="2" charset="2"/>
+              <a:buChar char="Ø"/>
+            </a:pPr>
+            <a:r>
+              <a:rPr lang="en-US" sz="1800" dirty="0">
+                <a:latin typeface="Georgia" panose="02040502050405020303" pitchFamily="18" charset="0"/>
+                <a:cs typeface="Georgia" charset="0"/>
+              </a:rPr>
+              <a:t>Effects vs. </a:t>
+            </a:r>
+            <a:r>
+              <a:rPr lang="en-US" sz="1800" b="1" dirty="0">
+                <a:latin typeface="Georgia" panose="02040502050405020303" pitchFamily="18" charset="0"/>
+                <a:cs typeface="Georgia" charset="0"/>
+              </a:rPr>
+              <a:t>Causes</a:t>
+            </a:r>
+            <a:r>
+              <a:rPr lang="en-US" sz="1800" dirty="0">
+                <a:latin typeface="Georgia" panose="02040502050405020303" pitchFamily="18" charset="0"/>
+                <a:cs typeface="Georgia" charset="0"/>
+              </a:rPr>
+              <a:t> of PTAs.</a:t>
+            </a:r>
+            <a:endParaRPr lang="en-US" sz="2000" dirty="0">
+              <a:latin typeface="Georgia" panose="02040502050405020303" pitchFamily="18" charset="0"/>
+              <a:cs typeface="Georgia" charset="0"/>
+            </a:endParaRPr>
+          </a:p>
+          <a:p>
+            <a:pPr>
+              <a:spcBef>
+                <a:spcPts val="1200"/>
+              </a:spcBef>
+              <a:spcAft>
+                <a:spcPts val="600"/>
+              </a:spcAft>
+            </a:pPr>
+            <a:r>
+              <a:rPr lang="en-US" sz="2000" dirty="0">
+                <a:latin typeface="Georgia" panose="02040502050405020303" pitchFamily="18" charset="0"/>
+                <a:cs typeface="Georgia" charset="0"/>
+              </a:rPr>
+              <a:t>What are the gaps in the literature?</a:t>
+            </a:r>
+          </a:p>
+          <a:p>
+            <a:pPr lvl="1">
+              <a:spcBef>
+                <a:spcPts val="0"/>
+              </a:spcBef>
+              <a:spcAft>
+                <a:spcPts val="600"/>
+              </a:spcAft>
+              <a:buFont typeface="Wingdings" panose="05000000000000000000" pitchFamily="2" charset="2"/>
+              <a:buChar char="Ø"/>
+            </a:pPr>
+            <a:r>
+              <a:rPr lang="en-US" sz="1800" dirty="0">
+                <a:latin typeface="Georgia" panose="02040502050405020303" pitchFamily="18" charset="0"/>
+              </a:rPr>
+              <a:t>Treat PTA as unit of analysis</a:t>
+            </a:r>
+          </a:p>
+          <a:p>
+            <a:pPr lvl="1">
+              <a:spcBef>
+                <a:spcPts val="0"/>
+              </a:spcBef>
+              <a:spcAft>
+                <a:spcPts val="600"/>
+              </a:spcAft>
+              <a:buFont typeface="Wingdings" panose="05000000000000000000" pitchFamily="2" charset="2"/>
+              <a:buChar char="Ø"/>
+            </a:pPr>
+            <a:r>
+              <a:rPr lang="en-US" sz="1800" dirty="0">
+                <a:latin typeface="Georgia" panose="02040502050405020303" pitchFamily="18" charset="0"/>
+              </a:rPr>
+              <a:t>Overlook key actor: opposition</a:t>
+            </a:r>
+          </a:p>
+          <a:p>
+            <a:pPr lvl="2">
+              <a:buFont typeface="Wingdings" panose="05000000000000000000" pitchFamily="2" charset="2"/>
+              <a:buChar char="v"/>
+            </a:pPr>
+            <a:r>
+              <a:rPr lang="en-US" sz="1600" dirty="0">
+                <a:latin typeface="Georgia" panose="02040502050405020303" pitchFamily="18" charset="0"/>
+              </a:rPr>
+              <a:t>Regime types matter (Mansfield &amp; Milner, 2012; Mansfield, Milner, &amp; </a:t>
+            </a:r>
+            <a:r>
+              <a:rPr lang="en-US" sz="1600" dirty="0" err="1">
+                <a:latin typeface="Georgia" panose="02040502050405020303" pitchFamily="18" charset="0"/>
+              </a:rPr>
+              <a:t>Rosendorff</a:t>
+            </a:r>
+            <a:r>
+              <a:rPr lang="en-US" sz="1600" dirty="0">
+                <a:latin typeface="Georgia" panose="02040502050405020303" pitchFamily="18" charset="0"/>
+              </a:rPr>
+              <a:t>, 2002). </a:t>
+            </a:r>
+          </a:p>
+          <a:p>
+            <a:pPr lvl="2">
+              <a:buFont typeface="Wingdings" panose="05000000000000000000" pitchFamily="2" charset="2"/>
+              <a:buChar char="v"/>
+            </a:pPr>
+            <a:r>
+              <a:rPr lang="en-US" sz="1600" dirty="0">
+                <a:latin typeface="Georgia" panose="02040502050405020303" pitchFamily="18" charset="0"/>
+              </a:rPr>
+              <a:t>Interest groups matter (Grossman and </a:t>
+            </a:r>
+            <a:r>
+              <a:rPr lang="en-US" sz="1600" dirty="0" err="1">
+                <a:latin typeface="Georgia" panose="02040502050405020303" pitchFamily="18" charset="0"/>
+              </a:rPr>
+              <a:t>Helpman</a:t>
+            </a:r>
+            <a:r>
+              <a:rPr lang="en-US" sz="1600" dirty="0">
+                <a:latin typeface="Georgia" panose="02040502050405020303" pitchFamily="18" charset="0"/>
+              </a:rPr>
+              <a:t>, 1995).</a:t>
+            </a:r>
+          </a:p>
+          <a:p>
+            <a:pPr lvl="2">
+              <a:buFont typeface="Wingdings" panose="05000000000000000000" pitchFamily="2" charset="2"/>
+              <a:buChar char="v"/>
+            </a:pPr>
+            <a:r>
+              <a:rPr lang="en-US" sz="1600" dirty="0">
+                <a:latin typeface="Georgia" panose="02040502050405020303" pitchFamily="18" charset="0"/>
+              </a:rPr>
+              <a:t>Private sectors matter (</a:t>
+            </a:r>
+            <a:r>
+              <a:rPr lang="en-US" sz="1600" dirty="0" err="1">
+                <a:latin typeface="Georgia" panose="02040502050405020303" pitchFamily="18" charset="0"/>
+              </a:rPr>
+              <a:t>Staiger</a:t>
+            </a:r>
+            <a:r>
+              <a:rPr lang="en-US" sz="1600" dirty="0">
+                <a:latin typeface="Georgia" panose="02040502050405020303" pitchFamily="18" charset="0"/>
+              </a:rPr>
+              <a:t> &amp; </a:t>
+            </a:r>
+            <a:r>
+              <a:rPr lang="en-US" sz="1600" dirty="0" err="1">
+                <a:latin typeface="Georgia" panose="02040502050405020303" pitchFamily="18" charset="0"/>
+              </a:rPr>
+              <a:t>Tabellini</a:t>
+            </a:r>
+            <a:r>
+              <a:rPr lang="en-US" sz="1600" dirty="0">
+                <a:latin typeface="Georgia" panose="02040502050405020303" pitchFamily="18" charset="0"/>
+              </a:rPr>
+              <a:t>, 1999). </a:t>
+            </a:r>
+          </a:p>
+          <a:p>
+            <a:pPr lvl="2">
+              <a:spcBef>
+                <a:spcPts val="0"/>
+              </a:spcBef>
+              <a:spcAft>
+                <a:spcPts val="600"/>
+              </a:spcAft>
+              <a:buFont typeface="Wingdings" panose="05000000000000000000" pitchFamily="2" charset="2"/>
+              <a:buChar char="Ø"/>
+            </a:pPr>
+            <a:endParaRPr lang="en-US" sz="1400" dirty="0">
+              <a:latin typeface="Georgia" panose="02040502050405020303" pitchFamily="18" charset="0"/>
+            </a:endParaRPr>
+          </a:p>
+          <a:p>
+            <a:pPr lvl="1">
+              <a:spcBef>
+                <a:spcPts val="1200"/>
+              </a:spcBef>
+              <a:spcAft>
+                <a:spcPts val="1200"/>
+              </a:spcAft>
+            </a:pPr>
+            <a:endParaRPr lang="en-US" sz="2000" dirty="0">
+              <a:latin typeface="Georgia" panose="02040502050405020303" pitchFamily="18" charset="0"/>
+            </a:endParaRPr>
+          </a:p>
+          <a:p>
+            <a:pPr lvl="1">
+              <a:spcBef>
+                <a:spcPts val="1200"/>
+              </a:spcBef>
+              <a:spcAft>
+                <a:spcPts val="1200"/>
+              </a:spcAft>
+            </a:pPr>
+            <a:endParaRPr lang="en-US" sz="2000" dirty="0">
+              <a:latin typeface="Georgia" panose="02040502050405020303" pitchFamily="18" charset="0"/>
+            </a:endParaRPr>
+          </a:p>
+          <a:p>
+            <a:pPr marL="0" indent="0">
+              <a:spcBef>
+                <a:spcPts val="1200"/>
+              </a:spcBef>
+              <a:spcAft>
+                <a:spcPts val="1200"/>
+              </a:spcAft>
+              <a:buNone/>
+            </a:pPr>
+            <a:endParaRPr lang="en-US" sz="2000" dirty="0">
+              <a:latin typeface="Georgia" panose="02040502050405020303" pitchFamily="18" charset="0"/>
+            </a:endParaRPr>
+          </a:p>
+          <a:p>
+            <a:pPr marL="0" indent="0">
+              <a:spcBef>
+                <a:spcPts val="1200"/>
+              </a:spcBef>
+              <a:spcAft>
+                <a:spcPts val="1200"/>
+              </a:spcAft>
+              <a:buNone/>
+            </a:pPr>
+            <a:endParaRPr lang="en-US" sz="2400" dirty="0">
+              <a:latin typeface="Georgia" charset="0"/>
+              <a:cs typeface="Georgia" charset="0"/>
+            </a:endParaRPr>
+          </a:p>
+        </p:txBody>
+      </p:sp>
+    </p:spTree>
+    <p:extLst>
+      <p:ext uri="{BB962C8B-B14F-4D97-AF65-F5344CB8AC3E}">
+        <p14:creationId xmlns:p14="http://schemas.microsoft.com/office/powerpoint/2010/main" val="1113776231"/>
+      </p:ext>
+    </p:extLst>
+  </p:cSld>
+  <p:clrMapOvr>
+    <a:masterClrMapping/>
+  </p:clrMapOvr>
+</p:sld>
+</file>
+
+<file path=ppt/slides/slide4.xml><?xml version="1.0" encoding="utf-8"?>
+<p:sld xmlns:a="http://schemas.openxmlformats.org/drawingml/2006/main" xmlns:r="http://schemas.openxmlformats.org/officeDocument/2006/relationships" xmlns:p="http://schemas.openxmlformats.org/presentationml/2006/main">
+  <p:cSld>
+    <p:spTree>
+      <p:nvGrpSpPr>
+        <p:cNvPr id="1" name=""/>
+        <p:cNvGrpSpPr/>
+        <p:nvPr/>
+      </p:nvGrpSpPr>
+      <p:grpSpPr>
+        <a:xfrm>
+          <a:off x="0" y="0"/>
+          <a:ext cx="0" cy="0"/>
+          <a:chOff x="0" y="0"/>
+          <a:chExt cx="0" cy="0"/>
+        </a:xfrm>
+      </p:grpSpPr>
+      <p:sp>
+        <p:nvSpPr>
+          <p:cNvPr id="2" name="Title 1">
+            <a:extLst>
+              <a:ext uri="{FF2B5EF4-FFF2-40B4-BE49-F238E27FC236}">
+                <a16:creationId xmlns:a16="http://schemas.microsoft.com/office/drawing/2014/main" id="{51039411-4E46-468A-90D2-4EEC51DE7DCA}"/>
+              </a:ext>
+            </a:extLst>
+          </p:cNvPr>
+          <p:cNvSpPr>
+            <a:spLocks noGrp="1"/>
+          </p:cNvSpPr>
+          <p:nvPr>
+            <p:ph type="title"/>
+          </p:nvPr>
+        </p:nvSpPr>
+        <p:spPr/>
+        <p:txBody>
+          <a:bodyPr anchor="ctr"/>
+          <a:lstStyle/>
+          <a:p>
+            <a:r>
+              <a:rPr lang="en-US" sz="3600" b="1" dirty="0"/>
+              <a:t>Argument</a:t>
+            </a:r>
+          </a:p>
+        </p:txBody>
+      </p:sp>
+      <p:sp>
+        <p:nvSpPr>
+          <p:cNvPr id="3" name="Content Placeholder 2">
+            <a:extLst>
+              <a:ext uri="{FF2B5EF4-FFF2-40B4-BE49-F238E27FC236}">
+                <a16:creationId xmlns:a16="http://schemas.microsoft.com/office/drawing/2014/main" id="{0F9D510D-AEF4-40C4-B95B-917B6115D08D}"/>
+              </a:ext>
+            </a:extLst>
+          </p:cNvPr>
+          <p:cNvSpPr>
+            <a:spLocks noGrp="1"/>
+          </p:cNvSpPr>
+          <p:nvPr>
+            <p:ph idx="1"/>
+          </p:nvPr>
+        </p:nvSpPr>
+        <p:spPr>
+          <a:xfrm>
+            <a:off x="457200" y="1363532"/>
+            <a:ext cx="8305800" cy="4525963"/>
+          </a:xfrm>
+        </p:spPr>
+        <p:txBody>
+          <a:bodyPr/>
+          <a:lstStyle/>
+          <a:p>
+            <a:pPr marL="0" indent="0">
+              <a:buNone/>
+            </a:pPr>
+            <a:endParaRPr lang="en-US" sz="2000" dirty="0">
+              <a:latin typeface="Georgia" panose="02040502050405020303" pitchFamily="18" charset="0"/>
+            </a:endParaRPr>
+          </a:p>
+          <a:p>
+            <a:pPr lvl="1">
+              <a:buFont typeface="Wingdings" panose="05000000000000000000" pitchFamily="2" charset="2"/>
+              <a:buChar char="Ø"/>
+            </a:pPr>
+            <a:r>
+              <a:rPr lang="en-US" sz="2000" dirty="0">
+                <a:latin typeface="Georgia" panose="02040502050405020303" pitchFamily="18" charset="0"/>
+              </a:rPr>
+              <a:t>Leaders negotiate PTAs for </a:t>
+            </a:r>
+            <a:r>
+              <a:rPr lang="en-US" sz="2000" b="1" dirty="0">
+                <a:latin typeface="Georgia" panose="02040502050405020303" pitchFamily="18" charset="0"/>
+              </a:rPr>
+              <a:t>political reason: </a:t>
+            </a:r>
+            <a:r>
+              <a:rPr lang="en-US" sz="2000" dirty="0">
+                <a:latin typeface="Georgia" panose="02040502050405020303" pitchFamily="18" charset="0"/>
+              </a:rPr>
+              <a:t>A leader negotiates a PTA with the provision of economic reform to punish the opponents’ past transgression. </a:t>
+            </a:r>
+          </a:p>
+          <a:p>
+            <a:pPr marL="457200" lvl="1" indent="0">
+              <a:buNone/>
+            </a:pPr>
+            <a:endParaRPr lang="en-US" sz="2000" dirty="0">
+              <a:latin typeface="Georgia" panose="02040502050405020303" pitchFamily="18" charset="0"/>
+            </a:endParaRPr>
+          </a:p>
+          <a:p>
+            <a:pPr lvl="1">
+              <a:buFont typeface="Wingdings" panose="05000000000000000000" pitchFamily="2" charset="2"/>
+              <a:buChar char="Ø"/>
+            </a:pPr>
+            <a:r>
+              <a:rPr lang="en-US" sz="2000" dirty="0">
+                <a:latin typeface="Georgia" panose="02040502050405020303" pitchFamily="18" charset="0"/>
+              </a:rPr>
+              <a:t>PTA negotiation is a </a:t>
+            </a:r>
+            <a:r>
+              <a:rPr lang="en-US" sz="2000" b="1" dirty="0">
+                <a:latin typeface="Georgia" panose="02040502050405020303" pitchFamily="18" charset="0"/>
+              </a:rPr>
+              <a:t>deliberate choice </a:t>
+            </a:r>
+            <a:r>
+              <a:rPr lang="en-US" sz="2000" dirty="0">
+                <a:latin typeface="Georgia" panose="02040502050405020303" pitchFamily="18" charset="0"/>
+              </a:rPr>
+              <a:t>that a leader makes to commit to the binding and stringent policy reforms to rearrange the domestic power structures.</a:t>
+            </a:r>
+          </a:p>
+          <a:p>
+            <a:endParaRPr lang="en-US" sz="2000" dirty="0">
+              <a:latin typeface="Georgia" panose="02040502050405020303" pitchFamily="18" charset="0"/>
+            </a:endParaRPr>
+          </a:p>
+        </p:txBody>
+      </p:sp>
+    </p:spTree>
+    <p:extLst>
+      <p:ext uri="{BB962C8B-B14F-4D97-AF65-F5344CB8AC3E}">
+        <p14:creationId xmlns:p14="http://schemas.microsoft.com/office/powerpoint/2010/main" val="3057869799"/>
+      </p:ext>
+    </p:extLst>
+  </p:cSld>
+  <p:clrMapOvr>
+    <a:masterClrMapping/>
+  </p:clrMapOvr>
+</p:sld>
+</file>
+
+<file path=ppt/slides/slide5.xml><?xml version="1.0" encoding="utf-8"?>
+<p:sld xmlns:a="http://schemas.openxmlformats.org/drawingml/2006/main" xmlns:r="http://schemas.openxmlformats.org/officeDocument/2006/relationships" xmlns:p="http://schemas.openxmlformats.org/presentationml/2006/main">
+  <p:cSld>
+    <p:spTree>
+      <p:nvGrpSpPr>
+        <p:cNvPr id="1" name=""/>
+        <p:cNvGrpSpPr/>
+        <p:nvPr/>
+      </p:nvGrpSpPr>
+      <p:grpSpPr>
+        <a:xfrm>
+          <a:off x="0" y="0"/>
+          <a:ext cx="0" cy="0"/>
+          <a:chOff x="0" y="0"/>
+          <a:chExt cx="0" cy="0"/>
+        </a:xfrm>
+      </p:grpSpPr>
+      <p:sp>
+        <p:nvSpPr>
+          <p:cNvPr id="2" name="Title 1">
+            <a:extLst>
+              <a:ext uri="{FF2B5EF4-FFF2-40B4-BE49-F238E27FC236}">
+                <a16:creationId xmlns:a16="http://schemas.microsoft.com/office/drawing/2014/main" id="{2839DB0F-BC79-49FE-887E-BBDBCBBAA2FB}"/>
+              </a:ext>
+            </a:extLst>
+          </p:cNvPr>
+          <p:cNvSpPr>
+            <a:spLocks noGrp="1"/>
+          </p:cNvSpPr>
+          <p:nvPr>
+            <p:ph type="title"/>
+          </p:nvPr>
+        </p:nvSpPr>
+        <p:spPr/>
+        <p:txBody>
+          <a:bodyPr/>
+          <a:lstStyle/>
+          <a:p>
+            <a:r>
+              <a:rPr lang="en-US" sz="3600" b="1" dirty="0"/>
+              <a:t>Theory</a:t>
+            </a:r>
+            <a:endParaRPr lang="en-US" sz="3600" dirty="0"/>
+          </a:p>
+        </p:txBody>
+      </p:sp>
+      <p:sp>
+        <p:nvSpPr>
+          <p:cNvPr id="3" name="Content Placeholder 2">
+            <a:extLst>
+              <a:ext uri="{FF2B5EF4-FFF2-40B4-BE49-F238E27FC236}">
+                <a16:creationId xmlns:a16="http://schemas.microsoft.com/office/drawing/2014/main" id="{D1DC7531-5F5D-41E0-911F-5893A414187F}"/>
+              </a:ext>
+            </a:extLst>
+          </p:cNvPr>
+          <p:cNvSpPr>
+            <a:spLocks noGrp="1"/>
+          </p:cNvSpPr>
+          <p:nvPr>
+            <p:ph idx="1"/>
+          </p:nvPr>
+        </p:nvSpPr>
+        <p:spPr>
+          <a:xfrm>
+            <a:off x="457200" y="1040802"/>
+            <a:ext cx="8305800" cy="4525963"/>
+          </a:xfrm>
+        </p:spPr>
+        <p:txBody>
+          <a:bodyPr/>
+          <a:lstStyle/>
+          <a:p>
+            <a:pPr marL="0" indent="0">
+              <a:buNone/>
+            </a:pPr>
+            <a:r>
+              <a:rPr lang="en-US" sz="2000" dirty="0">
+                <a:latin typeface="Georgia" panose="02040502050405020303" pitchFamily="18" charset="0"/>
+              </a:rPr>
+              <a:t>(I) The Logic of Economic Reforms</a:t>
+            </a:r>
+          </a:p>
+          <a:p>
+            <a:r>
+              <a:rPr lang="en-US" sz="2000" dirty="0">
+                <a:latin typeface="Georgia" panose="02040502050405020303" pitchFamily="18" charset="0"/>
+              </a:rPr>
+              <a:t>In non-crisis circumstances:</a:t>
+            </a:r>
+          </a:p>
+          <a:p>
+            <a:pPr lvl="1">
+              <a:buFont typeface="Wingdings" panose="05000000000000000000" pitchFamily="2" charset="2"/>
+              <a:buChar char="Ø"/>
+            </a:pPr>
+            <a:r>
+              <a:rPr lang="en-US" sz="1800" dirty="0">
+                <a:latin typeface="Georgia" charset="0"/>
+              </a:rPr>
+              <a:t>Leader: repression or loyalty</a:t>
+            </a:r>
+          </a:p>
+          <a:p>
+            <a:pPr lvl="1">
+              <a:buFont typeface="Wingdings" panose="05000000000000000000" pitchFamily="2" charset="2"/>
+              <a:buChar char="Ø"/>
+            </a:pPr>
+            <a:r>
+              <a:rPr lang="en-US" sz="1800" dirty="0">
+                <a:latin typeface="Georgia" charset="0"/>
+              </a:rPr>
+              <a:t>Opposition: cooperation or deposition</a:t>
+            </a:r>
+          </a:p>
+          <a:p>
+            <a:r>
+              <a:rPr lang="en-US" sz="2000" dirty="0">
+                <a:latin typeface="Georgia" panose="02040502050405020303" pitchFamily="18" charset="0"/>
+              </a:rPr>
+              <a:t>A shock to security has happened (opposition defects): </a:t>
+            </a:r>
+          </a:p>
+          <a:p>
+            <a:pPr lvl="1">
+              <a:buFont typeface="Wingdings" panose="05000000000000000000" pitchFamily="2" charset="2"/>
+              <a:buChar char="Ø"/>
+            </a:pPr>
+            <a:r>
+              <a:rPr lang="en-US" sz="1600" dirty="0">
+                <a:latin typeface="Georgia" panose="02040502050405020303" pitchFamily="18" charset="0"/>
+              </a:rPr>
+              <a:t>the threatening demands on a regime by opposition groups</a:t>
+            </a:r>
+          </a:p>
+          <a:p>
+            <a:pPr lvl="1">
+              <a:buFont typeface="Wingdings" panose="05000000000000000000" pitchFamily="2" charset="2"/>
+              <a:buChar char="Ø"/>
+            </a:pPr>
+            <a:r>
+              <a:rPr lang="en-US" sz="1600" dirty="0">
+                <a:latin typeface="Georgia" panose="02040502050405020303" pitchFamily="18" charset="0"/>
+              </a:rPr>
+              <a:t>such as strikes, protest demonstrations, riots, guerillas and civil war</a:t>
+            </a:r>
+          </a:p>
+          <a:p>
+            <a:r>
+              <a:rPr lang="en-US" sz="2000" dirty="0">
+                <a:latin typeface="Georgia" panose="02040502050405020303" pitchFamily="18" charset="0"/>
+              </a:rPr>
+              <a:t>Story begins in the post-crisis circumstances: </a:t>
+            </a:r>
+          </a:p>
+          <a:p>
+            <a:pPr lvl="1">
+              <a:buFont typeface="Wingdings" panose="05000000000000000000" pitchFamily="2" charset="2"/>
+              <a:buChar char="Ø"/>
+            </a:pPr>
+            <a:r>
+              <a:rPr lang="en-US" sz="1800" dirty="0">
+                <a:latin typeface="Georgia" charset="0"/>
+              </a:rPr>
+              <a:t>Leader: repress more or economic reform</a:t>
+            </a:r>
+          </a:p>
+          <a:p>
+            <a:pPr lvl="1">
+              <a:buFont typeface="Wingdings" panose="05000000000000000000" pitchFamily="2" charset="2"/>
+              <a:buChar char="Ø"/>
+            </a:pPr>
+            <a:r>
+              <a:rPr lang="en-US" sz="1800" dirty="0">
+                <a:latin typeface="Georgia" charset="0"/>
+              </a:rPr>
+              <a:t>Opposition: cooperation or deposition</a:t>
+            </a:r>
+          </a:p>
+          <a:p>
+            <a:pPr marL="0" indent="0">
+              <a:buNone/>
+            </a:pPr>
+            <a:r>
+              <a:rPr lang="en-US" sz="2200" dirty="0">
+                <a:latin typeface="Georgia" charset="0"/>
+              </a:rPr>
+              <a:t>(II) </a:t>
+            </a:r>
+            <a:r>
+              <a:rPr lang="en-US" sz="2000" dirty="0">
+                <a:latin typeface="Georgia" panose="02040502050405020303" pitchFamily="18" charset="0"/>
+              </a:rPr>
+              <a:t>Why negotiating a PTA with major liberal powers?</a:t>
+            </a:r>
+          </a:p>
+          <a:p>
+            <a:pPr lvl="1">
+              <a:buFont typeface="Wingdings" panose="05000000000000000000" pitchFamily="2" charset="2"/>
+              <a:buChar char="Ø"/>
+            </a:pPr>
+            <a:r>
+              <a:rPr lang="en-US" sz="1800" dirty="0">
+                <a:latin typeface="Georgia" charset="0"/>
+              </a:rPr>
+              <a:t>A signal to the opposition: decrease the likelihood of deposition</a:t>
+            </a:r>
+          </a:p>
+          <a:p>
+            <a:pPr lvl="1">
+              <a:buFont typeface="Wingdings" panose="05000000000000000000" pitchFamily="2" charset="2"/>
+              <a:buChar char="Ø"/>
+            </a:pPr>
+            <a:r>
+              <a:rPr lang="en-US" sz="1800" dirty="0">
+                <a:latin typeface="Georgia" charset="0"/>
+              </a:rPr>
+              <a:t>Offering material benefits to facilitate economic reforms</a:t>
+            </a:r>
+          </a:p>
+          <a:p>
+            <a:pPr lvl="1">
+              <a:buFont typeface="Wingdings" panose="05000000000000000000" pitchFamily="2" charset="2"/>
+              <a:buChar char="Ø"/>
+            </a:pPr>
+            <a:endParaRPr lang="en-US" sz="1800" dirty="0">
+              <a:latin typeface="Georgia" charset="0"/>
+            </a:endParaRPr>
+          </a:p>
+          <a:p>
+            <a:pPr lvl="1"/>
+            <a:endParaRPr lang="en-US" sz="1600" dirty="0">
+              <a:latin typeface="Georgia" panose="02040502050405020303" pitchFamily="18" charset="0"/>
+            </a:endParaRPr>
+          </a:p>
+          <a:p>
+            <a:endParaRPr lang="en-US" sz="2000" dirty="0">
+              <a:latin typeface="Georgia" panose="02040502050405020303" pitchFamily="18" charset="0"/>
+            </a:endParaRPr>
+          </a:p>
+          <a:p>
+            <a:endParaRPr lang="en-US" sz="2000" dirty="0">
+              <a:latin typeface="Georgia" panose="02040502050405020303" pitchFamily="18" charset="0"/>
+            </a:endParaRPr>
+          </a:p>
+          <a:p>
+            <a:endParaRPr lang="en-US" sz="2000" dirty="0">
+              <a:latin typeface="Georgia" panose="02040502050405020303" pitchFamily="18" charset="0"/>
+            </a:endParaRPr>
+          </a:p>
+        </p:txBody>
+      </p:sp>
+    </p:spTree>
+    <p:extLst>
+      <p:ext uri="{BB962C8B-B14F-4D97-AF65-F5344CB8AC3E}">
+        <p14:creationId xmlns:p14="http://schemas.microsoft.com/office/powerpoint/2010/main" val="3672664069"/>
+      </p:ext>
+    </p:extLst>
+  </p:cSld>
+  <p:clrMapOvr>
+    <a:masterClrMapping/>
+  </p:clrMapOvr>
+</p:sld>
+</file>
+
+<file path=ppt/slides/slide6.xml><?xml version="1.0" encoding="utf-8"?>
+<p:sld xmlns:a="http://schemas.openxmlformats.org/drawingml/2006/main" xmlns:r="http://schemas.openxmlformats.org/officeDocument/2006/relationships" xmlns:p="http://schemas.openxmlformats.org/presentationml/2006/main">
+  <p:cSld>
+    <p:spTree>
+      <p:nvGrpSpPr>
+        <p:cNvPr id="1" name=""/>
+        <p:cNvGrpSpPr/>
+        <p:nvPr/>
+      </p:nvGrpSpPr>
+      <p:grpSpPr>
+        <a:xfrm>
+          <a:off x="0" y="0"/>
+          <a:ext cx="0" cy="0"/>
+          <a:chOff x="0" y="0"/>
+          <a:chExt cx="0" cy="0"/>
+        </a:xfrm>
+      </p:grpSpPr>
+      <p:sp>
+        <p:nvSpPr>
+          <p:cNvPr id="2" name="Title 1">
+            <a:extLst>
+              <a:ext uri="{FF2B5EF4-FFF2-40B4-BE49-F238E27FC236}">
+                <a16:creationId xmlns:a16="http://schemas.microsoft.com/office/drawing/2014/main" id="{021A205D-912B-4D1A-AF06-6BEC0D5DB37A}"/>
+              </a:ext>
+            </a:extLst>
+          </p:cNvPr>
+          <p:cNvSpPr>
+            <a:spLocks noGrp="1"/>
+          </p:cNvSpPr>
+          <p:nvPr>
+            <p:ph type="title"/>
+          </p:nvPr>
+        </p:nvSpPr>
+        <p:spPr/>
+        <p:txBody>
+          <a:bodyPr/>
+          <a:lstStyle/>
+          <a:p>
+            <a:r>
+              <a:rPr lang="en-US" sz="3600" b="1" dirty="0"/>
               <a:t>Research Design </a:t>
             </a:r>
             <a:br>
-              <a:rPr lang="en-US" b="1" dirty="0"/>
+              <a:rPr lang="en-US" sz="3600" b="1" dirty="0"/>
             </a:br>
-            <a:endParaRPr lang="en-US" dirty="0"/>
+            <a:endParaRPr lang="en-US" sz="3600" dirty="0"/>
           </a:p>
         </p:txBody>
       </p:sp>
@@ -4910,8 +7651,8 @@
         </p:nvSpPr>
         <p:spPr>
           <a:xfrm>
-            <a:off x="424927" y="1237130"/>
-            <a:ext cx="6895651" cy="4889034"/>
+            <a:off x="457200" y="903801"/>
+            <a:ext cx="8170433" cy="5050398"/>
           </a:xfrm>
         </p:spPr>
         <p:txBody>
@@ -4936,7 +7677,7 @@
               <a:rPr lang="en-US" sz="2000" dirty="0">
                 <a:latin typeface="Georgia" panose="02040502050405020303" pitchFamily="18" charset="0"/>
               </a:rPr>
-              <a:t>The presence of shocks to security in a regime is associated with higher probabilities of its leader's PTA negotiation. </a:t>
+              <a:t>Negative shocks to a leader's security increase the probability of PTA negotiations.</a:t>
             </a:r>
           </a:p>
           <a:p>
@@ -4947,7 +7688,7 @@
               <a:rPr lang="en-US" sz="1050" b="1" dirty="0">
                 <a:latin typeface="Georgia" panose="02040502050405020303" pitchFamily="18" charset="0"/>
               </a:rPr>
-              <a:t> (Hypothesized Treatment)</a:t>
+              <a:t> (Hypothetical Treatment)</a:t>
             </a:r>
           </a:p>
           <a:p>
@@ -4969,7 +7710,13 @@
               <a:rPr lang="en-US" sz="1800" b="1" dirty="0">
                 <a:latin typeface="Georgia" panose="02040502050405020303" pitchFamily="18" charset="0"/>
               </a:rPr>
-              <a:t>                                                     +</a:t>
+              <a:t>                                                             </a:t>
+            </a:r>
+            <a:r>
+              <a:rPr lang="en-US" sz="2400" b="1" dirty="0">
+                <a:latin typeface="Georgia" panose="02040502050405020303" pitchFamily="18" charset="0"/>
+              </a:rPr>
+              <a:t>+</a:t>
             </a:r>
             <a:r>
               <a:rPr lang="en-US" sz="2000" b="1" dirty="0">
@@ -4994,36 +7741,34 @@
             </a:endParaRPr>
           </a:p>
           <a:p>
-            <a:pPr marL="0" indent="0" algn="ctr">
-              <a:buNone/>
-            </a:pPr>
-            <a:endParaRPr lang="en-US" b="1" u="sng" dirty="0">
-              <a:latin typeface="Georgia" panose="02040502050405020303" pitchFamily="18" charset="0"/>
-            </a:endParaRPr>
-          </a:p>
-          <a:p>
             <a:pPr marL="0" indent="0">
               <a:buNone/>
             </a:pPr>
-            <a:r>
-              <a:rPr lang="en-US" sz="2000" b="1" u="sng" dirty="0">
-                <a:latin typeface="Georgia" panose="02040502050405020303" pitchFamily="18" charset="0"/>
-              </a:rPr>
-              <a:t>Research Design: </a:t>
-            </a:r>
+            <a:endParaRPr lang="en-US" sz="2000" b="1" u="sng" dirty="0">
+              <a:latin typeface="Georgia" panose="02040502050405020303" pitchFamily="18" charset="0"/>
+            </a:endParaRPr>
           </a:p>
           <a:p>
             <a:pPr marL="0" indent="0">
               <a:buNone/>
             </a:pPr>
             <a:r>
+              <a:rPr lang="en-US" sz="2000" b="1" u="sng" dirty="0">
+                <a:latin typeface="Georgia" panose="02040502050405020303" pitchFamily="18" charset="0"/>
+              </a:rPr>
+              <a:t>Research Design: </a:t>
+            </a:r>
+          </a:p>
+          <a:p>
+            <a:pPr marL="0" indent="0">
+              <a:buNone/>
+            </a:pPr>
+            <a:r>
               <a:rPr lang="en-US" sz="2000" dirty="0">
                 <a:latin typeface="Georgia" panose="02040502050405020303" pitchFamily="18" charset="0"/>
               </a:rPr>
-              <a:t>Compares the likelihoods of leaders with shocks to security (hypothetical treated group) and without (hypothetical control group) to negotiate the South-North PTAs.</a:t>
-            </a:r>
-          </a:p>
-          <a:p>
+              <a:t>Compares the likelihoods of the South-North PTAs negotiation in: </a:t>
+            </a:r>
             <a:endParaRPr lang="en-US" dirty="0"/>
           </a:p>
         </p:txBody>
@@ -5042,7 +7787,7 @@
         </p:nvSpPr>
         <p:spPr>
           <a:xfrm rot="5400000">
-            <a:off x="3753765" y="2854297"/>
+            <a:off x="4322127" y="2575289"/>
             <a:ext cx="423545" cy="300935"/>
           </a:xfrm>
           <a:prstGeom prst="rightArrow">
@@ -5075,6 +7820,128 @@
           </a:p>
         </p:txBody>
       </p:sp>
+      <p:sp>
+        <p:nvSpPr>
+          <p:cNvPr id="6" name="Oval 5">
+            <a:extLst>
+              <a:ext uri="{FF2B5EF4-FFF2-40B4-BE49-F238E27FC236}">
+                <a16:creationId xmlns:a16="http://schemas.microsoft.com/office/drawing/2014/main" id="{418647D3-143D-40BC-9E5E-2767CCB37A4A}"/>
+              </a:ext>
+            </a:extLst>
+          </p:cNvPr>
+          <p:cNvSpPr/>
+          <p:nvPr/>
+        </p:nvSpPr>
+        <p:spPr>
+          <a:xfrm>
+            <a:off x="4533899" y="4719601"/>
+            <a:ext cx="3039485" cy="914400"/>
+          </a:xfrm>
+          <a:prstGeom prst="ellipse">
+            <a:avLst/>
+          </a:prstGeom>
+        </p:spPr>
+        <p:style>
+          <a:lnRef idx="2">
+            <a:schemeClr val="accent2"/>
+          </a:lnRef>
+          <a:fillRef idx="1">
+            <a:schemeClr val="lt1"/>
+          </a:fillRef>
+          <a:effectRef idx="0">
+            <a:schemeClr val="accent2"/>
+          </a:effectRef>
+          <a:fontRef idx="minor">
+            <a:schemeClr val="dk1"/>
+          </a:fontRef>
+        </p:style>
+        <p:txBody>
+          <a:bodyPr rtlCol="0" anchor="ctr"/>
+          <a:lstStyle/>
+          <a:p>
+            <a:pPr algn="ctr"/>
+            <a:r>
+              <a:rPr lang="en-US" dirty="0">
+                <a:latin typeface="Georgia" panose="02040502050405020303" pitchFamily="18" charset="0"/>
+              </a:rPr>
+              <a:t>Leaders </a:t>
+            </a:r>
+            <a:r>
+              <a:rPr lang="en-US" b="1" dirty="0">
+                <a:latin typeface="Georgia" panose="02040502050405020303" pitchFamily="18" charset="0"/>
+              </a:rPr>
+              <a:t>without</a:t>
+            </a:r>
+            <a:r>
+              <a:rPr lang="en-US" dirty="0">
+                <a:latin typeface="Georgia" panose="02040502050405020303" pitchFamily="18" charset="0"/>
+              </a:rPr>
+              <a:t> Shocks to Security</a:t>
+            </a:r>
+          </a:p>
+        </p:txBody>
+      </p:sp>
+      <p:sp>
+        <p:nvSpPr>
+          <p:cNvPr id="8" name="Oval 7">
+            <a:extLst>
+              <a:ext uri="{FF2B5EF4-FFF2-40B4-BE49-F238E27FC236}">
+                <a16:creationId xmlns:a16="http://schemas.microsoft.com/office/drawing/2014/main" id="{E4091BEB-74B1-4E62-9283-F7DD417C0359}"/>
+              </a:ext>
+            </a:extLst>
+          </p:cNvPr>
+          <p:cNvSpPr/>
+          <p:nvPr/>
+        </p:nvSpPr>
+        <p:spPr>
+          <a:xfrm>
+            <a:off x="1343947" y="4719601"/>
+            <a:ext cx="3039485" cy="914400"/>
+          </a:xfrm>
+          <a:prstGeom prst="ellipse">
+            <a:avLst/>
+          </a:prstGeom>
+        </p:spPr>
+        <p:style>
+          <a:lnRef idx="2">
+            <a:schemeClr val="accent2"/>
+          </a:lnRef>
+          <a:fillRef idx="1">
+            <a:schemeClr val="lt1"/>
+          </a:fillRef>
+          <a:effectRef idx="0">
+            <a:schemeClr val="accent2"/>
+          </a:effectRef>
+          <a:fontRef idx="minor">
+            <a:schemeClr val="dk1"/>
+          </a:fontRef>
+        </p:style>
+        <p:txBody>
+          <a:bodyPr rtlCol="0" anchor="ctr"/>
+          <a:lstStyle/>
+          <a:p>
+            <a:pPr algn="ctr"/>
+            <a:r>
+              <a:rPr lang="en-US" dirty="0">
+                <a:latin typeface="Georgia" panose="02040502050405020303" pitchFamily="18" charset="0"/>
+              </a:rPr>
+              <a:t>Leaders </a:t>
+            </a:r>
+            <a:r>
+              <a:rPr lang="en-US" b="1" dirty="0">
+                <a:latin typeface="Georgia" panose="02040502050405020303" pitchFamily="18" charset="0"/>
+              </a:rPr>
+              <a:t>with</a:t>
+            </a:r>
+            <a:r>
+              <a:rPr lang="en-US" dirty="0">
+                <a:latin typeface="Georgia" panose="02040502050405020303" pitchFamily="18" charset="0"/>
+              </a:rPr>
+              <a:t> Shocks to Security</a:t>
+            </a:r>
+          </a:p>
+        </p:txBody>
+      </p:sp>
     </p:spTree>
     <p:extLst>
       <p:ext uri="{BB962C8B-B14F-4D97-AF65-F5344CB8AC3E}">
@@ -5088,7 +7955,315 @@
 </p:sld>
 </file>
 
-<file path=ppt/slides/slide11.xml><?xml version="1.0" encoding="utf-8"?>
+<file path=ppt/slides/slide7.xml><?xml version="1.0" encoding="utf-8"?>
+<p:sld xmlns:a="http://schemas.openxmlformats.org/drawingml/2006/main" xmlns:r="http://schemas.openxmlformats.org/officeDocument/2006/relationships" xmlns:p="http://schemas.openxmlformats.org/presentationml/2006/main">
+  <p:cSld>
+    <p:spTree>
+      <p:nvGrpSpPr>
+        <p:cNvPr id="1" name=""/>
+        <p:cNvGrpSpPr/>
+        <p:nvPr/>
+      </p:nvGrpSpPr>
+      <p:grpSpPr>
+        <a:xfrm>
+          <a:off x="0" y="0"/>
+          <a:ext cx="0" cy="0"/>
+          <a:chOff x="0" y="0"/>
+          <a:chExt cx="0" cy="0"/>
+        </a:xfrm>
+      </p:grpSpPr>
+      <p:sp>
+        <p:nvSpPr>
+          <p:cNvPr id="2" name="Title 1">
+            <a:extLst>
+              <a:ext uri="{FF2B5EF4-FFF2-40B4-BE49-F238E27FC236}">
+                <a16:creationId xmlns:a16="http://schemas.microsoft.com/office/drawing/2014/main" id="{F79D620D-74D4-4708-9120-24ED5BEEF4C4}"/>
+              </a:ext>
+            </a:extLst>
+          </p:cNvPr>
+          <p:cNvSpPr>
+            <a:spLocks noGrp="1"/>
+          </p:cNvSpPr>
+          <p:nvPr>
+            <p:ph type="title"/>
+          </p:nvPr>
+        </p:nvSpPr>
+        <p:spPr>
+          <a:xfrm>
+            <a:off x="462578" y="274638"/>
+            <a:ext cx="8224221" cy="753641"/>
+          </a:xfrm>
+        </p:spPr>
+        <p:txBody>
+          <a:bodyPr/>
+          <a:lstStyle/>
+          <a:p>
+            <a:r>
+              <a:rPr lang="en-US" sz="3600" b="1" dirty="0"/>
+              <a:t>Research Design </a:t>
+            </a:r>
+            <a:br>
+              <a:rPr lang="en-US" sz="3600" b="1" dirty="0"/>
+            </a:br>
+            <a:endParaRPr lang="en-US" sz="3600" b="1" dirty="0"/>
+          </a:p>
+        </p:txBody>
+      </p:sp>
+      <p:sp>
+        <p:nvSpPr>
+          <p:cNvPr id="3" name="Content Placeholder 2">
+            <a:extLst>
+              <a:ext uri="{FF2B5EF4-FFF2-40B4-BE49-F238E27FC236}">
+                <a16:creationId xmlns:a16="http://schemas.microsoft.com/office/drawing/2014/main" id="{AFBC40ED-1F18-4567-A661-C1CCF4946D5E}"/>
+              </a:ext>
+            </a:extLst>
+          </p:cNvPr>
+          <p:cNvSpPr>
+            <a:spLocks noGrp="1"/>
+          </p:cNvSpPr>
+          <p:nvPr>
+            <p:ph idx="1"/>
+          </p:nvPr>
+        </p:nvSpPr>
+        <p:spPr>
+          <a:xfrm>
+            <a:off x="381000" y="1028279"/>
+            <a:ext cx="8763000" cy="4872290"/>
+          </a:xfrm>
+        </p:spPr>
+        <p:txBody>
+          <a:bodyPr/>
+          <a:lstStyle/>
+          <a:p>
+            <a:pPr marL="0" indent="0">
+              <a:spcAft>
+                <a:spcPts val="600"/>
+              </a:spcAft>
+              <a:buNone/>
+            </a:pPr>
+            <a:r>
+              <a:rPr lang="en-US" sz="2000" dirty="0">
+                <a:latin typeface="Georgia" panose="02040502050405020303" pitchFamily="18" charset="0"/>
+              </a:rPr>
+              <a:t>Measure the security of a leader </a:t>
+            </a:r>
+            <a:r>
+              <a:rPr lang="en-US" sz="2000" u="sng" dirty="0">
+                <a:latin typeface="Georgia" panose="02040502050405020303" pitchFamily="18" charset="0"/>
+              </a:rPr>
+              <a:t>for all leaders</a:t>
+            </a:r>
+            <a:r>
+              <a:rPr lang="en-US" sz="2000" dirty="0">
+                <a:latin typeface="Georgia" panose="02040502050405020303" pitchFamily="18" charset="0"/>
+              </a:rPr>
+              <a:t>:   </a:t>
+            </a:r>
+          </a:p>
+          <a:p>
+            <a:pPr marL="400050" lvl="1" indent="0">
+              <a:spcAft>
+                <a:spcPts val="600"/>
+              </a:spcAft>
+              <a:buNone/>
+            </a:pPr>
+            <a:r>
+              <a:rPr lang="en-US" sz="1800" dirty="0">
+                <a:latin typeface="Georgia" panose="02040502050405020303" pitchFamily="18" charset="0"/>
+              </a:rPr>
+              <a:t>1) A leader's security before he starts his tenure at time </a:t>
+            </a:r>
+            <a:r>
+              <a:rPr lang="en-US" sz="1800" b="1" i="1" dirty="0">
+                <a:latin typeface="Georgia" panose="02040502050405020303" pitchFamily="18" charset="0"/>
+              </a:rPr>
+              <a:t>0</a:t>
+            </a:r>
+            <a:r>
+              <a:rPr lang="en-US" sz="1800" i="1" dirty="0">
+                <a:latin typeface="Georgia" panose="02040502050405020303" pitchFamily="18" charset="0"/>
+              </a:rPr>
+              <a:t> (regime type matters);</a:t>
+            </a:r>
+            <a:endParaRPr lang="en-US" sz="1800" dirty="0">
+              <a:latin typeface="Georgia" panose="02040502050405020303" pitchFamily="18" charset="0"/>
+            </a:endParaRPr>
+          </a:p>
+          <a:p>
+            <a:pPr marL="400050" lvl="1" indent="0">
+              <a:spcAft>
+                <a:spcPts val="600"/>
+              </a:spcAft>
+              <a:buNone/>
+            </a:pPr>
+            <a:r>
+              <a:rPr lang="en-US" sz="1800" dirty="0">
+                <a:latin typeface="Georgia" panose="02040502050405020303" pitchFamily="18" charset="0"/>
+              </a:rPr>
+              <a:t>2) The security of the regime at time</a:t>
+            </a:r>
+            <a:r>
+              <a:rPr lang="en-US" sz="1800" b="1" dirty="0">
+                <a:latin typeface="Georgia" panose="02040502050405020303" pitchFamily="18" charset="0"/>
+              </a:rPr>
+              <a:t> </a:t>
+            </a:r>
+            <a:r>
+              <a:rPr lang="en-US" sz="1800" b="1" i="1" dirty="0">
+                <a:latin typeface="Georgia" panose="02040502050405020303" pitchFamily="18" charset="0"/>
+              </a:rPr>
+              <a:t>t</a:t>
+            </a:r>
+            <a:r>
+              <a:rPr lang="en-US" sz="1800" dirty="0">
+                <a:latin typeface="Georgia" panose="02040502050405020303" pitchFamily="18" charset="0"/>
+              </a:rPr>
+              <a:t>.</a:t>
+            </a:r>
+          </a:p>
+          <a:p>
+            <a:pPr marL="0" indent="0">
+              <a:spcAft>
+                <a:spcPts val="600"/>
+              </a:spcAft>
+              <a:buNone/>
+            </a:pPr>
+            <a:endParaRPr lang="en-GB" sz="2000" b="1" dirty="0">
+              <a:latin typeface="Georgia" panose="02040502050405020303" pitchFamily="18" charset="0"/>
+            </a:endParaRPr>
+          </a:p>
+          <a:p>
+            <a:pPr marL="0" indent="0">
+              <a:spcAft>
+                <a:spcPts val="600"/>
+              </a:spcAft>
+              <a:buNone/>
+            </a:pPr>
+            <a:r>
+              <a:rPr lang="en-US" sz="2000" dirty="0">
+                <a:latin typeface="Georgia" panose="02040502050405020303" pitchFamily="18" charset="0"/>
+              </a:rPr>
+              <a:t>Shocks to Leaders’ Security (Hypothetical Treatment):</a:t>
+            </a:r>
+          </a:p>
+          <a:p>
+            <a:pPr marL="685800" lvl="1">
+              <a:spcAft>
+                <a:spcPts val="600"/>
+              </a:spcAft>
+              <a:buFont typeface="Wingdings" panose="05000000000000000000" pitchFamily="2" charset="2"/>
+              <a:buChar char="v"/>
+            </a:pPr>
+            <a:r>
+              <a:rPr lang="en-US" sz="1800" dirty="0">
+                <a:latin typeface="Georgia" panose="02040502050405020303" pitchFamily="18" charset="0"/>
+              </a:rPr>
+              <a:t>Type 1: a leader experiences a shock to security at time </a:t>
+            </a:r>
+            <a:r>
+              <a:rPr lang="en-US" sz="1800" b="1" i="1" dirty="0">
+                <a:latin typeface="Georgia" panose="02040502050405020303" pitchFamily="18" charset="0"/>
+              </a:rPr>
+              <a:t>1</a:t>
+            </a:r>
+            <a:r>
+              <a:rPr lang="en-US" sz="1800" i="1" dirty="0">
+                <a:latin typeface="Georgia" panose="02040502050405020303" pitchFamily="18" charset="0"/>
+              </a:rPr>
+              <a:t>.</a:t>
+            </a:r>
+            <a:endParaRPr lang="en-US" sz="1800" dirty="0">
+              <a:latin typeface="Georgia" panose="02040502050405020303" pitchFamily="18" charset="0"/>
+            </a:endParaRPr>
+          </a:p>
+          <a:p>
+            <a:pPr marL="1085850" lvl="2">
+              <a:spcAft>
+                <a:spcPts val="600"/>
+              </a:spcAft>
+              <a:buFont typeface="Wingdings" panose="05000000000000000000" pitchFamily="2" charset="2"/>
+              <a:buChar char="§"/>
+            </a:pPr>
+            <a:r>
+              <a:rPr lang="en-US" sz="1800" dirty="0">
+                <a:latin typeface="Georgia" panose="02040502050405020303" pitchFamily="18" charset="0"/>
+              </a:rPr>
+              <a:t>political effectiveness score 2 and 3. </a:t>
+            </a:r>
+          </a:p>
+          <a:p>
+            <a:pPr marL="685800" lvl="1">
+              <a:spcAft>
+                <a:spcPts val="600"/>
+              </a:spcAft>
+              <a:buFont typeface="Wingdings" panose="05000000000000000000" pitchFamily="2" charset="2"/>
+              <a:buChar char="v"/>
+            </a:pPr>
+            <a:r>
+              <a:rPr lang="en-US" sz="1800" dirty="0">
+                <a:latin typeface="Georgia" panose="02040502050405020303" pitchFamily="18" charset="0"/>
+              </a:rPr>
+              <a:t>Type 2: a leader experiences a shock to security at time</a:t>
+            </a:r>
+            <a:r>
+              <a:rPr lang="en-US" sz="1800" i="1" dirty="0">
+                <a:latin typeface="Georgia" panose="02040502050405020303" pitchFamily="18" charset="0"/>
+              </a:rPr>
+              <a:t> </a:t>
+            </a:r>
+            <a:r>
+              <a:rPr lang="en-US" sz="1800" b="1" i="1" dirty="0">
+                <a:latin typeface="Georgia" panose="02040502050405020303" pitchFamily="18" charset="0"/>
+              </a:rPr>
+              <a:t>t</a:t>
+            </a:r>
+            <a:r>
+              <a:rPr lang="en-US" sz="1800" b="1" dirty="0">
+                <a:latin typeface="Georgia" panose="02040502050405020303" pitchFamily="18" charset="0"/>
+              </a:rPr>
+              <a:t>.</a:t>
+            </a:r>
+          </a:p>
+          <a:p>
+            <a:pPr lvl="2" indent="-285750">
+              <a:spcAft>
+                <a:spcPts val="600"/>
+              </a:spcAft>
+              <a:buFont typeface="Wingdings" panose="05000000000000000000" pitchFamily="2" charset="2"/>
+              <a:buChar char="§"/>
+            </a:pPr>
+            <a:r>
+              <a:rPr lang="en-US" sz="1800" dirty="0">
+                <a:latin typeface="Georgia" panose="02040502050405020303" pitchFamily="18" charset="0"/>
+              </a:rPr>
+              <a:t>worsening political effectiveness score.</a:t>
+            </a:r>
+            <a:endParaRPr lang="en-GB" sz="1800" b="1" dirty="0">
+              <a:latin typeface="Georgia" panose="02040502050405020303" pitchFamily="18" charset="0"/>
+            </a:endParaRPr>
+          </a:p>
+          <a:p>
+            <a:pPr marL="0" indent="0">
+              <a:buNone/>
+            </a:pPr>
+            <a:endParaRPr lang="en-US" dirty="0"/>
+          </a:p>
+        </p:txBody>
+      </p:sp>
+    </p:spTree>
+    <p:extLst>
+      <p:ext uri="{BB962C8B-B14F-4D97-AF65-F5344CB8AC3E}">
+        <p14:creationId xmlns:p14="http://schemas.microsoft.com/office/powerpoint/2010/main" val="3834226521"/>
+      </p:ext>
+    </p:extLst>
+  </p:cSld>
+  <p:clrMapOvr>
+    <a:masterClrMapping/>
+  </p:clrMapOvr>
+</p:sld>
+</file>
+
+<file path=ppt/slides/slide8.xml><?xml version="1.0" encoding="utf-8"?>
 <p:sld xmlns:a="http://schemas.openxmlformats.org/drawingml/2006/main" xmlns:r="http://schemas.openxmlformats.org/officeDocument/2006/relationships" xmlns:p="http://schemas.openxmlformats.org/presentationml/2006/main">
   <p:cSld>
     <p:spTree>
@@ -5127,201 +8302,2182 @@
           <a:lstStyle/>
           <a:p>
             <a:r>
-              <a:rPr lang="en-US" sz="4000" b="1" dirty="0"/>
-              <a:t>Research Design </a:t>
-            </a:r>
-            <a:br>
-              <a:rPr lang="en-US" sz="4000" b="1" dirty="0"/>
-            </a:br>
-            <a:endParaRPr lang="en-US" sz="4000" b="1" dirty="0"/>
+              <a:rPr lang="en-US" sz="3600" b="1" dirty="0"/>
+              <a:t>Who are in Which Group?</a:t>
+            </a:r>
           </a:p>
         </p:txBody>
       </p:sp>
-      <p:sp>
-        <p:nvSpPr>
-          <p:cNvPr id="3" name="Content Placeholder 2">
+      <p:graphicFrame>
+        <p:nvGraphicFramePr>
+          <p:cNvPr id="4" name="Content Placeholder 3">
             <a:extLst>
               <a:ext uri="{FF2B5EF4-FFF2-40B4-BE49-F238E27FC236}">
-                <a16:creationId xmlns:a16="http://schemas.microsoft.com/office/drawing/2014/main" id="{AFBC40ED-1F18-4567-A661-C1CCF4946D5E}"/>
+                <a16:creationId xmlns:a16="http://schemas.microsoft.com/office/drawing/2014/main" id="{C138231B-8131-4DEF-A12C-81D9D5C16C9B}"/>
               </a:ext>
             </a:extLst>
           </p:cNvPr>
-          <p:cNvSpPr>
-            <a:spLocks noGrp="1"/>
-          </p:cNvSpPr>
+          <p:cNvGraphicFramePr>
+            <a:graphicFrameLocks noGrp="1"/>
+          </p:cNvGraphicFramePr>
           <p:nvPr>
             <p:ph idx="1"/>
+            <p:extLst>
+              <p:ext uri="{D42A27DB-BD31-4B8C-83A1-F6EECF244321}">
+                <p14:modId xmlns:p14="http://schemas.microsoft.com/office/powerpoint/2010/main" val="962367692"/>
+              </p:ext>
+            </p:extLst>
           </p:nvPr>
-        </p:nvSpPr>
-        <p:spPr>
-          <a:xfrm>
-            <a:off x="381000" y="1028279"/>
-            <a:ext cx="8382000" cy="4872290"/>
-          </a:xfrm>
-        </p:spPr>
-        <p:txBody>
-          <a:bodyPr/>
-          <a:lstStyle/>
-          <a:p>
-            <a:pPr marL="0" indent="0">
-              <a:spcBef>
-                <a:spcPts val="600"/>
-              </a:spcBef>
-              <a:spcAft>
-                <a:spcPts val="600"/>
-              </a:spcAft>
-              <a:buNone/>
-            </a:pPr>
-            <a:r>
-              <a:rPr lang="en-GB" sz="2000" b="1" u="sng" dirty="0">
-                <a:solidFill>
-                  <a:srgbClr val="131F33"/>
-                </a:solidFill>
-                <a:latin typeface="Georgia" panose="02040502050405020303" pitchFamily="18" charset="0"/>
-              </a:rPr>
-              <a:t>Quasi-experiment: </a:t>
-            </a:r>
-          </a:p>
-          <a:p>
-            <a:pPr marL="381000" indent="-381000">
-              <a:buFont typeface="Arial" panose="020B0604020202020204" pitchFamily="34" charset="0"/>
-              <a:buChar char="•"/>
-            </a:pPr>
-            <a:r>
-              <a:rPr lang="en-GB" sz="2000" b="1" dirty="0">
-                <a:latin typeface="Georgia" panose="02040502050405020303" pitchFamily="18" charset="0"/>
-              </a:rPr>
-              <a:t>Hypothetical Treatment: Shock to Leaders’ Security</a:t>
-            </a:r>
-          </a:p>
-          <a:p>
-            <a:pPr lvl="1" indent="-342900"/>
-            <a:r>
-              <a:rPr lang="en-US" sz="2000" dirty="0">
-                <a:latin typeface="Georgia" panose="02040502050405020303" pitchFamily="18" charset="0"/>
-              </a:rPr>
-              <a:t>Two indices to measure the security of a leader:   </a:t>
-            </a:r>
-          </a:p>
-          <a:p>
-            <a:pPr marL="400050" lvl="1" indent="0">
-              <a:buNone/>
-            </a:pPr>
-            <a:r>
-              <a:rPr lang="en-US" sz="1800" dirty="0">
-                <a:latin typeface="Georgia" panose="02040502050405020303" pitchFamily="18" charset="0"/>
-              </a:rPr>
-              <a:t>1) A leader's security when he starts his tenure at time </a:t>
-            </a:r>
-            <a:r>
-              <a:rPr lang="en-US" sz="1800" i="1" dirty="0">
-                <a:latin typeface="Georgia" panose="02040502050405020303" pitchFamily="18" charset="0"/>
-              </a:rPr>
-              <a:t>0</a:t>
-            </a:r>
-            <a:r>
-              <a:rPr lang="en-US" sz="1800" dirty="0">
-                <a:latin typeface="Georgia" panose="02040502050405020303" pitchFamily="18" charset="0"/>
-              </a:rPr>
-              <a:t> depending on his relation to the past leader (or not); and,  </a:t>
-            </a:r>
-          </a:p>
-          <a:p>
-            <a:pPr marL="400050" lvl="1" indent="0">
-              <a:buNone/>
-            </a:pPr>
-            <a:r>
-              <a:rPr lang="en-US" sz="1800" dirty="0">
-                <a:latin typeface="Georgia" panose="02040502050405020303" pitchFamily="18" charset="0"/>
-              </a:rPr>
-              <a:t>2) The security of the regime when the leader holds office at time </a:t>
-            </a:r>
-            <a:r>
-              <a:rPr lang="en-US" sz="1800" i="1" dirty="0">
-                <a:latin typeface="Georgia" panose="02040502050405020303" pitchFamily="18" charset="0"/>
-              </a:rPr>
-              <a:t>t</a:t>
-            </a:r>
-            <a:r>
-              <a:rPr lang="en-US" sz="1800" dirty="0">
-                <a:latin typeface="Georgia" panose="02040502050405020303" pitchFamily="18" charset="0"/>
-              </a:rPr>
-              <a:t>.</a:t>
-            </a:r>
-          </a:p>
-          <a:p>
-            <a:pPr lvl="1" indent="-342900">
-              <a:buFontTx/>
-              <a:buChar char="-"/>
-            </a:pPr>
-            <a:r>
-              <a:rPr lang="en-US" sz="2000" dirty="0">
-                <a:latin typeface="Georgia" panose="02040502050405020303" pitchFamily="18" charset="0"/>
-              </a:rPr>
-              <a:t>Two Types of shocks to security:</a:t>
-            </a:r>
-          </a:p>
-          <a:p>
-            <a:pPr marL="400050" lvl="1" indent="0">
-              <a:buNone/>
-            </a:pPr>
-            <a:r>
-              <a:rPr lang="en-US" sz="1800" dirty="0">
-                <a:latin typeface="Georgia" panose="02040502050405020303" pitchFamily="18" charset="0"/>
-              </a:rPr>
-              <a:t>1) Type 1: a leader is secure at time 0 and becomes insecure immediately onward at time 1 (experiences a shock to security at time </a:t>
-            </a:r>
-            <a:r>
-              <a:rPr lang="en-US" sz="1800" i="1" dirty="0">
-                <a:latin typeface="Georgia" panose="02040502050405020303" pitchFamily="18" charset="0"/>
-              </a:rPr>
-              <a:t>1</a:t>
-            </a:r>
-            <a:r>
-              <a:rPr lang="en-US" sz="1800" dirty="0">
-                <a:latin typeface="Georgia" panose="02040502050405020303" pitchFamily="18" charset="0"/>
-              </a:rPr>
-              <a:t>).</a:t>
-            </a:r>
-          </a:p>
-          <a:p>
-            <a:pPr marL="400050" lvl="1" indent="0">
-              <a:buNone/>
-            </a:pPr>
-            <a:r>
-              <a:rPr lang="en-US" sz="1800" dirty="0">
-                <a:latin typeface="Georgia" panose="02040502050405020303" pitchFamily="18" charset="0"/>
-              </a:rPr>
-              <a:t>2) Type 2: a leader experiences a shock to security during his tenure a time</a:t>
-            </a:r>
-            <a:r>
-              <a:rPr lang="en-US" sz="1800" i="1" dirty="0">
-                <a:latin typeface="Georgia" panose="02040502050405020303" pitchFamily="18" charset="0"/>
-              </a:rPr>
-              <a:t> t</a:t>
-            </a:r>
-            <a:r>
-              <a:rPr lang="en-US" sz="1800" dirty="0">
-                <a:latin typeface="Georgia" panose="02040502050405020303" pitchFamily="18" charset="0"/>
-              </a:rPr>
-              <a:t>.</a:t>
-            </a:r>
-            <a:endParaRPr lang="en-GB" sz="2000" b="1" dirty="0">
-              <a:latin typeface="Georgia" panose="02040502050405020303" pitchFamily="18" charset="0"/>
-            </a:endParaRPr>
-          </a:p>
-          <a:p>
-            <a:pPr marL="0" indent="0">
-              <a:buNone/>
-            </a:pPr>
-            <a:endParaRPr lang="en-US" dirty="0"/>
-          </a:p>
-        </p:txBody>
-      </p:sp>
+        </p:nvGraphicFramePr>
+        <p:xfrm>
+          <a:off x="117886" y="888855"/>
+          <a:ext cx="8730280" cy="5001934"/>
+        </p:xfrm>
+        <a:graphic>
+          <a:graphicData uri="http://schemas.openxmlformats.org/drawingml/2006/table">
+            <a:tbl>
+              <a:tblPr firstRow="1" bandRow="1">
+                <a:tableStyleId>{5C22544A-7EE6-4342-B048-85BDC9FD1C3A}</a:tableStyleId>
+              </a:tblPr>
+              <a:tblGrid>
+                <a:gridCol w="4578476">
+                  <a:extLst>
+                    <a:ext uri="{9D8B030D-6E8A-4147-A177-3AD203B41FA5}">
+                      <a16:colId xmlns:a16="http://schemas.microsoft.com/office/drawing/2014/main" val="783887789"/>
+                    </a:ext>
+                  </a:extLst>
+                </a:gridCol>
+                <a:gridCol w="811553">
+                  <a:extLst>
+                    <a:ext uri="{9D8B030D-6E8A-4147-A177-3AD203B41FA5}">
+                      <a16:colId xmlns:a16="http://schemas.microsoft.com/office/drawing/2014/main" val="578081268"/>
+                    </a:ext>
+                  </a:extLst>
+                </a:gridCol>
+                <a:gridCol w="1170880">
+                  <a:extLst>
+                    <a:ext uri="{9D8B030D-6E8A-4147-A177-3AD203B41FA5}">
+                      <a16:colId xmlns:a16="http://schemas.microsoft.com/office/drawing/2014/main" val="3100500401"/>
+                    </a:ext>
+                  </a:extLst>
+                </a:gridCol>
+                <a:gridCol w="580610">
+                  <a:extLst>
+                    <a:ext uri="{9D8B030D-6E8A-4147-A177-3AD203B41FA5}">
+                      <a16:colId xmlns:a16="http://schemas.microsoft.com/office/drawing/2014/main" val="771619782"/>
+                    </a:ext>
+                  </a:extLst>
+                </a:gridCol>
+                <a:gridCol w="812943">
+                  <a:extLst>
+                    <a:ext uri="{9D8B030D-6E8A-4147-A177-3AD203B41FA5}">
+                      <a16:colId xmlns:a16="http://schemas.microsoft.com/office/drawing/2014/main" val="3777373810"/>
+                    </a:ext>
+                  </a:extLst>
+                </a:gridCol>
+                <a:gridCol w="775818">
+                  <a:extLst>
+                    <a:ext uri="{9D8B030D-6E8A-4147-A177-3AD203B41FA5}">
+                      <a16:colId xmlns:a16="http://schemas.microsoft.com/office/drawing/2014/main" val="3669314845"/>
+                    </a:ext>
+                  </a:extLst>
+                </a:gridCol>
+              </a:tblGrid>
+              <a:tr h="1260470">
+                <a:tc>
+                  <a:txBody>
+                    <a:bodyPr/>
+                    <a:lstStyle/>
+                    <a:p>
+                      <a:pPr algn="ctr"/>
+                      <a:endParaRPr lang="en-US" dirty="0">
+                        <a:latin typeface="Georgia" panose="02040502050405020303" pitchFamily="18" charset="0"/>
+                      </a:endParaRPr>
+                    </a:p>
+                    <a:p>
+                      <a:pPr algn="ctr"/>
+                      <a:r>
+                        <a:rPr lang="en-US" dirty="0">
+                          <a:latin typeface="Georgia" panose="02040502050405020303" pitchFamily="18" charset="0"/>
+                        </a:rPr>
+                        <a:t>Scenarios of Leaders</a:t>
+                      </a:r>
+                    </a:p>
+                    <a:p>
+                      <a:pPr algn="ctr"/>
+                      <a:endParaRPr lang="en-US" dirty="0">
+                        <a:latin typeface="Georgia" panose="02040502050405020303" pitchFamily="18" charset="0"/>
+                      </a:endParaRPr>
+                    </a:p>
+                  </a:txBody>
+                  <a:tcPr anchor="ctr"/>
+                </a:tc>
+                <a:tc>
+                  <a:txBody>
+                    <a:bodyPr/>
+                    <a:lstStyle/>
+                    <a:p>
+                      <a:pPr marL="0" marR="0" lvl="0" indent="0" algn="ctr" defTabSz="457200" rtl="0" eaLnBrk="1" fontAlgn="auto" latinLnBrk="0" hangingPunct="1">
+                        <a:lnSpc>
+                          <a:spcPct val="100000"/>
+                        </a:lnSpc>
+                        <a:spcBef>
+                          <a:spcPts val="0"/>
+                        </a:spcBef>
+                        <a:spcAft>
+                          <a:spcPts val="0"/>
+                        </a:spcAft>
+                        <a:buClrTx/>
+                        <a:buSzTx/>
+                        <a:buFontTx/>
+                        <a:buNone/>
+                        <a:tabLst/>
+                        <a:defRPr/>
+                      </a:pPr>
+                      <a:r>
+                        <a:rPr lang="en-US" sz="1800" b="1" kern="1200" dirty="0">
+                          <a:solidFill>
+                            <a:schemeClr val="lt1"/>
+                          </a:solidFill>
+                          <a:latin typeface="+mn-lt"/>
+                          <a:ea typeface="+mn-ea"/>
+                          <a:cs typeface="+mn-cs"/>
+                        </a:rPr>
+                        <a:t>Chan-</a:t>
+                      </a:r>
+                      <a:r>
+                        <a:rPr lang="en-US" sz="1800" b="1" kern="1200" dirty="0" err="1">
+                          <a:solidFill>
+                            <a:schemeClr val="lt1"/>
+                          </a:solidFill>
+                          <a:latin typeface="+mn-lt"/>
+                          <a:ea typeface="+mn-ea"/>
+                          <a:cs typeface="+mn-cs"/>
+                        </a:rPr>
+                        <a:t>ges</a:t>
+                      </a:r>
+                      <a:r>
+                        <a:rPr lang="en-US" sz="1800" b="1" kern="1200" dirty="0">
+                          <a:solidFill>
+                            <a:schemeClr val="lt1"/>
+                          </a:solidFill>
+                          <a:latin typeface="+mn-lt"/>
+                          <a:ea typeface="+mn-ea"/>
+                          <a:cs typeface="+mn-cs"/>
+                        </a:rPr>
+                        <a:t> in P. Eff</a:t>
+                      </a:r>
+                    </a:p>
+                  </a:txBody>
+                  <a:tcPr anchor="ctr"/>
+                </a:tc>
+                <a:tc>
+                  <a:txBody>
+                    <a:bodyPr/>
+                    <a:lstStyle/>
+                    <a:p>
+                      <a:pPr algn="ctr"/>
+                      <a:r>
+                        <a:rPr lang="en-US" dirty="0">
+                          <a:latin typeface="Georgia" panose="02040502050405020303" pitchFamily="18" charset="0"/>
+                        </a:rPr>
+                        <a:t>Shock</a:t>
+                      </a:r>
+                    </a:p>
+                  </a:txBody>
+                  <a:tcPr anchor="ctr"/>
+                </a:tc>
+                <a:tc>
+                  <a:txBody>
+                    <a:bodyPr/>
+                    <a:lstStyle/>
+                    <a:p>
+                      <a:pPr algn="ctr"/>
+                      <a:r>
+                        <a:rPr lang="en-US" dirty="0">
+                          <a:latin typeface="Georgia" panose="02040502050405020303" pitchFamily="18" charset="0"/>
+                        </a:rPr>
+                        <a:t>Gr.</a:t>
+                      </a:r>
+                    </a:p>
+                  </a:txBody>
+                  <a:tcPr anchor="ctr"/>
+                </a:tc>
+                <a:tc>
+                  <a:txBody>
+                    <a:bodyPr/>
+                    <a:lstStyle/>
+                    <a:p>
+                      <a:pPr algn="ctr"/>
+                      <a:r>
+                        <a:rPr lang="en-US" dirty="0">
+                          <a:latin typeface="Georgia" panose="02040502050405020303" pitchFamily="18" charset="0"/>
+                        </a:rPr>
+                        <a:t>Dem.</a:t>
+                      </a:r>
+                    </a:p>
+                  </a:txBody>
+                  <a:tcPr anchor="ctr"/>
+                </a:tc>
+                <a:tc>
+                  <a:txBody>
+                    <a:bodyPr/>
+                    <a:lstStyle/>
+                    <a:p>
+                      <a:pPr algn="ctr"/>
+                      <a:r>
+                        <a:rPr lang="en-US" dirty="0" err="1">
+                          <a:latin typeface="Georgia" panose="02040502050405020303" pitchFamily="18" charset="0"/>
+                        </a:rPr>
+                        <a:t>Aut</a:t>
+                      </a:r>
+                      <a:r>
+                        <a:rPr lang="en-US" dirty="0">
+                          <a:latin typeface="Georgia" panose="02040502050405020303" pitchFamily="18" charset="0"/>
+                        </a:rPr>
+                        <a:t>.</a:t>
+                      </a:r>
+                      <a:endParaRPr lang="en-US" dirty="0"/>
+                    </a:p>
+                  </a:txBody>
+                  <a:tcPr anchor="ctr"/>
+                </a:tc>
+                <a:extLst>
+                  <a:ext uri="{0D108BD9-81ED-4DB2-BD59-A6C34878D82A}">
+                    <a16:rowId xmlns:a16="http://schemas.microsoft.com/office/drawing/2014/main" val="2974803935"/>
+                  </a:ext>
+                </a:extLst>
+              </a:tr>
+              <a:tr h="372700">
+                <a:tc>
+                  <a:txBody>
+                    <a:bodyPr/>
+                    <a:lstStyle/>
+                    <a:p>
+                      <a:pPr marL="0" marR="0" lvl="0" indent="0" algn="ctr" defTabSz="457200" rtl="0" eaLnBrk="1" fontAlgn="auto" latinLnBrk="0" hangingPunct="1">
+                        <a:lnSpc>
+                          <a:spcPct val="100000"/>
+                        </a:lnSpc>
+                        <a:spcBef>
+                          <a:spcPts val="0"/>
+                        </a:spcBef>
+                        <a:spcAft>
+                          <a:spcPts val="0"/>
+                        </a:spcAft>
+                        <a:buClrTx/>
+                        <a:buSzTx/>
+                        <a:buFontTx/>
+                        <a:buNone/>
+                        <a:tabLst/>
+                        <a:defRPr/>
+                      </a:pPr>
+                      <a:r>
+                        <a:rPr lang="en-US" sz="1600" dirty="0">
+                          <a:latin typeface="Georgia" panose="02040502050405020303" pitchFamily="18" charset="0"/>
+                        </a:rPr>
+                        <a:t>secure all the time at </a:t>
+                      </a:r>
+                      <a:r>
+                        <a:rPr lang="en-US" sz="1600" kern="1200" dirty="0">
+                          <a:solidFill>
+                            <a:schemeClr val="dk1"/>
+                          </a:solidFill>
+                          <a:effectLst/>
+                          <a:latin typeface="Georgia" panose="02040502050405020303" pitchFamily="18" charset="0"/>
+                          <a:ea typeface="+mn-ea"/>
+                          <a:cs typeface="+mn-cs"/>
+                        </a:rPr>
+                        <a:t>t</a:t>
+                      </a:r>
+                      <a:r>
+                        <a:rPr lang="en-US" sz="1600" kern="1200" baseline="-25000" dirty="0">
+                          <a:solidFill>
+                            <a:schemeClr val="dk1"/>
+                          </a:solidFill>
+                          <a:effectLst/>
+                          <a:latin typeface="Georgia" panose="02040502050405020303" pitchFamily="18" charset="0"/>
+                          <a:ea typeface="+mn-ea"/>
+                          <a:cs typeface="+mn-cs"/>
+                        </a:rPr>
+                        <a:t>0</a:t>
+                      </a:r>
+                      <a:r>
+                        <a:rPr lang="en-US" sz="1600" dirty="0">
+                          <a:latin typeface="Georgia" panose="02040502050405020303" pitchFamily="18" charset="0"/>
+                        </a:rPr>
+                        <a:t>, </a:t>
+                      </a:r>
+                      <a:r>
+                        <a:rPr lang="en-US" sz="1600" kern="1200" dirty="0">
+                          <a:solidFill>
+                            <a:schemeClr val="dk1"/>
+                          </a:solidFill>
+                          <a:effectLst/>
+                          <a:latin typeface="Georgia" panose="02040502050405020303" pitchFamily="18" charset="0"/>
+                          <a:ea typeface="+mn-ea"/>
+                          <a:cs typeface="+mn-cs"/>
+                        </a:rPr>
+                        <a:t>t</a:t>
+                      </a:r>
+                      <a:r>
+                        <a:rPr lang="en-US" sz="1600" kern="1200" baseline="-25000" dirty="0">
+                          <a:solidFill>
+                            <a:schemeClr val="dk1"/>
+                          </a:solidFill>
+                          <a:effectLst/>
+                          <a:latin typeface="Georgia" panose="02040502050405020303" pitchFamily="18" charset="0"/>
+                          <a:ea typeface="+mn-ea"/>
+                          <a:cs typeface="+mn-cs"/>
+                        </a:rPr>
+                        <a:t>1 …</a:t>
+                      </a:r>
+                      <a:r>
+                        <a:rPr lang="en-US" sz="1600" kern="1200" dirty="0">
+                          <a:solidFill>
+                            <a:schemeClr val="dk1"/>
+                          </a:solidFill>
+                          <a:effectLst/>
+                          <a:latin typeface="Georgia" panose="02040502050405020303" pitchFamily="18" charset="0"/>
+                          <a:ea typeface="+mn-ea"/>
+                          <a:cs typeface="+mn-cs"/>
+                        </a:rPr>
+                        <a:t> </a:t>
+                      </a:r>
+                      <a:r>
+                        <a:rPr lang="en-US" sz="1600" kern="1200" dirty="0" err="1">
+                          <a:solidFill>
+                            <a:schemeClr val="dk1"/>
+                          </a:solidFill>
+                          <a:effectLst/>
+                          <a:latin typeface="Georgia" panose="02040502050405020303" pitchFamily="18" charset="0"/>
+                          <a:ea typeface="+mn-ea"/>
+                          <a:cs typeface="+mn-cs"/>
+                        </a:rPr>
+                        <a:t>t</a:t>
+                      </a:r>
+                      <a:r>
+                        <a:rPr lang="en-US" sz="1600" kern="1200" baseline="-25000" dirty="0" err="1">
+                          <a:solidFill>
+                            <a:schemeClr val="dk1"/>
+                          </a:solidFill>
+                          <a:effectLst/>
+                          <a:latin typeface="Georgia" panose="02040502050405020303" pitchFamily="18" charset="0"/>
+                          <a:ea typeface="+mn-ea"/>
+                          <a:cs typeface="+mn-cs"/>
+                        </a:rPr>
+                        <a:t>n</a:t>
+                      </a:r>
+                      <a:endParaRPr lang="en-US" sz="1600" dirty="0">
+                        <a:latin typeface="Georgia" panose="02040502050405020303" pitchFamily="18" charset="0"/>
+                      </a:endParaRPr>
+                    </a:p>
+                  </a:txBody>
+                  <a:tcPr/>
+                </a:tc>
+                <a:tc>
+                  <a:txBody>
+                    <a:bodyPr/>
+                    <a:lstStyle/>
+                    <a:p>
+                      <a:pPr algn="ctr"/>
+                      <a:endParaRPr lang="en-US" sz="1600" dirty="0">
+                        <a:latin typeface="Georgia" panose="02040502050405020303" pitchFamily="18" charset="0"/>
+                      </a:endParaRPr>
+                    </a:p>
+                  </a:txBody>
+                  <a:tcPr/>
+                </a:tc>
+                <a:tc>
+                  <a:txBody>
+                    <a:bodyPr/>
+                    <a:lstStyle/>
+                    <a:p>
+                      <a:pPr algn="ctr"/>
+                      <a:endParaRPr lang="en-US" sz="1600" dirty="0">
+                        <a:latin typeface="Georgia" panose="02040502050405020303" pitchFamily="18" charset="0"/>
+                      </a:endParaRPr>
+                    </a:p>
+                  </a:txBody>
+                  <a:tcPr/>
+                </a:tc>
+                <a:tc>
+                  <a:txBody>
+                    <a:bodyPr/>
+                    <a:lstStyle/>
+                    <a:p>
+                      <a:pPr algn="ctr"/>
+                      <a:r>
+                        <a:rPr lang="en-US" sz="1600" dirty="0">
+                          <a:latin typeface="Georgia" panose="02040502050405020303" pitchFamily="18" charset="0"/>
+                        </a:rPr>
+                        <a:t>C</a:t>
+                      </a:r>
+                    </a:p>
+                  </a:txBody>
+                  <a:tcPr/>
+                </a:tc>
+                <a:tc>
+                  <a:txBody>
+                    <a:bodyPr/>
+                    <a:lstStyle/>
+                    <a:p>
+                      <a:pPr marL="0" marR="0" lvl="0" indent="0" algn="ctr" defTabSz="457200" rtl="0" eaLnBrk="1" fontAlgn="auto" latinLnBrk="0" hangingPunct="1">
+                        <a:lnSpc>
+                          <a:spcPct val="100000"/>
+                        </a:lnSpc>
+                        <a:spcBef>
+                          <a:spcPts val="0"/>
+                        </a:spcBef>
+                        <a:spcAft>
+                          <a:spcPts val="0"/>
+                        </a:spcAft>
+                        <a:buClrTx/>
+                        <a:buSzTx/>
+                        <a:buFontTx/>
+                        <a:buNone/>
+                        <a:tabLst/>
+                        <a:defRPr/>
+                      </a:pPr>
+                      <a:r>
+                        <a:rPr lang="en-US" sz="1600" dirty="0">
+                          <a:latin typeface="Georgia" panose="02040502050405020303" pitchFamily="18" charset="0"/>
+                          <a:sym typeface="Wingdings" panose="05000000000000000000" pitchFamily="2" charset="2"/>
+                        </a:rPr>
+                        <a:t></a:t>
+                      </a:r>
+                      <a:endParaRPr lang="en-US" sz="1600" dirty="0">
+                        <a:latin typeface="Georgia" panose="02040502050405020303" pitchFamily="18" charset="0"/>
+                      </a:endParaRPr>
+                    </a:p>
+                  </a:txBody>
+                  <a:tcPr/>
+                </a:tc>
+                <a:tc>
+                  <a:txBody>
+                    <a:bodyPr/>
+                    <a:lstStyle/>
+                    <a:p>
+                      <a:pPr algn="ctr"/>
+                      <a:r>
+                        <a:rPr lang="en-US" sz="1600" dirty="0">
+                          <a:latin typeface="Georgia" panose="02040502050405020303" pitchFamily="18" charset="0"/>
+                          <a:sym typeface="Wingdings" panose="05000000000000000000" pitchFamily="2" charset="2"/>
+                        </a:rPr>
+                        <a:t></a:t>
+                      </a:r>
+                      <a:endParaRPr lang="en-US" sz="1600" dirty="0">
+                        <a:latin typeface="Georgia" panose="02040502050405020303" pitchFamily="18" charset="0"/>
+                      </a:endParaRPr>
+                    </a:p>
+                  </a:txBody>
+                  <a:tcPr/>
+                </a:tc>
+                <a:extLst>
+                  <a:ext uri="{0D108BD9-81ED-4DB2-BD59-A6C34878D82A}">
+                    <a16:rowId xmlns:a16="http://schemas.microsoft.com/office/drawing/2014/main" val="408306904"/>
+                  </a:ext>
+                </a:extLst>
+              </a:tr>
+              <a:tr h="506426">
+                <a:tc>
+                  <a:txBody>
+                    <a:bodyPr/>
+                    <a:lstStyle/>
+                    <a:p>
+                      <a:pPr marL="0" marR="0" lvl="0" indent="0" algn="ctr" defTabSz="457200" rtl="0" eaLnBrk="1" fontAlgn="auto" latinLnBrk="0" hangingPunct="1">
+                        <a:lnSpc>
+                          <a:spcPct val="100000"/>
+                        </a:lnSpc>
+                        <a:spcBef>
+                          <a:spcPts val="0"/>
+                        </a:spcBef>
+                        <a:spcAft>
+                          <a:spcPts val="0"/>
+                        </a:spcAft>
+                        <a:buClrTx/>
+                        <a:buSzTx/>
+                        <a:buFontTx/>
+                        <a:buNone/>
+                        <a:tabLst/>
+                        <a:defRPr/>
+                      </a:pPr>
+                      <a:r>
+                        <a:rPr lang="en-US" sz="1600" dirty="0">
+                          <a:latin typeface="Georgia" panose="02040502050405020303" pitchFamily="18" charset="0"/>
+                        </a:rPr>
+                        <a:t>insecure all the time at </a:t>
+                      </a:r>
+                      <a:r>
+                        <a:rPr lang="en-US" sz="1600" kern="1200" dirty="0">
+                          <a:solidFill>
+                            <a:schemeClr val="dk1"/>
+                          </a:solidFill>
+                          <a:effectLst/>
+                          <a:latin typeface="Georgia" panose="02040502050405020303" pitchFamily="18" charset="0"/>
+                          <a:ea typeface="+mn-ea"/>
+                          <a:cs typeface="+mn-cs"/>
+                        </a:rPr>
+                        <a:t>t</a:t>
+                      </a:r>
+                      <a:r>
+                        <a:rPr lang="en-US" sz="1600" kern="1200" baseline="-25000" dirty="0">
+                          <a:solidFill>
+                            <a:schemeClr val="dk1"/>
+                          </a:solidFill>
+                          <a:effectLst/>
+                          <a:latin typeface="Georgia" panose="02040502050405020303" pitchFamily="18" charset="0"/>
+                          <a:ea typeface="+mn-ea"/>
+                          <a:cs typeface="+mn-cs"/>
+                        </a:rPr>
+                        <a:t>0</a:t>
+                      </a:r>
+                      <a:r>
+                        <a:rPr lang="en-US" sz="1600" dirty="0">
+                          <a:latin typeface="Georgia" panose="02040502050405020303" pitchFamily="18" charset="0"/>
+                        </a:rPr>
+                        <a:t>, </a:t>
+                      </a:r>
+                      <a:r>
+                        <a:rPr lang="en-US" sz="1600" kern="1200" dirty="0">
+                          <a:solidFill>
+                            <a:schemeClr val="dk1"/>
+                          </a:solidFill>
+                          <a:effectLst/>
+                          <a:latin typeface="Georgia" panose="02040502050405020303" pitchFamily="18" charset="0"/>
+                          <a:ea typeface="+mn-ea"/>
+                          <a:cs typeface="+mn-cs"/>
+                        </a:rPr>
+                        <a:t>t</a:t>
+                      </a:r>
+                      <a:r>
+                        <a:rPr lang="en-US" sz="1600" kern="1200" baseline="-25000" dirty="0">
+                          <a:solidFill>
+                            <a:schemeClr val="dk1"/>
+                          </a:solidFill>
+                          <a:effectLst/>
+                          <a:latin typeface="Georgia" panose="02040502050405020303" pitchFamily="18" charset="0"/>
+                          <a:ea typeface="+mn-ea"/>
+                          <a:cs typeface="+mn-cs"/>
+                        </a:rPr>
+                        <a:t>1 …</a:t>
+                      </a:r>
+                      <a:r>
+                        <a:rPr lang="en-US" sz="1600" kern="1200" dirty="0">
+                          <a:solidFill>
+                            <a:schemeClr val="dk1"/>
+                          </a:solidFill>
+                          <a:effectLst/>
+                          <a:latin typeface="Georgia" panose="02040502050405020303" pitchFamily="18" charset="0"/>
+                          <a:ea typeface="+mn-ea"/>
+                          <a:cs typeface="+mn-cs"/>
+                        </a:rPr>
+                        <a:t> </a:t>
+                      </a:r>
+                      <a:r>
+                        <a:rPr lang="en-US" sz="1600" kern="1200" dirty="0" err="1">
+                          <a:solidFill>
+                            <a:schemeClr val="dk1"/>
+                          </a:solidFill>
+                          <a:effectLst/>
+                          <a:latin typeface="Georgia" panose="02040502050405020303" pitchFamily="18" charset="0"/>
+                          <a:ea typeface="+mn-ea"/>
+                          <a:cs typeface="+mn-cs"/>
+                        </a:rPr>
+                        <a:t>t</a:t>
+                      </a:r>
+                      <a:r>
+                        <a:rPr lang="en-US" sz="1600" kern="1200" baseline="-25000" dirty="0" err="1">
+                          <a:solidFill>
+                            <a:schemeClr val="dk1"/>
+                          </a:solidFill>
+                          <a:effectLst/>
+                          <a:latin typeface="Georgia" panose="02040502050405020303" pitchFamily="18" charset="0"/>
+                          <a:ea typeface="+mn-ea"/>
+                          <a:cs typeface="+mn-cs"/>
+                        </a:rPr>
+                        <a:t>n</a:t>
+                      </a:r>
+                      <a:endParaRPr lang="en-US" sz="1600" dirty="0">
+                        <a:latin typeface="Georgia" panose="02040502050405020303" pitchFamily="18" charset="0"/>
+                      </a:endParaRPr>
+                    </a:p>
+                  </a:txBody>
+                  <a:tcPr/>
+                </a:tc>
+                <a:tc>
+                  <a:txBody>
+                    <a:bodyPr/>
+                    <a:lstStyle/>
+                    <a:p>
+                      <a:pPr marL="0" marR="0" lvl="0" indent="0" algn="ctr" defTabSz="457200" rtl="0" eaLnBrk="1" fontAlgn="auto" latinLnBrk="0" hangingPunct="1">
+                        <a:lnSpc>
+                          <a:spcPct val="100000"/>
+                        </a:lnSpc>
+                        <a:spcBef>
+                          <a:spcPts val="0"/>
+                        </a:spcBef>
+                        <a:spcAft>
+                          <a:spcPts val="0"/>
+                        </a:spcAft>
+                        <a:buClrTx/>
+                        <a:buSzTx/>
+                        <a:buFontTx/>
+                        <a:buNone/>
+                        <a:tabLst/>
+                        <a:defRPr/>
+                      </a:pPr>
+                      <a:endParaRPr lang="en-US" sz="1600" dirty="0">
+                        <a:latin typeface="Georgia" panose="02040502050405020303" pitchFamily="18" charset="0"/>
+                      </a:endParaRPr>
+                    </a:p>
+                  </a:txBody>
+                  <a:tcPr/>
+                </a:tc>
+                <a:tc>
+                  <a:txBody>
+                    <a:bodyPr/>
+                    <a:lstStyle/>
+                    <a:p>
+                      <a:pPr algn="ctr"/>
+                      <a:endParaRPr lang="en-US" sz="1600" dirty="0">
+                        <a:latin typeface="Georgia" panose="02040502050405020303" pitchFamily="18" charset="0"/>
+                      </a:endParaRPr>
+                    </a:p>
+                  </a:txBody>
+                  <a:tcPr/>
+                </a:tc>
+                <a:tc>
+                  <a:txBody>
+                    <a:bodyPr/>
+                    <a:lstStyle/>
+                    <a:p>
+                      <a:pPr marL="0" marR="0" lvl="0" indent="0" algn="ctr" defTabSz="457200" rtl="0" eaLnBrk="1" fontAlgn="auto" latinLnBrk="0" hangingPunct="1">
+                        <a:lnSpc>
+                          <a:spcPct val="100000"/>
+                        </a:lnSpc>
+                        <a:spcBef>
+                          <a:spcPts val="0"/>
+                        </a:spcBef>
+                        <a:spcAft>
+                          <a:spcPts val="0"/>
+                        </a:spcAft>
+                        <a:buClrTx/>
+                        <a:buSzTx/>
+                        <a:buFontTx/>
+                        <a:buNone/>
+                        <a:tabLst/>
+                        <a:defRPr/>
+                      </a:pPr>
+                      <a:r>
+                        <a:rPr lang="en-US" sz="1600" dirty="0">
+                          <a:latin typeface="Georgia" panose="02040502050405020303" pitchFamily="18" charset="0"/>
+                        </a:rPr>
+                        <a:t>C</a:t>
+                      </a:r>
+                    </a:p>
+                  </a:txBody>
+                  <a:tcPr/>
+                </a:tc>
+                <a:tc>
+                  <a:txBody>
+                    <a:bodyPr/>
+                    <a:lstStyle/>
+                    <a:p>
+                      <a:pPr algn="ctr"/>
+                      <a:endParaRPr lang="en-US" sz="1600" dirty="0">
+                        <a:latin typeface="Georgia" panose="02040502050405020303" pitchFamily="18" charset="0"/>
+                      </a:endParaRPr>
+                    </a:p>
+                  </a:txBody>
+                  <a:tcPr/>
+                </a:tc>
+                <a:tc>
+                  <a:txBody>
+                    <a:bodyPr/>
+                    <a:lstStyle/>
+                    <a:p>
+                      <a:pPr algn="ctr"/>
+                      <a:r>
+                        <a:rPr lang="en-US" sz="1600" dirty="0">
+                          <a:latin typeface="Georgia" panose="02040502050405020303" pitchFamily="18" charset="0"/>
+                          <a:sym typeface="Wingdings" panose="05000000000000000000" pitchFamily="2" charset="2"/>
+                        </a:rPr>
+                        <a:t></a:t>
+                      </a:r>
+                      <a:endParaRPr lang="en-US" sz="1600" dirty="0">
+                        <a:latin typeface="Georgia" panose="02040502050405020303" pitchFamily="18" charset="0"/>
+                      </a:endParaRPr>
+                    </a:p>
+                  </a:txBody>
+                  <a:tcPr/>
+                </a:tc>
+                <a:extLst>
+                  <a:ext uri="{0D108BD9-81ED-4DB2-BD59-A6C34878D82A}">
+                    <a16:rowId xmlns:a16="http://schemas.microsoft.com/office/drawing/2014/main" val="2066906243"/>
+                  </a:ext>
+                </a:extLst>
+              </a:tr>
+              <a:tr h="545858">
+                <a:tc>
+                  <a:txBody>
+                    <a:bodyPr/>
+                    <a:lstStyle/>
+                    <a:p>
+                      <a:pPr algn="ctr"/>
+                      <a:r>
+                        <a:rPr lang="en-US" sz="1600" dirty="0">
+                          <a:latin typeface="Georgia" panose="02040502050405020303" pitchFamily="18" charset="0"/>
+                        </a:rPr>
+                        <a:t>secure at </a:t>
+                      </a:r>
+                      <a:r>
+                        <a:rPr lang="en-US" sz="1600" kern="1200" dirty="0">
+                          <a:solidFill>
+                            <a:schemeClr val="dk1"/>
+                          </a:solidFill>
+                          <a:effectLst/>
+                          <a:latin typeface="Georgia" panose="02040502050405020303" pitchFamily="18" charset="0"/>
+                          <a:ea typeface="+mn-ea"/>
+                          <a:cs typeface="+mn-cs"/>
+                        </a:rPr>
+                        <a:t>t</a:t>
+                      </a:r>
+                      <a:r>
+                        <a:rPr lang="en-US" sz="1600" kern="1200" baseline="-25000" dirty="0">
+                          <a:solidFill>
+                            <a:schemeClr val="dk1"/>
+                          </a:solidFill>
+                          <a:effectLst/>
+                          <a:latin typeface="Georgia" panose="02040502050405020303" pitchFamily="18" charset="0"/>
+                          <a:ea typeface="+mn-ea"/>
+                          <a:cs typeface="+mn-cs"/>
+                        </a:rPr>
+                        <a:t>0</a:t>
+                      </a:r>
+                      <a:r>
+                        <a:rPr lang="en-US" sz="1600" dirty="0">
+                          <a:latin typeface="Georgia" panose="02040502050405020303" pitchFamily="18" charset="0"/>
+                        </a:rPr>
+                        <a:t> </a:t>
+                      </a:r>
+                      <a:r>
+                        <a:rPr lang="en-US" sz="1600" dirty="0">
+                          <a:latin typeface="Georgia" panose="02040502050405020303" pitchFamily="18" charset="0"/>
+                          <a:sym typeface="Wingdings" panose="05000000000000000000" pitchFamily="2" charset="2"/>
+                        </a:rPr>
+                        <a:t> insecure at </a:t>
+                      </a:r>
+                      <a:r>
+                        <a:rPr lang="en-US" sz="1600" kern="1200" dirty="0">
+                          <a:solidFill>
+                            <a:schemeClr val="dk1"/>
+                          </a:solidFill>
+                          <a:effectLst/>
+                          <a:latin typeface="Georgia" panose="02040502050405020303" pitchFamily="18" charset="0"/>
+                          <a:ea typeface="+mn-ea"/>
+                          <a:cs typeface="+mn-cs"/>
+                        </a:rPr>
+                        <a:t>t</a:t>
+                      </a:r>
+                      <a:r>
+                        <a:rPr lang="en-US" sz="1600" kern="1200" baseline="-25000" dirty="0">
+                          <a:solidFill>
+                            <a:schemeClr val="dk1"/>
+                          </a:solidFill>
+                          <a:effectLst/>
+                          <a:latin typeface="Georgia" panose="02040502050405020303" pitchFamily="18" charset="0"/>
+                          <a:ea typeface="+mn-ea"/>
+                          <a:cs typeface="+mn-cs"/>
+                        </a:rPr>
+                        <a:t>1, …,</a:t>
+                      </a:r>
+                      <a:r>
+                        <a:rPr lang="en-US" sz="1600" kern="1200" dirty="0">
+                          <a:solidFill>
+                            <a:schemeClr val="dk1"/>
+                          </a:solidFill>
+                          <a:effectLst/>
+                          <a:latin typeface="Georgia" panose="02040502050405020303" pitchFamily="18" charset="0"/>
+                          <a:ea typeface="+mn-ea"/>
+                          <a:cs typeface="+mn-cs"/>
+                        </a:rPr>
+                        <a:t> </a:t>
+                      </a:r>
+                      <a:r>
+                        <a:rPr lang="en-US" sz="1600" kern="1200" dirty="0" err="1">
+                          <a:solidFill>
+                            <a:schemeClr val="dk1"/>
+                          </a:solidFill>
+                          <a:effectLst/>
+                          <a:latin typeface="Georgia" panose="02040502050405020303" pitchFamily="18" charset="0"/>
+                          <a:ea typeface="+mn-ea"/>
+                          <a:cs typeface="+mn-cs"/>
+                        </a:rPr>
+                        <a:t>t</a:t>
+                      </a:r>
+                      <a:r>
+                        <a:rPr lang="en-US" sz="1600" kern="1200" baseline="-25000" dirty="0" err="1">
+                          <a:solidFill>
+                            <a:schemeClr val="dk1"/>
+                          </a:solidFill>
+                          <a:effectLst/>
+                          <a:latin typeface="Georgia" panose="02040502050405020303" pitchFamily="18" charset="0"/>
+                          <a:ea typeface="+mn-ea"/>
+                          <a:cs typeface="+mn-cs"/>
+                        </a:rPr>
+                        <a:t>n</a:t>
+                      </a:r>
+                      <a:endParaRPr lang="en-US" sz="1600" dirty="0">
+                        <a:latin typeface="Georgia" panose="02040502050405020303" pitchFamily="18" charset="0"/>
+                      </a:endParaRPr>
+                    </a:p>
+                  </a:txBody>
+                  <a:tcPr/>
+                </a:tc>
+                <a:tc>
+                  <a:txBody>
+                    <a:bodyPr/>
+                    <a:lstStyle/>
+                    <a:p>
+                      <a:pPr algn="ctr"/>
+                      <a:r>
+                        <a:rPr lang="en-US" sz="1600" dirty="0">
+                          <a:latin typeface="Georgia" panose="02040502050405020303" pitchFamily="18" charset="0"/>
+                          <a:sym typeface="Wingdings" panose="05000000000000000000" pitchFamily="2" charset="2"/>
+                        </a:rPr>
+                        <a:t></a:t>
+                      </a:r>
+                      <a:endParaRPr lang="en-US" sz="1600" dirty="0">
+                        <a:latin typeface="Georgia" panose="02040502050405020303" pitchFamily="18" charset="0"/>
+                      </a:endParaRPr>
+                    </a:p>
+                  </a:txBody>
+                  <a:tcPr/>
+                </a:tc>
+                <a:tc>
+                  <a:txBody>
+                    <a:bodyPr/>
+                    <a:lstStyle/>
+                    <a:p>
+                      <a:pPr algn="ctr"/>
+                      <a:r>
+                        <a:rPr lang="en-US" sz="1600" kern="1200" dirty="0">
+                          <a:solidFill>
+                            <a:schemeClr val="dk1"/>
+                          </a:solidFill>
+                          <a:effectLst/>
+                          <a:latin typeface="Georgia" panose="02040502050405020303" pitchFamily="18" charset="0"/>
+                          <a:ea typeface="+mn-ea"/>
+                          <a:cs typeface="+mn-cs"/>
+                        </a:rPr>
+                        <a:t>shock at t</a:t>
+                      </a:r>
+                      <a:r>
+                        <a:rPr lang="en-US" sz="1600" kern="1200" baseline="-25000" dirty="0">
+                          <a:solidFill>
+                            <a:schemeClr val="dk1"/>
+                          </a:solidFill>
+                          <a:effectLst/>
+                          <a:latin typeface="Georgia" panose="02040502050405020303" pitchFamily="18" charset="0"/>
+                          <a:ea typeface="+mn-ea"/>
+                          <a:cs typeface="+mn-cs"/>
+                        </a:rPr>
+                        <a:t>1</a:t>
+                      </a:r>
+                      <a:endParaRPr lang="en-US" sz="1600" dirty="0">
+                        <a:latin typeface="Georgia" panose="02040502050405020303" pitchFamily="18" charset="0"/>
+                      </a:endParaRPr>
+                    </a:p>
+                  </a:txBody>
+                  <a:tcPr/>
+                </a:tc>
+                <a:tc>
+                  <a:txBody>
+                    <a:bodyPr/>
+                    <a:lstStyle/>
+                    <a:p>
+                      <a:pPr algn="ctr"/>
+                      <a:r>
+                        <a:rPr lang="en-US" sz="1600" dirty="0">
+                          <a:latin typeface="Georgia" panose="02040502050405020303" pitchFamily="18" charset="0"/>
+                        </a:rPr>
+                        <a:t>T</a:t>
+                      </a:r>
+                    </a:p>
+                  </a:txBody>
+                  <a:tcPr/>
+                </a:tc>
+                <a:tc>
+                  <a:txBody>
+                    <a:bodyPr/>
+                    <a:lstStyle/>
+                    <a:p>
+                      <a:pPr marL="0" marR="0" lvl="0" indent="0" algn="ctr" defTabSz="457200" rtl="0" eaLnBrk="1" fontAlgn="auto" latinLnBrk="0" hangingPunct="1">
+                        <a:lnSpc>
+                          <a:spcPct val="100000"/>
+                        </a:lnSpc>
+                        <a:spcBef>
+                          <a:spcPts val="0"/>
+                        </a:spcBef>
+                        <a:spcAft>
+                          <a:spcPts val="0"/>
+                        </a:spcAft>
+                        <a:buClrTx/>
+                        <a:buSzTx/>
+                        <a:buFontTx/>
+                        <a:buNone/>
+                        <a:tabLst/>
+                        <a:defRPr/>
+                      </a:pPr>
+                      <a:r>
+                        <a:rPr lang="en-US" sz="1600" dirty="0">
+                          <a:latin typeface="Georgia" panose="02040502050405020303" pitchFamily="18" charset="0"/>
+                          <a:sym typeface="Wingdings" panose="05000000000000000000" pitchFamily="2" charset="2"/>
+                        </a:rPr>
+                        <a:t></a:t>
+                      </a:r>
+                      <a:endParaRPr lang="en-US" sz="1600" dirty="0">
+                        <a:latin typeface="Georgia" panose="02040502050405020303" pitchFamily="18" charset="0"/>
+                      </a:endParaRPr>
+                    </a:p>
+                  </a:txBody>
+                  <a:tcPr/>
+                </a:tc>
+                <a:tc>
+                  <a:txBody>
+                    <a:bodyPr/>
+                    <a:lstStyle/>
+                    <a:p>
+                      <a:pPr algn="ctr"/>
+                      <a:r>
+                        <a:rPr lang="en-US" sz="1600" dirty="0">
+                          <a:latin typeface="Georgia" panose="02040502050405020303" pitchFamily="18" charset="0"/>
+                          <a:sym typeface="Wingdings" panose="05000000000000000000" pitchFamily="2" charset="2"/>
+                        </a:rPr>
+                        <a:t></a:t>
+                      </a:r>
+                      <a:endParaRPr lang="en-US" sz="1600" dirty="0">
+                        <a:latin typeface="Georgia" panose="02040502050405020303" pitchFamily="18" charset="0"/>
+                      </a:endParaRPr>
+                    </a:p>
+                  </a:txBody>
+                  <a:tcPr/>
+                </a:tc>
+                <a:extLst>
+                  <a:ext uri="{0D108BD9-81ED-4DB2-BD59-A6C34878D82A}">
+                    <a16:rowId xmlns:a16="http://schemas.microsoft.com/office/drawing/2014/main" val="1454448733"/>
+                  </a:ext>
+                </a:extLst>
+              </a:tr>
+              <a:tr h="553326">
+                <a:tc>
+                  <a:txBody>
+                    <a:bodyPr/>
+                    <a:lstStyle/>
+                    <a:p>
+                      <a:pPr marL="0" marR="0" lvl="0" indent="0" algn="ctr" defTabSz="457200" rtl="0" eaLnBrk="1" fontAlgn="auto" latinLnBrk="0" hangingPunct="1">
+                        <a:lnSpc>
+                          <a:spcPct val="100000"/>
+                        </a:lnSpc>
+                        <a:spcBef>
+                          <a:spcPts val="0"/>
+                        </a:spcBef>
+                        <a:spcAft>
+                          <a:spcPts val="0"/>
+                        </a:spcAft>
+                        <a:buClrTx/>
+                        <a:buSzTx/>
+                        <a:buFontTx/>
+                        <a:buNone/>
+                        <a:tabLst/>
+                        <a:defRPr/>
+                      </a:pPr>
+                      <a:r>
+                        <a:rPr lang="en-US" sz="1600" dirty="0">
+                          <a:latin typeface="Georgia" panose="02040502050405020303" pitchFamily="18" charset="0"/>
+                        </a:rPr>
+                        <a:t>secure at </a:t>
+                      </a:r>
+                      <a:r>
+                        <a:rPr lang="en-US" sz="1600" kern="1200" dirty="0">
+                          <a:solidFill>
+                            <a:schemeClr val="dk1"/>
+                          </a:solidFill>
+                          <a:effectLst/>
+                          <a:latin typeface="Georgia" panose="02040502050405020303" pitchFamily="18" charset="0"/>
+                          <a:ea typeface="+mn-ea"/>
+                          <a:cs typeface="+mn-cs"/>
+                        </a:rPr>
+                        <a:t>t</a:t>
+                      </a:r>
+                      <a:r>
+                        <a:rPr lang="en-US" sz="1600" kern="1200" baseline="-25000" dirty="0">
+                          <a:solidFill>
+                            <a:schemeClr val="dk1"/>
+                          </a:solidFill>
+                          <a:effectLst/>
+                          <a:latin typeface="Georgia" panose="02040502050405020303" pitchFamily="18" charset="0"/>
+                          <a:ea typeface="+mn-ea"/>
+                          <a:cs typeface="+mn-cs"/>
+                        </a:rPr>
+                        <a:t>0,</a:t>
+                      </a:r>
+                      <a:r>
+                        <a:rPr lang="en-US" sz="1600" kern="1200" dirty="0">
+                          <a:solidFill>
+                            <a:schemeClr val="dk1"/>
+                          </a:solidFill>
+                          <a:effectLst/>
+                          <a:latin typeface="Georgia" panose="02040502050405020303" pitchFamily="18" charset="0"/>
+                          <a:ea typeface="+mn-ea"/>
+                          <a:cs typeface="+mn-cs"/>
+                        </a:rPr>
+                        <a:t> t</a:t>
+                      </a:r>
+                      <a:r>
+                        <a:rPr lang="en-US" sz="1600" kern="1200" baseline="-25000" dirty="0">
+                          <a:solidFill>
+                            <a:schemeClr val="dk1"/>
+                          </a:solidFill>
+                          <a:effectLst/>
+                          <a:latin typeface="Georgia" panose="02040502050405020303" pitchFamily="18" charset="0"/>
+                          <a:ea typeface="+mn-ea"/>
+                          <a:cs typeface="+mn-cs"/>
+                        </a:rPr>
+                        <a:t>1, …</a:t>
+                      </a:r>
+                      <a:r>
+                        <a:rPr lang="en-US" sz="1600" dirty="0">
+                          <a:latin typeface="Georgia" panose="02040502050405020303" pitchFamily="18" charset="0"/>
+                        </a:rPr>
+                        <a:t> </a:t>
+                      </a:r>
+                      <a:r>
+                        <a:rPr lang="en-US" sz="1600" dirty="0">
+                          <a:latin typeface="Georgia" panose="02040502050405020303" pitchFamily="18" charset="0"/>
+                          <a:sym typeface="Wingdings" panose="05000000000000000000" pitchFamily="2" charset="2"/>
+                        </a:rPr>
+                        <a:t> insecure at </a:t>
+                      </a:r>
+                      <a:r>
+                        <a:rPr lang="en-US" sz="1600" kern="1200" dirty="0" err="1">
+                          <a:solidFill>
+                            <a:schemeClr val="dk1"/>
+                          </a:solidFill>
+                          <a:effectLst/>
+                          <a:latin typeface="Georgia" panose="02040502050405020303" pitchFamily="18" charset="0"/>
+                          <a:ea typeface="+mn-ea"/>
+                          <a:cs typeface="+mn-cs"/>
+                        </a:rPr>
+                        <a:t>t</a:t>
+                      </a:r>
+                      <a:r>
+                        <a:rPr lang="en-US" sz="1600" kern="1200" baseline="-25000" dirty="0" err="1">
+                          <a:solidFill>
+                            <a:schemeClr val="dk1"/>
+                          </a:solidFill>
+                          <a:effectLst/>
+                          <a:latin typeface="Georgia" panose="02040502050405020303" pitchFamily="18" charset="0"/>
+                          <a:ea typeface="+mn-ea"/>
+                          <a:cs typeface="+mn-cs"/>
+                        </a:rPr>
+                        <a:t>n</a:t>
+                      </a:r>
+                      <a:endParaRPr lang="en-US" sz="1600" dirty="0">
+                        <a:latin typeface="Georgia" panose="02040502050405020303" pitchFamily="18" charset="0"/>
+                      </a:endParaRPr>
+                    </a:p>
+                  </a:txBody>
+                  <a:tcPr/>
+                </a:tc>
+                <a:tc>
+                  <a:txBody>
+                    <a:bodyPr/>
+                    <a:lstStyle/>
+                    <a:p>
+                      <a:pPr algn="ctr"/>
+                      <a:r>
+                        <a:rPr lang="en-US" sz="1600" dirty="0">
+                          <a:latin typeface="Georgia" panose="02040502050405020303" pitchFamily="18" charset="0"/>
+                          <a:sym typeface="Wingdings" panose="05000000000000000000" pitchFamily="2" charset="2"/>
+                        </a:rPr>
+                        <a:t></a:t>
+                      </a:r>
+                      <a:endParaRPr lang="en-US" sz="1600" dirty="0">
+                        <a:latin typeface="Georgia" panose="02040502050405020303" pitchFamily="18" charset="0"/>
+                      </a:endParaRPr>
+                    </a:p>
+                  </a:txBody>
+                  <a:tcPr/>
+                </a:tc>
+                <a:tc>
+                  <a:txBody>
+                    <a:bodyPr/>
+                    <a:lstStyle/>
+                    <a:p>
+                      <a:pPr algn="ctr"/>
+                      <a:r>
+                        <a:rPr lang="en-US" sz="1600" kern="1200" dirty="0">
+                          <a:solidFill>
+                            <a:schemeClr val="dk1"/>
+                          </a:solidFill>
+                          <a:effectLst/>
+                          <a:latin typeface="Georgia" panose="02040502050405020303" pitchFamily="18" charset="0"/>
+                          <a:ea typeface="+mn-ea"/>
+                          <a:cs typeface="+mn-cs"/>
+                        </a:rPr>
+                        <a:t>shock at </a:t>
+                      </a:r>
+                      <a:r>
+                        <a:rPr lang="en-US" sz="1600" kern="1200" dirty="0" err="1">
+                          <a:solidFill>
+                            <a:schemeClr val="dk1"/>
+                          </a:solidFill>
+                          <a:effectLst/>
+                          <a:latin typeface="Georgia" panose="02040502050405020303" pitchFamily="18" charset="0"/>
+                          <a:ea typeface="+mn-ea"/>
+                          <a:cs typeface="+mn-cs"/>
+                        </a:rPr>
+                        <a:t>t</a:t>
+                      </a:r>
+                      <a:r>
+                        <a:rPr lang="en-US" sz="1600" kern="1200" baseline="-25000" dirty="0" err="1">
+                          <a:solidFill>
+                            <a:schemeClr val="dk1"/>
+                          </a:solidFill>
+                          <a:effectLst/>
+                          <a:latin typeface="Georgia" panose="02040502050405020303" pitchFamily="18" charset="0"/>
+                          <a:ea typeface="+mn-ea"/>
+                          <a:cs typeface="+mn-cs"/>
+                        </a:rPr>
+                        <a:t>n</a:t>
+                      </a:r>
+                      <a:endParaRPr lang="en-US" sz="1600" dirty="0">
+                        <a:latin typeface="Georgia" panose="02040502050405020303" pitchFamily="18" charset="0"/>
+                      </a:endParaRPr>
+                    </a:p>
+                  </a:txBody>
+                  <a:tcPr/>
+                </a:tc>
+                <a:tc>
+                  <a:txBody>
+                    <a:bodyPr/>
+                    <a:lstStyle/>
+                    <a:p>
+                      <a:pPr marL="0" marR="0" lvl="0" indent="0" algn="ctr" defTabSz="457200" rtl="0" eaLnBrk="1" fontAlgn="auto" latinLnBrk="0" hangingPunct="1">
+                        <a:lnSpc>
+                          <a:spcPct val="100000"/>
+                        </a:lnSpc>
+                        <a:spcBef>
+                          <a:spcPts val="0"/>
+                        </a:spcBef>
+                        <a:spcAft>
+                          <a:spcPts val="0"/>
+                        </a:spcAft>
+                        <a:buClrTx/>
+                        <a:buSzTx/>
+                        <a:buFontTx/>
+                        <a:buNone/>
+                        <a:tabLst/>
+                        <a:defRPr/>
+                      </a:pPr>
+                      <a:r>
+                        <a:rPr lang="en-US" sz="1600" dirty="0">
+                          <a:latin typeface="Georgia" panose="02040502050405020303" pitchFamily="18" charset="0"/>
+                        </a:rPr>
+                        <a:t>T</a:t>
+                      </a:r>
+                    </a:p>
+                    <a:p>
+                      <a:pPr algn="ctr"/>
+                      <a:endParaRPr lang="en-US" sz="1600" dirty="0">
+                        <a:latin typeface="Georgia" panose="02040502050405020303" pitchFamily="18" charset="0"/>
+                      </a:endParaRPr>
+                    </a:p>
+                  </a:txBody>
+                  <a:tcPr/>
+                </a:tc>
+                <a:tc>
+                  <a:txBody>
+                    <a:bodyPr/>
+                    <a:lstStyle/>
+                    <a:p>
+                      <a:pPr marL="0" marR="0" lvl="0" indent="0" algn="ctr" defTabSz="457200" rtl="0" eaLnBrk="1" fontAlgn="auto" latinLnBrk="0" hangingPunct="1">
+                        <a:lnSpc>
+                          <a:spcPct val="100000"/>
+                        </a:lnSpc>
+                        <a:spcBef>
+                          <a:spcPts val="0"/>
+                        </a:spcBef>
+                        <a:spcAft>
+                          <a:spcPts val="0"/>
+                        </a:spcAft>
+                        <a:buClrTx/>
+                        <a:buSzTx/>
+                        <a:buFontTx/>
+                        <a:buNone/>
+                        <a:tabLst/>
+                        <a:defRPr/>
+                      </a:pPr>
+                      <a:r>
+                        <a:rPr lang="en-US" sz="1600" dirty="0">
+                          <a:latin typeface="Georgia" panose="02040502050405020303" pitchFamily="18" charset="0"/>
+                          <a:sym typeface="Wingdings" panose="05000000000000000000" pitchFamily="2" charset="2"/>
+                        </a:rPr>
+                        <a:t></a:t>
+                      </a:r>
+                      <a:endParaRPr lang="en-US" sz="1600" dirty="0">
+                        <a:latin typeface="Georgia" panose="02040502050405020303" pitchFamily="18" charset="0"/>
+                      </a:endParaRPr>
+                    </a:p>
+                  </a:txBody>
+                  <a:tcPr/>
+                </a:tc>
+                <a:tc>
+                  <a:txBody>
+                    <a:bodyPr/>
+                    <a:lstStyle/>
+                    <a:p>
+                      <a:pPr algn="ctr"/>
+                      <a:r>
+                        <a:rPr lang="en-US" sz="1600" dirty="0">
+                          <a:latin typeface="Georgia" panose="02040502050405020303" pitchFamily="18" charset="0"/>
+                          <a:sym typeface="Wingdings" panose="05000000000000000000" pitchFamily="2" charset="2"/>
+                        </a:rPr>
+                        <a:t></a:t>
+                      </a:r>
+                      <a:endParaRPr lang="en-US" sz="1600" dirty="0">
+                        <a:latin typeface="Georgia" panose="02040502050405020303" pitchFamily="18" charset="0"/>
+                      </a:endParaRPr>
+                    </a:p>
+                  </a:txBody>
+                  <a:tcPr/>
+                </a:tc>
+                <a:extLst>
+                  <a:ext uri="{0D108BD9-81ED-4DB2-BD59-A6C34878D82A}">
+                    <a16:rowId xmlns:a16="http://schemas.microsoft.com/office/drawing/2014/main" val="3120831190"/>
+                  </a:ext>
+                </a:extLst>
+              </a:tr>
+              <a:tr h="553326">
+                <a:tc>
+                  <a:txBody>
+                    <a:bodyPr/>
+                    <a:lstStyle/>
+                    <a:p>
+                      <a:pPr algn="ctr"/>
+                      <a:r>
+                        <a:rPr lang="en-US" sz="1600" dirty="0">
+                          <a:latin typeface="Georgia" panose="02040502050405020303" pitchFamily="18" charset="0"/>
+                        </a:rPr>
+                        <a:t>insecure at </a:t>
+                      </a:r>
+                      <a:r>
+                        <a:rPr lang="en-US" sz="1600" kern="1200" dirty="0">
+                          <a:solidFill>
+                            <a:schemeClr val="dk1"/>
+                          </a:solidFill>
+                          <a:effectLst/>
+                          <a:latin typeface="Georgia" panose="02040502050405020303" pitchFamily="18" charset="0"/>
+                          <a:ea typeface="+mn-ea"/>
+                          <a:cs typeface="+mn-cs"/>
+                        </a:rPr>
+                        <a:t>t</a:t>
+                      </a:r>
+                      <a:r>
+                        <a:rPr lang="en-US" sz="1600" kern="1200" baseline="-25000" dirty="0">
+                          <a:solidFill>
+                            <a:schemeClr val="dk1"/>
+                          </a:solidFill>
+                          <a:effectLst/>
+                          <a:latin typeface="Georgia" panose="02040502050405020303" pitchFamily="18" charset="0"/>
+                          <a:ea typeface="+mn-ea"/>
+                          <a:cs typeface="+mn-cs"/>
+                        </a:rPr>
+                        <a:t>0 ,</a:t>
+                      </a:r>
+                      <a:r>
+                        <a:rPr lang="en-US" sz="1600" kern="1200" dirty="0">
+                          <a:solidFill>
+                            <a:schemeClr val="dk1"/>
+                          </a:solidFill>
+                          <a:effectLst/>
+                          <a:latin typeface="Georgia" panose="02040502050405020303" pitchFamily="18" charset="0"/>
+                          <a:ea typeface="+mn-ea"/>
+                          <a:cs typeface="+mn-cs"/>
+                        </a:rPr>
+                        <a:t> t</a:t>
+                      </a:r>
+                      <a:r>
+                        <a:rPr lang="en-US" sz="1600" kern="1200" baseline="-25000" dirty="0">
+                          <a:solidFill>
+                            <a:schemeClr val="dk1"/>
+                          </a:solidFill>
+                          <a:effectLst/>
+                          <a:latin typeface="Georgia" panose="02040502050405020303" pitchFamily="18" charset="0"/>
+                          <a:ea typeface="+mn-ea"/>
+                          <a:cs typeface="+mn-cs"/>
+                        </a:rPr>
+                        <a:t>1, …</a:t>
+                      </a:r>
+                      <a:r>
+                        <a:rPr lang="en-US" sz="1600" dirty="0">
+                          <a:latin typeface="Georgia" panose="02040502050405020303" pitchFamily="18" charset="0"/>
+                        </a:rPr>
+                        <a:t> </a:t>
+                      </a:r>
+                      <a:r>
+                        <a:rPr lang="en-US" sz="1600" dirty="0">
+                          <a:latin typeface="Georgia" panose="02040502050405020303" pitchFamily="18" charset="0"/>
+                          <a:sym typeface="Wingdings" panose="05000000000000000000" pitchFamily="2" charset="2"/>
+                        </a:rPr>
+                        <a:t> (more) insecure at </a:t>
+                      </a:r>
+                      <a:r>
+                        <a:rPr lang="en-US" sz="1600" kern="1200" dirty="0" err="1">
+                          <a:solidFill>
+                            <a:schemeClr val="dk1"/>
+                          </a:solidFill>
+                          <a:effectLst/>
+                          <a:latin typeface="Georgia" panose="02040502050405020303" pitchFamily="18" charset="0"/>
+                          <a:ea typeface="+mn-ea"/>
+                          <a:cs typeface="+mn-cs"/>
+                        </a:rPr>
+                        <a:t>t</a:t>
+                      </a:r>
+                      <a:r>
+                        <a:rPr lang="en-US" sz="1600" kern="1200" baseline="-25000" dirty="0" err="1">
+                          <a:solidFill>
+                            <a:schemeClr val="dk1"/>
+                          </a:solidFill>
+                          <a:effectLst/>
+                          <a:latin typeface="Georgia" panose="02040502050405020303" pitchFamily="18" charset="0"/>
+                          <a:ea typeface="+mn-ea"/>
+                          <a:cs typeface="+mn-cs"/>
+                        </a:rPr>
+                        <a:t>n</a:t>
+                      </a:r>
+                      <a:endParaRPr lang="en-US" sz="1600" dirty="0">
+                        <a:latin typeface="Georgia" panose="02040502050405020303" pitchFamily="18" charset="0"/>
+                      </a:endParaRPr>
+                    </a:p>
+                  </a:txBody>
+                  <a:tcPr/>
+                </a:tc>
+                <a:tc>
+                  <a:txBody>
+                    <a:bodyPr/>
+                    <a:lstStyle/>
+                    <a:p>
+                      <a:pPr algn="ctr"/>
+                      <a:r>
+                        <a:rPr lang="en-US" sz="1600" dirty="0">
+                          <a:latin typeface="Georgia" panose="02040502050405020303" pitchFamily="18" charset="0"/>
+                          <a:sym typeface="Wingdings" panose="05000000000000000000" pitchFamily="2" charset="2"/>
+                        </a:rPr>
+                        <a:t></a:t>
+                      </a:r>
+                      <a:endParaRPr lang="en-US" sz="1600" dirty="0">
+                        <a:latin typeface="Georgia" panose="02040502050405020303" pitchFamily="18" charset="0"/>
+                      </a:endParaRPr>
+                    </a:p>
+                  </a:txBody>
+                  <a:tcPr/>
+                </a:tc>
+                <a:tc>
+                  <a:txBody>
+                    <a:bodyPr/>
+                    <a:lstStyle/>
+                    <a:p>
+                      <a:pPr algn="ctr"/>
+                      <a:r>
+                        <a:rPr lang="en-US" sz="1600" kern="1200" dirty="0">
+                          <a:solidFill>
+                            <a:schemeClr val="dk1"/>
+                          </a:solidFill>
+                          <a:effectLst/>
+                          <a:latin typeface="Georgia" panose="02040502050405020303" pitchFamily="18" charset="0"/>
+                          <a:ea typeface="+mn-ea"/>
+                          <a:cs typeface="+mn-cs"/>
+                        </a:rPr>
+                        <a:t>shock at </a:t>
+                      </a:r>
+                      <a:r>
+                        <a:rPr lang="en-US" sz="1600" kern="1200" dirty="0" err="1">
+                          <a:solidFill>
+                            <a:schemeClr val="dk1"/>
+                          </a:solidFill>
+                          <a:effectLst/>
+                          <a:latin typeface="Georgia" panose="02040502050405020303" pitchFamily="18" charset="0"/>
+                          <a:ea typeface="+mn-ea"/>
+                          <a:cs typeface="+mn-cs"/>
+                        </a:rPr>
+                        <a:t>t</a:t>
+                      </a:r>
+                      <a:r>
+                        <a:rPr lang="en-US" sz="1600" kern="1200" baseline="-25000" dirty="0" err="1">
+                          <a:solidFill>
+                            <a:schemeClr val="dk1"/>
+                          </a:solidFill>
+                          <a:effectLst/>
+                          <a:latin typeface="Georgia" panose="02040502050405020303" pitchFamily="18" charset="0"/>
+                          <a:ea typeface="+mn-ea"/>
+                          <a:cs typeface="+mn-cs"/>
+                        </a:rPr>
+                        <a:t>n</a:t>
+                      </a:r>
+                      <a:endParaRPr lang="en-US" sz="1600" dirty="0">
+                        <a:latin typeface="Georgia" panose="02040502050405020303" pitchFamily="18" charset="0"/>
+                      </a:endParaRPr>
+                    </a:p>
+                  </a:txBody>
+                  <a:tcPr/>
+                </a:tc>
+                <a:tc>
+                  <a:txBody>
+                    <a:bodyPr/>
+                    <a:lstStyle/>
+                    <a:p>
+                      <a:pPr marL="0" marR="0" lvl="0" indent="0" algn="ctr" defTabSz="457200" rtl="0" eaLnBrk="1" fontAlgn="auto" latinLnBrk="0" hangingPunct="1">
+                        <a:lnSpc>
+                          <a:spcPct val="100000"/>
+                        </a:lnSpc>
+                        <a:spcBef>
+                          <a:spcPts val="0"/>
+                        </a:spcBef>
+                        <a:spcAft>
+                          <a:spcPts val="0"/>
+                        </a:spcAft>
+                        <a:buClrTx/>
+                        <a:buSzTx/>
+                        <a:buFontTx/>
+                        <a:buNone/>
+                        <a:tabLst/>
+                        <a:defRPr/>
+                      </a:pPr>
+                      <a:r>
+                        <a:rPr lang="en-US" sz="1600" dirty="0">
+                          <a:latin typeface="Georgia" panose="02040502050405020303" pitchFamily="18" charset="0"/>
+                        </a:rPr>
+                        <a:t>T</a:t>
+                      </a:r>
+                    </a:p>
+                    <a:p>
+                      <a:pPr algn="ctr"/>
+                      <a:endParaRPr lang="en-US" sz="1600" dirty="0">
+                        <a:latin typeface="Georgia" panose="02040502050405020303" pitchFamily="18" charset="0"/>
+                      </a:endParaRPr>
+                    </a:p>
+                  </a:txBody>
+                  <a:tcPr/>
+                </a:tc>
+                <a:tc>
+                  <a:txBody>
+                    <a:bodyPr/>
+                    <a:lstStyle/>
+                    <a:p>
+                      <a:pPr algn="ctr"/>
+                      <a:endParaRPr lang="en-US" sz="1600" dirty="0">
+                        <a:latin typeface="Georgia" panose="02040502050405020303" pitchFamily="18" charset="0"/>
+                      </a:endParaRPr>
+                    </a:p>
+                  </a:txBody>
+                  <a:tcPr/>
+                </a:tc>
+                <a:tc>
+                  <a:txBody>
+                    <a:bodyPr/>
+                    <a:lstStyle/>
+                    <a:p>
+                      <a:pPr marL="0" marR="0" lvl="0" indent="0" algn="ctr" defTabSz="457200" rtl="0" eaLnBrk="1" fontAlgn="auto" latinLnBrk="0" hangingPunct="1">
+                        <a:lnSpc>
+                          <a:spcPct val="100000"/>
+                        </a:lnSpc>
+                        <a:spcBef>
+                          <a:spcPts val="0"/>
+                        </a:spcBef>
+                        <a:spcAft>
+                          <a:spcPts val="0"/>
+                        </a:spcAft>
+                        <a:buClrTx/>
+                        <a:buSzTx/>
+                        <a:buFontTx/>
+                        <a:buNone/>
+                        <a:tabLst/>
+                        <a:defRPr/>
+                      </a:pPr>
+                      <a:r>
+                        <a:rPr lang="en-US" sz="1600" dirty="0">
+                          <a:latin typeface="Georgia" panose="02040502050405020303" pitchFamily="18" charset="0"/>
+                          <a:sym typeface="Wingdings" panose="05000000000000000000" pitchFamily="2" charset="2"/>
+                        </a:rPr>
+                        <a:t></a:t>
+                      </a:r>
+                      <a:endParaRPr lang="en-US" sz="1600" dirty="0">
+                        <a:latin typeface="Georgia" panose="02040502050405020303" pitchFamily="18" charset="0"/>
+                      </a:endParaRPr>
+                    </a:p>
+                  </a:txBody>
+                  <a:tcPr/>
+                </a:tc>
+                <a:extLst>
+                  <a:ext uri="{0D108BD9-81ED-4DB2-BD59-A6C34878D82A}">
+                    <a16:rowId xmlns:a16="http://schemas.microsoft.com/office/drawing/2014/main" val="1684196496"/>
+                  </a:ext>
+                </a:extLst>
+              </a:tr>
+              <a:tr h="553326">
+                <a:tc>
+                  <a:txBody>
+                    <a:bodyPr/>
+                    <a:lstStyle/>
+                    <a:p>
+                      <a:pPr marL="0" marR="0" lvl="0" indent="0" algn="ctr" defTabSz="457200" rtl="0" eaLnBrk="1" fontAlgn="auto" latinLnBrk="0" hangingPunct="1">
+                        <a:lnSpc>
+                          <a:spcPct val="100000"/>
+                        </a:lnSpc>
+                        <a:spcBef>
+                          <a:spcPts val="0"/>
+                        </a:spcBef>
+                        <a:spcAft>
+                          <a:spcPts val="0"/>
+                        </a:spcAft>
+                        <a:buClrTx/>
+                        <a:buSzTx/>
+                        <a:buFontTx/>
+                        <a:buNone/>
+                        <a:tabLst/>
+                        <a:defRPr/>
+                      </a:pPr>
+                      <a:r>
+                        <a:rPr lang="en-US" sz="1600" dirty="0">
+                          <a:latin typeface="Georgia" panose="02040502050405020303" pitchFamily="18" charset="0"/>
+                        </a:rPr>
+                        <a:t>insecure at </a:t>
+                      </a:r>
+                      <a:r>
+                        <a:rPr lang="en-US" sz="1600" kern="1200" dirty="0">
+                          <a:solidFill>
+                            <a:schemeClr val="dk1"/>
+                          </a:solidFill>
+                          <a:effectLst/>
+                          <a:latin typeface="Georgia" panose="02040502050405020303" pitchFamily="18" charset="0"/>
+                          <a:ea typeface="+mn-ea"/>
+                          <a:cs typeface="+mn-cs"/>
+                        </a:rPr>
+                        <a:t>t</a:t>
+                      </a:r>
+                      <a:r>
+                        <a:rPr lang="en-US" sz="1600" kern="1200" baseline="-25000" dirty="0">
+                          <a:solidFill>
+                            <a:schemeClr val="dk1"/>
+                          </a:solidFill>
+                          <a:effectLst/>
+                          <a:latin typeface="Georgia" panose="02040502050405020303" pitchFamily="18" charset="0"/>
+                          <a:ea typeface="+mn-ea"/>
+                          <a:cs typeface="+mn-cs"/>
+                        </a:rPr>
+                        <a:t>0 ,</a:t>
+                      </a:r>
+                      <a:r>
+                        <a:rPr lang="en-US" sz="1600" kern="1200" dirty="0">
+                          <a:solidFill>
+                            <a:schemeClr val="dk1"/>
+                          </a:solidFill>
+                          <a:effectLst/>
+                          <a:latin typeface="Georgia" panose="02040502050405020303" pitchFamily="18" charset="0"/>
+                          <a:ea typeface="+mn-ea"/>
+                          <a:cs typeface="+mn-cs"/>
+                        </a:rPr>
+                        <a:t> t</a:t>
+                      </a:r>
+                      <a:r>
+                        <a:rPr lang="en-US" sz="1600" kern="1200" baseline="-25000" dirty="0">
+                          <a:solidFill>
+                            <a:schemeClr val="dk1"/>
+                          </a:solidFill>
+                          <a:effectLst/>
+                          <a:latin typeface="Georgia" panose="02040502050405020303" pitchFamily="18" charset="0"/>
+                          <a:ea typeface="+mn-ea"/>
+                          <a:cs typeface="+mn-cs"/>
+                        </a:rPr>
+                        <a:t>1, …</a:t>
+                      </a:r>
+                      <a:r>
+                        <a:rPr lang="en-US" sz="1600" dirty="0">
+                          <a:latin typeface="Georgia" panose="02040502050405020303" pitchFamily="18" charset="0"/>
+                        </a:rPr>
+                        <a:t> </a:t>
+                      </a:r>
+                      <a:r>
+                        <a:rPr lang="en-US" sz="1600" dirty="0">
+                          <a:latin typeface="Georgia" panose="02040502050405020303" pitchFamily="18" charset="0"/>
+                          <a:sym typeface="Wingdings" panose="05000000000000000000" pitchFamily="2" charset="2"/>
+                        </a:rPr>
+                        <a:t> secure at </a:t>
+                      </a:r>
+                      <a:r>
+                        <a:rPr lang="en-US" sz="1600" kern="1200" dirty="0" err="1">
+                          <a:solidFill>
+                            <a:schemeClr val="dk1"/>
+                          </a:solidFill>
+                          <a:effectLst/>
+                          <a:latin typeface="Georgia" panose="02040502050405020303" pitchFamily="18" charset="0"/>
+                          <a:ea typeface="+mn-ea"/>
+                          <a:cs typeface="+mn-cs"/>
+                        </a:rPr>
+                        <a:t>t</a:t>
+                      </a:r>
+                      <a:r>
+                        <a:rPr lang="en-US" sz="1600" kern="1200" baseline="-25000" dirty="0" err="1">
+                          <a:solidFill>
+                            <a:schemeClr val="dk1"/>
+                          </a:solidFill>
+                          <a:effectLst/>
+                          <a:latin typeface="Georgia" panose="02040502050405020303" pitchFamily="18" charset="0"/>
+                          <a:ea typeface="+mn-ea"/>
+                          <a:cs typeface="+mn-cs"/>
+                        </a:rPr>
+                        <a:t>n</a:t>
+                      </a:r>
+                      <a:endParaRPr lang="en-US" sz="1600" dirty="0">
+                        <a:latin typeface="Georgia" panose="02040502050405020303" pitchFamily="18" charset="0"/>
+                      </a:endParaRPr>
+                    </a:p>
+                  </a:txBody>
+                  <a:tcPr/>
+                </a:tc>
+                <a:tc>
+                  <a:txBody>
+                    <a:bodyPr/>
+                    <a:lstStyle/>
+                    <a:p>
+                      <a:pPr algn="ctr"/>
+                      <a:r>
+                        <a:rPr lang="en-US" sz="1600" dirty="0">
+                          <a:latin typeface="Georgia" panose="02040502050405020303" pitchFamily="18" charset="0"/>
+                          <a:sym typeface="Wingdings" panose="05000000000000000000" pitchFamily="2" charset="2"/>
+                        </a:rPr>
+                        <a:t></a:t>
+                      </a:r>
+                      <a:endParaRPr lang="en-US" sz="1600" dirty="0">
+                        <a:latin typeface="Georgia" panose="02040502050405020303" pitchFamily="18" charset="0"/>
+                      </a:endParaRPr>
+                    </a:p>
+                  </a:txBody>
+                  <a:tcPr/>
+                </a:tc>
+                <a:tc>
+                  <a:txBody>
+                    <a:bodyPr/>
+                    <a:lstStyle/>
+                    <a:p>
+                      <a:pPr marL="0" marR="0" lvl="0" indent="0" algn="ctr" defTabSz="457200" rtl="0" eaLnBrk="1" fontAlgn="auto" latinLnBrk="0" hangingPunct="1">
+                        <a:lnSpc>
+                          <a:spcPct val="100000"/>
+                        </a:lnSpc>
+                        <a:spcBef>
+                          <a:spcPts val="0"/>
+                        </a:spcBef>
+                        <a:spcAft>
+                          <a:spcPts val="0"/>
+                        </a:spcAft>
+                        <a:buClrTx/>
+                        <a:buSzTx/>
+                        <a:buFontTx/>
+                        <a:buNone/>
+                        <a:tabLst/>
+                        <a:defRPr/>
+                      </a:pPr>
+                      <a:endParaRPr lang="en-US" sz="1600" dirty="0">
+                        <a:latin typeface="Georgia" panose="02040502050405020303" pitchFamily="18" charset="0"/>
+                      </a:endParaRPr>
+                    </a:p>
+                  </a:txBody>
+                  <a:tcPr/>
+                </a:tc>
+                <a:tc>
+                  <a:txBody>
+                    <a:bodyPr/>
+                    <a:lstStyle/>
+                    <a:p>
+                      <a:pPr marL="0" marR="0" lvl="0" indent="0" algn="ctr" defTabSz="457200" rtl="0" eaLnBrk="1" fontAlgn="auto" latinLnBrk="0" hangingPunct="1">
+                        <a:lnSpc>
+                          <a:spcPct val="100000"/>
+                        </a:lnSpc>
+                        <a:spcBef>
+                          <a:spcPts val="0"/>
+                        </a:spcBef>
+                        <a:spcAft>
+                          <a:spcPts val="0"/>
+                        </a:spcAft>
+                        <a:buClrTx/>
+                        <a:buSzTx/>
+                        <a:buFontTx/>
+                        <a:buNone/>
+                        <a:tabLst/>
+                        <a:defRPr/>
+                      </a:pPr>
+                      <a:r>
+                        <a:rPr lang="en-US" sz="1600" dirty="0">
+                          <a:latin typeface="Georgia" panose="02040502050405020303" pitchFamily="18" charset="0"/>
+                        </a:rPr>
+                        <a:t>C</a:t>
+                      </a:r>
+                    </a:p>
+                    <a:p>
+                      <a:pPr algn="ctr"/>
+                      <a:endParaRPr lang="en-US" sz="1600" dirty="0">
+                        <a:latin typeface="Georgia" panose="02040502050405020303" pitchFamily="18" charset="0"/>
+                      </a:endParaRPr>
+                    </a:p>
+                  </a:txBody>
+                  <a:tcPr/>
+                </a:tc>
+                <a:tc>
+                  <a:txBody>
+                    <a:bodyPr/>
+                    <a:lstStyle/>
+                    <a:p>
+                      <a:pPr algn="ctr"/>
+                      <a:endParaRPr lang="en-US" sz="1600" dirty="0">
+                        <a:latin typeface="Georgia" panose="02040502050405020303" pitchFamily="18" charset="0"/>
+                      </a:endParaRPr>
+                    </a:p>
+                  </a:txBody>
+                  <a:tcPr/>
+                </a:tc>
+                <a:tc>
+                  <a:txBody>
+                    <a:bodyPr/>
+                    <a:lstStyle/>
+                    <a:p>
+                      <a:pPr marL="0" marR="0" lvl="0" indent="0" algn="ctr" defTabSz="457200" rtl="0" eaLnBrk="1" fontAlgn="auto" latinLnBrk="0" hangingPunct="1">
+                        <a:lnSpc>
+                          <a:spcPct val="100000"/>
+                        </a:lnSpc>
+                        <a:spcBef>
+                          <a:spcPts val="0"/>
+                        </a:spcBef>
+                        <a:spcAft>
+                          <a:spcPts val="0"/>
+                        </a:spcAft>
+                        <a:buClrTx/>
+                        <a:buSzTx/>
+                        <a:buFontTx/>
+                        <a:buNone/>
+                        <a:tabLst/>
+                        <a:defRPr/>
+                      </a:pPr>
+                      <a:r>
+                        <a:rPr lang="en-US" sz="1600" dirty="0">
+                          <a:latin typeface="Georgia" panose="02040502050405020303" pitchFamily="18" charset="0"/>
+                          <a:sym typeface="Wingdings" panose="05000000000000000000" pitchFamily="2" charset="2"/>
+                        </a:rPr>
+                        <a:t></a:t>
+                      </a:r>
+                      <a:endParaRPr lang="en-US" sz="1600" dirty="0">
+                        <a:latin typeface="Georgia" panose="02040502050405020303" pitchFamily="18" charset="0"/>
+                      </a:endParaRPr>
+                    </a:p>
+                    <a:p>
+                      <a:pPr marL="0" marR="0" lvl="0" indent="0" algn="ctr" defTabSz="457200" rtl="0" eaLnBrk="1" fontAlgn="auto" latinLnBrk="0" hangingPunct="1">
+                        <a:lnSpc>
+                          <a:spcPct val="100000"/>
+                        </a:lnSpc>
+                        <a:spcBef>
+                          <a:spcPts val="0"/>
+                        </a:spcBef>
+                        <a:spcAft>
+                          <a:spcPts val="0"/>
+                        </a:spcAft>
+                        <a:buClrTx/>
+                        <a:buSzTx/>
+                        <a:buFontTx/>
+                        <a:buNone/>
+                        <a:tabLst/>
+                        <a:defRPr/>
+                      </a:pPr>
+                      <a:endParaRPr lang="en-US" sz="1600" dirty="0">
+                        <a:latin typeface="Georgia" panose="02040502050405020303" pitchFamily="18" charset="0"/>
+                      </a:endParaRPr>
+                    </a:p>
+                  </a:txBody>
+                  <a:tcPr/>
+                </a:tc>
+                <a:extLst>
+                  <a:ext uri="{0D108BD9-81ED-4DB2-BD59-A6C34878D82A}">
+                    <a16:rowId xmlns:a16="http://schemas.microsoft.com/office/drawing/2014/main" val="2865646759"/>
+                  </a:ext>
+                </a:extLst>
+              </a:tr>
+              <a:tr h="553326">
+                <a:tc>
+                  <a:txBody>
+                    <a:bodyPr/>
+                    <a:lstStyle/>
+                    <a:p>
+                      <a:pPr marL="0" marR="0" lvl="0" indent="0" algn="ctr" defTabSz="457200" rtl="0" eaLnBrk="1" fontAlgn="auto" latinLnBrk="0" hangingPunct="1">
+                        <a:lnSpc>
+                          <a:spcPct val="100000"/>
+                        </a:lnSpc>
+                        <a:spcBef>
+                          <a:spcPts val="0"/>
+                        </a:spcBef>
+                        <a:spcAft>
+                          <a:spcPts val="0"/>
+                        </a:spcAft>
+                        <a:buClrTx/>
+                        <a:buSzTx/>
+                        <a:buFontTx/>
+                        <a:buNone/>
+                        <a:tabLst/>
+                        <a:defRPr/>
+                      </a:pPr>
+                      <a:r>
+                        <a:rPr lang="en-US" sz="1600" dirty="0">
+                          <a:latin typeface="Georgia" panose="02040502050405020303" pitchFamily="18" charset="0"/>
+                        </a:rPr>
+                        <a:t>secure at </a:t>
+                      </a:r>
+                      <a:r>
+                        <a:rPr lang="en-US" sz="1600" kern="1200" dirty="0">
+                          <a:solidFill>
+                            <a:schemeClr val="dk1"/>
+                          </a:solidFill>
+                          <a:effectLst/>
+                          <a:latin typeface="Georgia" panose="02040502050405020303" pitchFamily="18" charset="0"/>
+                          <a:ea typeface="+mn-ea"/>
+                          <a:cs typeface="+mn-cs"/>
+                        </a:rPr>
+                        <a:t>t</a:t>
+                      </a:r>
+                      <a:r>
+                        <a:rPr lang="en-US" sz="1600" kern="1200" baseline="-25000" dirty="0">
+                          <a:solidFill>
+                            <a:schemeClr val="dk1"/>
+                          </a:solidFill>
+                          <a:effectLst/>
+                          <a:latin typeface="Georgia" panose="02040502050405020303" pitchFamily="18" charset="0"/>
+                          <a:ea typeface="+mn-ea"/>
+                          <a:cs typeface="+mn-cs"/>
+                        </a:rPr>
+                        <a:t>0 </a:t>
+                      </a:r>
+                      <a:r>
+                        <a:rPr lang="en-US" sz="1600" dirty="0">
+                          <a:latin typeface="Georgia" panose="02040502050405020303" pitchFamily="18" charset="0"/>
+                          <a:sym typeface="Wingdings" panose="05000000000000000000" pitchFamily="2" charset="2"/>
+                        </a:rPr>
+                        <a:t> </a:t>
+                      </a:r>
+                      <a:r>
+                        <a:rPr lang="en-US" sz="1600" dirty="0">
+                          <a:latin typeface="Georgia" panose="02040502050405020303" pitchFamily="18" charset="0"/>
+                        </a:rPr>
+                        <a:t>insecure at </a:t>
+                      </a:r>
+                      <a:r>
+                        <a:rPr lang="en-US" sz="1600" kern="1200" dirty="0">
+                          <a:solidFill>
+                            <a:schemeClr val="dk1"/>
+                          </a:solidFill>
+                          <a:effectLst/>
+                          <a:latin typeface="Georgia" panose="02040502050405020303" pitchFamily="18" charset="0"/>
+                          <a:ea typeface="+mn-ea"/>
+                          <a:cs typeface="+mn-cs"/>
+                        </a:rPr>
+                        <a:t>t</a:t>
+                      </a:r>
+                      <a:r>
+                        <a:rPr lang="en-US" sz="1600" kern="1200" baseline="-25000" dirty="0">
+                          <a:solidFill>
+                            <a:schemeClr val="dk1"/>
+                          </a:solidFill>
+                          <a:effectLst/>
+                          <a:latin typeface="Georgia" panose="02040502050405020303" pitchFamily="18" charset="0"/>
+                          <a:ea typeface="+mn-ea"/>
+                          <a:cs typeface="+mn-cs"/>
+                        </a:rPr>
+                        <a:t>1, …</a:t>
+                      </a:r>
+                      <a:r>
+                        <a:rPr lang="en-US" sz="1600" dirty="0">
+                          <a:latin typeface="Georgia" panose="02040502050405020303" pitchFamily="18" charset="0"/>
+                        </a:rPr>
+                        <a:t> </a:t>
+                      </a:r>
+                      <a:r>
+                        <a:rPr lang="en-US" sz="1600" dirty="0">
+                          <a:latin typeface="Georgia" panose="02040502050405020303" pitchFamily="18" charset="0"/>
+                          <a:sym typeface="Wingdings" panose="05000000000000000000" pitchFamily="2" charset="2"/>
+                        </a:rPr>
+                        <a:t> secure at </a:t>
+                      </a:r>
+                      <a:r>
+                        <a:rPr lang="en-US" sz="1600" kern="1200" dirty="0" err="1">
+                          <a:solidFill>
+                            <a:schemeClr val="dk1"/>
+                          </a:solidFill>
+                          <a:effectLst/>
+                          <a:latin typeface="Georgia" panose="02040502050405020303" pitchFamily="18" charset="0"/>
+                          <a:ea typeface="+mn-ea"/>
+                          <a:cs typeface="+mn-cs"/>
+                        </a:rPr>
+                        <a:t>t</a:t>
+                      </a:r>
+                      <a:r>
+                        <a:rPr lang="en-US" sz="1600" kern="1200" baseline="-25000" dirty="0" err="1">
+                          <a:solidFill>
+                            <a:schemeClr val="dk1"/>
+                          </a:solidFill>
+                          <a:effectLst/>
+                          <a:latin typeface="Georgia" panose="02040502050405020303" pitchFamily="18" charset="0"/>
+                          <a:ea typeface="+mn-ea"/>
+                          <a:cs typeface="+mn-cs"/>
+                        </a:rPr>
+                        <a:t>n</a:t>
+                      </a:r>
+                      <a:endParaRPr lang="en-US" sz="1600" dirty="0">
+                        <a:latin typeface="Georgia" panose="02040502050405020303" pitchFamily="18" charset="0"/>
+                      </a:endParaRPr>
+                    </a:p>
+                  </a:txBody>
+                  <a:tcPr/>
+                </a:tc>
+                <a:tc>
+                  <a:txBody>
+                    <a:bodyPr/>
+                    <a:lstStyle/>
+                    <a:p>
+                      <a:pPr algn="ctr"/>
+                      <a:r>
+                        <a:rPr lang="en-US" sz="1600" dirty="0">
+                          <a:latin typeface="Georgia" panose="02040502050405020303" pitchFamily="18" charset="0"/>
+                          <a:sym typeface="Wingdings" panose="05000000000000000000" pitchFamily="2" charset="2"/>
+                        </a:rPr>
+                        <a:t></a:t>
+                      </a:r>
+                      <a:endParaRPr lang="en-US" sz="1600" dirty="0">
+                        <a:latin typeface="Georgia" panose="02040502050405020303" pitchFamily="18" charset="0"/>
+                      </a:endParaRPr>
+                    </a:p>
+                  </a:txBody>
+                  <a:tcPr/>
+                </a:tc>
+                <a:tc>
+                  <a:txBody>
+                    <a:bodyPr/>
+                    <a:lstStyle/>
+                    <a:p>
+                      <a:pPr marL="0" marR="0" lvl="0" indent="0" algn="ctr" defTabSz="457200" rtl="0" eaLnBrk="1" fontAlgn="auto" latinLnBrk="0" hangingPunct="1">
+                        <a:lnSpc>
+                          <a:spcPct val="100000"/>
+                        </a:lnSpc>
+                        <a:spcBef>
+                          <a:spcPts val="0"/>
+                        </a:spcBef>
+                        <a:spcAft>
+                          <a:spcPts val="0"/>
+                        </a:spcAft>
+                        <a:buClrTx/>
+                        <a:buSzTx/>
+                        <a:buFontTx/>
+                        <a:buNone/>
+                        <a:tabLst/>
+                        <a:defRPr/>
+                      </a:pPr>
+                      <a:endParaRPr lang="en-US" sz="1600" dirty="0">
+                        <a:latin typeface="Georgia" panose="02040502050405020303" pitchFamily="18" charset="0"/>
+                      </a:endParaRPr>
+                    </a:p>
+                  </a:txBody>
+                  <a:tcPr/>
+                </a:tc>
+                <a:tc>
+                  <a:txBody>
+                    <a:bodyPr/>
+                    <a:lstStyle/>
+                    <a:p>
+                      <a:pPr marL="0" marR="0" lvl="0" indent="0" algn="ctr" defTabSz="457200" rtl="0" eaLnBrk="1" fontAlgn="auto" latinLnBrk="0" hangingPunct="1">
+                        <a:lnSpc>
+                          <a:spcPct val="100000"/>
+                        </a:lnSpc>
+                        <a:spcBef>
+                          <a:spcPts val="0"/>
+                        </a:spcBef>
+                        <a:spcAft>
+                          <a:spcPts val="0"/>
+                        </a:spcAft>
+                        <a:buClrTx/>
+                        <a:buSzTx/>
+                        <a:buFontTx/>
+                        <a:buNone/>
+                        <a:tabLst/>
+                        <a:defRPr/>
+                      </a:pPr>
+                      <a:r>
+                        <a:rPr lang="en-US" sz="1600" dirty="0">
+                          <a:latin typeface="Georgia" panose="02040502050405020303" pitchFamily="18" charset="0"/>
+                        </a:rPr>
+                        <a:t>C</a:t>
+                      </a:r>
+                    </a:p>
+                    <a:p>
+                      <a:pPr marL="0" marR="0" lvl="0" indent="0" algn="ctr" defTabSz="457200" rtl="0" eaLnBrk="1" fontAlgn="auto" latinLnBrk="0" hangingPunct="1">
+                        <a:lnSpc>
+                          <a:spcPct val="100000"/>
+                        </a:lnSpc>
+                        <a:spcBef>
+                          <a:spcPts val="0"/>
+                        </a:spcBef>
+                        <a:spcAft>
+                          <a:spcPts val="0"/>
+                        </a:spcAft>
+                        <a:buClrTx/>
+                        <a:buSzTx/>
+                        <a:buFontTx/>
+                        <a:buNone/>
+                        <a:tabLst/>
+                        <a:defRPr/>
+                      </a:pPr>
+                      <a:endParaRPr lang="en-US" sz="1600" dirty="0">
+                        <a:latin typeface="Georgia" panose="02040502050405020303" pitchFamily="18" charset="0"/>
+                      </a:endParaRPr>
+                    </a:p>
+                  </a:txBody>
+                  <a:tcPr/>
+                </a:tc>
+                <a:tc>
+                  <a:txBody>
+                    <a:bodyPr/>
+                    <a:lstStyle/>
+                    <a:p>
+                      <a:pPr marL="0" marR="0" lvl="0" indent="0" algn="ctr" defTabSz="457200" rtl="0" eaLnBrk="1" fontAlgn="auto" latinLnBrk="0" hangingPunct="1">
+                        <a:lnSpc>
+                          <a:spcPct val="100000"/>
+                        </a:lnSpc>
+                        <a:spcBef>
+                          <a:spcPts val="0"/>
+                        </a:spcBef>
+                        <a:spcAft>
+                          <a:spcPts val="0"/>
+                        </a:spcAft>
+                        <a:buClrTx/>
+                        <a:buSzTx/>
+                        <a:buFontTx/>
+                        <a:buNone/>
+                        <a:tabLst/>
+                        <a:defRPr/>
+                      </a:pPr>
+                      <a:r>
+                        <a:rPr lang="en-US" sz="1600" dirty="0">
+                          <a:latin typeface="Georgia" panose="02040502050405020303" pitchFamily="18" charset="0"/>
+                          <a:sym typeface="Wingdings" panose="05000000000000000000" pitchFamily="2" charset="2"/>
+                        </a:rPr>
+                        <a:t></a:t>
+                      </a:r>
+                      <a:endParaRPr lang="en-US" sz="1600" dirty="0">
+                        <a:latin typeface="Georgia" panose="02040502050405020303" pitchFamily="18" charset="0"/>
+                      </a:endParaRPr>
+                    </a:p>
+                    <a:p>
+                      <a:pPr marL="0" marR="0" lvl="0" indent="0" algn="ctr" defTabSz="457200" rtl="0" eaLnBrk="1" fontAlgn="auto" latinLnBrk="0" hangingPunct="1">
+                        <a:lnSpc>
+                          <a:spcPct val="100000"/>
+                        </a:lnSpc>
+                        <a:spcBef>
+                          <a:spcPts val="0"/>
+                        </a:spcBef>
+                        <a:spcAft>
+                          <a:spcPts val="0"/>
+                        </a:spcAft>
+                        <a:buClrTx/>
+                        <a:buSzTx/>
+                        <a:buFontTx/>
+                        <a:buNone/>
+                        <a:tabLst/>
+                        <a:defRPr/>
+                      </a:pPr>
+                      <a:endParaRPr lang="en-US" sz="1600" dirty="0">
+                        <a:latin typeface="Georgia" panose="02040502050405020303" pitchFamily="18" charset="0"/>
+                      </a:endParaRPr>
+                    </a:p>
+                  </a:txBody>
+                  <a:tcPr/>
+                </a:tc>
+                <a:tc>
+                  <a:txBody>
+                    <a:bodyPr/>
+                    <a:lstStyle/>
+                    <a:p>
+                      <a:pPr marL="0" marR="0" lvl="0" indent="0" algn="ctr" defTabSz="457200" rtl="0" eaLnBrk="1" fontAlgn="auto" latinLnBrk="0" hangingPunct="1">
+                        <a:lnSpc>
+                          <a:spcPct val="100000"/>
+                        </a:lnSpc>
+                        <a:spcBef>
+                          <a:spcPts val="0"/>
+                        </a:spcBef>
+                        <a:spcAft>
+                          <a:spcPts val="0"/>
+                        </a:spcAft>
+                        <a:buClrTx/>
+                        <a:buSzTx/>
+                        <a:buFontTx/>
+                        <a:buNone/>
+                        <a:tabLst/>
+                        <a:defRPr/>
+                      </a:pPr>
+                      <a:r>
+                        <a:rPr lang="en-US" sz="1600" dirty="0">
+                          <a:latin typeface="Georgia" panose="02040502050405020303" pitchFamily="18" charset="0"/>
+                          <a:sym typeface="Wingdings" panose="05000000000000000000" pitchFamily="2" charset="2"/>
+                        </a:rPr>
+                        <a:t></a:t>
+                      </a:r>
+                      <a:endParaRPr lang="en-US" sz="1600" dirty="0">
+                        <a:latin typeface="Georgia" panose="02040502050405020303" pitchFamily="18" charset="0"/>
+                      </a:endParaRPr>
+                    </a:p>
+                    <a:p>
+                      <a:pPr marL="0" marR="0" lvl="0" indent="0" algn="ctr" defTabSz="457200" rtl="0" eaLnBrk="1" fontAlgn="auto" latinLnBrk="0" hangingPunct="1">
+                        <a:lnSpc>
+                          <a:spcPct val="100000"/>
+                        </a:lnSpc>
+                        <a:spcBef>
+                          <a:spcPts val="0"/>
+                        </a:spcBef>
+                        <a:spcAft>
+                          <a:spcPts val="0"/>
+                        </a:spcAft>
+                        <a:buClrTx/>
+                        <a:buSzTx/>
+                        <a:buFontTx/>
+                        <a:buNone/>
+                        <a:tabLst/>
+                        <a:defRPr/>
+                      </a:pPr>
+                      <a:endParaRPr lang="en-US" sz="1600" dirty="0">
+                        <a:latin typeface="Georgia" panose="02040502050405020303" pitchFamily="18" charset="0"/>
+                      </a:endParaRPr>
+                    </a:p>
+                  </a:txBody>
+                  <a:tcPr/>
+                </a:tc>
+                <a:extLst>
+                  <a:ext uri="{0D108BD9-81ED-4DB2-BD59-A6C34878D82A}">
+                    <a16:rowId xmlns:a16="http://schemas.microsoft.com/office/drawing/2014/main" val="1876486228"/>
+                  </a:ext>
+                </a:extLst>
+              </a:tr>
+            </a:tbl>
+          </a:graphicData>
+        </a:graphic>
+      </p:graphicFrame>
     </p:spTree>
     <p:extLst>
       <p:ext uri="{BB962C8B-B14F-4D97-AF65-F5344CB8AC3E}">
-        <p14:creationId xmlns:p14="http://schemas.microsoft.com/office/powerpoint/2010/main" val="3834226521"/>
+        <p14:creationId xmlns:p14="http://schemas.microsoft.com/office/powerpoint/2010/main" val="4051852237"/>
       </p:ext>
     </p:extLst>
   </p:cSld>
@@ -5331,7 +10487,7 @@
 </p:sld>
 </file>
 
-<file path=ppt/slides/slide12.xml><?xml version="1.0" encoding="utf-8"?>
+<file path=ppt/slides/slide9.xml><?xml version="1.0" encoding="utf-8"?>
 <p:sld xmlns:a="http://schemas.openxmlformats.org/drawingml/2006/main" xmlns:r="http://schemas.openxmlformats.org/officeDocument/2006/relationships" xmlns:p="http://schemas.openxmlformats.org/presentationml/2006/main">
   <p:cSld>
     <p:spTree>
@@ -12077,2706 +17233,6 @@
     <p:extLst>
       <p:ext uri="{BB962C8B-B14F-4D97-AF65-F5344CB8AC3E}">
         <p14:creationId xmlns:p14="http://schemas.microsoft.com/office/powerpoint/2010/main" val="2388914925"/>
-      </p:ext>
-    </p:extLst>
-  </p:cSld>
-  <p:clrMapOvr>
-    <a:masterClrMapping/>
-  </p:clrMapOvr>
-</p:sld>
-</file>
-
-<file path=ppt/slides/slide13.xml><?xml version="1.0" encoding="utf-8"?>
-<p:sld xmlns:a="http://schemas.openxmlformats.org/drawingml/2006/main" xmlns:r="http://schemas.openxmlformats.org/officeDocument/2006/relationships" xmlns:p="http://schemas.openxmlformats.org/presentationml/2006/main">
-  <p:cSld>
-    <p:spTree>
-      <p:nvGrpSpPr>
-        <p:cNvPr id="1" name=""/>
-        <p:cNvGrpSpPr/>
-        <p:nvPr/>
-      </p:nvGrpSpPr>
-      <p:grpSpPr>
-        <a:xfrm>
-          <a:off x="0" y="0"/>
-          <a:ext cx="0" cy="0"/>
-          <a:chOff x="0" y="0"/>
-          <a:chExt cx="0" cy="0"/>
-        </a:xfrm>
-      </p:grpSpPr>
-      <p:sp>
-        <p:nvSpPr>
-          <p:cNvPr id="2" name="Title 1">
-            <a:extLst>
-              <a:ext uri="{FF2B5EF4-FFF2-40B4-BE49-F238E27FC236}">
-                <a16:creationId xmlns:a16="http://schemas.microsoft.com/office/drawing/2014/main" id="{6269473E-FA7E-43FC-9290-03A2A773DDA7}"/>
-              </a:ext>
-            </a:extLst>
-          </p:cNvPr>
-          <p:cNvSpPr>
-            <a:spLocks noGrp="1"/>
-          </p:cNvSpPr>
-          <p:nvPr>
-            <p:ph type="title"/>
-          </p:nvPr>
-        </p:nvSpPr>
-        <p:spPr/>
-        <p:txBody>
-          <a:bodyPr/>
-          <a:lstStyle/>
-          <a:p>
-            <a:r>
-              <a:rPr lang="en-US" sz="4000" b="1" dirty="0"/>
-              <a:t>Research Design</a:t>
-            </a:r>
-            <a:br>
-              <a:rPr lang="en-US" sz="4000" b="1" dirty="0"/>
-            </a:br>
-            <a:br>
-              <a:rPr lang="en-US" sz="4000" b="1" dirty="0"/>
-            </a:br>
-            <a:endParaRPr lang="en-US" sz="4000" dirty="0"/>
-          </a:p>
-        </p:txBody>
-      </p:sp>
-      <p:sp>
-        <p:nvSpPr>
-          <p:cNvPr id="3" name="Content Placeholder 2">
-            <a:extLst>
-              <a:ext uri="{FF2B5EF4-FFF2-40B4-BE49-F238E27FC236}">
-                <a16:creationId xmlns:a16="http://schemas.microsoft.com/office/drawing/2014/main" id="{85A49457-CF33-4C50-B587-9B075291C5CC}"/>
-              </a:ext>
-            </a:extLst>
-          </p:cNvPr>
-          <p:cNvSpPr>
-            <a:spLocks noGrp="1"/>
-          </p:cNvSpPr>
-          <p:nvPr>
-            <p:ph idx="1"/>
-          </p:nvPr>
-        </p:nvSpPr>
-        <p:spPr>
-          <a:xfrm>
-            <a:off x="419100" y="1052512"/>
-            <a:ext cx="8305800" cy="4525963"/>
-          </a:xfrm>
-        </p:spPr>
-        <p:txBody>
-          <a:bodyPr/>
-          <a:lstStyle/>
-          <a:p>
-            <a:pPr marL="0" indent="0">
-              <a:buNone/>
-            </a:pPr>
-            <a:r>
-              <a:rPr lang="en-US" sz="2000" b="1" u="sng" dirty="0">
-                <a:latin typeface="Georgia" panose="02040502050405020303" pitchFamily="18" charset="0"/>
-              </a:rPr>
-              <a:t>Coding Strategies and Justifications:</a:t>
-            </a:r>
-          </a:p>
-          <a:p>
-            <a:r>
-              <a:rPr lang="en-US" sz="2000" b="1" dirty="0">
-                <a:latin typeface="Georgia" panose="02040502050405020303" pitchFamily="18" charset="0"/>
-              </a:rPr>
-              <a:t>Unit of analysis is leader. </a:t>
-            </a:r>
-            <a:r>
-              <a:rPr lang="en-US" sz="2000" dirty="0">
-                <a:latin typeface="Georgia" panose="02040502050405020303" pitchFamily="18" charset="0"/>
-              </a:rPr>
-              <a:t>The dataset covers 286 leaders in 62 developing countries in the period 1995 to 2015.</a:t>
-            </a:r>
-          </a:p>
-          <a:p>
-            <a:r>
-              <a:rPr lang="en-US" sz="2000" b="1" dirty="0">
-                <a:latin typeface="Georgia" panose="02040502050405020303" pitchFamily="18" charset="0"/>
-              </a:rPr>
-              <a:t>Dependent Variable</a:t>
-            </a:r>
-            <a:r>
-              <a:rPr lang="en-US" sz="2000" dirty="0">
-                <a:latin typeface="Georgia" panose="02040502050405020303" pitchFamily="18" charset="0"/>
-              </a:rPr>
-              <a:t>: South-North PTA negotiation</a:t>
-            </a:r>
-          </a:p>
-          <a:p>
-            <a:pPr marL="0"/>
-            <a:r>
-              <a:rPr lang="en-US" sz="2000" b="1" dirty="0">
-                <a:latin typeface="Georgia" panose="02040502050405020303" pitchFamily="18" charset="0"/>
-              </a:rPr>
-              <a:t>Independent Variable</a:t>
-            </a:r>
-            <a:r>
-              <a:rPr lang="en-US" sz="2000" dirty="0">
-                <a:latin typeface="Georgia" panose="02040502050405020303" pitchFamily="18" charset="0"/>
-              </a:rPr>
-              <a:t>: Shocks to Security</a:t>
-            </a:r>
-          </a:p>
-          <a:p>
-            <a:pPr marL="0"/>
-            <a:r>
-              <a:rPr lang="en-US" sz="2000" b="1" dirty="0">
-                <a:latin typeface="Georgia" panose="02040502050405020303" pitchFamily="18" charset="0"/>
-              </a:rPr>
-              <a:t>Matching on the Covariates</a:t>
-            </a:r>
-            <a:r>
-              <a:rPr lang="en-US" sz="2000" dirty="0">
-                <a:latin typeface="Georgia" panose="02040502050405020303" pitchFamily="18" charset="0"/>
-              </a:rPr>
-              <a:t>: Regime Type, Human Rights Conditions, Regime Duration, GDP per capita</a:t>
-            </a:r>
-          </a:p>
-          <a:p>
-            <a:r>
-              <a:rPr lang="en-US" sz="2000" b="1" dirty="0">
-                <a:latin typeface="Georgia" panose="02040502050405020303" pitchFamily="18" charset="0"/>
-              </a:rPr>
-              <a:t>Confounding Variables in the OLS Model:</a:t>
-            </a:r>
-          </a:p>
-          <a:p>
-            <a:pPr lvl="1"/>
-            <a:r>
-              <a:rPr lang="en-US" sz="2000" dirty="0">
-                <a:latin typeface="Georgia" panose="02040502050405020303" pitchFamily="18" charset="0"/>
-              </a:rPr>
-              <a:t>Leaders’ tenure</a:t>
-            </a:r>
-          </a:p>
-          <a:p>
-            <a:pPr lvl="1"/>
-            <a:r>
-              <a:rPr lang="en-US" sz="2000" dirty="0">
-                <a:latin typeface="Georgia" panose="02040502050405020303" pitchFamily="18" charset="0"/>
-              </a:rPr>
-              <a:t>Economic Recession (Negative Economic Growth) </a:t>
-            </a:r>
-          </a:p>
-          <a:p>
-            <a:pPr marL="457200" lvl="1" indent="0">
-              <a:buNone/>
-            </a:pPr>
-            <a:endParaRPr lang="en-US" sz="2000" dirty="0">
-              <a:latin typeface="Georgia" panose="02040502050405020303" pitchFamily="18" charset="0"/>
-            </a:endParaRPr>
-          </a:p>
-        </p:txBody>
-      </p:sp>
-    </p:spTree>
-    <p:extLst>
-      <p:ext uri="{BB962C8B-B14F-4D97-AF65-F5344CB8AC3E}">
-        <p14:creationId xmlns:p14="http://schemas.microsoft.com/office/powerpoint/2010/main" val="4244507822"/>
-      </p:ext>
-    </p:extLst>
-  </p:cSld>
-  <p:clrMapOvr>
-    <a:masterClrMapping/>
-  </p:clrMapOvr>
-</p:sld>
-</file>
-
-<file path=ppt/slides/slide14.xml><?xml version="1.0" encoding="utf-8"?>
-<p:sld xmlns:a="http://schemas.openxmlformats.org/drawingml/2006/main" xmlns:r="http://schemas.openxmlformats.org/officeDocument/2006/relationships" xmlns:p="http://schemas.openxmlformats.org/presentationml/2006/main">
-  <p:cSld>
-    <p:spTree>
-      <p:nvGrpSpPr>
-        <p:cNvPr id="1" name=""/>
-        <p:cNvGrpSpPr/>
-        <p:nvPr/>
-      </p:nvGrpSpPr>
-      <p:grpSpPr>
-        <a:xfrm>
-          <a:off x="0" y="0"/>
-          <a:ext cx="0" cy="0"/>
-          <a:chOff x="0" y="0"/>
-          <a:chExt cx="0" cy="0"/>
-        </a:xfrm>
-      </p:grpSpPr>
-      <p:sp>
-        <p:nvSpPr>
-          <p:cNvPr id="2" name="Title 1">
-            <a:extLst>
-              <a:ext uri="{FF2B5EF4-FFF2-40B4-BE49-F238E27FC236}">
-                <a16:creationId xmlns:a16="http://schemas.microsoft.com/office/drawing/2014/main" id="{64654403-5D57-437D-837F-BB45B284D797}"/>
-              </a:ext>
-            </a:extLst>
-          </p:cNvPr>
-          <p:cNvSpPr>
-            <a:spLocks noGrp="1"/>
-          </p:cNvSpPr>
-          <p:nvPr>
-            <p:ph type="title"/>
-          </p:nvPr>
-        </p:nvSpPr>
-        <p:spPr/>
-        <p:txBody>
-          <a:bodyPr/>
-          <a:lstStyle/>
-          <a:p>
-            <a:r>
-              <a:rPr lang="en-US" sz="3600" b="1" dirty="0"/>
-              <a:t>Empirical Findings: Data Description</a:t>
-            </a:r>
-            <a:endParaRPr lang="en-US" sz="3600" dirty="0"/>
-          </a:p>
-        </p:txBody>
-      </p:sp>
-      <p:pic>
-        <p:nvPicPr>
-          <p:cNvPr id="7" name="Content Placeholder 6">
-            <a:extLst>
-              <a:ext uri="{FF2B5EF4-FFF2-40B4-BE49-F238E27FC236}">
-                <a16:creationId xmlns:a16="http://schemas.microsoft.com/office/drawing/2014/main" id="{F23F1D59-C483-4A0C-863A-32230EED0480}"/>
-              </a:ext>
-            </a:extLst>
-          </p:cNvPr>
-          <p:cNvPicPr>
-            <a:picLocks noGrp="1" noChangeAspect="1"/>
-          </p:cNvPicPr>
-          <p:nvPr>
-            <p:ph idx="1"/>
-          </p:nvPr>
-        </p:nvPicPr>
-        <p:blipFill>
-          <a:blip r:embed="rId2"/>
-          <a:stretch>
-            <a:fillRect/>
-          </a:stretch>
-        </p:blipFill>
-        <p:spPr>
-          <a:xfrm>
-            <a:off x="2004332" y="861332"/>
-            <a:ext cx="5135336" cy="5135336"/>
-          </a:xfrm>
-        </p:spPr>
-      </p:pic>
-    </p:spTree>
-    <p:extLst>
-      <p:ext uri="{BB962C8B-B14F-4D97-AF65-F5344CB8AC3E}">
-        <p14:creationId xmlns:p14="http://schemas.microsoft.com/office/powerpoint/2010/main" val="3774199029"/>
-      </p:ext>
-    </p:extLst>
-  </p:cSld>
-  <p:clrMapOvr>
-    <a:masterClrMapping/>
-  </p:clrMapOvr>
-</p:sld>
-</file>
-
-<file path=ppt/slides/slide15.xml><?xml version="1.0" encoding="utf-8"?>
-<p:sld xmlns:a="http://schemas.openxmlformats.org/drawingml/2006/main" xmlns:r="http://schemas.openxmlformats.org/officeDocument/2006/relationships" xmlns:p="http://schemas.openxmlformats.org/presentationml/2006/main">
-  <p:cSld>
-    <p:spTree>
-      <p:nvGrpSpPr>
-        <p:cNvPr id="1" name=""/>
-        <p:cNvGrpSpPr/>
-        <p:nvPr/>
-      </p:nvGrpSpPr>
-      <p:grpSpPr>
-        <a:xfrm>
-          <a:off x="0" y="0"/>
-          <a:ext cx="0" cy="0"/>
-          <a:chOff x="0" y="0"/>
-          <a:chExt cx="0" cy="0"/>
-        </a:xfrm>
-      </p:grpSpPr>
-      <p:sp>
-        <p:nvSpPr>
-          <p:cNvPr id="2" name="Title 1">
-            <a:extLst>
-              <a:ext uri="{FF2B5EF4-FFF2-40B4-BE49-F238E27FC236}">
-                <a16:creationId xmlns:a16="http://schemas.microsoft.com/office/drawing/2014/main" id="{0F45DF75-3D84-4208-8879-81AECB4C093C}"/>
-              </a:ext>
-            </a:extLst>
-          </p:cNvPr>
-          <p:cNvSpPr>
-            <a:spLocks noGrp="1"/>
-          </p:cNvSpPr>
-          <p:nvPr>
-            <p:ph type="title"/>
-          </p:nvPr>
-        </p:nvSpPr>
-        <p:spPr>
-          <a:xfrm>
-            <a:off x="380999" y="602747"/>
-            <a:ext cx="8650045" cy="1143000"/>
-          </a:xfrm>
-        </p:spPr>
-        <p:txBody>
-          <a:bodyPr/>
-          <a:lstStyle/>
-          <a:p>
-            <a:r>
-              <a:rPr lang="en-US" sz="3600" b="1" dirty="0"/>
-              <a:t>Empirical Findings: Data Description</a:t>
-            </a:r>
-            <a:endParaRPr lang="en-US" sz="3600" dirty="0"/>
-          </a:p>
-        </p:txBody>
-      </p:sp>
-      <p:pic>
-        <p:nvPicPr>
-          <p:cNvPr id="4" name="Content Placeholder 3">
-            <a:extLst>
-              <a:ext uri="{FF2B5EF4-FFF2-40B4-BE49-F238E27FC236}">
-                <a16:creationId xmlns:a16="http://schemas.microsoft.com/office/drawing/2014/main" id="{8069E3C0-970A-41A4-9C71-7AEADABA27F9}"/>
-              </a:ext>
-            </a:extLst>
-          </p:cNvPr>
-          <p:cNvPicPr>
-            <a:picLocks noGrp="1" noChangeAspect="1"/>
-          </p:cNvPicPr>
-          <p:nvPr>
-            <p:ph idx="1"/>
-          </p:nvPr>
-        </p:nvPicPr>
-        <p:blipFill>
-          <a:blip r:embed="rId2"/>
-          <a:stretch>
-            <a:fillRect/>
-          </a:stretch>
-        </p:blipFill>
-        <p:spPr>
-          <a:xfrm>
-            <a:off x="853022" y="2128828"/>
-            <a:ext cx="7039026" cy="1300172"/>
-          </a:xfrm>
-        </p:spPr>
-      </p:pic>
-    </p:spTree>
-    <p:extLst>
-      <p:ext uri="{BB962C8B-B14F-4D97-AF65-F5344CB8AC3E}">
-        <p14:creationId xmlns:p14="http://schemas.microsoft.com/office/powerpoint/2010/main" val="3153279886"/>
-      </p:ext>
-    </p:extLst>
-  </p:cSld>
-  <p:clrMapOvr>
-    <a:masterClrMapping/>
-  </p:clrMapOvr>
-</p:sld>
-</file>
-
-<file path=ppt/slides/slide16.xml><?xml version="1.0" encoding="utf-8"?>
-<p:sld xmlns:a="http://schemas.openxmlformats.org/drawingml/2006/main" xmlns:r="http://schemas.openxmlformats.org/officeDocument/2006/relationships" xmlns:p="http://schemas.openxmlformats.org/presentationml/2006/main">
-  <p:cSld>
-    <p:spTree>
-      <p:nvGrpSpPr>
-        <p:cNvPr id="1" name=""/>
-        <p:cNvGrpSpPr/>
-        <p:nvPr/>
-      </p:nvGrpSpPr>
-      <p:grpSpPr>
-        <a:xfrm>
-          <a:off x="0" y="0"/>
-          <a:ext cx="0" cy="0"/>
-          <a:chOff x="0" y="0"/>
-          <a:chExt cx="0" cy="0"/>
-        </a:xfrm>
-      </p:grpSpPr>
-      <p:sp>
-        <p:nvSpPr>
-          <p:cNvPr id="2" name="Title 1"/>
-          <p:cNvSpPr>
-            <a:spLocks noGrp="1"/>
-          </p:cNvSpPr>
-          <p:nvPr>
-            <p:ph type="title"/>
-          </p:nvPr>
-        </p:nvSpPr>
-        <p:spPr/>
-        <p:txBody>
-          <a:bodyPr anchor="t"/>
-          <a:lstStyle/>
-          <a:p>
-            <a:r>
-              <a:rPr lang="en-US" sz="3600" b="1" dirty="0"/>
-              <a:t>Empirical Findings:</a:t>
-            </a:r>
-            <a:br>
-              <a:rPr lang="en-US" sz="3600" b="1" dirty="0"/>
-            </a:br>
-            <a:r>
-              <a:rPr lang="en-US" sz="3600" b="1" dirty="0"/>
-              <a:t>Propensity Score Before Matching</a:t>
-            </a:r>
-            <a:br>
-              <a:rPr lang="en-US" sz="3600" b="1" dirty="0"/>
-            </a:br>
-            <a:endParaRPr lang="en-US" sz="3600" b="1" dirty="0"/>
-          </a:p>
-        </p:txBody>
-      </p:sp>
-      <p:sp>
-        <p:nvSpPr>
-          <p:cNvPr id="10" name="TextBox 9">
-            <a:extLst>
-              <a:ext uri="{FF2B5EF4-FFF2-40B4-BE49-F238E27FC236}">
-                <a16:creationId xmlns:a16="http://schemas.microsoft.com/office/drawing/2014/main" id="{A24B6B10-7EA4-4D1C-8867-DE250B8C67F8}"/>
-              </a:ext>
-            </a:extLst>
-          </p:cNvPr>
-          <p:cNvSpPr txBox="1"/>
-          <p:nvPr/>
-        </p:nvSpPr>
-        <p:spPr>
-          <a:xfrm rot="10800000" flipV="1">
-            <a:off x="4980991" y="2167116"/>
-            <a:ext cx="3688702" cy="2523768"/>
-          </a:xfrm>
-          <a:prstGeom prst="rect">
-            <a:avLst/>
-          </a:prstGeom>
-          <a:noFill/>
-        </p:spPr>
-        <p:txBody>
-          <a:bodyPr wrap="square" rtlCol="0">
-            <a:spAutoFit/>
-          </a:bodyPr>
-          <a:lstStyle/>
-          <a:p>
-            <a:endParaRPr lang="en-US" dirty="0"/>
-          </a:p>
-          <a:p>
-            <a:r>
-              <a:rPr lang="en-US" sz="2000" dirty="0">
-                <a:latin typeface="Georgia" panose="02040502050405020303" pitchFamily="18" charset="0"/>
-              </a:rPr>
-              <a:t>The estimated propensity scores are the fitted probabilities of being treated given four covariates. </a:t>
-            </a:r>
-          </a:p>
-          <a:p>
-            <a:endParaRPr lang="en-US" sz="2000" dirty="0">
-              <a:latin typeface="Georgia" panose="02040502050405020303" pitchFamily="18" charset="0"/>
-            </a:endParaRPr>
-          </a:p>
-          <a:p>
-            <a:r>
-              <a:rPr lang="en-US" sz="2000" dirty="0">
-                <a:latin typeface="Georgia" panose="02040502050405020303" pitchFamily="18" charset="0"/>
-              </a:rPr>
-              <a:t>The difference between two distributions are substantial.</a:t>
-            </a:r>
-          </a:p>
-        </p:txBody>
-      </p:sp>
-      <p:pic>
-        <p:nvPicPr>
-          <p:cNvPr id="6" name="Content Placeholder 5">
-            <a:extLst>
-              <a:ext uri="{FF2B5EF4-FFF2-40B4-BE49-F238E27FC236}">
-                <a16:creationId xmlns:a16="http://schemas.microsoft.com/office/drawing/2014/main" id="{2028B7AE-1DFE-462A-9B62-5B1AA44F221F}"/>
-              </a:ext>
-            </a:extLst>
-          </p:cNvPr>
-          <p:cNvPicPr>
-            <a:picLocks noGrp="1" noChangeAspect="1"/>
-          </p:cNvPicPr>
-          <p:nvPr>
-            <p:ph idx="1"/>
-          </p:nvPr>
-        </p:nvPicPr>
-        <p:blipFill>
-          <a:blip r:embed="rId2"/>
-          <a:stretch>
-            <a:fillRect/>
-          </a:stretch>
-        </p:blipFill>
-        <p:spPr>
-          <a:xfrm>
-            <a:off x="555170" y="1338943"/>
-            <a:ext cx="4408715" cy="5164738"/>
-          </a:xfrm>
-        </p:spPr>
-      </p:pic>
-    </p:spTree>
-    <p:extLst>
-      <p:ext uri="{BB962C8B-B14F-4D97-AF65-F5344CB8AC3E}">
-        <p14:creationId xmlns:p14="http://schemas.microsoft.com/office/powerpoint/2010/main" val="629059076"/>
-      </p:ext>
-    </p:extLst>
-  </p:cSld>
-  <p:clrMapOvr>
-    <a:masterClrMapping/>
-  </p:clrMapOvr>
-</p:sld>
-</file>
-
-<file path=ppt/slides/slide17.xml><?xml version="1.0" encoding="utf-8"?>
-<p:sld xmlns:a="http://schemas.openxmlformats.org/drawingml/2006/main" xmlns:r="http://schemas.openxmlformats.org/officeDocument/2006/relationships" xmlns:p="http://schemas.openxmlformats.org/presentationml/2006/main">
-  <p:cSld>
-    <p:spTree>
-      <p:nvGrpSpPr>
-        <p:cNvPr id="1" name=""/>
-        <p:cNvGrpSpPr/>
-        <p:nvPr/>
-      </p:nvGrpSpPr>
-      <p:grpSpPr>
-        <a:xfrm>
-          <a:off x="0" y="0"/>
-          <a:ext cx="0" cy="0"/>
-          <a:chOff x="0" y="0"/>
-          <a:chExt cx="0" cy="0"/>
-        </a:xfrm>
-      </p:grpSpPr>
-      <p:sp>
-        <p:nvSpPr>
-          <p:cNvPr id="2" name="Title 1">
-            <a:extLst>
-              <a:ext uri="{FF2B5EF4-FFF2-40B4-BE49-F238E27FC236}">
-                <a16:creationId xmlns:a16="http://schemas.microsoft.com/office/drawing/2014/main" id="{ADDC1439-AD3E-482B-8610-EC5CDB1319A0}"/>
-              </a:ext>
-            </a:extLst>
-          </p:cNvPr>
-          <p:cNvSpPr>
-            <a:spLocks noGrp="1"/>
-          </p:cNvSpPr>
-          <p:nvPr>
-            <p:ph type="title"/>
-          </p:nvPr>
-        </p:nvSpPr>
-        <p:spPr/>
-        <p:txBody>
-          <a:bodyPr/>
-          <a:lstStyle/>
-          <a:p>
-            <a:r>
-              <a:rPr lang="en-US" sz="3600" b="1" dirty="0"/>
-              <a:t>Empirical Findings:</a:t>
-            </a:r>
-            <a:br>
-              <a:rPr lang="en-US" sz="3600" b="1" dirty="0"/>
-            </a:br>
-            <a:r>
-              <a:rPr lang="en-US" sz="3600" b="1" dirty="0"/>
-              <a:t>Propensity Score A</a:t>
-            </a:r>
-            <a:r>
-              <a:rPr lang="en-US" altLang="zh-CN" sz="3600" b="1" dirty="0"/>
-              <a:t>fter</a:t>
-            </a:r>
-            <a:r>
-              <a:rPr lang="en-US" sz="3600" b="1" dirty="0"/>
-              <a:t> Matching</a:t>
-            </a:r>
-            <a:br>
-              <a:rPr lang="en-US" sz="3600" b="1" dirty="0"/>
-            </a:br>
-            <a:endParaRPr lang="en-US" sz="3600" dirty="0"/>
-          </a:p>
-        </p:txBody>
-      </p:sp>
-      <p:pic>
-        <p:nvPicPr>
-          <p:cNvPr id="5" name="Content Placeholder 4">
-            <a:extLst>
-              <a:ext uri="{FF2B5EF4-FFF2-40B4-BE49-F238E27FC236}">
-                <a16:creationId xmlns:a16="http://schemas.microsoft.com/office/drawing/2014/main" id="{EA585AB4-56FC-4AD5-9138-C078217A95A1}"/>
-              </a:ext>
-            </a:extLst>
-          </p:cNvPr>
-          <p:cNvPicPr>
-            <a:picLocks noGrp="1" noChangeAspect="1"/>
-          </p:cNvPicPr>
-          <p:nvPr>
-            <p:ph idx="1"/>
-          </p:nvPr>
-        </p:nvPicPr>
-        <p:blipFill>
-          <a:blip r:embed="rId2"/>
-          <a:stretch>
-            <a:fillRect/>
-          </a:stretch>
-        </p:blipFill>
-        <p:spPr>
-          <a:xfrm>
-            <a:off x="419100" y="1530419"/>
-            <a:ext cx="8305800" cy="3797161"/>
-          </a:xfrm>
-        </p:spPr>
-      </p:pic>
-      <p:sp>
-        <p:nvSpPr>
-          <p:cNvPr id="6" name="TextBox 5">
-            <a:extLst>
-              <a:ext uri="{FF2B5EF4-FFF2-40B4-BE49-F238E27FC236}">
-                <a16:creationId xmlns:a16="http://schemas.microsoft.com/office/drawing/2014/main" id="{BED8A4CA-7050-453B-B24E-E77B08D97243}"/>
-              </a:ext>
-            </a:extLst>
-          </p:cNvPr>
-          <p:cNvSpPr txBox="1"/>
-          <p:nvPr/>
-        </p:nvSpPr>
-        <p:spPr>
-          <a:xfrm>
-            <a:off x="311169" y="5440361"/>
-            <a:ext cx="8890575" cy="400110"/>
-          </a:xfrm>
-          <a:prstGeom prst="rect">
-            <a:avLst/>
-          </a:prstGeom>
-          <a:noFill/>
-        </p:spPr>
-        <p:txBody>
-          <a:bodyPr wrap="none" rtlCol="0">
-            <a:spAutoFit/>
-          </a:bodyPr>
-          <a:lstStyle/>
-          <a:p>
-            <a:r>
-              <a:rPr lang="en-US" sz="2000" dirty="0">
-                <a:latin typeface="Georgia" panose="02040502050405020303" pitchFamily="18" charset="0"/>
-              </a:rPr>
-              <a:t>After matching, leaders in the treatment and control groups are comparable. </a:t>
-            </a:r>
-          </a:p>
-        </p:txBody>
-      </p:sp>
-    </p:spTree>
-    <p:extLst>
-      <p:ext uri="{BB962C8B-B14F-4D97-AF65-F5344CB8AC3E}">
-        <p14:creationId xmlns:p14="http://schemas.microsoft.com/office/powerpoint/2010/main" val="931099098"/>
-      </p:ext>
-    </p:extLst>
-  </p:cSld>
-  <p:clrMapOvr>
-    <a:masterClrMapping/>
-  </p:clrMapOvr>
-</p:sld>
-</file>
-
-<file path=ppt/slides/slide18.xml><?xml version="1.0" encoding="utf-8"?>
-<p:sld xmlns:a="http://schemas.openxmlformats.org/drawingml/2006/main" xmlns:r="http://schemas.openxmlformats.org/officeDocument/2006/relationships" xmlns:p="http://schemas.openxmlformats.org/presentationml/2006/main">
-  <p:cSld>
-    <p:spTree>
-      <p:nvGrpSpPr>
-        <p:cNvPr id="1" name=""/>
-        <p:cNvGrpSpPr/>
-        <p:nvPr/>
-      </p:nvGrpSpPr>
-      <p:grpSpPr>
-        <a:xfrm>
-          <a:off x="0" y="0"/>
-          <a:ext cx="0" cy="0"/>
-          <a:chOff x="0" y="0"/>
-          <a:chExt cx="0" cy="0"/>
-        </a:xfrm>
-      </p:grpSpPr>
-      <p:sp>
-        <p:nvSpPr>
-          <p:cNvPr id="2" name="Title 1">
-            <a:extLst>
-              <a:ext uri="{FF2B5EF4-FFF2-40B4-BE49-F238E27FC236}">
-                <a16:creationId xmlns:a16="http://schemas.microsoft.com/office/drawing/2014/main" id="{ADDC1439-AD3E-482B-8610-EC5CDB1319A0}"/>
-              </a:ext>
-            </a:extLst>
-          </p:cNvPr>
-          <p:cNvSpPr>
-            <a:spLocks noGrp="1"/>
-          </p:cNvSpPr>
-          <p:nvPr>
-            <p:ph type="title"/>
-          </p:nvPr>
-        </p:nvSpPr>
-        <p:spPr/>
-        <p:txBody>
-          <a:bodyPr/>
-          <a:lstStyle/>
-          <a:p>
-            <a:r>
-              <a:rPr lang="en-US" sz="3600" b="1" dirty="0"/>
-              <a:t>Empirical Findings:</a:t>
-            </a:r>
-            <a:br>
-              <a:rPr lang="en-US" sz="3600" b="1" dirty="0"/>
-            </a:br>
-            <a:r>
-              <a:rPr lang="en-US" sz="3600" b="1" dirty="0"/>
-              <a:t>Treatment Effect After Matching</a:t>
-            </a:r>
-            <a:br>
-              <a:rPr lang="en-US" sz="3600" b="1" dirty="0"/>
-            </a:br>
-            <a:endParaRPr lang="en-US" sz="3600" dirty="0"/>
-          </a:p>
-        </p:txBody>
-      </p:sp>
-      <p:sp>
-        <p:nvSpPr>
-          <p:cNvPr id="6" name="TextBox 5">
-            <a:extLst>
-              <a:ext uri="{FF2B5EF4-FFF2-40B4-BE49-F238E27FC236}">
-                <a16:creationId xmlns:a16="http://schemas.microsoft.com/office/drawing/2014/main" id="{BED8A4CA-7050-453B-B24E-E77B08D97243}"/>
-              </a:ext>
-            </a:extLst>
-          </p:cNvPr>
-          <p:cNvSpPr txBox="1"/>
-          <p:nvPr/>
-        </p:nvSpPr>
-        <p:spPr>
-          <a:xfrm>
-            <a:off x="311169" y="5440361"/>
-            <a:ext cx="247184" cy="400110"/>
-          </a:xfrm>
-          <a:prstGeom prst="rect">
-            <a:avLst/>
-          </a:prstGeom>
-          <a:noFill/>
-        </p:spPr>
-        <p:txBody>
-          <a:bodyPr wrap="none" rtlCol="0">
-            <a:spAutoFit/>
-          </a:bodyPr>
-          <a:lstStyle/>
-          <a:p>
-            <a:r>
-              <a:rPr lang="en-US" sz="2000" dirty="0">
-                <a:latin typeface="Georgia" panose="02040502050405020303" pitchFamily="18" charset="0"/>
-              </a:rPr>
-              <a:t> </a:t>
-            </a:r>
-          </a:p>
-        </p:txBody>
-      </p:sp>
-      <p:pic>
-        <p:nvPicPr>
-          <p:cNvPr id="8" name="Content Placeholder 7">
-            <a:extLst>
-              <a:ext uri="{FF2B5EF4-FFF2-40B4-BE49-F238E27FC236}">
-                <a16:creationId xmlns:a16="http://schemas.microsoft.com/office/drawing/2014/main" id="{2A96BE6A-9652-4D23-99DD-BEF7EB57853E}"/>
-              </a:ext>
-            </a:extLst>
-          </p:cNvPr>
-          <p:cNvPicPr>
-            <a:picLocks noGrp="1" noChangeAspect="1"/>
-          </p:cNvPicPr>
-          <p:nvPr>
-            <p:ph idx="1"/>
-          </p:nvPr>
-        </p:nvPicPr>
-        <p:blipFill>
-          <a:blip r:embed="rId2"/>
-          <a:stretch>
-            <a:fillRect/>
-          </a:stretch>
-        </p:blipFill>
-        <p:spPr>
-          <a:xfrm>
-            <a:off x="434788" y="1506088"/>
-            <a:ext cx="8252012" cy="4480585"/>
-          </a:xfrm>
-        </p:spPr>
-      </p:pic>
-    </p:spTree>
-    <p:extLst>
-      <p:ext uri="{BB962C8B-B14F-4D97-AF65-F5344CB8AC3E}">
-        <p14:creationId xmlns:p14="http://schemas.microsoft.com/office/powerpoint/2010/main" val="3829995359"/>
-      </p:ext>
-    </p:extLst>
-  </p:cSld>
-  <p:clrMapOvr>
-    <a:masterClrMapping/>
-  </p:clrMapOvr>
-</p:sld>
-</file>
-
-<file path=ppt/slides/slide19.xml><?xml version="1.0" encoding="utf-8"?>
-<p:sld xmlns:a="http://schemas.openxmlformats.org/drawingml/2006/main" xmlns:r="http://schemas.openxmlformats.org/officeDocument/2006/relationships" xmlns:p="http://schemas.openxmlformats.org/presentationml/2006/main">
-  <p:cSld>
-    <p:spTree>
-      <p:nvGrpSpPr>
-        <p:cNvPr id="1" name=""/>
-        <p:cNvGrpSpPr/>
-        <p:nvPr/>
-      </p:nvGrpSpPr>
-      <p:grpSpPr>
-        <a:xfrm>
-          <a:off x="0" y="0"/>
-          <a:ext cx="0" cy="0"/>
-          <a:chOff x="0" y="0"/>
-          <a:chExt cx="0" cy="0"/>
-        </a:xfrm>
-      </p:grpSpPr>
-      <p:sp>
-        <p:nvSpPr>
-          <p:cNvPr id="2" name="Title 1"/>
-          <p:cNvSpPr>
-            <a:spLocks noGrp="1"/>
-          </p:cNvSpPr>
-          <p:nvPr>
-            <p:ph type="title"/>
-          </p:nvPr>
-        </p:nvSpPr>
-        <p:spPr/>
-        <p:txBody>
-          <a:bodyPr anchor="t"/>
-          <a:lstStyle/>
-          <a:p>
-            <a:r>
-              <a:rPr lang="en-US" sz="3600" b="1" dirty="0"/>
-              <a:t>Empirical Findings:</a:t>
-            </a:r>
-            <a:br>
-              <a:rPr lang="en-US" sz="3600" b="1" dirty="0"/>
-            </a:br>
-            <a:r>
-              <a:rPr lang="en-US" sz="3600" b="1" dirty="0"/>
-              <a:t>Treatment Effect After Matching</a:t>
-            </a:r>
-            <a:br>
-              <a:rPr lang="en-US" sz="3600" b="1" dirty="0"/>
-            </a:br>
-            <a:endParaRPr lang="en-US" sz="3600" b="1" dirty="0"/>
-          </a:p>
-        </p:txBody>
-      </p:sp>
-      <p:sp>
-        <p:nvSpPr>
-          <p:cNvPr id="10" name="TextBox 9">
-            <a:extLst>
-              <a:ext uri="{FF2B5EF4-FFF2-40B4-BE49-F238E27FC236}">
-                <a16:creationId xmlns:a16="http://schemas.microsoft.com/office/drawing/2014/main" id="{A24B6B10-7EA4-4D1C-8867-DE250B8C67F8}"/>
-              </a:ext>
-            </a:extLst>
-          </p:cNvPr>
-          <p:cNvSpPr txBox="1"/>
-          <p:nvPr/>
-        </p:nvSpPr>
-        <p:spPr>
-          <a:xfrm rot="10800000" flipV="1">
-            <a:off x="5274906" y="1951232"/>
-            <a:ext cx="3688702" cy="3170099"/>
-          </a:xfrm>
-          <a:prstGeom prst="rect">
-            <a:avLst/>
-          </a:prstGeom>
-          <a:noFill/>
-        </p:spPr>
-        <p:txBody>
-          <a:bodyPr wrap="square" rtlCol="0">
-            <a:spAutoFit/>
-          </a:bodyPr>
-          <a:lstStyle/>
-          <a:p>
-            <a:endParaRPr lang="en-US" sz="2000" dirty="0">
-              <a:latin typeface="Georgia" panose="02040502050405020303" pitchFamily="18" charset="0"/>
-            </a:endParaRPr>
-          </a:p>
-          <a:p>
-            <a:r>
-              <a:rPr lang="en-US" sz="2000" dirty="0">
-                <a:latin typeface="Georgia" panose="02040502050405020303" pitchFamily="18" charset="0"/>
-              </a:rPr>
-              <a:t>Holding leaders’ mean tenure constant, when there is no economic recession, those leaders who have experienced insecure shocks on average have around </a:t>
-            </a:r>
-            <a:r>
-              <a:rPr lang="en-US" sz="2000" b="1" dirty="0">
-                <a:latin typeface="Georgia" panose="02040502050405020303" pitchFamily="18" charset="0"/>
-              </a:rPr>
-              <a:t>15% </a:t>
-            </a:r>
-            <a:r>
-              <a:rPr lang="en-US" sz="2000" dirty="0">
-                <a:latin typeface="Georgia" panose="02040502050405020303" pitchFamily="18" charset="0"/>
-              </a:rPr>
-              <a:t>higher probability to negotiate a PTA than those without such “treatment”. </a:t>
-            </a:r>
-          </a:p>
-        </p:txBody>
-      </p:sp>
-      <p:pic>
-        <p:nvPicPr>
-          <p:cNvPr id="7" name="Content Placeholder 6">
-            <a:extLst>
-              <a:ext uri="{FF2B5EF4-FFF2-40B4-BE49-F238E27FC236}">
-                <a16:creationId xmlns:a16="http://schemas.microsoft.com/office/drawing/2014/main" id="{7CADE6ED-7B56-458C-86A4-180B7249B68C}"/>
-              </a:ext>
-            </a:extLst>
-          </p:cNvPr>
-          <p:cNvPicPr>
-            <a:picLocks noGrp="1" noChangeAspect="1"/>
-          </p:cNvPicPr>
-          <p:nvPr>
-            <p:ph idx="1"/>
-          </p:nvPr>
-        </p:nvPicPr>
-        <p:blipFill>
-          <a:blip r:embed="rId2"/>
-          <a:stretch>
-            <a:fillRect/>
-          </a:stretch>
-        </p:blipFill>
-        <p:spPr>
-          <a:xfrm>
-            <a:off x="549443" y="1417638"/>
-            <a:ext cx="4308696" cy="5047567"/>
-          </a:xfrm>
-        </p:spPr>
-      </p:pic>
-    </p:spTree>
-    <p:extLst>
-      <p:ext uri="{BB962C8B-B14F-4D97-AF65-F5344CB8AC3E}">
-        <p14:creationId xmlns:p14="http://schemas.microsoft.com/office/powerpoint/2010/main" val="3725436725"/>
-      </p:ext>
-    </p:extLst>
-  </p:cSld>
-  <p:clrMapOvr>
-    <a:masterClrMapping/>
-  </p:clrMapOvr>
-</p:sld>
-</file>
-
-<file path=ppt/slides/slide2.xml><?xml version="1.0" encoding="utf-8"?>
-<p:sld xmlns:a="http://schemas.openxmlformats.org/drawingml/2006/main" xmlns:r="http://schemas.openxmlformats.org/officeDocument/2006/relationships" xmlns:p="http://schemas.openxmlformats.org/presentationml/2006/main">
-  <p:cSld>
-    <p:spTree>
-      <p:nvGrpSpPr>
-        <p:cNvPr id="1" name=""/>
-        <p:cNvGrpSpPr/>
-        <p:nvPr/>
-      </p:nvGrpSpPr>
-      <p:grpSpPr>
-        <a:xfrm>
-          <a:off x="0" y="0"/>
-          <a:ext cx="0" cy="0"/>
-          <a:chOff x="0" y="0"/>
-          <a:chExt cx="0" cy="0"/>
-        </a:xfrm>
-      </p:grpSpPr>
-      <p:sp>
-        <p:nvSpPr>
-          <p:cNvPr id="2" name="Title 1">
-            <a:extLst>
-              <a:ext uri="{FF2B5EF4-FFF2-40B4-BE49-F238E27FC236}">
-                <a16:creationId xmlns:a16="http://schemas.microsoft.com/office/drawing/2014/main" id="{51039411-4E46-468A-90D2-4EEC51DE7DCA}"/>
-              </a:ext>
-            </a:extLst>
-          </p:cNvPr>
-          <p:cNvSpPr>
-            <a:spLocks noGrp="1"/>
-          </p:cNvSpPr>
-          <p:nvPr>
-            <p:ph type="title"/>
-          </p:nvPr>
-        </p:nvSpPr>
-        <p:spPr>
-          <a:xfrm>
-            <a:off x="380999" y="274638"/>
-            <a:ext cx="6510339" cy="1143000"/>
-          </a:xfrm>
-        </p:spPr>
-        <p:txBody>
-          <a:bodyPr/>
-          <a:lstStyle/>
-          <a:p>
-            <a:r>
-              <a:rPr lang="en-US" sz="4000" b="1" dirty="0"/>
-              <a:t>Outline of Today’s Presentation</a:t>
-            </a:r>
-          </a:p>
-        </p:txBody>
-      </p:sp>
-      <p:sp>
-        <p:nvSpPr>
-          <p:cNvPr id="3" name="Content Placeholder 2">
-            <a:extLst>
-              <a:ext uri="{FF2B5EF4-FFF2-40B4-BE49-F238E27FC236}">
-                <a16:creationId xmlns:a16="http://schemas.microsoft.com/office/drawing/2014/main" id="{0F9D510D-AEF4-40C4-B95B-917B6115D08D}"/>
-              </a:ext>
-            </a:extLst>
-          </p:cNvPr>
-          <p:cNvSpPr>
-            <a:spLocks noGrp="1"/>
-          </p:cNvSpPr>
-          <p:nvPr>
-            <p:ph idx="1"/>
-          </p:nvPr>
-        </p:nvSpPr>
-        <p:spPr>
-          <a:xfrm>
-            <a:off x="380999" y="1600201"/>
-            <a:ext cx="6627607" cy="4510144"/>
-          </a:xfrm>
-        </p:spPr>
-        <p:txBody>
-          <a:bodyPr/>
-          <a:lstStyle/>
-          <a:p>
-            <a:r>
-              <a:rPr lang="en-US" sz="2000" dirty="0">
-                <a:latin typeface="Georgia" panose="02040502050405020303" pitchFamily="18" charset="0"/>
-              </a:rPr>
-              <a:t>Introduction and Research Question</a:t>
-            </a:r>
-          </a:p>
-          <a:p>
-            <a:r>
-              <a:rPr lang="en-US" sz="2000" dirty="0">
-                <a:latin typeface="Georgia" panose="02040502050405020303" pitchFamily="18" charset="0"/>
-              </a:rPr>
-              <a:t>Context and Rationale</a:t>
-            </a:r>
-          </a:p>
-          <a:p>
-            <a:r>
-              <a:rPr lang="en-US" sz="2000" dirty="0">
-                <a:latin typeface="Georgia" panose="02040502050405020303" pitchFamily="18" charset="0"/>
-              </a:rPr>
-              <a:t>Theory: The Logic of Economic Reforms</a:t>
-            </a:r>
-          </a:p>
-          <a:p>
-            <a:r>
-              <a:rPr lang="en-US" sz="2000" dirty="0">
-                <a:latin typeface="Georgia" panose="02040502050405020303" pitchFamily="18" charset="0"/>
-              </a:rPr>
-              <a:t>Research Design</a:t>
-            </a:r>
-          </a:p>
-          <a:p>
-            <a:r>
-              <a:rPr lang="en-US" sz="2000" dirty="0">
-                <a:latin typeface="Georgia" panose="02040502050405020303" pitchFamily="18" charset="0"/>
-              </a:rPr>
-              <a:t>Empirical Findings</a:t>
-            </a:r>
-          </a:p>
-          <a:p>
-            <a:r>
-              <a:rPr lang="en-US" sz="2000" dirty="0">
-                <a:latin typeface="Georgia" panose="02040502050405020303" pitchFamily="18" charset="0"/>
-              </a:rPr>
-              <a:t>Tentative Conclusions</a:t>
-            </a:r>
-          </a:p>
-          <a:p>
-            <a:r>
-              <a:rPr lang="en-US" sz="2000" dirty="0">
-                <a:latin typeface="Georgia" panose="02040502050405020303" pitchFamily="18" charset="0"/>
-              </a:rPr>
-              <a:t>Questions and Comments</a:t>
-            </a:r>
-          </a:p>
-        </p:txBody>
-      </p:sp>
-    </p:spTree>
-    <p:extLst>
-      <p:ext uri="{BB962C8B-B14F-4D97-AF65-F5344CB8AC3E}">
-        <p14:creationId xmlns:p14="http://schemas.microsoft.com/office/powerpoint/2010/main" val="2810351345"/>
-      </p:ext>
-    </p:extLst>
-  </p:cSld>
-  <p:clrMapOvr>
-    <a:masterClrMapping/>
-  </p:clrMapOvr>
-</p:sld>
-</file>
-
-<file path=ppt/slides/slide20.xml><?xml version="1.0" encoding="utf-8"?>
-<p:sld xmlns:a="http://schemas.openxmlformats.org/drawingml/2006/main" xmlns:r="http://schemas.openxmlformats.org/officeDocument/2006/relationships" xmlns:p="http://schemas.openxmlformats.org/presentationml/2006/main">
-  <p:cSld>
-    <p:spTree>
-      <p:nvGrpSpPr>
-        <p:cNvPr id="1" name=""/>
-        <p:cNvGrpSpPr/>
-        <p:nvPr/>
-      </p:nvGrpSpPr>
-      <p:grpSpPr>
-        <a:xfrm>
-          <a:off x="0" y="0"/>
-          <a:ext cx="0" cy="0"/>
-          <a:chOff x="0" y="0"/>
-          <a:chExt cx="0" cy="0"/>
-        </a:xfrm>
-      </p:grpSpPr>
-      <p:sp>
-        <p:nvSpPr>
-          <p:cNvPr id="2" name="Title 1"/>
-          <p:cNvSpPr>
-            <a:spLocks noGrp="1"/>
-          </p:cNvSpPr>
-          <p:nvPr>
-            <p:ph type="title"/>
-          </p:nvPr>
-        </p:nvSpPr>
-        <p:spPr>
-          <a:xfrm>
-            <a:off x="648477" y="281798"/>
-            <a:ext cx="6529873" cy="1143000"/>
-          </a:xfrm>
-        </p:spPr>
-        <p:txBody>
-          <a:bodyPr/>
-          <a:lstStyle/>
-          <a:p>
-            <a:r>
-              <a:rPr lang="en-US" b="1" dirty="0"/>
-              <a:t>Conclusion</a:t>
-            </a:r>
-            <a:br>
-              <a:rPr lang="en-US" b="1" dirty="0"/>
-            </a:br>
-            <a:endParaRPr lang="en-US" b="1" dirty="0"/>
-          </a:p>
-        </p:txBody>
-      </p:sp>
-      <p:sp>
-        <p:nvSpPr>
-          <p:cNvPr id="3" name="Content Placeholder 2"/>
-          <p:cNvSpPr>
-            <a:spLocks noGrp="1"/>
-          </p:cNvSpPr>
-          <p:nvPr>
-            <p:ph idx="1"/>
-          </p:nvPr>
-        </p:nvSpPr>
-        <p:spPr>
-          <a:xfrm>
-            <a:off x="311075" y="1126864"/>
-            <a:ext cx="7117079" cy="4994237"/>
-          </a:xfrm>
-        </p:spPr>
-        <p:txBody>
-          <a:bodyPr/>
-          <a:lstStyle/>
-          <a:p>
-            <a:pPr marL="0" indent="0">
-              <a:spcBef>
-                <a:spcPct val="50000"/>
-              </a:spcBef>
-              <a:spcAft>
-                <a:spcPts val="1200"/>
-              </a:spcAft>
-              <a:buNone/>
-            </a:pPr>
-            <a:r>
-              <a:rPr lang="en-US" sz="2400" u="sng" dirty="0">
-                <a:solidFill>
-                  <a:srgbClr val="131F33"/>
-                </a:solidFill>
-                <a:latin typeface="Georgia" panose="02040502050405020303" pitchFamily="18" charset="0"/>
-              </a:rPr>
-              <a:t>My hypothesis is empirically supported:</a:t>
-            </a:r>
-          </a:p>
-          <a:p>
-            <a:pPr marL="400050" lvl="1" indent="0">
-              <a:spcBef>
-                <a:spcPct val="50000"/>
-              </a:spcBef>
-              <a:spcAft>
-                <a:spcPts val="1200"/>
-              </a:spcAft>
-              <a:buNone/>
-            </a:pPr>
-            <a:r>
-              <a:rPr lang="en-US" sz="2000" dirty="0">
-                <a:solidFill>
-                  <a:srgbClr val="131F33"/>
-                </a:solidFill>
-                <a:latin typeface="Georgia" panose="02040502050405020303" pitchFamily="18" charset="0"/>
-              </a:rPr>
-              <a:t>When leaders experience political crisis, they are more likely to negotiate a South-North preferential trade agreement with the provision of economic reforms.</a:t>
-            </a:r>
-          </a:p>
-          <a:p>
-            <a:pPr marL="0" indent="0">
-              <a:spcBef>
-                <a:spcPct val="50000"/>
-              </a:spcBef>
-              <a:spcAft>
-                <a:spcPts val="1200"/>
-              </a:spcAft>
-              <a:buNone/>
-            </a:pPr>
-            <a:r>
-              <a:rPr lang="en-US" sz="2400" u="sng" dirty="0">
-                <a:solidFill>
-                  <a:srgbClr val="131F33"/>
-                </a:solidFill>
-                <a:latin typeface="Georgia" panose="02040502050405020303" pitchFamily="18" charset="0"/>
-              </a:rPr>
-              <a:t>Recap: </a:t>
-            </a:r>
-          </a:p>
-          <a:p>
-            <a:pPr marL="400050" lvl="1" indent="0">
-              <a:spcBef>
-                <a:spcPct val="50000"/>
-              </a:spcBef>
-              <a:spcAft>
-                <a:spcPts val="1200"/>
-              </a:spcAft>
-              <a:buNone/>
-            </a:pPr>
-            <a:r>
-              <a:rPr lang="en-US" sz="2000" dirty="0">
-                <a:solidFill>
-                  <a:srgbClr val="131F33"/>
-                </a:solidFill>
-                <a:latin typeface="Georgia" panose="02040502050405020303" pitchFamily="18" charset="0"/>
-              </a:rPr>
-              <a:t>Why and when will leaders in developing country negotiate South-North Preferential Trade Agreements? The answer is simple and intuitive: when leaders in developing country experience a shock that creates political instability, they are more likely to negotiate a preferential trade agreement with the provision of economic reform with the expectation to cut off the power sources of the disloyal opposition.</a:t>
-            </a:r>
-          </a:p>
-        </p:txBody>
-      </p:sp>
-    </p:spTree>
-    <p:extLst>
-      <p:ext uri="{BB962C8B-B14F-4D97-AF65-F5344CB8AC3E}">
-        <p14:creationId xmlns:p14="http://schemas.microsoft.com/office/powerpoint/2010/main" val="3863931624"/>
-      </p:ext>
-    </p:extLst>
-  </p:cSld>
-  <p:clrMapOvr>
-    <a:masterClrMapping/>
-  </p:clrMapOvr>
-</p:sld>
-</file>
-
-<file path=ppt/slides/slide21.xml><?xml version="1.0" encoding="utf-8"?>
-<p:sld xmlns:a="http://schemas.openxmlformats.org/drawingml/2006/main" xmlns:r="http://schemas.openxmlformats.org/officeDocument/2006/relationships" xmlns:p="http://schemas.openxmlformats.org/presentationml/2006/main">
-  <p:cSld>
-    <p:spTree>
-      <p:nvGrpSpPr>
-        <p:cNvPr id="1" name=""/>
-        <p:cNvGrpSpPr/>
-        <p:nvPr/>
-      </p:nvGrpSpPr>
-      <p:grpSpPr>
-        <a:xfrm>
-          <a:off x="0" y="0"/>
-          <a:ext cx="0" cy="0"/>
-          <a:chOff x="0" y="0"/>
-          <a:chExt cx="0" cy="0"/>
-        </a:xfrm>
-      </p:grpSpPr>
-      <p:sp>
-        <p:nvSpPr>
-          <p:cNvPr id="2" name="Title 1">
-            <a:extLst>
-              <a:ext uri="{FF2B5EF4-FFF2-40B4-BE49-F238E27FC236}">
-                <a16:creationId xmlns:a16="http://schemas.microsoft.com/office/drawing/2014/main" id="{EF5A9A10-91F5-4A57-A5BC-3BE3DD9CDA9A}"/>
-              </a:ext>
-            </a:extLst>
-          </p:cNvPr>
-          <p:cNvSpPr>
-            <a:spLocks noGrp="1"/>
-          </p:cNvSpPr>
-          <p:nvPr>
-            <p:ph type="title"/>
-          </p:nvPr>
-        </p:nvSpPr>
-        <p:spPr/>
-        <p:txBody>
-          <a:bodyPr/>
-          <a:lstStyle/>
-          <a:p>
-            <a:br>
-              <a:rPr lang="en-US" b="1"/>
-            </a:br>
-            <a:br>
-              <a:rPr lang="en-US" b="1"/>
-            </a:br>
-            <a:endParaRPr lang="en-US" b="1"/>
-          </a:p>
-        </p:txBody>
-      </p:sp>
-      <p:sp>
-        <p:nvSpPr>
-          <p:cNvPr id="3" name="Content Placeholder 2">
-            <a:extLst>
-              <a:ext uri="{FF2B5EF4-FFF2-40B4-BE49-F238E27FC236}">
-                <a16:creationId xmlns:a16="http://schemas.microsoft.com/office/drawing/2014/main" id="{302F9EBF-E1FB-46ED-8609-ED1B423CBC86}"/>
-              </a:ext>
-            </a:extLst>
-          </p:cNvPr>
-          <p:cNvSpPr>
-            <a:spLocks noGrp="1"/>
-          </p:cNvSpPr>
-          <p:nvPr>
-            <p:ph idx="1"/>
-          </p:nvPr>
-        </p:nvSpPr>
-        <p:spPr>
-          <a:xfrm>
-            <a:off x="499189" y="1212365"/>
-            <a:ext cx="6816012" cy="4525963"/>
-          </a:xfrm>
-        </p:spPr>
-        <p:txBody>
-          <a:bodyPr/>
-          <a:lstStyle/>
-          <a:p>
-            <a:pPr marL="0" indent="0">
-              <a:spcBef>
-                <a:spcPct val="50000"/>
-              </a:spcBef>
-              <a:spcAft>
-                <a:spcPts val="1200"/>
-              </a:spcAft>
-              <a:buNone/>
-            </a:pPr>
-            <a:r>
-              <a:rPr lang="en-US" sz="2400" u="sng" dirty="0">
-                <a:solidFill>
-                  <a:srgbClr val="131F33"/>
-                </a:solidFill>
-                <a:latin typeface="Georgia" panose="02040502050405020303" pitchFamily="18" charset="0"/>
-              </a:rPr>
-              <a:t>Moving forward:</a:t>
-            </a:r>
-          </a:p>
-          <a:p>
-            <a:pPr lvl="1" indent="-342900">
-              <a:spcBef>
-                <a:spcPct val="50000"/>
-              </a:spcBef>
-              <a:spcAft>
-                <a:spcPts val="1200"/>
-              </a:spcAft>
-            </a:pPr>
-            <a:r>
-              <a:rPr lang="en-US" sz="2000" dirty="0">
-                <a:latin typeface="Georgia" panose="02040502050405020303" pitchFamily="18" charset="0"/>
-              </a:rPr>
-              <a:t>Explore whether PTA negotiation helps leaders to conduct economic reforms.</a:t>
-            </a:r>
-          </a:p>
-          <a:p>
-            <a:pPr marL="400050" lvl="1" indent="0">
-              <a:spcBef>
-                <a:spcPct val="50000"/>
-              </a:spcBef>
-              <a:spcAft>
-                <a:spcPts val="1200"/>
-              </a:spcAft>
-              <a:buNone/>
-            </a:pPr>
-            <a:endParaRPr lang="en-US" sz="2000" b="1" dirty="0">
-              <a:latin typeface="Georgia" panose="02040502050405020303" pitchFamily="18" charset="0"/>
-            </a:endParaRPr>
-          </a:p>
-          <a:p>
-            <a:pPr marL="400050" lvl="1" indent="0">
-              <a:spcBef>
-                <a:spcPct val="50000"/>
-              </a:spcBef>
-              <a:spcAft>
-                <a:spcPts val="1200"/>
-              </a:spcAft>
-              <a:buNone/>
-            </a:pPr>
-            <a:r>
-              <a:rPr lang="en-US" b="1" dirty="0">
-                <a:latin typeface="Georgia" panose="02040502050405020303" pitchFamily="18" charset="0"/>
-              </a:rPr>
-              <a:t>Questions and Comments are Greatly Appreciated!</a:t>
-            </a:r>
-            <a:br>
-              <a:rPr lang="en-US" b="1" dirty="0">
-                <a:latin typeface="Georgia" panose="02040502050405020303" pitchFamily="18" charset="0"/>
-              </a:rPr>
-            </a:br>
-            <a:endParaRPr lang="en-US" dirty="0">
-              <a:latin typeface="Georgia" panose="02040502050405020303" pitchFamily="18" charset="0"/>
-            </a:endParaRPr>
-          </a:p>
-        </p:txBody>
-      </p:sp>
-    </p:spTree>
-    <p:extLst>
-      <p:ext uri="{BB962C8B-B14F-4D97-AF65-F5344CB8AC3E}">
-        <p14:creationId xmlns:p14="http://schemas.microsoft.com/office/powerpoint/2010/main" val="2579239933"/>
-      </p:ext>
-    </p:extLst>
-  </p:cSld>
-  <p:clrMapOvr>
-    <a:masterClrMapping/>
-  </p:clrMapOvr>
-</p:sld>
-</file>
-
-<file path=ppt/slides/slide3.xml><?xml version="1.0" encoding="utf-8"?>
-<p:sld xmlns:a="http://schemas.openxmlformats.org/drawingml/2006/main" xmlns:r="http://schemas.openxmlformats.org/officeDocument/2006/relationships" xmlns:p="http://schemas.openxmlformats.org/presentationml/2006/main">
-  <p:cSld>
-    <p:spTree>
-      <p:nvGrpSpPr>
-        <p:cNvPr id="1" name=""/>
-        <p:cNvGrpSpPr/>
-        <p:nvPr/>
-      </p:nvGrpSpPr>
-      <p:grpSpPr>
-        <a:xfrm>
-          <a:off x="0" y="0"/>
-          <a:ext cx="0" cy="0"/>
-          <a:chOff x="0" y="0"/>
-          <a:chExt cx="0" cy="0"/>
-        </a:xfrm>
-      </p:grpSpPr>
-      <p:sp>
-        <p:nvSpPr>
-          <p:cNvPr id="2" name="Title 1">
-            <a:extLst>
-              <a:ext uri="{FF2B5EF4-FFF2-40B4-BE49-F238E27FC236}">
-                <a16:creationId xmlns:a16="http://schemas.microsoft.com/office/drawing/2014/main" id="{51039411-4E46-468A-90D2-4EEC51DE7DCA}"/>
-              </a:ext>
-            </a:extLst>
-          </p:cNvPr>
-          <p:cNvSpPr>
-            <a:spLocks noGrp="1"/>
-          </p:cNvSpPr>
-          <p:nvPr>
-            <p:ph type="title"/>
-          </p:nvPr>
-        </p:nvSpPr>
-        <p:spPr>
-          <a:xfrm>
-            <a:off x="716902" y="330621"/>
-            <a:ext cx="5867400" cy="1143000"/>
-          </a:xfrm>
-        </p:spPr>
-        <p:txBody>
-          <a:bodyPr anchor="ctr"/>
-          <a:lstStyle/>
-          <a:p>
-            <a:r>
-              <a:rPr lang="en-US" sz="4000" b="1" dirty="0"/>
-              <a:t>Introduction</a:t>
-            </a:r>
-          </a:p>
-        </p:txBody>
-      </p:sp>
-      <p:sp>
-        <p:nvSpPr>
-          <p:cNvPr id="3" name="Content Placeholder 2">
-            <a:extLst>
-              <a:ext uri="{FF2B5EF4-FFF2-40B4-BE49-F238E27FC236}">
-                <a16:creationId xmlns:a16="http://schemas.microsoft.com/office/drawing/2014/main" id="{0F9D510D-AEF4-40C4-B95B-917B6115D08D}"/>
-              </a:ext>
-            </a:extLst>
-          </p:cNvPr>
-          <p:cNvSpPr>
-            <a:spLocks noGrp="1"/>
-          </p:cNvSpPr>
-          <p:nvPr>
-            <p:ph idx="1"/>
-          </p:nvPr>
-        </p:nvSpPr>
-        <p:spPr>
-          <a:xfrm>
-            <a:off x="381000" y="1600200"/>
-            <a:ext cx="6451756" cy="4705233"/>
-          </a:xfrm>
-        </p:spPr>
-        <p:txBody>
-          <a:bodyPr/>
-          <a:lstStyle/>
-          <a:p>
-            <a:pPr>
-              <a:spcBef>
-                <a:spcPts val="1200"/>
-              </a:spcBef>
-              <a:spcAft>
-                <a:spcPts val="1200"/>
-              </a:spcAft>
-            </a:pPr>
-            <a:r>
-              <a:rPr lang="en-US" sz="2000" dirty="0">
-                <a:latin typeface="Georgia" panose="02040502050405020303" pitchFamily="18" charset="0"/>
-                <a:cs typeface="Georgia" charset="0"/>
-              </a:rPr>
-              <a:t>Case of South Africa in 1994: PTA with the EU helped with the economic transition in South Africa</a:t>
-            </a:r>
-          </a:p>
-          <a:p>
-            <a:pPr>
-              <a:spcBef>
-                <a:spcPts val="1200"/>
-              </a:spcBef>
-              <a:spcAft>
-                <a:spcPts val="1200"/>
-              </a:spcAft>
-            </a:pPr>
-            <a:r>
-              <a:rPr lang="en-US" sz="2000" dirty="0">
-                <a:latin typeface="Georgia" panose="02040502050405020303" pitchFamily="18" charset="0"/>
-              </a:rPr>
-              <a:t>South Africa’s experience is a successful case:</a:t>
-            </a:r>
-          </a:p>
-          <a:p>
-            <a:pPr lvl="1">
-              <a:spcBef>
-                <a:spcPts val="1200"/>
-              </a:spcBef>
-              <a:spcAft>
-                <a:spcPts val="1200"/>
-              </a:spcAft>
-              <a:buFont typeface="Wingdings" panose="05000000000000000000" pitchFamily="2" charset="2"/>
-              <a:buChar char="Ø"/>
-            </a:pPr>
-            <a:r>
-              <a:rPr lang="en-US" sz="1800" dirty="0">
-                <a:latin typeface="Georgia" panose="02040502050405020303" pitchFamily="18" charset="0"/>
-              </a:rPr>
-              <a:t>Economic reforms usually provoke controversy and organized opposition domestically, so often the ability of leaders to implement such liberal economic reforms is limited.</a:t>
-            </a:r>
-          </a:p>
-          <a:p>
-            <a:pPr lvl="1">
-              <a:spcBef>
-                <a:spcPts val="1200"/>
-              </a:spcBef>
-              <a:spcAft>
-                <a:spcPts val="1200"/>
-              </a:spcAft>
-              <a:buFont typeface="Wingdings" panose="05000000000000000000" pitchFamily="2" charset="2"/>
-              <a:buChar char="Ø"/>
-            </a:pPr>
-            <a:r>
-              <a:rPr lang="en-US" sz="1800" dirty="0">
-                <a:latin typeface="Georgia" panose="02040502050405020303" pitchFamily="18" charset="0"/>
-              </a:rPr>
-              <a:t>PTAs provide member governments with a mandate to make policy changes, while they supply material benefits and mechanisms to reward and punish members’ behaviours.   </a:t>
-            </a:r>
-          </a:p>
-          <a:p>
-            <a:pPr marL="0" indent="0">
-              <a:spcBef>
-                <a:spcPts val="1200"/>
-              </a:spcBef>
-              <a:spcAft>
-                <a:spcPts val="1200"/>
-              </a:spcAft>
-              <a:buNone/>
-            </a:pPr>
-            <a:endParaRPr lang="en-US" sz="2000" dirty="0">
-              <a:latin typeface="Georgia" panose="02040502050405020303" pitchFamily="18" charset="0"/>
-            </a:endParaRPr>
-          </a:p>
-          <a:p>
-            <a:pPr>
-              <a:spcBef>
-                <a:spcPts val="1200"/>
-              </a:spcBef>
-              <a:spcAft>
-                <a:spcPts val="1200"/>
-              </a:spcAft>
-            </a:pPr>
-            <a:endParaRPr lang="en-US" sz="2400" dirty="0">
-              <a:latin typeface="Georgia" charset="0"/>
-              <a:cs typeface="Georgia" charset="0"/>
-            </a:endParaRPr>
-          </a:p>
-        </p:txBody>
-      </p:sp>
-    </p:spTree>
-    <p:extLst>
-      <p:ext uri="{BB962C8B-B14F-4D97-AF65-F5344CB8AC3E}">
-        <p14:creationId xmlns:p14="http://schemas.microsoft.com/office/powerpoint/2010/main" val="450006115"/>
-      </p:ext>
-    </p:extLst>
-  </p:cSld>
-  <p:clrMapOvr>
-    <a:masterClrMapping/>
-  </p:clrMapOvr>
-</p:sld>
-</file>
-
-<file path=ppt/slides/slide4.xml><?xml version="1.0" encoding="utf-8"?>
-<p:sld xmlns:a="http://schemas.openxmlformats.org/drawingml/2006/main" xmlns:r="http://schemas.openxmlformats.org/officeDocument/2006/relationships" xmlns:p="http://schemas.openxmlformats.org/presentationml/2006/main">
-  <p:cSld>
-    <p:spTree>
-      <p:nvGrpSpPr>
-        <p:cNvPr id="1" name=""/>
-        <p:cNvGrpSpPr/>
-        <p:nvPr/>
-      </p:nvGrpSpPr>
-      <p:grpSpPr>
-        <a:xfrm>
-          <a:off x="0" y="0"/>
-          <a:ext cx="0" cy="0"/>
-          <a:chOff x="0" y="0"/>
-          <a:chExt cx="0" cy="0"/>
-        </a:xfrm>
-      </p:grpSpPr>
-      <p:sp>
-        <p:nvSpPr>
-          <p:cNvPr id="2" name="Title 1">
-            <a:extLst>
-              <a:ext uri="{FF2B5EF4-FFF2-40B4-BE49-F238E27FC236}">
-                <a16:creationId xmlns:a16="http://schemas.microsoft.com/office/drawing/2014/main" id="{A84CF226-16BE-4D60-822D-5726473D21AF}"/>
-              </a:ext>
-            </a:extLst>
-          </p:cNvPr>
-          <p:cNvSpPr>
-            <a:spLocks noGrp="1"/>
-          </p:cNvSpPr>
-          <p:nvPr>
-            <p:ph type="title"/>
-          </p:nvPr>
-        </p:nvSpPr>
-        <p:spPr>
-          <a:xfrm>
-            <a:off x="965718" y="312900"/>
-            <a:ext cx="5867400" cy="1143000"/>
-          </a:xfrm>
-        </p:spPr>
-        <p:txBody>
-          <a:bodyPr anchor="ctr"/>
-          <a:lstStyle/>
-          <a:p>
-            <a:r>
-              <a:rPr lang="en-US" sz="4000" b="1" dirty="0"/>
-              <a:t>Research question</a:t>
-            </a:r>
-          </a:p>
-        </p:txBody>
-      </p:sp>
-      <p:sp>
-        <p:nvSpPr>
-          <p:cNvPr id="3" name="Content Placeholder 2">
-            <a:extLst>
-              <a:ext uri="{FF2B5EF4-FFF2-40B4-BE49-F238E27FC236}">
-                <a16:creationId xmlns:a16="http://schemas.microsoft.com/office/drawing/2014/main" id="{6D31C7BE-4AE1-48F0-826A-C8759E17BFBA}"/>
-              </a:ext>
-            </a:extLst>
-          </p:cNvPr>
-          <p:cNvSpPr>
-            <a:spLocks noGrp="1"/>
-          </p:cNvSpPr>
-          <p:nvPr>
-            <p:ph idx="1"/>
-          </p:nvPr>
-        </p:nvSpPr>
-        <p:spPr>
-          <a:xfrm>
-            <a:off x="965718" y="1417638"/>
-            <a:ext cx="5867400" cy="4525963"/>
-          </a:xfrm>
-        </p:spPr>
-        <p:txBody>
-          <a:bodyPr/>
-          <a:lstStyle/>
-          <a:p>
-            <a:pPr marL="0" indent="0">
-              <a:buNone/>
-            </a:pPr>
-            <a:endParaRPr lang="en-US" sz="2000" b="1" dirty="0">
-              <a:latin typeface="Georgia" panose="02040502050405020303" pitchFamily="18" charset="0"/>
-            </a:endParaRPr>
-          </a:p>
-          <a:p>
-            <a:pPr marL="0" indent="0">
-              <a:buNone/>
-            </a:pPr>
-            <a:r>
-              <a:rPr lang="en-US" sz="2000" dirty="0">
-                <a:latin typeface="Georgia" panose="02040502050405020303" pitchFamily="18" charset="0"/>
-              </a:rPr>
-              <a:t>Recognizing the preferential trade agreement with provisions of economic reforms is a binding commitment that imposes policy reforms and entails political costs, some leaders in the developing countries chose to negotiate it with the major liberal trade powers, while some did not.</a:t>
-            </a:r>
-          </a:p>
-          <a:p>
-            <a:pPr marL="0" indent="0">
-              <a:buNone/>
-            </a:pPr>
-            <a:r>
-              <a:rPr lang="en-US" sz="2000" b="1" dirty="0">
-                <a:latin typeface="Georgia" panose="02040502050405020303" pitchFamily="18" charset="0"/>
-              </a:rPr>
-              <a:t>Why and when </a:t>
-            </a:r>
-            <a:r>
-              <a:rPr lang="en-US" sz="2000" dirty="0">
-                <a:latin typeface="Georgia" panose="02040502050405020303" pitchFamily="18" charset="0"/>
-              </a:rPr>
-              <a:t>will leaders in the developing countries negotiate South-North preferential trade agreements with provisions of economic reforms?</a:t>
-            </a:r>
-          </a:p>
-          <a:p>
-            <a:endParaRPr lang="en-US" dirty="0"/>
-          </a:p>
-        </p:txBody>
-      </p:sp>
-    </p:spTree>
-    <p:extLst>
-      <p:ext uri="{BB962C8B-B14F-4D97-AF65-F5344CB8AC3E}">
-        <p14:creationId xmlns:p14="http://schemas.microsoft.com/office/powerpoint/2010/main" val="1267549841"/>
-      </p:ext>
-    </p:extLst>
-  </p:cSld>
-  <p:clrMapOvr>
-    <a:masterClrMapping/>
-  </p:clrMapOvr>
-</p:sld>
-</file>
-
-<file path=ppt/slides/slide5.xml><?xml version="1.0" encoding="utf-8"?>
-<p:sld xmlns:a="http://schemas.openxmlformats.org/drawingml/2006/main" xmlns:r="http://schemas.openxmlformats.org/officeDocument/2006/relationships" xmlns:p="http://schemas.openxmlformats.org/presentationml/2006/main">
-  <p:cSld>
-    <p:spTree>
-      <p:nvGrpSpPr>
-        <p:cNvPr id="1" name=""/>
-        <p:cNvGrpSpPr/>
-        <p:nvPr/>
-      </p:nvGrpSpPr>
-      <p:grpSpPr>
-        <a:xfrm>
-          <a:off x="0" y="0"/>
-          <a:ext cx="0" cy="0"/>
-          <a:chOff x="0" y="0"/>
-          <a:chExt cx="0" cy="0"/>
-        </a:xfrm>
-      </p:grpSpPr>
-      <p:sp>
-        <p:nvSpPr>
-          <p:cNvPr id="2" name="Title 1">
-            <a:extLst>
-              <a:ext uri="{FF2B5EF4-FFF2-40B4-BE49-F238E27FC236}">
-                <a16:creationId xmlns:a16="http://schemas.microsoft.com/office/drawing/2014/main" id="{1A3FABC0-F9CF-4317-AA58-FB94E10B9D6D}"/>
-              </a:ext>
-            </a:extLst>
-          </p:cNvPr>
-          <p:cNvSpPr>
-            <a:spLocks noGrp="1"/>
-          </p:cNvSpPr>
-          <p:nvPr>
-            <p:ph type="title"/>
-          </p:nvPr>
-        </p:nvSpPr>
-        <p:spPr>
-          <a:xfrm>
-            <a:off x="957263" y="274638"/>
-            <a:ext cx="5791200" cy="887412"/>
-          </a:xfrm>
-        </p:spPr>
-        <p:txBody>
-          <a:bodyPr/>
-          <a:lstStyle/>
-          <a:p>
-            <a:r>
-              <a:rPr lang="en-US" sz="4000" b="1" dirty="0"/>
-              <a:t>Research question</a:t>
-            </a:r>
-            <a:endParaRPr lang="en-US" sz="4000" dirty="0"/>
-          </a:p>
-        </p:txBody>
-      </p:sp>
-      <p:sp>
-        <p:nvSpPr>
-          <p:cNvPr id="3" name="Content Placeholder 2">
-            <a:extLst>
-              <a:ext uri="{FF2B5EF4-FFF2-40B4-BE49-F238E27FC236}">
-                <a16:creationId xmlns:a16="http://schemas.microsoft.com/office/drawing/2014/main" id="{7600310A-E91E-427F-999F-7E4F37E19B8B}"/>
-              </a:ext>
-            </a:extLst>
-          </p:cNvPr>
-          <p:cNvSpPr>
-            <a:spLocks noGrp="1"/>
-          </p:cNvSpPr>
-          <p:nvPr>
-            <p:ph idx="1"/>
-          </p:nvPr>
-        </p:nvSpPr>
-        <p:spPr>
-          <a:xfrm>
-            <a:off x="380999" y="1600200"/>
-            <a:ext cx="6829425" cy="4525963"/>
-          </a:xfrm>
-        </p:spPr>
-        <p:txBody>
-          <a:bodyPr/>
-          <a:lstStyle/>
-          <a:p>
-            <a:pPr marL="0" indent="0">
-              <a:buNone/>
-            </a:pPr>
-            <a:r>
-              <a:rPr lang="en-US" sz="2000" dirty="0">
-                <a:latin typeface="Georgia" panose="02040502050405020303" pitchFamily="18" charset="0"/>
-              </a:rPr>
-              <a:t>Why focusing on South-North PTAs, in particular?</a:t>
-            </a:r>
-          </a:p>
-          <a:p>
-            <a:pPr lvl="1">
-              <a:buFont typeface="Wingdings" panose="05000000000000000000" pitchFamily="2" charset="2"/>
-              <a:buChar char="Ø"/>
-            </a:pPr>
-            <a:r>
-              <a:rPr lang="en-US" sz="1800" dirty="0">
-                <a:latin typeface="Georgia" panose="02040502050405020303" pitchFamily="18" charset="0"/>
-              </a:rPr>
-              <a:t>Rapidly growing international institution </a:t>
-            </a:r>
-            <a:r>
-              <a:rPr lang="en-US" sz="1800" dirty="0">
-                <a:latin typeface="Georgia" panose="02040502050405020303" pitchFamily="18" charset="0"/>
-                <a:cs typeface="Georgia" charset="0"/>
-              </a:rPr>
-              <a:t>that help states to foster trade and economic integration among member-states. </a:t>
-            </a:r>
-          </a:p>
-          <a:p>
-            <a:pPr lvl="1">
-              <a:buFont typeface="Wingdings" panose="05000000000000000000" pitchFamily="2" charset="2"/>
-              <a:buChar char="Ø"/>
-            </a:pPr>
-            <a:r>
-              <a:rPr lang="en-US" sz="1800" dirty="0">
-                <a:latin typeface="Georgia" panose="02040502050405020303" pitchFamily="18" charset="0"/>
-              </a:rPr>
-              <a:t>South-North PTAs with the provision of economic reforms are one of the most costly and deepest agreements by design.</a:t>
-            </a:r>
-          </a:p>
-          <a:p>
-            <a:pPr marL="0" indent="0">
-              <a:buNone/>
-            </a:pPr>
-            <a:endParaRPr lang="en-US" sz="2000" dirty="0">
-              <a:latin typeface="Georgia" panose="02040502050405020303" pitchFamily="18" charset="0"/>
-            </a:endParaRPr>
-          </a:p>
-          <a:p>
-            <a:pPr marL="0" indent="0">
-              <a:buNone/>
-            </a:pPr>
-            <a:r>
-              <a:rPr lang="en-US" sz="2000" dirty="0">
-                <a:latin typeface="Georgia" panose="02040502050405020303" pitchFamily="18" charset="0"/>
-              </a:rPr>
-              <a:t>Why does it matter?</a:t>
-            </a:r>
-          </a:p>
-          <a:p>
-            <a:pPr lvl="1">
-              <a:buFont typeface="Wingdings" panose="05000000000000000000" pitchFamily="2" charset="2"/>
-              <a:buChar char="Ø"/>
-            </a:pPr>
-            <a:r>
-              <a:rPr lang="en-US" sz="1800" dirty="0">
-                <a:latin typeface="Georgia" panose="02040502050405020303" pitchFamily="18" charset="0"/>
-              </a:rPr>
-              <a:t>PTA negotiation reflects deliberate choices of leaders.</a:t>
-            </a:r>
-          </a:p>
-          <a:p>
-            <a:pPr lvl="1">
-              <a:buFont typeface="Wingdings" panose="05000000000000000000" pitchFamily="2" charset="2"/>
-              <a:buChar char="Ø"/>
-            </a:pPr>
-            <a:r>
-              <a:rPr lang="en-US" sz="1800" dirty="0">
-                <a:latin typeface="Georgia" panose="02040502050405020303" pitchFamily="18" charset="0"/>
-              </a:rPr>
-              <a:t>Explain what motivates a leader to negotiate this particular deep and demanding international treaty and conduct economic reforms.</a:t>
-            </a:r>
-            <a:endParaRPr lang="en-US" dirty="0"/>
-          </a:p>
-        </p:txBody>
-      </p:sp>
-    </p:spTree>
-    <p:extLst>
-      <p:ext uri="{BB962C8B-B14F-4D97-AF65-F5344CB8AC3E}">
-        <p14:creationId xmlns:p14="http://schemas.microsoft.com/office/powerpoint/2010/main" val="1947256672"/>
-      </p:ext>
-    </p:extLst>
-  </p:cSld>
-  <p:clrMapOvr>
-    <a:masterClrMapping/>
-  </p:clrMapOvr>
-</p:sld>
-</file>
-
-<file path=ppt/slides/slide6.xml><?xml version="1.0" encoding="utf-8"?>
-<p:sld xmlns:a="http://schemas.openxmlformats.org/drawingml/2006/main" xmlns:r="http://schemas.openxmlformats.org/officeDocument/2006/relationships" xmlns:p="http://schemas.openxmlformats.org/presentationml/2006/main">
-  <p:cSld>
-    <p:spTree>
-      <p:nvGrpSpPr>
-        <p:cNvPr id="1" name=""/>
-        <p:cNvGrpSpPr/>
-        <p:nvPr/>
-      </p:nvGrpSpPr>
-      <p:grpSpPr>
-        <a:xfrm>
-          <a:off x="0" y="0"/>
-          <a:ext cx="0" cy="0"/>
-          <a:chOff x="0" y="0"/>
-          <a:chExt cx="0" cy="0"/>
-        </a:xfrm>
-      </p:grpSpPr>
-      <p:sp>
-        <p:nvSpPr>
-          <p:cNvPr id="2" name="Title 1">
-            <a:extLst>
-              <a:ext uri="{FF2B5EF4-FFF2-40B4-BE49-F238E27FC236}">
-                <a16:creationId xmlns:a16="http://schemas.microsoft.com/office/drawing/2014/main" id="{51039411-4E46-468A-90D2-4EEC51DE7DCA}"/>
-              </a:ext>
-            </a:extLst>
-          </p:cNvPr>
-          <p:cNvSpPr>
-            <a:spLocks noGrp="1"/>
-          </p:cNvSpPr>
-          <p:nvPr>
-            <p:ph type="title"/>
-          </p:nvPr>
-        </p:nvSpPr>
-        <p:spPr>
-          <a:xfrm>
-            <a:off x="785327" y="262780"/>
-            <a:ext cx="5867400" cy="1143000"/>
-          </a:xfrm>
-        </p:spPr>
-        <p:txBody>
-          <a:bodyPr anchor="ctr"/>
-          <a:lstStyle/>
-          <a:p>
-            <a:r>
-              <a:rPr lang="en-US" sz="4000" b="1" dirty="0"/>
-              <a:t>Context and Rationale</a:t>
-            </a:r>
-          </a:p>
-        </p:txBody>
-      </p:sp>
-      <p:sp>
-        <p:nvSpPr>
-          <p:cNvPr id="3" name="Content Placeholder 2">
-            <a:extLst>
-              <a:ext uri="{FF2B5EF4-FFF2-40B4-BE49-F238E27FC236}">
-                <a16:creationId xmlns:a16="http://schemas.microsoft.com/office/drawing/2014/main" id="{0F9D510D-AEF4-40C4-B95B-917B6115D08D}"/>
-              </a:ext>
-            </a:extLst>
-          </p:cNvPr>
-          <p:cNvSpPr>
-            <a:spLocks noGrp="1"/>
-          </p:cNvSpPr>
-          <p:nvPr>
-            <p:ph idx="1"/>
-          </p:nvPr>
-        </p:nvSpPr>
-        <p:spPr>
-          <a:xfrm>
-            <a:off x="586274" y="1405780"/>
-            <a:ext cx="6451756" cy="4705233"/>
-          </a:xfrm>
-        </p:spPr>
-        <p:txBody>
-          <a:bodyPr/>
-          <a:lstStyle/>
-          <a:p>
-            <a:pPr marL="0" indent="0">
-              <a:spcBef>
-                <a:spcPts val="1200"/>
-              </a:spcBef>
-              <a:spcAft>
-                <a:spcPts val="1200"/>
-              </a:spcAft>
-              <a:buNone/>
-            </a:pPr>
-            <a:r>
-              <a:rPr lang="en-US" sz="2000" dirty="0">
-                <a:latin typeface="Georgia" panose="02040502050405020303" pitchFamily="18" charset="0"/>
-                <a:cs typeface="Georgia" charset="0"/>
-              </a:rPr>
-              <a:t>Effects versus causes:</a:t>
-            </a:r>
-          </a:p>
-          <a:p>
-            <a:pPr lvl="1">
-              <a:spcBef>
-                <a:spcPts val="1200"/>
-              </a:spcBef>
-              <a:spcAft>
-                <a:spcPts val="1200"/>
-              </a:spcAft>
-              <a:buFont typeface="Wingdings" panose="05000000000000000000" pitchFamily="2" charset="2"/>
-              <a:buChar char="Ø"/>
-            </a:pPr>
-            <a:r>
-              <a:rPr lang="en-US" sz="1800" dirty="0">
-                <a:latin typeface="Georgia" panose="02040502050405020303" pitchFamily="18" charset="0"/>
-                <a:cs typeface="Georgia" charset="0"/>
-              </a:rPr>
-              <a:t>Current literature on the preferential trade agreement mainly focuses on the </a:t>
-            </a:r>
-            <a:r>
-              <a:rPr lang="en-US" sz="1800" b="1" dirty="0">
-                <a:latin typeface="Georgia" panose="02040502050405020303" pitchFamily="18" charset="0"/>
-                <a:cs typeface="Georgia" charset="0"/>
-              </a:rPr>
-              <a:t>effects </a:t>
-            </a:r>
-            <a:r>
-              <a:rPr lang="en-US" sz="1800" dirty="0">
-                <a:latin typeface="Georgia" panose="02040502050405020303" pitchFamily="18" charset="0"/>
-                <a:cs typeface="Georgia" charset="0"/>
-              </a:rPr>
-              <a:t>of this institution: whether they have achieved their economic purposes.</a:t>
-            </a:r>
-          </a:p>
-          <a:p>
-            <a:pPr lvl="1">
-              <a:spcBef>
-                <a:spcPts val="1200"/>
-              </a:spcBef>
-              <a:spcAft>
-                <a:spcPts val="1200"/>
-              </a:spcAft>
-              <a:buFont typeface="Wingdings" panose="05000000000000000000" pitchFamily="2" charset="2"/>
-              <a:buChar char="Ø"/>
-            </a:pPr>
-            <a:r>
-              <a:rPr lang="en-US" sz="1800" dirty="0">
-                <a:latin typeface="Georgia" panose="02040502050405020303" pitchFamily="18" charset="0"/>
-                <a:cs typeface="Georgia" charset="0"/>
-              </a:rPr>
-              <a:t>In contrast, this paper contributes to the </a:t>
-            </a:r>
-            <a:r>
-              <a:rPr lang="en-US" sz="1800" b="1" dirty="0">
-                <a:latin typeface="Georgia" panose="02040502050405020303" pitchFamily="18" charset="0"/>
-                <a:cs typeface="Georgia" charset="0"/>
-              </a:rPr>
-              <a:t>causes </a:t>
-            </a:r>
-            <a:r>
-              <a:rPr lang="en-US" sz="1800" dirty="0">
-                <a:latin typeface="Georgia" panose="02040502050405020303" pitchFamily="18" charset="0"/>
-                <a:cs typeface="Georgia" charset="0"/>
-              </a:rPr>
-              <a:t>of states’ formation of the PTAs.</a:t>
-            </a:r>
-          </a:p>
-          <a:p>
-            <a:pPr marL="0" indent="0">
-              <a:spcBef>
-                <a:spcPts val="1200"/>
-              </a:spcBef>
-              <a:spcAft>
-                <a:spcPts val="1200"/>
-              </a:spcAft>
-              <a:buNone/>
-            </a:pPr>
-            <a:r>
-              <a:rPr lang="en-US" sz="2000" dirty="0">
-                <a:latin typeface="Georgia" panose="02040502050405020303" pitchFamily="18" charset="0"/>
-                <a:cs typeface="Georgia" charset="0"/>
-              </a:rPr>
-              <a:t>What are the gaps in the literature?</a:t>
-            </a:r>
-          </a:p>
-          <a:p>
-            <a:pPr lvl="1">
-              <a:spcBef>
-                <a:spcPts val="1200"/>
-              </a:spcBef>
-              <a:spcAft>
-                <a:spcPts val="1200"/>
-              </a:spcAft>
-              <a:buFont typeface="Wingdings" panose="05000000000000000000" pitchFamily="2" charset="2"/>
-              <a:buChar char="Ø"/>
-            </a:pPr>
-            <a:r>
-              <a:rPr lang="en-US" sz="1800" dirty="0">
-                <a:latin typeface="Georgia" panose="02040502050405020303" pitchFamily="18" charset="0"/>
-              </a:rPr>
-              <a:t>Overlook the design differences of the PTAs: the provision of economic reform comes in.</a:t>
-            </a:r>
-          </a:p>
-          <a:p>
-            <a:pPr lvl="1">
-              <a:spcBef>
-                <a:spcPts val="1200"/>
-              </a:spcBef>
-              <a:spcAft>
-                <a:spcPts val="1200"/>
-              </a:spcAft>
-              <a:buFont typeface="Wingdings" panose="05000000000000000000" pitchFamily="2" charset="2"/>
-              <a:buChar char="Ø"/>
-            </a:pPr>
-            <a:r>
-              <a:rPr lang="en-US" sz="1800" dirty="0">
-                <a:latin typeface="Georgia" panose="02040502050405020303" pitchFamily="18" charset="0"/>
-              </a:rPr>
-              <a:t>Overlook a key actor: How about opposition? </a:t>
-            </a:r>
-          </a:p>
-          <a:p>
-            <a:pPr marL="457200" lvl="1" indent="0">
-              <a:spcBef>
-                <a:spcPts val="1200"/>
-              </a:spcBef>
-              <a:spcAft>
-                <a:spcPts val="1200"/>
-              </a:spcAft>
-              <a:buNone/>
-            </a:pPr>
-            <a:endParaRPr lang="en-US" sz="1800" dirty="0">
-              <a:latin typeface="Georgia" panose="02040502050405020303" pitchFamily="18" charset="0"/>
-            </a:endParaRPr>
-          </a:p>
-          <a:p>
-            <a:pPr lvl="1">
-              <a:spcBef>
-                <a:spcPts val="1200"/>
-              </a:spcBef>
-              <a:spcAft>
-                <a:spcPts val="1200"/>
-              </a:spcAft>
-            </a:pPr>
-            <a:endParaRPr lang="en-US" sz="2000" dirty="0">
-              <a:latin typeface="Georgia" panose="02040502050405020303" pitchFamily="18" charset="0"/>
-            </a:endParaRPr>
-          </a:p>
-          <a:p>
-            <a:pPr lvl="1">
-              <a:spcBef>
-                <a:spcPts val="1200"/>
-              </a:spcBef>
-              <a:spcAft>
-                <a:spcPts val="1200"/>
-              </a:spcAft>
-            </a:pPr>
-            <a:endParaRPr lang="en-US" sz="2000" dirty="0">
-              <a:latin typeface="Georgia" panose="02040502050405020303" pitchFamily="18" charset="0"/>
-            </a:endParaRPr>
-          </a:p>
-          <a:p>
-            <a:pPr marL="0" indent="0">
-              <a:spcBef>
-                <a:spcPts val="1200"/>
-              </a:spcBef>
-              <a:spcAft>
-                <a:spcPts val="1200"/>
-              </a:spcAft>
-              <a:buNone/>
-            </a:pPr>
-            <a:endParaRPr lang="en-US" sz="2000" dirty="0">
-              <a:latin typeface="Georgia" panose="02040502050405020303" pitchFamily="18" charset="0"/>
-            </a:endParaRPr>
-          </a:p>
-          <a:p>
-            <a:pPr marL="0" indent="0">
-              <a:spcBef>
-                <a:spcPts val="1200"/>
-              </a:spcBef>
-              <a:spcAft>
-                <a:spcPts val="1200"/>
-              </a:spcAft>
-              <a:buNone/>
-            </a:pPr>
-            <a:endParaRPr lang="en-US" sz="2400" dirty="0">
-              <a:latin typeface="Georgia" charset="0"/>
-              <a:cs typeface="Georgia" charset="0"/>
-            </a:endParaRPr>
-          </a:p>
-        </p:txBody>
-      </p:sp>
-    </p:spTree>
-    <p:extLst>
-      <p:ext uri="{BB962C8B-B14F-4D97-AF65-F5344CB8AC3E}">
-        <p14:creationId xmlns:p14="http://schemas.microsoft.com/office/powerpoint/2010/main" val="1113776231"/>
-      </p:ext>
-    </p:extLst>
-  </p:cSld>
-  <p:clrMapOvr>
-    <a:masterClrMapping/>
-  </p:clrMapOvr>
-</p:sld>
-</file>
-
-<file path=ppt/slides/slide7.xml><?xml version="1.0" encoding="utf-8"?>
-<p:sld xmlns:a="http://schemas.openxmlformats.org/drawingml/2006/main" xmlns:r="http://schemas.openxmlformats.org/officeDocument/2006/relationships" xmlns:p="http://schemas.openxmlformats.org/presentationml/2006/main">
-  <p:cSld>
-    <p:spTree>
-      <p:nvGrpSpPr>
-        <p:cNvPr id="1" name=""/>
-        <p:cNvGrpSpPr/>
-        <p:nvPr/>
-      </p:nvGrpSpPr>
-      <p:grpSpPr>
-        <a:xfrm>
-          <a:off x="0" y="0"/>
-          <a:ext cx="0" cy="0"/>
-          <a:chOff x="0" y="0"/>
-          <a:chExt cx="0" cy="0"/>
-        </a:xfrm>
-      </p:grpSpPr>
-      <p:sp>
-        <p:nvSpPr>
-          <p:cNvPr id="2" name="Title 1">
-            <a:extLst>
-              <a:ext uri="{FF2B5EF4-FFF2-40B4-BE49-F238E27FC236}">
-                <a16:creationId xmlns:a16="http://schemas.microsoft.com/office/drawing/2014/main" id="{2839DB0F-BC79-49FE-887E-BBDBCBBAA2FB}"/>
-              </a:ext>
-            </a:extLst>
-          </p:cNvPr>
-          <p:cNvSpPr>
-            <a:spLocks noGrp="1"/>
-          </p:cNvSpPr>
-          <p:nvPr>
-            <p:ph type="title"/>
-          </p:nvPr>
-        </p:nvSpPr>
-        <p:spPr>
-          <a:xfrm>
-            <a:off x="1097754" y="465138"/>
-            <a:ext cx="5338763" cy="754062"/>
-          </a:xfrm>
-        </p:spPr>
-        <p:txBody>
-          <a:bodyPr/>
-          <a:lstStyle/>
-          <a:p>
-            <a:r>
-              <a:rPr lang="en-US" sz="4000" b="1" dirty="0"/>
-              <a:t>Context and Rationale</a:t>
-            </a:r>
-            <a:endParaRPr lang="en-US" sz="4000" dirty="0"/>
-          </a:p>
-        </p:txBody>
-      </p:sp>
-      <p:sp>
-        <p:nvSpPr>
-          <p:cNvPr id="3" name="Content Placeholder 2">
-            <a:extLst>
-              <a:ext uri="{FF2B5EF4-FFF2-40B4-BE49-F238E27FC236}">
-                <a16:creationId xmlns:a16="http://schemas.microsoft.com/office/drawing/2014/main" id="{D1DC7531-5F5D-41E0-911F-5893A414187F}"/>
-              </a:ext>
-            </a:extLst>
-          </p:cNvPr>
-          <p:cNvSpPr>
-            <a:spLocks noGrp="1"/>
-          </p:cNvSpPr>
-          <p:nvPr>
-            <p:ph idx="1"/>
-          </p:nvPr>
-        </p:nvSpPr>
-        <p:spPr>
-          <a:xfrm>
-            <a:off x="564776" y="1280160"/>
-            <a:ext cx="6588498" cy="4846004"/>
-          </a:xfrm>
-        </p:spPr>
-        <p:txBody>
-          <a:bodyPr/>
-          <a:lstStyle/>
-          <a:p>
-            <a:pPr marL="0" indent="0">
-              <a:buNone/>
-            </a:pPr>
-            <a:r>
-              <a:rPr lang="en-US" sz="2000" dirty="0">
-                <a:latin typeface="Georgia" panose="02040502050405020303" pitchFamily="18" charset="0"/>
-              </a:rPr>
-              <a:t>Recent studies zoom into the domestic factors within the states to explain this trend. </a:t>
-            </a:r>
-          </a:p>
-          <a:p>
-            <a:pPr lvl="1">
-              <a:buFont typeface="Wingdings" panose="05000000000000000000" pitchFamily="2" charset="2"/>
-              <a:buChar char="Ø"/>
-            </a:pPr>
-            <a:r>
-              <a:rPr lang="en-US" sz="1800" dirty="0">
-                <a:latin typeface="Georgia" panose="02040502050405020303" pitchFamily="18" charset="0"/>
-              </a:rPr>
-              <a:t>Regime types matter: Democratic countries are more likely to join a PTA than nondemocratic countries (Mansfield &amp; Milner, 2012; Mansfield, Milner, &amp; </a:t>
-            </a:r>
-            <a:r>
-              <a:rPr lang="en-US" sz="1800" dirty="0" err="1">
-                <a:latin typeface="Georgia" panose="02040502050405020303" pitchFamily="18" charset="0"/>
-              </a:rPr>
-              <a:t>Rosendorff</a:t>
-            </a:r>
-            <a:r>
-              <a:rPr lang="en-US" sz="1800" dirty="0">
-                <a:latin typeface="Georgia" panose="02040502050405020303" pitchFamily="18" charset="0"/>
-              </a:rPr>
-              <a:t>, 2002). </a:t>
-            </a:r>
-          </a:p>
-          <a:p>
-            <a:pPr lvl="1">
-              <a:buFont typeface="Wingdings" panose="05000000000000000000" pitchFamily="2" charset="2"/>
-              <a:buChar char="Ø"/>
-            </a:pPr>
-            <a:r>
-              <a:rPr lang="en-US" sz="1800" dirty="0">
-                <a:latin typeface="Georgia" panose="02040502050405020303" pitchFamily="18" charset="0"/>
-              </a:rPr>
-              <a:t>Interest groups matter: Grossman and </a:t>
-            </a:r>
-            <a:r>
-              <a:rPr lang="en-US" sz="1800" dirty="0" err="1">
-                <a:latin typeface="Georgia" panose="02040502050405020303" pitchFamily="18" charset="0"/>
-              </a:rPr>
-              <a:t>Helpman</a:t>
-            </a:r>
-            <a:r>
-              <a:rPr lang="en-US" sz="1800" dirty="0">
-                <a:latin typeface="Georgia" panose="02040502050405020303" pitchFamily="18" charset="0"/>
-              </a:rPr>
-              <a:t> (1995)</a:t>
-            </a:r>
-          </a:p>
-          <a:p>
-            <a:pPr lvl="1">
-              <a:buFont typeface="Wingdings" panose="05000000000000000000" pitchFamily="2" charset="2"/>
-              <a:buChar char="Ø"/>
-            </a:pPr>
-            <a:r>
-              <a:rPr lang="en-US" sz="1800" dirty="0">
-                <a:latin typeface="Georgia" panose="02040502050405020303" pitchFamily="18" charset="0"/>
-              </a:rPr>
-              <a:t>Private sectors matter: (</a:t>
-            </a:r>
-            <a:r>
-              <a:rPr lang="en-US" sz="1800" dirty="0" err="1">
-                <a:latin typeface="Georgia" panose="02040502050405020303" pitchFamily="18" charset="0"/>
-              </a:rPr>
-              <a:t>Staiger</a:t>
-            </a:r>
-            <a:r>
-              <a:rPr lang="en-US" sz="1800" dirty="0">
-                <a:latin typeface="Georgia" panose="02040502050405020303" pitchFamily="18" charset="0"/>
-              </a:rPr>
-              <a:t> &amp; </a:t>
-            </a:r>
-            <a:r>
-              <a:rPr lang="en-US" sz="1800" dirty="0" err="1">
-                <a:latin typeface="Georgia" panose="02040502050405020303" pitchFamily="18" charset="0"/>
-              </a:rPr>
-              <a:t>Tabellini</a:t>
-            </a:r>
-            <a:r>
-              <a:rPr lang="en-US" sz="1800" dirty="0">
-                <a:latin typeface="Georgia" panose="02040502050405020303" pitchFamily="18" charset="0"/>
-              </a:rPr>
-              <a:t>, 1999). </a:t>
-            </a:r>
-          </a:p>
-          <a:p>
-            <a:pPr marL="0" indent="0">
-              <a:buNone/>
-            </a:pPr>
-            <a:endParaRPr lang="en-US" sz="2000" dirty="0">
-              <a:latin typeface="Georgia" panose="02040502050405020303" pitchFamily="18" charset="0"/>
-            </a:endParaRPr>
-          </a:p>
-          <a:p>
-            <a:pPr marL="0" indent="0">
-              <a:buNone/>
-            </a:pPr>
-            <a:r>
-              <a:rPr lang="en-US" sz="2000" dirty="0">
-                <a:latin typeface="Georgia" panose="02040502050405020303" pitchFamily="18" charset="0"/>
-              </a:rPr>
-              <a:t>Opposition matters: </a:t>
-            </a:r>
-          </a:p>
-          <a:p>
-            <a:pPr lvl="1">
-              <a:buFont typeface="Wingdings" panose="05000000000000000000" pitchFamily="2" charset="2"/>
-              <a:buChar char="Ø"/>
-            </a:pPr>
-            <a:r>
-              <a:rPr lang="en-US" sz="1800" dirty="0">
-                <a:latin typeface="Georgia" panose="02040502050405020303" pitchFamily="18" charset="0"/>
-              </a:rPr>
-              <a:t>A leader negotiates a PTA with the provision of economic reform to punish the opponents’ past transgression. </a:t>
-            </a:r>
-          </a:p>
-          <a:p>
-            <a:endParaRPr lang="en-US" sz="2000" dirty="0">
-              <a:latin typeface="Georgia" panose="02040502050405020303" pitchFamily="18" charset="0"/>
-            </a:endParaRPr>
-          </a:p>
-          <a:p>
-            <a:endParaRPr lang="en-US" sz="2000" dirty="0">
-              <a:latin typeface="Georgia" panose="02040502050405020303" pitchFamily="18" charset="0"/>
-            </a:endParaRPr>
-          </a:p>
-        </p:txBody>
-      </p:sp>
-    </p:spTree>
-    <p:extLst>
-      <p:ext uri="{BB962C8B-B14F-4D97-AF65-F5344CB8AC3E}">
-        <p14:creationId xmlns:p14="http://schemas.microsoft.com/office/powerpoint/2010/main" val="1665805896"/>
-      </p:ext>
-    </p:extLst>
-  </p:cSld>
-  <p:clrMapOvr>
-    <a:masterClrMapping/>
-  </p:clrMapOvr>
-</p:sld>
-</file>
-
-<file path=ppt/slides/slide8.xml><?xml version="1.0" encoding="utf-8"?>
-<p:sld xmlns:a="http://schemas.openxmlformats.org/drawingml/2006/main" xmlns:r="http://schemas.openxmlformats.org/officeDocument/2006/relationships" xmlns:p="http://schemas.openxmlformats.org/presentationml/2006/main">
-  <p:cSld>
-    <p:spTree>
-      <p:nvGrpSpPr>
-        <p:cNvPr id="1" name=""/>
-        <p:cNvGrpSpPr/>
-        <p:nvPr/>
-      </p:nvGrpSpPr>
-      <p:grpSpPr>
-        <a:xfrm>
-          <a:off x="0" y="0"/>
-          <a:ext cx="0" cy="0"/>
-          <a:chOff x="0" y="0"/>
-          <a:chExt cx="0" cy="0"/>
-        </a:xfrm>
-      </p:grpSpPr>
-      <p:sp>
-        <p:nvSpPr>
-          <p:cNvPr id="2" name="Title 1">
-            <a:extLst>
-              <a:ext uri="{FF2B5EF4-FFF2-40B4-BE49-F238E27FC236}">
-                <a16:creationId xmlns:a16="http://schemas.microsoft.com/office/drawing/2014/main" id="{51039411-4E46-468A-90D2-4EEC51DE7DCA}"/>
-              </a:ext>
-            </a:extLst>
-          </p:cNvPr>
-          <p:cNvSpPr>
-            <a:spLocks noGrp="1"/>
-          </p:cNvSpPr>
-          <p:nvPr>
-            <p:ph type="title"/>
-          </p:nvPr>
-        </p:nvSpPr>
-        <p:spPr>
-          <a:xfrm>
-            <a:off x="803988" y="300460"/>
-            <a:ext cx="5867400" cy="1143000"/>
-          </a:xfrm>
-        </p:spPr>
-        <p:txBody>
-          <a:bodyPr anchor="ctr"/>
-          <a:lstStyle/>
-          <a:p>
-            <a:r>
-              <a:rPr lang="en-US" sz="4000" b="1" dirty="0"/>
-              <a:t>Context and Rationale</a:t>
-            </a:r>
-          </a:p>
-        </p:txBody>
-      </p:sp>
-      <p:sp>
-        <p:nvSpPr>
-          <p:cNvPr id="3" name="Content Placeholder 2">
-            <a:extLst>
-              <a:ext uri="{FF2B5EF4-FFF2-40B4-BE49-F238E27FC236}">
-                <a16:creationId xmlns:a16="http://schemas.microsoft.com/office/drawing/2014/main" id="{0F9D510D-AEF4-40C4-B95B-917B6115D08D}"/>
-              </a:ext>
-            </a:extLst>
-          </p:cNvPr>
-          <p:cNvSpPr>
-            <a:spLocks noGrp="1"/>
-          </p:cNvSpPr>
-          <p:nvPr>
-            <p:ph idx="1"/>
-          </p:nvPr>
-        </p:nvSpPr>
-        <p:spPr>
-          <a:xfrm>
-            <a:off x="380999" y="1600200"/>
-            <a:ext cx="6952861" cy="4705233"/>
-          </a:xfrm>
-        </p:spPr>
-        <p:txBody>
-          <a:bodyPr/>
-          <a:lstStyle/>
-          <a:p>
-            <a:pPr marL="0" indent="0">
-              <a:buNone/>
-            </a:pPr>
-            <a:r>
-              <a:rPr lang="en-US" sz="2000" dirty="0">
-                <a:latin typeface="Georgia" panose="02040502050405020303" pitchFamily="18" charset="0"/>
-              </a:rPr>
-              <a:t>Highlights:</a:t>
-            </a:r>
-          </a:p>
-          <a:p>
-            <a:pPr marL="0" indent="0">
-              <a:buNone/>
-            </a:pPr>
-            <a:endParaRPr lang="en-US" sz="2000" dirty="0">
-              <a:latin typeface="Georgia" panose="02040502050405020303" pitchFamily="18" charset="0"/>
-            </a:endParaRPr>
-          </a:p>
-          <a:p>
-            <a:pPr lvl="1">
-              <a:buFont typeface="Wingdings" panose="05000000000000000000" pitchFamily="2" charset="2"/>
-              <a:buChar char="Ø"/>
-            </a:pPr>
-            <a:r>
-              <a:rPr lang="en-US" sz="1800" dirty="0">
-                <a:latin typeface="Georgia" panose="02040502050405020303" pitchFamily="18" charset="0"/>
-              </a:rPr>
-              <a:t>leaders negotiate PTAs for </a:t>
-            </a:r>
-            <a:r>
-              <a:rPr lang="en-US" sz="1800" b="1" dirty="0">
-                <a:latin typeface="Georgia" panose="02040502050405020303" pitchFamily="18" charset="0"/>
-              </a:rPr>
-              <a:t>political reason</a:t>
-            </a:r>
-            <a:r>
-              <a:rPr lang="en-US" sz="1800" dirty="0">
-                <a:latin typeface="Georgia" panose="02040502050405020303" pitchFamily="18" charset="0"/>
-              </a:rPr>
-              <a:t>.</a:t>
-            </a:r>
-          </a:p>
-          <a:p>
-            <a:pPr lvl="1">
-              <a:buFont typeface="Wingdings" panose="05000000000000000000" pitchFamily="2" charset="2"/>
-              <a:buChar char="Ø"/>
-            </a:pPr>
-            <a:r>
-              <a:rPr lang="en-US" sz="1800" dirty="0">
-                <a:latin typeface="Georgia" panose="02040502050405020303" pitchFamily="18" charset="0"/>
-              </a:rPr>
-              <a:t>PTA negotiation is a deliberate choice that a leader makes to commit to the binding and stringent policy reforms to rearrange the domestic power structures.</a:t>
-            </a:r>
-          </a:p>
-          <a:p>
-            <a:endParaRPr lang="en-US" sz="2000" dirty="0">
-              <a:latin typeface="Georgia" panose="02040502050405020303" pitchFamily="18" charset="0"/>
-            </a:endParaRPr>
-          </a:p>
-        </p:txBody>
-      </p:sp>
-    </p:spTree>
-    <p:extLst>
-      <p:ext uri="{BB962C8B-B14F-4D97-AF65-F5344CB8AC3E}">
-        <p14:creationId xmlns:p14="http://schemas.microsoft.com/office/powerpoint/2010/main" val="3057869799"/>
-      </p:ext>
-    </p:extLst>
-  </p:cSld>
-  <p:clrMapOvr>
-    <a:masterClrMapping/>
-  </p:clrMapOvr>
-</p:sld>
-</file>
-
-<file path=ppt/slides/slide9.xml><?xml version="1.0" encoding="utf-8"?>
-<p:sld xmlns:a="http://schemas.openxmlformats.org/drawingml/2006/main" xmlns:r="http://schemas.openxmlformats.org/officeDocument/2006/relationships" xmlns:p="http://schemas.openxmlformats.org/presentationml/2006/main">
-  <p:cSld>
-    <p:spTree>
-      <p:nvGrpSpPr>
-        <p:cNvPr id="1" name=""/>
-        <p:cNvGrpSpPr/>
-        <p:nvPr/>
-      </p:nvGrpSpPr>
-      <p:grpSpPr>
-        <a:xfrm>
-          <a:off x="0" y="0"/>
-          <a:ext cx="0" cy="0"/>
-          <a:chOff x="0" y="0"/>
-          <a:chExt cx="0" cy="0"/>
-        </a:xfrm>
-      </p:grpSpPr>
-      <p:sp>
-        <p:nvSpPr>
-          <p:cNvPr id="2" name="Title 1">
-            <a:extLst>
-              <a:ext uri="{FF2B5EF4-FFF2-40B4-BE49-F238E27FC236}">
-                <a16:creationId xmlns:a16="http://schemas.microsoft.com/office/drawing/2014/main" id="{51039411-4E46-468A-90D2-4EEC51DE7DCA}"/>
-              </a:ext>
-            </a:extLst>
-          </p:cNvPr>
-          <p:cNvSpPr>
-            <a:spLocks noGrp="1"/>
-          </p:cNvSpPr>
-          <p:nvPr>
-            <p:ph type="title"/>
-          </p:nvPr>
-        </p:nvSpPr>
-        <p:spPr>
-          <a:xfrm>
-            <a:off x="380999" y="188913"/>
-            <a:ext cx="7117081" cy="1143000"/>
-          </a:xfrm>
-        </p:spPr>
-        <p:txBody>
-          <a:bodyPr anchor="t"/>
-          <a:lstStyle/>
-          <a:p>
-            <a:r>
-              <a:rPr lang="en-US" sz="4000" b="1" dirty="0"/>
-              <a:t>Theory: The Logic of Economic Reforms </a:t>
-            </a:r>
-          </a:p>
-        </p:txBody>
-      </p:sp>
-      <p:sp>
-        <p:nvSpPr>
-          <p:cNvPr id="3" name="Content Placeholder 2">
-            <a:extLst>
-              <a:ext uri="{FF2B5EF4-FFF2-40B4-BE49-F238E27FC236}">
-                <a16:creationId xmlns:a16="http://schemas.microsoft.com/office/drawing/2014/main" id="{0F9D510D-AEF4-40C4-B95B-917B6115D08D}"/>
-              </a:ext>
-            </a:extLst>
-          </p:cNvPr>
-          <p:cNvSpPr>
-            <a:spLocks noGrp="1"/>
-          </p:cNvSpPr>
-          <p:nvPr>
-            <p:ph idx="1"/>
-          </p:nvPr>
-        </p:nvSpPr>
-        <p:spPr>
-          <a:xfrm>
-            <a:off x="380999" y="1600200"/>
-            <a:ext cx="6977743" cy="4705233"/>
-          </a:xfrm>
-        </p:spPr>
-        <p:txBody>
-          <a:bodyPr/>
-          <a:lstStyle/>
-          <a:p>
-            <a:endParaRPr lang="en-US" sz="2400" dirty="0">
-              <a:latin typeface="Georgia" charset="0"/>
-            </a:endParaRPr>
-          </a:p>
-          <a:p>
-            <a:pPr marL="0" indent="0">
-              <a:buNone/>
-            </a:pPr>
-            <a:endParaRPr lang="en-US" sz="2400" dirty="0">
-              <a:latin typeface="Georgia" charset="0"/>
-            </a:endParaRPr>
-          </a:p>
-          <a:p>
-            <a:pPr>
-              <a:spcBef>
-                <a:spcPts val="1200"/>
-              </a:spcBef>
-              <a:spcAft>
-                <a:spcPts val="1200"/>
-              </a:spcAft>
-            </a:pPr>
-            <a:endParaRPr lang="en-US" sz="2400" dirty="0">
-              <a:latin typeface="Georgia" charset="0"/>
-              <a:cs typeface="Georgia" charset="0"/>
-            </a:endParaRPr>
-          </a:p>
-        </p:txBody>
-      </p:sp>
-    </p:spTree>
-    <p:extLst>
-      <p:ext uri="{BB962C8B-B14F-4D97-AF65-F5344CB8AC3E}">
-        <p14:creationId xmlns:p14="http://schemas.microsoft.com/office/powerpoint/2010/main" val="2464760328"/>
       </p:ext>
     </p:extLst>
   </p:cSld>
